--- a/docs/Teams Sucks Presentation.pptx
+++ b/docs/Teams Sucks Presentation.pptx
@@ -6,6 +6,7 @@
   </p:sldMasterIdLst>
   <p:sldIdLst>
     <p:sldId id="256" r:id="rId2"/>
+    <p:sldId id="257" r:id="rId3"/>
   </p:sldIdLst>
   <p:sldSz cx="12192000" cy="6858000"/>
   <p:notesSz cx="6858000" cy="9144000"/>
@@ -104,6 +105,11 @@
       </a:defRPr>
     </a:lvl9pPr>
   </p:defaultTextStyle>
+  <p:extLst>
+    <p:ext uri="{EFAFB233-063F-42B5-8137-9DF3F51BA10A}">
+      <p15:sldGuideLst xmlns:p15="http://schemas.microsoft.com/office/powerpoint/2012/main"/>
+    </p:ext>
+  </p:extLst>
 </p:presentation>
 </file>
 
@@ -154,10 +160,7 @@
             </a:lvl1pPr>
           </a:lstStyle>
           <a:p>
-            <a:r>
-              <a:rPr lang="en-US"/>
-              <a:t>Click to edit Master title style</a:t>
-            </a:r>
+            <a:endParaRPr lang="en-US" dirty="0"/>
           </a:p>
         </p:txBody>
       </p:sp>
@@ -224,93 +227,7 @@
             </a:lvl9pPr>
           </a:lstStyle>
           <a:p>
-            <a:r>
-              <a:rPr lang="en-US"/>
-              <a:t>Click to edit Master subtitle style</a:t>
-            </a:r>
-          </a:p>
-        </p:txBody>
-      </p:sp>
-      <p:sp>
-        <p:nvSpPr>
-          <p:cNvPr id="4" name="Date Placeholder 3">
-            <a:extLst>
-              <a:ext uri="{FF2B5EF4-FFF2-40B4-BE49-F238E27FC236}">
-                <a16:creationId xmlns:a16="http://schemas.microsoft.com/office/drawing/2014/main" id="{80BB4737-854E-44E9-A296-7F62CD04F8BE}"/>
-              </a:ext>
-            </a:extLst>
-          </p:cNvPr>
-          <p:cNvSpPr>
-            <a:spLocks noGrp="1"/>
-          </p:cNvSpPr>
-          <p:nvPr>
-            <p:ph type="dt" sz="half" idx="10"/>
-          </p:nvPr>
-        </p:nvSpPr>
-        <p:spPr/>
-        <p:txBody>
-          <a:bodyPr/>
-          <a:lstStyle/>
-          <a:p>
-            <a:fld id="{8857C0AE-C8A8-4DE6-9322-18FE594FF65F}" type="datetimeFigureOut">
-              <a:rPr lang="en-US" smtClean="0"/>
-              <a:t>1/27/2022</a:t>
-            </a:fld>
-            <a:endParaRPr lang="en-US"/>
-          </a:p>
-        </p:txBody>
-      </p:sp>
-      <p:sp>
-        <p:nvSpPr>
-          <p:cNvPr id="5" name="Footer Placeholder 4">
-            <a:extLst>
-              <a:ext uri="{FF2B5EF4-FFF2-40B4-BE49-F238E27FC236}">
-                <a16:creationId xmlns:a16="http://schemas.microsoft.com/office/drawing/2014/main" id="{25DBA24A-D361-4E57-B91F-E30954DD56FB}"/>
-              </a:ext>
-            </a:extLst>
-          </p:cNvPr>
-          <p:cNvSpPr>
-            <a:spLocks noGrp="1"/>
-          </p:cNvSpPr>
-          <p:nvPr>
-            <p:ph type="ftr" sz="quarter" idx="11"/>
-          </p:nvPr>
-        </p:nvSpPr>
-        <p:spPr/>
-        <p:txBody>
-          <a:bodyPr/>
-          <a:lstStyle/>
-          <a:p>
-            <a:endParaRPr lang="en-US"/>
-          </a:p>
-        </p:txBody>
-      </p:sp>
-      <p:sp>
-        <p:nvSpPr>
-          <p:cNvPr id="6" name="Slide Number Placeholder 5">
-            <a:extLst>
-              <a:ext uri="{FF2B5EF4-FFF2-40B4-BE49-F238E27FC236}">
-                <a16:creationId xmlns:a16="http://schemas.microsoft.com/office/drawing/2014/main" id="{C4AA0F56-A040-4360-9E52-B8128ABC6E8E}"/>
-              </a:ext>
-            </a:extLst>
-          </p:cNvPr>
-          <p:cNvSpPr>
-            <a:spLocks noGrp="1"/>
-          </p:cNvSpPr>
-          <p:nvPr>
-            <p:ph type="sldNum" sz="quarter" idx="12"/>
-          </p:nvPr>
-        </p:nvSpPr>
-        <p:spPr/>
-        <p:txBody>
-          <a:bodyPr/>
-          <a:lstStyle/>
-          <a:p>
-            <a:fld id="{A784B025-6D13-49F0-9559-DCC40201FEE9}" type="slidenum">
-              <a:rPr lang="en-US" smtClean="0"/>
-              <a:t>‹#›</a:t>
-            </a:fld>
-            <a:endParaRPr lang="en-US"/>
+            <a:endParaRPr lang="en-US" dirty="0"/>
           </a:p>
         </p:txBody>
       </p:sp>
@@ -3307,6 +3224,17 @@
 <file path=ppt/slides/slide1.xml><?xml version="1.0" encoding="utf-8"?>
 <p:sld xmlns:a="http://schemas.openxmlformats.org/drawingml/2006/main" xmlns:r="http://schemas.openxmlformats.org/officeDocument/2006/relationships" xmlns:p="http://schemas.openxmlformats.org/presentationml/2006/main">
   <p:cSld>
+    <p:bg>
+      <p:bgPr>
+        <a:solidFill>
+          <a:schemeClr val="bg1">
+            <a:tint val="95000"/>
+            <a:satMod val="170000"/>
+          </a:schemeClr>
+        </a:solidFill>
+        <a:effectLst/>
+      </p:bgPr>
+    </p:bg>
     <p:spTree>
       <p:nvGrpSpPr>
         <p:cNvPr id="1" name=""/>
@@ -3337,44 +3265,1905 @@
             <p:ph type="ctrTitle"/>
           </p:nvPr>
         </p:nvSpPr>
-        <p:spPr/>
-        <p:txBody>
-          <a:bodyPr/>
-          <a:lstStyle/>
-          <a:p>
+        <p:spPr>
+          <a:xfrm>
+            <a:off x="4128368" y="4522156"/>
+            <a:ext cx="4937937" cy="1363215"/>
+          </a:xfrm>
+        </p:spPr>
+        <p:txBody>
+          <a:bodyPr anchor="t">
+            <a:normAutofit/>
+          </a:bodyPr>
+          <a:lstStyle/>
+          <a:p>
+            <a:pPr algn="l"/>
+            <a:r>
+              <a:rPr lang="en-GB" sz="5400" dirty="0"/>
+              <a:t>You’re on Mute</a:t>
+            </a:r>
+            <a:endParaRPr lang="en-US" sz="5400" dirty="0"/>
+          </a:p>
+        </p:txBody>
+      </p:sp>
+      <p:sp>
+        <p:nvSpPr>
+          <p:cNvPr id="3" name="Subtitle 2">
+            <a:extLst>
+              <a:ext uri="{FF2B5EF4-FFF2-40B4-BE49-F238E27FC236}">
+                <a16:creationId xmlns:a16="http://schemas.microsoft.com/office/drawing/2014/main" id="{8D4086D4-478A-47AB-9FEA-8026F7762C16}"/>
+              </a:ext>
+            </a:extLst>
+          </p:cNvPr>
+          <p:cNvSpPr>
+            <a:spLocks noGrp="1"/>
+          </p:cNvSpPr>
+          <p:nvPr>
+            <p:ph type="subTitle" idx="1"/>
+          </p:nvPr>
+        </p:nvSpPr>
+        <p:spPr>
+          <a:xfrm>
+            <a:off x="4128370" y="3945418"/>
+            <a:ext cx="4937936" cy="576738"/>
+          </a:xfrm>
+        </p:spPr>
+        <p:txBody>
+          <a:bodyPr anchor="b">
+            <a:normAutofit/>
+          </a:bodyPr>
+          <a:lstStyle/>
+          <a:p>
+            <a:pPr algn="l"/>
+            <a:r>
+              <a:rPr lang="en-GB" sz="2000" dirty="0"/>
+              <a:t>Hardware to Control M$ Teams</a:t>
+            </a:r>
+            <a:endParaRPr lang="en-US" sz="2000" dirty="0"/>
+          </a:p>
+        </p:txBody>
+      </p:sp>
+      <p:sp>
+        <p:nvSpPr>
+          <p:cNvPr id="13" name="Freeform: Shape 12">
+            <a:extLst>
+              <a:ext uri="{FF2B5EF4-FFF2-40B4-BE49-F238E27FC236}">
+                <a16:creationId xmlns:a16="http://schemas.microsoft.com/office/drawing/2014/main" id="{2E2D6188-24E5-426A-BB2A-3FA2D6B9C3EF}"/>
+              </a:ext>
+              <a:ext uri="{C183D7F6-B498-43B3-948B-1728B52AA6E4}">
+                <adec:decorative xmlns:adec="http://schemas.microsoft.com/office/drawing/2017/decorative" val="1"/>
+              </a:ext>
+            </a:extLst>
+          </p:cNvPr>
+          <p:cNvSpPr>
+            <a:spLocks noGrp="1" noRot="1" noChangeAspect="1" noMove="1" noResize="1" noEditPoints="1" noAdjustHandles="1" noChangeArrowheads="1" noChangeShapeType="1" noTextEdit="1"/>
+          </p:cNvSpPr>
+          <p:nvPr>
+            <p:extLst>
+              <p:ext uri="{386F3935-93C4-4BCD-93E2-E3B085C9AB24}">
+                <p16:designElem xmlns:p16="http://schemas.microsoft.com/office/powerpoint/2015/main" val="1"/>
+              </p:ext>
+            </p:extLst>
+          </p:nvPr>
+        </p:nvSpPr>
+        <p:spPr>
+          <a:xfrm>
+            <a:off x="0" y="2288331"/>
+            <a:ext cx="3564638" cy="4569668"/>
+          </a:xfrm>
+          <a:custGeom>
+            <a:avLst/>
+            <a:gdLst>
+              <a:gd name="connsiteX0" fmla="*/ 640080 w 3564638"/>
+              <a:gd name="connsiteY0" fmla="*/ 0 h 4569668"/>
+              <a:gd name="connsiteX1" fmla="*/ 3564638 w 3564638"/>
+              <a:gd name="connsiteY1" fmla="*/ 2924558 h 4569668"/>
+              <a:gd name="connsiteX2" fmla="*/ 3065170 w 3564638"/>
+              <a:gd name="connsiteY2" fmla="*/ 4559707 h 4569668"/>
+              <a:gd name="connsiteX3" fmla="*/ 3057720 w 3564638"/>
+              <a:gd name="connsiteY3" fmla="*/ 4569668 h 4569668"/>
+              <a:gd name="connsiteX4" fmla="*/ 0 w 3564638"/>
+              <a:gd name="connsiteY4" fmla="*/ 4569668 h 4569668"/>
+              <a:gd name="connsiteX5" fmla="*/ 0 w 3564638"/>
+              <a:gd name="connsiteY5" fmla="*/ 72448 h 4569668"/>
+              <a:gd name="connsiteX6" fmla="*/ 50679 w 3564638"/>
+              <a:gd name="connsiteY6" fmla="*/ 59417 h 4569668"/>
+              <a:gd name="connsiteX7" fmla="*/ 640080 w 3564638"/>
+              <a:gd name="connsiteY7" fmla="*/ 0 h 4569668"/>
+            </a:gdLst>
+            <a:ahLst/>
+            <a:cxnLst>
+              <a:cxn ang="0">
+                <a:pos x="connsiteX0" y="connsiteY0"/>
+              </a:cxn>
+              <a:cxn ang="0">
+                <a:pos x="connsiteX1" y="connsiteY1"/>
+              </a:cxn>
+              <a:cxn ang="0">
+                <a:pos x="connsiteX2" y="connsiteY2"/>
+              </a:cxn>
+              <a:cxn ang="0">
+                <a:pos x="connsiteX3" y="connsiteY3"/>
+              </a:cxn>
+              <a:cxn ang="0">
+                <a:pos x="connsiteX4" y="connsiteY4"/>
+              </a:cxn>
+              <a:cxn ang="0">
+                <a:pos x="connsiteX5" y="connsiteY5"/>
+              </a:cxn>
+              <a:cxn ang="0">
+                <a:pos x="connsiteX6" y="connsiteY6"/>
+              </a:cxn>
+              <a:cxn ang="0">
+                <a:pos x="connsiteX7" y="connsiteY7"/>
+              </a:cxn>
+            </a:cxnLst>
+            <a:rect l="l" t="t" r="r" b="b"/>
+            <a:pathLst>
+              <a:path w="3564638" h="4569668">
+                <a:moveTo>
+                  <a:pt x="640080" y="0"/>
+                </a:moveTo>
+                <a:cubicBezTo>
+                  <a:pt x="2255269" y="0"/>
+                  <a:pt x="3564638" y="1309369"/>
+                  <a:pt x="3564638" y="2924558"/>
+                </a:cubicBezTo>
+                <a:cubicBezTo>
+                  <a:pt x="3564638" y="3530254"/>
+                  <a:pt x="3380508" y="4092944"/>
+                  <a:pt x="3065170" y="4559707"/>
+                </a:cubicBezTo>
+                <a:lnTo>
+                  <a:pt x="3057720" y="4569668"/>
+                </a:lnTo>
+                <a:lnTo>
+                  <a:pt x="0" y="4569668"/>
+                </a:lnTo>
+                <a:lnTo>
+                  <a:pt x="0" y="72448"/>
+                </a:lnTo>
+                <a:lnTo>
+                  <a:pt x="50679" y="59417"/>
+                </a:lnTo>
+                <a:cubicBezTo>
+                  <a:pt x="241061" y="20459"/>
+                  <a:pt x="438181" y="0"/>
+                  <a:pt x="640080" y="0"/>
+                </a:cubicBezTo>
+                <a:close/>
+              </a:path>
+            </a:pathLst>
+          </a:custGeom>
+          <a:solidFill>
+            <a:schemeClr val="tx1"/>
+          </a:solidFill>
+          <a:ln>
+            <a:noFill/>
+          </a:ln>
+        </p:spPr>
+        <p:style>
+          <a:lnRef idx="2">
+            <a:schemeClr val="accent1">
+              <a:shade val="50000"/>
+            </a:schemeClr>
+          </a:lnRef>
+          <a:fillRef idx="1">
+            <a:schemeClr val="accent1"/>
+          </a:fillRef>
+          <a:effectRef idx="0">
+            <a:schemeClr val="accent1"/>
+          </a:effectRef>
+          <a:fontRef idx="minor">
+            <a:schemeClr val="lt1"/>
+          </a:fontRef>
+        </p:style>
+        <p:txBody>
+          <a:bodyPr wrap="square" rtlCol="0" anchor="ctr">
+            <a:noAutofit/>
+          </a:bodyPr>
+          <a:lstStyle/>
+          <a:p>
+            <a:pPr algn="ctr"/>
             <a:endParaRPr lang="en-US"/>
           </a:p>
         </p:txBody>
       </p:sp>
       <p:sp>
         <p:nvSpPr>
-          <p:cNvPr id="3" name="Subtitle 2">
-            <a:extLst>
-              <a:ext uri="{FF2B5EF4-FFF2-40B4-BE49-F238E27FC236}">
-                <a16:creationId xmlns:a16="http://schemas.microsoft.com/office/drawing/2014/main" id="{8D4086D4-478A-47AB-9FEA-8026F7762C16}"/>
-              </a:ext>
-            </a:extLst>
-          </p:cNvPr>
-          <p:cNvSpPr>
-            <a:spLocks noGrp="1"/>
-          </p:cNvSpPr>
-          <p:nvPr>
-            <p:ph type="subTitle" idx="1"/>
-          </p:nvPr>
-        </p:nvSpPr>
-        <p:spPr/>
-        <p:txBody>
-          <a:bodyPr/>
-          <a:lstStyle/>
-          <a:p>
+          <p:cNvPr id="15" name="Freeform: Shape 14">
+            <a:extLst>
+              <a:ext uri="{FF2B5EF4-FFF2-40B4-BE49-F238E27FC236}">
+                <a16:creationId xmlns:a16="http://schemas.microsoft.com/office/drawing/2014/main" id="{F6E384F5-137A-40B1-97F0-694CC6ECD59C}"/>
+              </a:ext>
+              <a:ext uri="{C183D7F6-B498-43B3-948B-1728B52AA6E4}">
+                <adec:decorative xmlns:adec="http://schemas.microsoft.com/office/drawing/2017/decorative" val="1"/>
+              </a:ext>
+            </a:extLst>
+          </p:cNvPr>
+          <p:cNvSpPr>
+            <a:spLocks noGrp="1" noRot="1" noChangeAspect="1" noMove="1" noResize="1" noEditPoints="1" noAdjustHandles="1" noChangeArrowheads="1" noChangeShapeType="1" noTextEdit="1"/>
+          </p:cNvSpPr>
+          <p:nvPr>
+            <p:extLst>
+              <p:ext uri="{386F3935-93C4-4BCD-93E2-E3B085C9AB24}">
+                <p16:designElem xmlns:p16="http://schemas.microsoft.com/office/powerpoint/2015/main" val="1"/>
+              </p:ext>
+            </p:extLst>
+          </p:nvPr>
+        </p:nvSpPr>
+        <p:spPr>
+          <a:xfrm>
+            <a:off x="0" y="2122218"/>
+            <a:ext cx="3730752" cy="4735782"/>
+          </a:xfrm>
+          <a:custGeom>
+            <a:avLst/>
+            <a:gdLst>
+              <a:gd name="connsiteX0" fmla="*/ 640080 w 3730752"/>
+              <a:gd name="connsiteY0" fmla="*/ 0 h 4735782"/>
+              <a:gd name="connsiteX1" fmla="*/ 3730752 w 3730752"/>
+              <a:gd name="connsiteY1" fmla="*/ 3090672 h 4735782"/>
+              <a:gd name="connsiteX2" fmla="*/ 3357725 w 3730752"/>
+              <a:gd name="connsiteY2" fmla="*/ 4563870 h 4735782"/>
+              <a:gd name="connsiteX3" fmla="*/ 3253285 w 3730752"/>
+              <a:gd name="connsiteY3" fmla="*/ 4735782 h 4735782"/>
+              <a:gd name="connsiteX4" fmla="*/ 0 w 3730752"/>
+              <a:gd name="connsiteY4" fmla="*/ 4735782 h 4735782"/>
+              <a:gd name="connsiteX5" fmla="*/ 0 w 3730752"/>
+              <a:gd name="connsiteY5" fmla="*/ 67215 h 4735782"/>
+              <a:gd name="connsiteX6" fmla="*/ 17202 w 3730752"/>
+              <a:gd name="connsiteY6" fmla="*/ 62792 h 4735782"/>
+              <a:gd name="connsiteX7" fmla="*/ 640080 w 3730752"/>
+              <a:gd name="connsiteY7" fmla="*/ 0 h 4735782"/>
+            </a:gdLst>
+            <a:ahLst/>
+            <a:cxnLst>
+              <a:cxn ang="0">
+                <a:pos x="connsiteX0" y="connsiteY0"/>
+              </a:cxn>
+              <a:cxn ang="0">
+                <a:pos x="connsiteX1" y="connsiteY1"/>
+              </a:cxn>
+              <a:cxn ang="0">
+                <a:pos x="connsiteX2" y="connsiteY2"/>
+              </a:cxn>
+              <a:cxn ang="0">
+                <a:pos x="connsiteX3" y="connsiteY3"/>
+              </a:cxn>
+              <a:cxn ang="0">
+                <a:pos x="connsiteX4" y="connsiteY4"/>
+              </a:cxn>
+              <a:cxn ang="0">
+                <a:pos x="connsiteX5" y="connsiteY5"/>
+              </a:cxn>
+              <a:cxn ang="0">
+                <a:pos x="connsiteX6" y="connsiteY6"/>
+              </a:cxn>
+              <a:cxn ang="0">
+                <a:pos x="connsiteX7" y="connsiteY7"/>
+              </a:cxn>
+            </a:cxnLst>
+            <a:rect l="l" t="t" r="r" b="b"/>
+            <a:pathLst>
+              <a:path w="3730752" h="4735782">
+                <a:moveTo>
+                  <a:pt x="640080" y="0"/>
+                </a:moveTo>
+                <a:cubicBezTo>
+                  <a:pt x="2347011" y="0"/>
+                  <a:pt x="3730752" y="1383741"/>
+                  <a:pt x="3730752" y="3090672"/>
+                </a:cubicBezTo>
+                <a:cubicBezTo>
+                  <a:pt x="3730752" y="3624088"/>
+                  <a:pt x="3595621" y="4125943"/>
+                  <a:pt x="3357725" y="4563870"/>
+                </a:cubicBezTo>
+                <a:lnTo>
+                  <a:pt x="3253285" y="4735782"/>
+                </a:lnTo>
+                <a:lnTo>
+                  <a:pt x="0" y="4735782"/>
+                </a:lnTo>
+                <a:lnTo>
+                  <a:pt x="0" y="67215"/>
+                </a:lnTo>
+                <a:lnTo>
+                  <a:pt x="17202" y="62792"/>
+                </a:lnTo>
+                <a:cubicBezTo>
+                  <a:pt x="218397" y="21621"/>
+                  <a:pt x="426714" y="0"/>
+                  <a:pt x="640080" y="0"/>
+                </a:cubicBezTo>
+                <a:close/>
+              </a:path>
+            </a:pathLst>
+          </a:custGeom>
+          <a:solidFill>
+            <a:srgbClr val="FFFFFF">
+              <a:alpha val="80000"/>
+            </a:srgbClr>
+          </a:solidFill>
+          <a:ln>
+            <a:noFill/>
+          </a:ln>
+        </p:spPr>
+        <p:style>
+          <a:lnRef idx="2">
+            <a:schemeClr val="accent1">
+              <a:shade val="50000"/>
+            </a:schemeClr>
+          </a:lnRef>
+          <a:fillRef idx="1">
+            <a:schemeClr val="accent1"/>
+          </a:fillRef>
+          <a:effectRef idx="0">
+            <a:schemeClr val="accent1"/>
+          </a:effectRef>
+          <a:fontRef idx="minor">
+            <a:schemeClr val="lt1"/>
+          </a:fontRef>
+        </p:style>
+        <p:txBody>
+          <a:bodyPr wrap="square" rtlCol="0" anchor="ctr">
+            <a:noAutofit/>
+          </a:bodyPr>
+          <a:lstStyle/>
+          <a:p>
+            <a:pPr marL="0" marR="0" lvl="0" indent="0" algn="ctr" defTabSz="914400" rtl="0" eaLnBrk="1" fontAlgn="auto" latinLnBrk="0" hangingPunct="1">
+              <a:lnSpc>
+                <a:spcPct val="100000"/>
+              </a:lnSpc>
+              <a:spcBef>
+                <a:spcPts val="0"/>
+              </a:spcBef>
+              <a:spcAft>
+                <a:spcPts val="0"/>
+              </a:spcAft>
+              <a:buClrTx/>
+              <a:buSzTx/>
+              <a:buFontTx/>
+              <a:buNone/>
+              <a:tabLst/>
+              <a:defRPr/>
+            </a:pPr>
+            <a:endParaRPr kumimoji="0" lang="en-US" sz="1800" b="0" i="0" u="none" strike="noStrike" kern="1200" cap="none" spc="0" normalizeH="0" baseline="0" noProof="0">
+              <a:ln>
+                <a:noFill/>
+              </a:ln>
+              <a:solidFill>
+                <a:prstClr val="white"/>
+              </a:solidFill>
+              <a:effectLst/>
+              <a:uLnTx/>
+              <a:uFillTx/>
+              <a:latin typeface="Calibri" panose="020F0502020204030204"/>
+              <a:ea typeface="+mn-ea"/>
+              <a:cs typeface="+mn-cs"/>
+            </a:endParaRPr>
+          </a:p>
+        </p:txBody>
+      </p:sp>
+      <p:sp>
+        <p:nvSpPr>
+          <p:cNvPr id="17" name="Freeform: Shape 16">
+            <a:extLst>
+              <a:ext uri="{FF2B5EF4-FFF2-40B4-BE49-F238E27FC236}">
+                <a16:creationId xmlns:a16="http://schemas.microsoft.com/office/drawing/2014/main" id="{9DBC4630-03DA-474F-BBCB-BA3AE6B317A4}"/>
+              </a:ext>
+              <a:ext uri="{C183D7F6-B498-43B3-948B-1728B52AA6E4}">
+                <adec:decorative xmlns:adec="http://schemas.microsoft.com/office/drawing/2017/decorative" val="1"/>
+              </a:ext>
+            </a:extLst>
+          </p:cNvPr>
+          <p:cNvSpPr>
+            <a:spLocks noGrp="1" noRot="1" noChangeAspect="1" noMove="1" noResize="1" noEditPoints="1" noAdjustHandles="1" noChangeArrowheads="1" noChangeShapeType="1" noTextEdit="1"/>
+          </p:cNvSpPr>
+          <p:nvPr>
+            <p:extLst>
+              <p:ext uri="{386F3935-93C4-4BCD-93E2-E3B085C9AB24}">
+                <p16:designElem xmlns:p16="http://schemas.microsoft.com/office/powerpoint/2015/main" val="1"/>
+              </p:ext>
+            </p:extLst>
+          </p:nvPr>
+        </p:nvSpPr>
+        <p:spPr>
+          <a:xfrm>
+            <a:off x="1081982" y="-4332"/>
+            <a:ext cx="4242816" cy="2454158"/>
+          </a:xfrm>
+          <a:custGeom>
+            <a:avLst/>
+            <a:gdLst>
+              <a:gd name="connsiteX0" fmla="*/ 28633 w 4242816"/>
+              <a:gd name="connsiteY0" fmla="*/ 0 h 2454158"/>
+              <a:gd name="connsiteX1" fmla="*/ 4214183 w 4242816"/>
+              <a:gd name="connsiteY1" fmla="*/ 0 h 2454158"/>
+              <a:gd name="connsiteX2" fmla="*/ 4231864 w 4242816"/>
+              <a:gd name="connsiteY2" fmla="*/ 115848 h 2454158"/>
+              <a:gd name="connsiteX3" fmla="*/ 4242816 w 4242816"/>
+              <a:gd name="connsiteY3" fmla="*/ 332750 h 2454158"/>
+              <a:gd name="connsiteX4" fmla="*/ 2121408 w 4242816"/>
+              <a:gd name="connsiteY4" fmla="*/ 2454158 h 2454158"/>
+              <a:gd name="connsiteX5" fmla="*/ 0 w 4242816"/>
+              <a:gd name="connsiteY5" fmla="*/ 332750 h 2454158"/>
+              <a:gd name="connsiteX6" fmla="*/ 10953 w 4242816"/>
+              <a:gd name="connsiteY6" fmla="*/ 115848 h 2454158"/>
+            </a:gdLst>
+            <a:ahLst/>
+            <a:cxnLst>
+              <a:cxn ang="0">
+                <a:pos x="connsiteX0" y="connsiteY0"/>
+              </a:cxn>
+              <a:cxn ang="0">
+                <a:pos x="connsiteX1" y="connsiteY1"/>
+              </a:cxn>
+              <a:cxn ang="0">
+                <a:pos x="connsiteX2" y="connsiteY2"/>
+              </a:cxn>
+              <a:cxn ang="0">
+                <a:pos x="connsiteX3" y="connsiteY3"/>
+              </a:cxn>
+              <a:cxn ang="0">
+                <a:pos x="connsiteX4" y="connsiteY4"/>
+              </a:cxn>
+              <a:cxn ang="0">
+                <a:pos x="connsiteX5" y="connsiteY5"/>
+              </a:cxn>
+              <a:cxn ang="0">
+                <a:pos x="connsiteX6" y="connsiteY6"/>
+              </a:cxn>
+            </a:cxnLst>
+            <a:rect l="l" t="t" r="r" b="b"/>
+            <a:pathLst>
+              <a:path w="4242816" h="2454158">
+                <a:moveTo>
+                  <a:pt x="28633" y="0"/>
+                </a:moveTo>
+                <a:lnTo>
+                  <a:pt x="4214183" y="0"/>
+                </a:lnTo>
+                <a:lnTo>
+                  <a:pt x="4231864" y="115848"/>
+                </a:lnTo>
+                <a:cubicBezTo>
+                  <a:pt x="4239106" y="187164"/>
+                  <a:pt x="4242816" y="259524"/>
+                  <a:pt x="4242816" y="332750"/>
+                </a:cubicBezTo>
+                <a:cubicBezTo>
+                  <a:pt x="4242816" y="1504371"/>
+                  <a:pt x="3293029" y="2454158"/>
+                  <a:pt x="2121408" y="2454158"/>
+                </a:cubicBezTo>
+                <a:cubicBezTo>
+                  <a:pt x="949787" y="2454158"/>
+                  <a:pt x="0" y="1504371"/>
+                  <a:pt x="0" y="332750"/>
+                </a:cubicBezTo>
+                <a:cubicBezTo>
+                  <a:pt x="0" y="259524"/>
+                  <a:pt x="3710" y="187164"/>
+                  <a:pt x="10953" y="115848"/>
+                </a:cubicBezTo>
+                <a:close/>
+              </a:path>
+            </a:pathLst>
+          </a:custGeom>
+          <a:solidFill>
+            <a:srgbClr val="FFFFFF">
+              <a:alpha val="80000"/>
+            </a:srgbClr>
+          </a:solidFill>
+          <a:ln>
+            <a:noFill/>
+          </a:ln>
+        </p:spPr>
+        <p:style>
+          <a:lnRef idx="2">
+            <a:schemeClr val="accent1">
+              <a:shade val="50000"/>
+            </a:schemeClr>
+          </a:lnRef>
+          <a:fillRef idx="1">
+            <a:schemeClr val="accent1"/>
+          </a:fillRef>
+          <a:effectRef idx="0">
+            <a:schemeClr val="accent1"/>
+          </a:effectRef>
+          <a:fontRef idx="minor">
+            <a:schemeClr val="lt1"/>
+          </a:fontRef>
+        </p:style>
+        <p:txBody>
+          <a:bodyPr wrap="square" rtlCol="0" anchor="ctr">
+            <a:noAutofit/>
+          </a:bodyPr>
+          <a:lstStyle/>
+          <a:p>
+            <a:pPr marL="0" marR="0" lvl="0" indent="0" algn="ctr" defTabSz="914400" rtl="0" eaLnBrk="1" fontAlgn="auto" latinLnBrk="0" hangingPunct="1">
+              <a:lnSpc>
+                <a:spcPct val="100000"/>
+              </a:lnSpc>
+              <a:spcBef>
+                <a:spcPts val="0"/>
+              </a:spcBef>
+              <a:spcAft>
+                <a:spcPts val="0"/>
+              </a:spcAft>
+              <a:buClrTx/>
+              <a:buSzTx/>
+              <a:buFontTx/>
+              <a:buNone/>
+              <a:tabLst/>
+              <a:defRPr/>
+            </a:pPr>
+            <a:endParaRPr kumimoji="0" lang="en-US" sz="1800" b="0" i="0" u="none" strike="noStrike" kern="1200" cap="none" spc="0" normalizeH="0" baseline="0" noProof="0">
+              <a:ln>
+                <a:noFill/>
+              </a:ln>
+              <a:solidFill>
+                <a:prstClr val="white"/>
+              </a:solidFill>
+              <a:effectLst/>
+              <a:uLnTx/>
+              <a:uFillTx/>
+              <a:latin typeface="Calibri" panose="020F0502020204030204"/>
+              <a:ea typeface="+mn-ea"/>
+              <a:cs typeface="+mn-cs"/>
+            </a:endParaRPr>
+          </a:p>
+        </p:txBody>
+      </p:sp>
+      <p:sp>
+        <p:nvSpPr>
+          <p:cNvPr id="19" name="Freeform: Shape 18">
+            <a:extLst>
+              <a:ext uri="{FF2B5EF4-FFF2-40B4-BE49-F238E27FC236}">
+                <a16:creationId xmlns:a16="http://schemas.microsoft.com/office/drawing/2014/main" id="{1208BC59-C84F-483F-80CD-FAEC74229B97}"/>
+              </a:ext>
+              <a:ext uri="{C183D7F6-B498-43B3-948B-1728B52AA6E4}">
+                <adec:decorative xmlns:adec="http://schemas.microsoft.com/office/drawing/2017/decorative" val="1"/>
+              </a:ext>
+            </a:extLst>
+          </p:cNvPr>
+          <p:cNvSpPr>
+            <a:spLocks noGrp="1" noRot="1" noChangeAspect="1" noMove="1" noResize="1" noEditPoints="1" noAdjustHandles="1" noChangeArrowheads="1" noChangeShapeType="1" noTextEdit="1"/>
+          </p:cNvSpPr>
+          <p:nvPr>
+            <p:extLst>
+              <p:ext uri="{386F3935-93C4-4BCD-93E2-E3B085C9AB24}">
+                <p16:designElem xmlns:p16="http://schemas.microsoft.com/office/powerpoint/2015/main" val="1"/>
+              </p:ext>
+            </p:extLst>
+          </p:nvPr>
+        </p:nvSpPr>
+        <p:spPr>
+          <a:xfrm>
+            <a:off x="1246573" y="0"/>
+            <a:ext cx="3913632" cy="2285234"/>
+          </a:xfrm>
+          <a:custGeom>
+            <a:avLst/>
+            <a:gdLst>
+              <a:gd name="connsiteX0" fmla="*/ 29691 w 3913632"/>
+              <a:gd name="connsiteY0" fmla="*/ 0 h 2285234"/>
+              <a:gd name="connsiteX1" fmla="*/ 3883942 w 3913632"/>
+              <a:gd name="connsiteY1" fmla="*/ 0 h 2285234"/>
+              <a:gd name="connsiteX2" fmla="*/ 3903529 w 3913632"/>
+              <a:gd name="connsiteY2" fmla="*/ 128345 h 2285234"/>
+              <a:gd name="connsiteX3" fmla="*/ 3913632 w 3913632"/>
+              <a:gd name="connsiteY3" fmla="*/ 328418 h 2285234"/>
+              <a:gd name="connsiteX4" fmla="*/ 1956816 w 3913632"/>
+              <a:gd name="connsiteY4" fmla="*/ 2285234 h 2285234"/>
+              <a:gd name="connsiteX5" fmla="*/ 0 w 3913632"/>
+              <a:gd name="connsiteY5" fmla="*/ 328418 h 2285234"/>
+              <a:gd name="connsiteX6" fmla="*/ 10103 w 3913632"/>
+              <a:gd name="connsiteY6" fmla="*/ 128345 h 2285234"/>
+            </a:gdLst>
+            <a:ahLst/>
+            <a:cxnLst>
+              <a:cxn ang="0">
+                <a:pos x="connsiteX0" y="connsiteY0"/>
+              </a:cxn>
+              <a:cxn ang="0">
+                <a:pos x="connsiteX1" y="connsiteY1"/>
+              </a:cxn>
+              <a:cxn ang="0">
+                <a:pos x="connsiteX2" y="connsiteY2"/>
+              </a:cxn>
+              <a:cxn ang="0">
+                <a:pos x="connsiteX3" y="connsiteY3"/>
+              </a:cxn>
+              <a:cxn ang="0">
+                <a:pos x="connsiteX4" y="connsiteY4"/>
+              </a:cxn>
+              <a:cxn ang="0">
+                <a:pos x="connsiteX5" y="connsiteY5"/>
+              </a:cxn>
+              <a:cxn ang="0">
+                <a:pos x="connsiteX6" y="connsiteY6"/>
+              </a:cxn>
+            </a:cxnLst>
+            <a:rect l="l" t="t" r="r" b="b"/>
+            <a:pathLst>
+              <a:path w="3913632" h="2285234">
+                <a:moveTo>
+                  <a:pt x="29691" y="0"/>
+                </a:moveTo>
+                <a:lnTo>
+                  <a:pt x="3883942" y="0"/>
+                </a:lnTo>
+                <a:lnTo>
+                  <a:pt x="3903529" y="128345"/>
+                </a:lnTo>
+                <a:cubicBezTo>
+                  <a:pt x="3910210" y="194127"/>
+                  <a:pt x="3913632" y="260873"/>
+                  <a:pt x="3913632" y="328418"/>
+                </a:cubicBezTo>
+                <a:cubicBezTo>
+                  <a:pt x="3913632" y="1409138"/>
+                  <a:pt x="3037536" y="2285234"/>
+                  <a:pt x="1956816" y="2285234"/>
+                </a:cubicBezTo>
+                <a:cubicBezTo>
+                  <a:pt x="876096" y="2285234"/>
+                  <a:pt x="0" y="1409138"/>
+                  <a:pt x="0" y="328418"/>
+                </a:cubicBezTo>
+                <a:cubicBezTo>
+                  <a:pt x="0" y="260873"/>
+                  <a:pt x="3422" y="194127"/>
+                  <a:pt x="10103" y="128345"/>
+                </a:cubicBezTo>
+                <a:close/>
+              </a:path>
+            </a:pathLst>
+          </a:custGeom>
+          <a:solidFill>
+            <a:schemeClr val="tx1"/>
+          </a:solidFill>
+          <a:ln>
+            <a:noFill/>
+          </a:ln>
+        </p:spPr>
+        <p:style>
+          <a:lnRef idx="2">
+            <a:schemeClr val="accent1">
+              <a:shade val="50000"/>
+            </a:schemeClr>
+          </a:lnRef>
+          <a:fillRef idx="1">
+            <a:schemeClr val="accent1"/>
+          </a:fillRef>
+          <a:effectRef idx="0">
+            <a:schemeClr val="accent1"/>
+          </a:effectRef>
+          <a:fontRef idx="minor">
+            <a:schemeClr val="lt1"/>
+          </a:fontRef>
+        </p:style>
+        <p:txBody>
+          <a:bodyPr wrap="square" rtlCol="0" anchor="ctr">
+            <a:noAutofit/>
+          </a:bodyPr>
+          <a:lstStyle/>
+          <a:p>
+            <a:pPr algn="ctr"/>
             <a:endParaRPr lang="en-US"/>
           </a:p>
         </p:txBody>
       </p:sp>
+      <p:sp>
+        <p:nvSpPr>
+          <p:cNvPr id="21" name="Freeform: Shape 20">
+            <a:extLst>
+              <a:ext uri="{FF2B5EF4-FFF2-40B4-BE49-F238E27FC236}">
+                <a16:creationId xmlns:a16="http://schemas.microsoft.com/office/drawing/2014/main" id="{A1DABD52-05DF-4F31-AFB9-B330D8BE46FD}"/>
+              </a:ext>
+              <a:ext uri="{C183D7F6-B498-43B3-948B-1728B52AA6E4}">
+                <adec:decorative xmlns:adec="http://schemas.microsoft.com/office/drawing/2017/decorative" val="1"/>
+              </a:ext>
+            </a:extLst>
+          </p:cNvPr>
+          <p:cNvSpPr>
+            <a:spLocks noGrp="1" noRot="1" noChangeAspect="1" noMove="1" noResize="1" noEditPoints="1" noAdjustHandles="1" noChangeArrowheads="1" noChangeShapeType="1" noTextEdit="1"/>
+          </p:cNvSpPr>
+          <p:nvPr>
+            <p:extLst>
+              <p:ext uri="{386F3935-93C4-4BCD-93E2-E3B085C9AB24}">
+                <p16:designElem xmlns:p16="http://schemas.microsoft.com/office/powerpoint/2015/main" val="1"/>
+              </p:ext>
+            </p:extLst>
+          </p:nvPr>
+        </p:nvSpPr>
+        <p:spPr>
+          <a:xfrm>
+            <a:off x="5525559" y="725908"/>
+            <a:ext cx="2852928" cy="2852928"/>
+          </a:xfrm>
+          <a:custGeom>
+            <a:avLst/>
+            <a:gdLst>
+              <a:gd name="connsiteX0" fmla="*/ 1426464 w 2852928"/>
+              <a:gd name="connsiteY0" fmla="*/ 0 h 2852928"/>
+              <a:gd name="connsiteX1" fmla="*/ 2852928 w 2852928"/>
+              <a:gd name="connsiteY1" fmla="*/ 1426464 h 2852928"/>
+              <a:gd name="connsiteX2" fmla="*/ 1426464 w 2852928"/>
+              <a:gd name="connsiteY2" fmla="*/ 2852928 h 2852928"/>
+              <a:gd name="connsiteX3" fmla="*/ 0 w 2852928"/>
+              <a:gd name="connsiteY3" fmla="*/ 1426464 h 2852928"/>
+              <a:gd name="connsiteX4" fmla="*/ 1426464 w 2852928"/>
+              <a:gd name="connsiteY4" fmla="*/ 0 h 2852928"/>
+            </a:gdLst>
+            <a:ahLst/>
+            <a:cxnLst>
+              <a:cxn ang="0">
+                <a:pos x="connsiteX0" y="connsiteY0"/>
+              </a:cxn>
+              <a:cxn ang="0">
+                <a:pos x="connsiteX1" y="connsiteY1"/>
+              </a:cxn>
+              <a:cxn ang="0">
+                <a:pos x="connsiteX2" y="connsiteY2"/>
+              </a:cxn>
+              <a:cxn ang="0">
+                <a:pos x="connsiteX3" y="connsiteY3"/>
+              </a:cxn>
+              <a:cxn ang="0">
+                <a:pos x="connsiteX4" y="connsiteY4"/>
+              </a:cxn>
+            </a:cxnLst>
+            <a:rect l="l" t="t" r="r" b="b"/>
+            <a:pathLst>
+              <a:path w="2852928" h="2852928">
+                <a:moveTo>
+                  <a:pt x="1426464" y="0"/>
+                </a:moveTo>
+                <a:cubicBezTo>
+                  <a:pt x="2214278" y="0"/>
+                  <a:pt x="2852928" y="638650"/>
+                  <a:pt x="2852928" y="1426464"/>
+                </a:cubicBezTo>
+                <a:cubicBezTo>
+                  <a:pt x="2852928" y="2214278"/>
+                  <a:pt x="2214278" y="2852928"/>
+                  <a:pt x="1426464" y="2852928"/>
+                </a:cubicBezTo>
+                <a:cubicBezTo>
+                  <a:pt x="638650" y="2852928"/>
+                  <a:pt x="0" y="2214278"/>
+                  <a:pt x="0" y="1426464"/>
+                </a:cubicBezTo>
+                <a:cubicBezTo>
+                  <a:pt x="0" y="638650"/>
+                  <a:pt x="638650" y="0"/>
+                  <a:pt x="1426464" y="0"/>
+                </a:cubicBezTo>
+                <a:close/>
+              </a:path>
+            </a:pathLst>
+          </a:custGeom>
+          <a:solidFill>
+            <a:schemeClr val="tx1"/>
+          </a:solidFill>
+          <a:ln>
+            <a:noFill/>
+          </a:ln>
+        </p:spPr>
+        <p:style>
+          <a:lnRef idx="2">
+            <a:schemeClr val="accent1">
+              <a:shade val="50000"/>
+            </a:schemeClr>
+          </a:lnRef>
+          <a:fillRef idx="1">
+            <a:schemeClr val="accent1"/>
+          </a:fillRef>
+          <a:effectRef idx="0">
+            <a:schemeClr val="accent1"/>
+          </a:effectRef>
+          <a:fontRef idx="minor">
+            <a:schemeClr val="lt1"/>
+          </a:fontRef>
+        </p:style>
+        <p:txBody>
+          <a:bodyPr wrap="square" rtlCol="0" anchor="ctr">
+            <a:noAutofit/>
+          </a:bodyPr>
+          <a:lstStyle/>
+          <a:p>
+            <a:pPr algn="ctr"/>
+            <a:endParaRPr lang="en-US"/>
+          </a:p>
+        </p:txBody>
+      </p:sp>
+      <p:sp>
+        <p:nvSpPr>
+          <p:cNvPr id="23" name="Oval 22">
+            <a:extLst>
+              <a:ext uri="{FF2B5EF4-FFF2-40B4-BE49-F238E27FC236}">
+                <a16:creationId xmlns:a16="http://schemas.microsoft.com/office/drawing/2014/main" id="{78418A25-6EAC-4140-BFE6-284E1925B5EE}"/>
+              </a:ext>
+              <a:ext uri="{C183D7F6-B498-43B3-948B-1728B52AA6E4}">
+                <adec:decorative xmlns:adec="http://schemas.microsoft.com/office/drawing/2017/decorative" val="1"/>
+              </a:ext>
+            </a:extLst>
+          </p:cNvPr>
+          <p:cNvSpPr>
+            <a:spLocks noGrp="1" noRot="1" noChangeAspect="1" noMove="1" noResize="1" noEditPoints="1" noAdjustHandles="1" noChangeArrowheads="1" noChangeShapeType="1" noTextEdit="1"/>
+          </p:cNvSpPr>
+          <p:nvPr>
+            <p:extLst>
+              <p:ext uri="{386F3935-93C4-4BCD-93E2-E3B085C9AB24}">
+                <p16:designElem xmlns:p16="http://schemas.microsoft.com/office/powerpoint/2015/main" val="1"/>
+              </p:ext>
+            </p:extLst>
+          </p:nvPr>
+        </p:nvSpPr>
+        <p:spPr>
+          <a:xfrm>
+            <a:off x="5360967" y="561316"/>
+            <a:ext cx="3182112" cy="3182112"/>
+          </a:xfrm>
+          <a:prstGeom prst="ellipse">
+            <a:avLst/>
+          </a:prstGeom>
+          <a:solidFill>
+            <a:srgbClr val="FFFFFF">
+              <a:alpha val="80000"/>
+            </a:srgbClr>
+          </a:solidFill>
+          <a:ln>
+            <a:noFill/>
+          </a:ln>
+        </p:spPr>
+        <p:style>
+          <a:lnRef idx="2">
+            <a:schemeClr val="accent1">
+              <a:shade val="50000"/>
+            </a:schemeClr>
+          </a:lnRef>
+          <a:fillRef idx="1">
+            <a:schemeClr val="accent1"/>
+          </a:fillRef>
+          <a:effectRef idx="0">
+            <a:schemeClr val="accent1"/>
+          </a:effectRef>
+          <a:fontRef idx="minor">
+            <a:schemeClr val="lt1"/>
+          </a:fontRef>
+        </p:style>
+        <p:txBody>
+          <a:bodyPr rtlCol="0" anchor="ctr"/>
+          <a:lstStyle/>
+          <a:p>
+            <a:pPr marL="0" marR="0" lvl="0" indent="0" algn="ctr" defTabSz="914400" rtl="0" eaLnBrk="1" fontAlgn="auto" latinLnBrk="0" hangingPunct="1">
+              <a:lnSpc>
+                <a:spcPct val="100000"/>
+              </a:lnSpc>
+              <a:spcBef>
+                <a:spcPts val="0"/>
+              </a:spcBef>
+              <a:spcAft>
+                <a:spcPts val="0"/>
+              </a:spcAft>
+              <a:buClrTx/>
+              <a:buSzTx/>
+              <a:buFontTx/>
+              <a:buNone/>
+              <a:tabLst/>
+              <a:defRPr/>
+            </a:pPr>
+            <a:endParaRPr kumimoji="0" lang="en-US" sz="1800" b="0" i="0" u="none" strike="noStrike" kern="1200" cap="none" spc="0" normalizeH="0" baseline="0" noProof="0">
+              <a:ln>
+                <a:noFill/>
+              </a:ln>
+              <a:solidFill>
+                <a:prstClr val="white"/>
+              </a:solidFill>
+              <a:effectLst/>
+              <a:uLnTx/>
+              <a:uFillTx/>
+              <a:latin typeface="Calibri" panose="020F0502020204030204"/>
+              <a:ea typeface="+mn-ea"/>
+              <a:cs typeface="+mn-cs"/>
+            </a:endParaRPr>
+          </a:p>
+        </p:txBody>
+      </p:sp>
+      <p:pic>
+        <p:nvPicPr>
+          <p:cNvPr id="6" name="Picture 5" descr="A picture containing tool&#10;&#10;Description automatically generated">
+            <a:extLst>
+              <a:ext uri="{FF2B5EF4-FFF2-40B4-BE49-F238E27FC236}">
+                <a16:creationId xmlns:a16="http://schemas.microsoft.com/office/drawing/2014/main" id="{C2169F7B-915D-4E94-A479-DAF443265A5A}"/>
+              </a:ext>
+            </a:extLst>
+          </p:cNvPr>
+          <p:cNvPicPr>
+            <a:picLocks noChangeAspect="1"/>
+          </p:cNvPicPr>
+          <p:nvPr/>
+        </p:nvPicPr>
+        <p:blipFill>
+          <a:blip r:embed="rId2">
+            <a:extLst>
+              <a:ext uri="{28A0092B-C50C-407E-A947-70E740481C1C}">
+                <a14:useLocalDpi xmlns:a14="http://schemas.microsoft.com/office/drawing/2010/main" val="0"/>
+              </a:ext>
+            </a:extLst>
+          </a:blip>
+          <a:stretch>
+            <a:fillRect/>
+          </a:stretch>
+        </p:blipFill>
+        <p:spPr>
+          <a:xfrm rot="5400000">
+            <a:off x="2288563" y="-155255"/>
+            <a:ext cx="1829652" cy="1829652"/>
+          </a:xfrm>
+          <a:prstGeom prst="rect">
+            <a:avLst/>
+          </a:prstGeom>
+        </p:spPr>
+      </p:pic>
+      <p:sp>
+        <p:nvSpPr>
+          <p:cNvPr id="25" name="Freeform: Shape 24">
+            <a:extLst>
+              <a:ext uri="{FF2B5EF4-FFF2-40B4-BE49-F238E27FC236}">
+                <a16:creationId xmlns:a16="http://schemas.microsoft.com/office/drawing/2014/main" id="{6B9D64DB-4D5C-4A91-B45F-F301E3174F9F}"/>
+              </a:ext>
+              <a:ext uri="{C183D7F6-B498-43B3-948B-1728B52AA6E4}">
+                <adec:decorative xmlns:adec="http://schemas.microsoft.com/office/drawing/2017/decorative" val="1"/>
+              </a:ext>
+            </a:extLst>
+          </p:cNvPr>
+          <p:cNvSpPr>
+            <a:spLocks noGrp="1" noRot="1" noChangeAspect="1" noMove="1" noResize="1" noEditPoints="1" noAdjustHandles="1" noChangeArrowheads="1" noChangeShapeType="1" noTextEdit="1"/>
+          </p:cNvSpPr>
+          <p:nvPr>
+            <p:extLst>
+              <p:ext uri="{386F3935-93C4-4BCD-93E2-E3B085C9AB24}">
+                <p16:designElem xmlns:p16="http://schemas.microsoft.com/office/powerpoint/2015/main" val="1"/>
+              </p:ext>
+            </p:extLst>
+          </p:nvPr>
+        </p:nvSpPr>
+        <p:spPr>
+          <a:xfrm>
+            <a:off x="8752568" y="-4332"/>
+            <a:ext cx="3439432" cy="3550083"/>
+          </a:xfrm>
+          <a:custGeom>
+            <a:avLst/>
+            <a:gdLst>
+              <a:gd name="connsiteX0" fmla="*/ 115336 w 3439432"/>
+              <a:gd name="connsiteY0" fmla="*/ 0 h 3550083"/>
+              <a:gd name="connsiteX1" fmla="*/ 3439432 w 3439432"/>
+              <a:gd name="connsiteY1" fmla="*/ 0 h 3550083"/>
+              <a:gd name="connsiteX2" fmla="*/ 3439432 w 3439432"/>
+              <a:gd name="connsiteY2" fmla="*/ 3462762 h 3550083"/>
+              <a:gd name="connsiteX3" fmla="*/ 3318024 w 3439432"/>
+              <a:gd name="connsiteY3" fmla="*/ 3493980 h 3550083"/>
+              <a:gd name="connsiteX4" fmla="*/ 2761488 w 3439432"/>
+              <a:gd name="connsiteY4" fmla="*/ 3550083 h 3550083"/>
+              <a:gd name="connsiteX5" fmla="*/ 0 w 3439432"/>
+              <a:gd name="connsiteY5" fmla="*/ 788595 h 3550083"/>
+              <a:gd name="connsiteX6" fmla="*/ 70713 w 3439432"/>
+              <a:gd name="connsiteY6" fmla="*/ 164949 h 3550083"/>
+            </a:gdLst>
+            <a:ahLst/>
+            <a:cxnLst>
+              <a:cxn ang="0">
+                <a:pos x="connsiteX0" y="connsiteY0"/>
+              </a:cxn>
+              <a:cxn ang="0">
+                <a:pos x="connsiteX1" y="connsiteY1"/>
+              </a:cxn>
+              <a:cxn ang="0">
+                <a:pos x="connsiteX2" y="connsiteY2"/>
+              </a:cxn>
+              <a:cxn ang="0">
+                <a:pos x="connsiteX3" y="connsiteY3"/>
+              </a:cxn>
+              <a:cxn ang="0">
+                <a:pos x="connsiteX4" y="connsiteY4"/>
+              </a:cxn>
+              <a:cxn ang="0">
+                <a:pos x="connsiteX5" y="connsiteY5"/>
+              </a:cxn>
+              <a:cxn ang="0">
+                <a:pos x="connsiteX6" y="connsiteY6"/>
+              </a:cxn>
+            </a:cxnLst>
+            <a:rect l="l" t="t" r="r" b="b"/>
+            <a:pathLst>
+              <a:path w="3439432" h="3550083">
+                <a:moveTo>
+                  <a:pt x="115336" y="0"/>
+                </a:moveTo>
+                <a:lnTo>
+                  <a:pt x="3439432" y="0"/>
+                </a:lnTo>
+                <a:lnTo>
+                  <a:pt x="3439432" y="3462762"/>
+                </a:lnTo>
+                <a:lnTo>
+                  <a:pt x="3318024" y="3493980"/>
+                </a:lnTo>
+                <a:cubicBezTo>
+                  <a:pt x="3138258" y="3530765"/>
+                  <a:pt x="2952129" y="3550083"/>
+                  <a:pt x="2761488" y="3550083"/>
+                </a:cubicBezTo>
+                <a:cubicBezTo>
+                  <a:pt x="1236360" y="3550083"/>
+                  <a:pt x="0" y="2313723"/>
+                  <a:pt x="0" y="788595"/>
+                </a:cubicBezTo>
+                <a:cubicBezTo>
+                  <a:pt x="0" y="574124"/>
+                  <a:pt x="24450" y="365364"/>
+                  <a:pt x="70713" y="164949"/>
+                </a:cubicBezTo>
+                <a:close/>
+              </a:path>
+            </a:pathLst>
+          </a:custGeom>
+          <a:solidFill>
+            <a:srgbClr val="FFFFFF">
+              <a:alpha val="80000"/>
+            </a:srgbClr>
+          </a:solidFill>
+          <a:ln>
+            <a:noFill/>
+          </a:ln>
+        </p:spPr>
+        <p:style>
+          <a:lnRef idx="2">
+            <a:schemeClr val="accent1">
+              <a:shade val="50000"/>
+            </a:schemeClr>
+          </a:lnRef>
+          <a:fillRef idx="1">
+            <a:schemeClr val="accent1"/>
+          </a:fillRef>
+          <a:effectRef idx="0">
+            <a:schemeClr val="accent1"/>
+          </a:effectRef>
+          <a:fontRef idx="minor">
+            <a:schemeClr val="lt1"/>
+          </a:fontRef>
+        </p:style>
+        <p:txBody>
+          <a:bodyPr wrap="square" rtlCol="0" anchor="ctr">
+            <a:noAutofit/>
+          </a:bodyPr>
+          <a:lstStyle/>
+          <a:p>
+            <a:pPr marL="0" marR="0" lvl="0" indent="0" algn="ctr" defTabSz="914400" rtl="0" eaLnBrk="1" fontAlgn="auto" latinLnBrk="0" hangingPunct="1">
+              <a:lnSpc>
+                <a:spcPct val="100000"/>
+              </a:lnSpc>
+              <a:spcBef>
+                <a:spcPts val="0"/>
+              </a:spcBef>
+              <a:spcAft>
+                <a:spcPts val="0"/>
+              </a:spcAft>
+              <a:buClrTx/>
+              <a:buSzTx/>
+              <a:buFontTx/>
+              <a:buNone/>
+              <a:tabLst/>
+              <a:defRPr/>
+            </a:pPr>
+            <a:endParaRPr kumimoji="0" lang="en-US" sz="1800" b="0" i="0" u="none" strike="noStrike" kern="1200" cap="none" spc="0" normalizeH="0" baseline="0" noProof="0" dirty="0">
+              <a:ln>
+                <a:noFill/>
+              </a:ln>
+              <a:solidFill>
+                <a:prstClr val="white"/>
+              </a:solidFill>
+              <a:effectLst/>
+              <a:uLnTx/>
+              <a:uFillTx/>
+              <a:latin typeface="Calibri" panose="020F0502020204030204"/>
+              <a:ea typeface="+mn-ea"/>
+              <a:cs typeface="+mn-cs"/>
+            </a:endParaRPr>
+          </a:p>
+        </p:txBody>
+      </p:sp>
+      <p:sp>
+        <p:nvSpPr>
+          <p:cNvPr id="27" name="Freeform: Shape 26">
+            <a:extLst>
+              <a:ext uri="{FF2B5EF4-FFF2-40B4-BE49-F238E27FC236}">
+                <a16:creationId xmlns:a16="http://schemas.microsoft.com/office/drawing/2014/main" id="{8E4F04B5-4D4A-4F70-8549-384AF535134B}"/>
+              </a:ext>
+              <a:ext uri="{C183D7F6-B498-43B3-948B-1728B52AA6E4}">
+                <adec:decorative xmlns:adec="http://schemas.microsoft.com/office/drawing/2017/decorative" val="1"/>
+              </a:ext>
+            </a:extLst>
+          </p:cNvPr>
+          <p:cNvSpPr>
+            <a:spLocks noGrp="1" noRot="1" noChangeAspect="1" noMove="1" noResize="1" noEditPoints="1" noAdjustHandles="1" noChangeArrowheads="1" noChangeShapeType="1" noTextEdit="1"/>
+          </p:cNvSpPr>
+          <p:nvPr>
+            <p:extLst>
+              <p:ext uri="{386F3935-93C4-4BCD-93E2-E3B085C9AB24}">
+                <p16:designElem xmlns:p16="http://schemas.microsoft.com/office/powerpoint/2015/main" val="1"/>
+              </p:ext>
+            </p:extLst>
+          </p:nvPr>
+        </p:nvSpPr>
+        <p:spPr>
+          <a:xfrm>
+            <a:off x="8918761" y="-4330"/>
+            <a:ext cx="3273238" cy="3383891"/>
+          </a:xfrm>
+          <a:custGeom>
+            <a:avLst/>
+            <a:gdLst>
+              <a:gd name="connsiteX0" fmla="*/ 122841 w 3273238"/>
+              <a:gd name="connsiteY0" fmla="*/ 0 h 3383891"/>
+              <a:gd name="connsiteX1" fmla="*/ 3273238 w 3273238"/>
+              <a:gd name="connsiteY1" fmla="*/ 0 h 3383891"/>
+              <a:gd name="connsiteX2" fmla="*/ 3273238 w 3273238"/>
+              <a:gd name="connsiteY2" fmla="*/ 3291335 h 3383891"/>
+              <a:gd name="connsiteX3" fmla="*/ 3118338 w 3273238"/>
+              <a:gd name="connsiteY3" fmla="*/ 3331164 h 3383891"/>
+              <a:gd name="connsiteX4" fmla="*/ 2595295 w 3273238"/>
+              <a:gd name="connsiteY4" fmla="*/ 3383891 h 3383891"/>
+              <a:gd name="connsiteX5" fmla="*/ 0 w 3273238"/>
+              <a:gd name="connsiteY5" fmla="*/ 788596 h 3383891"/>
+              <a:gd name="connsiteX6" fmla="*/ 116679 w 3273238"/>
+              <a:gd name="connsiteY6" fmla="*/ 16835 h 3383891"/>
+            </a:gdLst>
+            <a:ahLst/>
+            <a:cxnLst>
+              <a:cxn ang="0">
+                <a:pos x="connsiteX0" y="connsiteY0"/>
+              </a:cxn>
+              <a:cxn ang="0">
+                <a:pos x="connsiteX1" y="connsiteY1"/>
+              </a:cxn>
+              <a:cxn ang="0">
+                <a:pos x="connsiteX2" y="connsiteY2"/>
+              </a:cxn>
+              <a:cxn ang="0">
+                <a:pos x="connsiteX3" y="connsiteY3"/>
+              </a:cxn>
+              <a:cxn ang="0">
+                <a:pos x="connsiteX4" y="connsiteY4"/>
+              </a:cxn>
+              <a:cxn ang="0">
+                <a:pos x="connsiteX5" y="connsiteY5"/>
+              </a:cxn>
+              <a:cxn ang="0">
+                <a:pos x="connsiteX6" y="connsiteY6"/>
+              </a:cxn>
+            </a:cxnLst>
+            <a:rect l="l" t="t" r="r" b="b"/>
+            <a:pathLst>
+              <a:path w="3273238" h="3383891">
+                <a:moveTo>
+                  <a:pt x="122841" y="0"/>
+                </a:moveTo>
+                <a:lnTo>
+                  <a:pt x="3273238" y="0"/>
+                </a:lnTo>
+                <a:lnTo>
+                  <a:pt x="3273238" y="3291335"/>
+                </a:lnTo>
+                <a:lnTo>
+                  <a:pt x="3118338" y="3331164"/>
+                </a:lnTo>
+                <a:cubicBezTo>
+                  <a:pt x="2949390" y="3365736"/>
+                  <a:pt x="2774463" y="3383891"/>
+                  <a:pt x="2595295" y="3383891"/>
+                </a:cubicBezTo>
+                <a:cubicBezTo>
+                  <a:pt x="1161953" y="3383891"/>
+                  <a:pt x="0" y="2221938"/>
+                  <a:pt x="0" y="788596"/>
+                </a:cubicBezTo>
+                <a:cubicBezTo>
+                  <a:pt x="0" y="519845"/>
+                  <a:pt x="40850" y="260634"/>
+                  <a:pt x="116679" y="16835"/>
+                </a:cubicBezTo>
+                <a:close/>
+              </a:path>
+            </a:pathLst>
+          </a:custGeom>
+          <a:solidFill>
+            <a:schemeClr val="tx1"/>
+          </a:solidFill>
+          <a:ln>
+            <a:noFill/>
+          </a:ln>
+        </p:spPr>
+        <p:style>
+          <a:lnRef idx="2">
+            <a:schemeClr val="accent1">
+              <a:shade val="50000"/>
+            </a:schemeClr>
+          </a:lnRef>
+          <a:fillRef idx="1">
+            <a:schemeClr val="accent1"/>
+          </a:fillRef>
+          <a:effectRef idx="0">
+            <a:schemeClr val="accent1"/>
+          </a:effectRef>
+          <a:fontRef idx="minor">
+            <a:schemeClr val="lt1"/>
+          </a:fontRef>
+        </p:style>
+        <p:txBody>
+          <a:bodyPr wrap="square" rtlCol="0" anchor="ctr">
+            <a:noAutofit/>
+          </a:bodyPr>
+          <a:lstStyle/>
+          <a:p>
+            <a:pPr algn="ctr"/>
+            <a:endParaRPr lang="en-US"/>
+          </a:p>
+        </p:txBody>
+      </p:sp>
+      <p:sp>
+        <p:nvSpPr>
+          <p:cNvPr id="29" name="Freeform: Shape 28">
+            <a:extLst>
+              <a:ext uri="{FF2B5EF4-FFF2-40B4-BE49-F238E27FC236}">
+                <a16:creationId xmlns:a16="http://schemas.microsoft.com/office/drawing/2014/main" id="{0D14DB62-3EB3-452E-89EE-30B0CDB0C8F4}"/>
+              </a:ext>
+              <a:ext uri="{C183D7F6-B498-43B3-948B-1728B52AA6E4}">
+                <adec:decorative xmlns:adec="http://schemas.microsoft.com/office/drawing/2017/decorative" val="1"/>
+              </a:ext>
+            </a:extLst>
+          </p:cNvPr>
+          <p:cNvSpPr>
+            <a:spLocks noGrp="1" noRot="1" noChangeAspect="1" noMove="1" noResize="1" noEditPoints="1" noAdjustHandles="1" noChangeArrowheads="1" noChangeShapeType="1" noTextEdit="1"/>
+          </p:cNvSpPr>
+          <p:nvPr>
+            <p:extLst>
+              <p:ext uri="{386F3935-93C4-4BCD-93E2-E3B085C9AB24}">
+                <p16:designElem xmlns:p16="http://schemas.microsoft.com/office/powerpoint/2015/main" val="1"/>
+              </p:ext>
+            </p:extLst>
+          </p:nvPr>
+        </p:nvSpPr>
+        <p:spPr>
+          <a:xfrm>
+            <a:off x="9363236" y="4071322"/>
+            <a:ext cx="2828765" cy="2786678"/>
+          </a:xfrm>
+          <a:custGeom>
+            <a:avLst/>
+            <a:gdLst>
+              <a:gd name="connsiteX0" fmla="*/ 1888236 w 2828765"/>
+              <a:gd name="connsiteY0" fmla="*/ 0 h 2786678"/>
+              <a:gd name="connsiteX1" fmla="*/ 2788281 w 2828765"/>
+              <a:gd name="connsiteY1" fmla="*/ 227900 h 2786678"/>
+              <a:gd name="connsiteX2" fmla="*/ 2828765 w 2828765"/>
+              <a:gd name="connsiteY2" fmla="*/ 252495 h 2786678"/>
+              <a:gd name="connsiteX3" fmla="*/ 2828765 w 2828765"/>
+              <a:gd name="connsiteY3" fmla="*/ 2786678 h 2786678"/>
+              <a:gd name="connsiteX4" fmla="*/ 227128 w 2828765"/>
+              <a:gd name="connsiteY4" fmla="*/ 2786678 h 2786678"/>
+              <a:gd name="connsiteX5" fmla="*/ 148387 w 2828765"/>
+              <a:gd name="connsiteY5" fmla="*/ 2623223 h 2786678"/>
+              <a:gd name="connsiteX6" fmla="*/ 0 w 2828765"/>
+              <a:gd name="connsiteY6" fmla="*/ 1888236 h 2786678"/>
+              <a:gd name="connsiteX7" fmla="*/ 1888236 w 2828765"/>
+              <a:gd name="connsiteY7" fmla="*/ 0 h 2786678"/>
+            </a:gdLst>
+            <a:ahLst/>
+            <a:cxnLst>
+              <a:cxn ang="0">
+                <a:pos x="connsiteX0" y="connsiteY0"/>
+              </a:cxn>
+              <a:cxn ang="0">
+                <a:pos x="connsiteX1" y="connsiteY1"/>
+              </a:cxn>
+              <a:cxn ang="0">
+                <a:pos x="connsiteX2" y="connsiteY2"/>
+              </a:cxn>
+              <a:cxn ang="0">
+                <a:pos x="connsiteX3" y="connsiteY3"/>
+              </a:cxn>
+              <a:cxn ang="0">
+                <a:pos x="connsiteX4" y="connsiteY4"/>
+              </a:cxn>
+              <a:cxn ang="0">
+                <a:pos x="connsiteX5" y="connsiteY5"/>
+              </a:cxn>
+              <a:cxn ang="0">
+                <a:pos x="connsiteX6" y="connsiteY6"/>
+              </a:cxn>
+              <a:cxn ang="0">
+                <a:pos x="connsiteX7" y="connsiteY7"/>
+              </a:cxn>
+            </a:cxnLst>
+            <a:rect l="l" t="t" r="r" b="b"/>
+            <a:pathLst>
+              <a:path w="2828765" h="2786678">
+                <a:moveTo>
+                  <a:pt x="1888236" y="0"/>
+                </a:moveTo>
+                <a:cubicBezTo>
+                  <a:pt x="2214125" y="0"/>
+                  <a:pt x="2520731" y="82558"/>
+                  <a:pt x="2788281" y="227900"/>
+                </a:cubicBezTo>
+                <a:lnTo>
+                  <a:pt x="2828765" y="252495"/>
+                </a:lnTo>
+                <a:lnTo>
+                  <a:pt x="2828765" y="2786678"/>
+                </a:lnTo>
+                <a:lnTo>
+                  <a:pt x="227128" y="2786678"/>
+                </a:lnTo>
+                <a:lnTo>
+                  <a:pt x="148387" y="2623223"/>
+                </a:lnTo>
+                <a:cubicBezTo>
+                  <a:pt x="52837" y="2397318"/>
+                  <a:pt x="0" y="2148947"/>
+                  <a:pt x="0" y="1888236"/>
+                </a:cubicBezTo>
+                <a:cubicBezTo>
+                  <a:pt x="0" y="845392"/>
+                  <a:pt x="845392" y="0"/>
+                  <a:pt x="1888236" y="0"/>
+                </a:cubicBezTo>
+                <a:close/>
+              </a:path>
+            </a:pathLst>
+          </a:custGeom>
+          <a:solidFill>
+            <a:schemeClr val="tx1"/>
+          </a:solidFill>
+          <a:ln>
+            <a:noFill/>
+          </a:ln>
+        </p:spPr>
+        <p:style>
+          <a:lnRef idx="2">
+            <a:schemeClr val="accent1">
+              <a:shade val="50000"/>
+            </a:schemeClr>
+          </a:lnRef>
+          <a:fillRef idx="1">
+            <a:schemeClr val="accent1"/>
+          </a:fillRef>
+          <a:effectRef idx="0">
+            <a:schemeClr val="accent1"/>
+          </a:effectRef>
+          <a:fontRef idx="minor">
+            <a:schemeClr val="lt1"/>
+          </a:fontRef>
+        </p:style>
+        <p:txBody>
+          <a:bodyPr wrap="square" rtlCol="0" anchor="ctr">
+            <a:noAutofit/>
+          </a:bodyPr>
+          <a:lstStyle/>
+          <a:p>
+            <a:pPr algn="ctr"/>
+            <a:endParaRPr lang="en-US"/>
+          </a:p>
+        </p:txBody>
+      </p:sp>
+      <p:sp>
+        <p:nvSpPr>
+          <p:cNvPr id="31" name="Freeform: Shape 30">
+            <a:extLst>
+              <a:ext uri="{FF2B5EF4-FFF2-40B4-BE49-F238E27FC236}">
+                <a16:creationId xmlns:a16="http://schemas.microsoft.com/office/drawing/2014/main" id="{CB14CE1B-4BC5-4EF2-BE3D-05E4F580B3DB}"/>
+              </a:ext>
+              <a:ext uri="{C183D7F6-B498-43B3-948B-1728B52AA6E4}">
+                <adec:decorative xmlns:adec="http://schemas.microsoft.com/office/drawing/2017/decorative" val="1"/>
+              </a:ext>
+            </a:extLst>
+          </p:cNvPr>
+          <p:cNvSpPr>
+            <a:spLocks noGrp="1" noRot="1" noChangeAspect="1" noMove="1" noResize="1" noEditPoints="1" noAdjustHandles="1" noChangeArrowheads="1" noChangeShapeType="1" noTextEdit="1"/>
+          </p:cNvSpPr>
+          <p:nvPr>
+            <p:extLst>
+              <p:ext uri="{386F3935-93C4-4BCD-93E2-E3B085C9AB24}">
+                <p16:designElem xmlns:p16="http://schemas.microsoft.com/office/powerpoint/2015/main" val="1"/>
+              </p:ext>
+            </p:extLst>
+          </p:nvPr>
+        </p:nvSpPr>
+        <p:spPr>
+          <a:xfrm>
+            <a:off x="9199331" y="3907418"/>
+            <a:ext cx="2992669" cy="2950582"/>
+          </a:xfrm>
+          <a:custGeom>
+            <a:avLst/>
+            <a:gdLst>
+              <a:gd name="connsiteX0" fmla="*/ 2052140 w 2992669"/>
+              <a:gd name="connsiteY0" fmla="*/ 0 h 2950582"/>
+              <a:gd name="connsiteX1" fmla="*/ 2850926 w 2992669"/>
+              <a:gd name="connsiteY1" fmla="*/ 161267 h 2950582"/>
+              <a:gd name="connsiteX2" fmla="*/ 2992669 w 2992669"/>
+              <a:gd name="connsiteY2" fmla="*/ 229549 h 2950582"/>
+              <a:gd name="connsiteX3" fmla="*/ 2992669 w 2992669"/>
+              <a:gd name="connsiteY3" fmla="*/ 2950582 h 2950582"/>
+              <a:gd name="connsiteX4" fmla="*/ 209274 w 2992669"/>
+              <a:gd name="connsiteY4" fmla="*/ 2950582 h 2950582"/>
+              <a:gd name="connsiteX5" fmla="*/ 161267 w 2992669"/>
+              <a:gd name="connsiteY5" fmla="*/ 2850926 h 2950582"/>
+              <a:gd name="connsiteX6" fmla="*/ 0 w 2992669"/>
+              <a:gd name="connsiteY6" fmla="*/ 2052140 h 2950582"/>
+              <a:gd name="connsiteX7" fmla="*/ 2052140 w 2992669"/>
+              <a:gd name="connsiteY7" fmla="*/ 0 h 2950582"/>
+            </a:gdLst>
+            <a:ahLst/>
+            <a:cxnLst>
+              <a:cxn ang="0">
+                <a:pos x="connsiteX0" y="connsiteY0"/>
+              </a:cxn>
+              <a:cxn ang="0">
+                <a:pos x="connsiteX1" y="connsiteY1"/>
+              </a:cxn>
+              <a:cxn ang="0">
+                <a:pos x="connsiteX2" y="connsiteY2"/>
+              </a:cxn>
+              <a:cxn ang="0">
+                <a:pos x="connsiteX3" y="connsiteY3"/>
+              </a:cxn>
+              <a:cxn ang="0">
+                <a:pos x="connsiteX4" y="connsiteY4"/>
+              </a:cxn>
+              <a:cxn ang="0">
+                <a:pos x="connsiteX5" y="connsiteY5"/>
+              </a:cxn>
+              <a:cxn ang="0">
+                <a:pos x="connsiteX6" y="connsiteY6"/>
+              </a:cxn>
+              <a:cxn ang="0">
+                <a:pos x="connsiteX7" y="connsiteY7"/>
+              </a:cxn>
+            </a:cxnLst>
+            <a:rect l="l" t="t" r="r" b="b"/>
+            <a:pathLst>
+              <a:path w="2992669" h="2950582">
+                <a:moveTo>
+                  <a:pt x="2052140" y="0"/>
+                </a:moveTo>
+                <a:cubicBezTo>
+                  <a:pt x="2335482" y="0"/>
+                  <a:pt x="2605411" y="57424"/>
+                  <a:pt x="2850926" y="161267"/>
+                </a:cubicBezTo>
+                <a:lnTo>
+                  <a:pt x="2992669" y="229549"/>
+                </a:lnTo>
+                <a:lnTo>
+                  <a:pt x="2992669" y="2950582"/>
+                </a:lnTo>
+                <a:lnTo>
+                  <a:pt x="209274" y="2950582"/>
+                </a:lnTo>
+                <a:lnTo>
+                  <a:pt x="161267" y="2850926"/>
+                </a:lnTo>
+                <a:cubicBezTo>
+                  <a:pt x="57423" y="2605411"/>
+                  <a:pt x="0" y="2335482"/>
+                  <a:pt x="0" y="2052140"/>
+                </a:cubicBezTo>
+                <a:cubicBezTo>
+                  <a:pt x="0" y="918774"/>
+                  <a:pt x="918774" y="0"/>
+                  <a:pt x="2052140" y="0"/>
+                </a:cubicBezTo>
+                <a:close/>
+              </a:path>
+            </a:pathLst>
+          </a:custGeom>
+          <a:solidFill>
+            <a:srgbClr val="FFFFFF">
+              <a:alpha val="80000"/>
+            </a:srgbClr>
+          </a:solidFill>
+          <a:ln>
+            <a:noFill/>
+          </a:ln>
+        </p:spPr>
+        <p:style>
+          <a:lnRef idx="2">
+            <a:schemeClr val="accent1">
+              <a:shade val="50000"/>
+            </a:schemeClr>
+          </a:lnRef>
+          <a:fillRef idx="1">
+            <a:schemeClr val="accent1"/>
+          </a:fillRef>
+          <a:effectRef idx="0">
+            <a:schemeClr val="accent1"/>
+          </a:effectRef>
+          <a:fontRef idx="minor">
+            <a:schemeClr val="lt1"/>
+          </a:fontRef>
+        </p:style>
+        <p:txBody>
+          <a:bodyPr wrap="square" rtlCol="0" anchor="ctr">
+            <a:noAutofit/>
+          </a:bodyPr>
+          <a:lstStyle/>
+          <a:p>
+            <a:pPr marL="0" marR="0" lvl="0" indent="0" algn="ctr" defTabSz="914400" rtl="0" eaLnBrk="1" fontAlgn="auto" latinLnBrk="0" hangingPunct="1">
+              <a:lnSpc>
+                <a:spcPct val="100000"/>
+              </a:lnSpc>
+              <a:spcBef>
+                <a:spcPts val="0"/>
+              </a:spcBef>
+              <a:spcAft>
+                <a:spcPts val="0"/>
+              </a:spcAft>
+              <a:buClrTx/>
+              <a:buSzTx/>
+              <a:buFontTx/>
+              <a:buNone/>
+              <a:tabLst/>
+              <a:defRPr/>
+            </a:pPr>
+            <a:endParaRPr kumimoji="0" lang="en-US" sz="1800" b="0" i="0" u="none" strike="noStrike" kern="1200" cap="none" spc="0" normalizeH="0" baseline="0" noProof="0">
+              <a:ln>
+                <a:noFill/>
+              </a:ln>
+              <a:solidFill>
+                <a:prstClr val="white"/>
+              </a:solidFill>
+              <a:effectLst/>
+              <a:uLnTx/>
+              <a:uFillTx/>
+              <a:latin typeface="Calibri" panose="020F0502020204030204"/>
+              <a:ea typeface="+mn-ea"/>
+              <a:cs typeface="+mn-cs"/>
+            </a:endParaRPr>
+          </a:p>
+        </p:txBody>
+      </p:sp>
+      <p:pic>
+        <p:nvPicPr>
+          <p:cNvPr id="8" name="Picture 7">
+            <a:extLst>
+              <a:ext uri="{FF2B5EF4-FFF2-40B4-BE49-F238E27FC236}">
+                <a16:creationId xmlns:a16="http://schemas.microsoft.com/office/drawing/2014/main" id="{C8903EF6-5966-4609-A70E-8304F4862E1A}"/>
+              </a:ext>
+            </a:extLst>
+          </p:cNvPr>
+          <p:cNvPicPr>
+            <a:picLocks noChangeAspect="1"/>
+          </p:cNvPicPr>
+          <p:nvPr/>
+        </p:nvPicPr>
+        <p:blipFill>
+          <a:blip r:embed="rId3">
+            <a:extLst>
+              <a:ext uri="{28A0092B-C50C-407E-A947-70E740481C1C}">
+                <a14:useLocalDpi xmlns:a14="http://schemas.microsoft.com/office/drawing/2010/main" val="0"/>
+              </a:ext>
+            </a:extLst>
+          </a:blip>
+          <a:stretch>
+            <a:fillRect/>
+          </a:stretch>
+        </p:blipFill>
+        <p:spPr>
+          <a:xfrm>
+            <a:off x="5916241" y="1388877"/>
+            <a:ext cx="1692946" cy="1692946"/>
+          </a:xfrm>
+          <a:prstGeom prst="rect">
+            <a:avLst/>
+          </a:prstGeom>
+        </p:spPr>
+      </p:pic>
+      <p:pic>
+        <p:nvPicPr>
+          <p:cNvPr id="5" name="Picture 4">
+            <a:extLst>
+              <a:ext uri="{FF2B5EF4-FFF2-40B4-BE49-F238E27FC236}">
+                <a16:creationId xmlns:a16="http://schemas.microsoft.com/office/drawing/2014/main" id="{91F82DD0-5EB9-47A0-A2BE-F0FEA56352A8}"/>
+              </a:ext>
+            </a:extLst>
+          </p:cNvPr>
+          <p:cNvPicPr>
+            <a:picLocks noChangeAspect="1"/>
+          </p:cNvPicPr>
+          <p:nvPr/>
+        </p:nvPicPr>
+        <p:blipFill>
+          <a:blip r:embed="rId4"/>
+          <a:stretch>
+            <a:fillRect/>
+          </a:stretch>
+        </p:blipFill>
+        <p:spPr>
+          <a:xfrm>
+            <a:off x="150640" y="3796615"/>
+            <a:ext cx="2448784" cy="1903930"/>
+          </a:xfrm>
+          <a:prstGeom prst="rect">
+            <a:avLst/>
+          </a:prstGeom>
+        </p:spPr>
+      </p:pic>
+      <p:pic>
+        <p:nvPicPr>
+          <p:cNvPr id="10" name="Picture 9" descr="A picture containing text, electronics, circuit&#10;&#10;Description automatically generated">
+            <a:extLst>
+              <a:ext uri="{FF2B5EF4-FFF2-40B4-BE49-F238E27FC236}">
+                <a16:creationId xmlns:a16="http://schemas.microsoft.com/office/drawing/2014/main" id="{C5931FFC-6D15-4444-9937-6552C589F7D2}"/>
+              </a:ext>
+            </a:extLst>
+          </p:cNvPr>
+          <p:cNvPicPr>
+            <a:picLocks noChangeAspect="1"/>
+          </p:cNvPicPr>
+          <p:nvPr/>
+        </p:nvPicPr>
+        <p:blipFill>
+          <a:blip r:embed="rId5">
+            <a:extLst>
+              <a:ext uri="{28A0092B-C50C-407E-A947-70E740481C1C}">
+                <a14:useLocalDpi xmlns:a14="http://schemas.microsoft.com/office/drawing/2010/main" val="0"/>
+              </a:ext>
+            </a:extLst>
+          </a:blip>
+          <a:stretch>
+            <a:fillRect/>
+          </a:stretch>
+        </p:blipFill>
+        <p:spPr>
+          <a:xfrm>
+            <a:off x="9633437" y="157701"/>
+            <a:ext cx="2558562" cy="2558562"/>
+          </a:xfrm>
+          <a:prstGeom prst="rect">
+            <a:avLst/>
+          </a:prstGeom>
+        </p:spPr>
+      </p:pic>
+      <p:pic>
+        <p:nvPicPr>
+          <p:cNvPr id="4" name="Picture 3" descr="A picture containing seat&#10;&#10;Description automatically generated">
+            <a:extLst>
+              <a:ext uri="{FF2B5EF4-FFF2-40B4-BE49-F238E27FC236}">
+                <a16:creationId xmlns:a16="http://schemas.microsoft.com/office/drawing/2014/main" id="{4BF19524-2D27-4FE6-8A11-02A083FB6622}"/>
+              </a:ext>
+            </a:extLst>
+          </p:cNvPr>
+          <p:cNvPicPr>
+            <a:picLocks noChangeAspect="1"/>
+          </p:cNvPicPr>
+          <p:nvPr/>
+        </p:nvPicPr>
+        <p:blipFill>
+          <a:blip r:embed="rId6">
+            <a:extLst>
+              <a:ext uri="{28A0092B-C50C-407E-A947-70E740481C1C}">
+                <a14:useLocalDpi xmlns:a14="http://schemas.microsoft.com/office/drawing/2010/main" val="0"/>
+              </a:ext>
+            </a:extLst>
+          </a:blip>
+          <a:stretch>
+            <a:fillRect/>
+          </a:stretch>
+        </p:blipFill>
+        <p:spPr>
+          <a:xfrm>
+            <a:off x="10264118" y="4853423"/>
+            <a:ext cx="1777242" cy="1777242"/>
+          </a:xfrm>
+          <a:prstGeom prst="rect">
+            <a:avLst/>
+          </a:prstGeom>
+        </p:spPr>
+      </p:pic>
     </p:spTree>
     <p:extLst>
       <p:ext uri="{BB962C8B-B14F-4D97-AF65-F5344CB8AC3E}">
         <p14:creationId xmlns:p14="http://schemas.microsoft.com/office/powerpoint/2010/main" val="3819788902"/>
+      </p:ext>
+    </p:extLst>
+  </p:cSld>
+  <p:clrMapOvr>
+    <a:overrideClrMapping bg1="dk1" tx1="lt1" bg2="dk2" tx2="lt2" accent1="accent1" accent2="accent2" accent3="accent3" accent4="accent4" accent5="accent5" accent6="accent6" hlink="hlink" folHlink="folHlink"/>
+  </p:clrMapOvr>
+</p:sld>
+</file>
+
+<file path=ppt/slides/slide2.xml><?xml version="1.0" encoding="utf-8"?>
+<p:sld xmlns:a="http://schemas.openxmlformats.org/drawingml/2006/main" xmlns:r="http://schemas.openxmlformats.org/officeDocument/2006/relationships" xmlns:p="http://schemas.openxmlformats.org/presentationml/2006/main">
+  <p:cSld>
+    <p:spTree>
+      <p:nvGrpSpPr>
+        <p:cNvPr id="1" name=""/>
+        <p:cNvGrpSpPr/>
+        <p:nvPr/>
+      </p:nvGrpSpPr>
+      <p:grpSpPr>
+        <a:xfrm>
+          <a:off x="0" y="0"/>
+          <a:ext cx="0" cy="0"/>
+          <a:chOff x="0" y="0"/>
+          <a:chExt cx="0" cy="0"/>
+        </a:xfrm>
+      </p:grpSpPr>
+      <p:pic>
+        <p:nvPicPr>
+          <p:cNvPr id="4" name="Picture 3" descr="A picture containing graphical user interface&#10;&#10;Description automatically generated">
+            <a:extLst>
+              <a:ext uri="{FF2B5EF4-FFF2-40B4-BE49-F238E27FC236}">
+                <a16:creationId xmlns:a16="http://schemas.microsoft.com/office/drawing/2014/main" id="{B92C718A-3E9E-4F00-AAD3-6FACF11CC608}"/>
+              </a:ext>
+            </a:extLst>
+          </p:cNvPr>
+          <p:cNvPicPr>
+            <a:picLocks noChangeAspect="1"/>
+          </p:cNvPicPr>
+          <p:nvPr/>
+        </p:nvPicPr>
+        <p:blipFill>
+          <a:blip r:embed="rId2">
+            <a:extLst>
+              <a:ext uri="{28A0092B-C50C-407E-A947-70E740481C1C}">
+                <a14:useLocalDpi xmlns:a14="http://schemas.microsoft.com/office/drawing/2010/main" val="0"/>
+              </a:ext>
+            </a:extLst>
+          </a:blip>
+          <a:stretch>
+            <a:fillRect/>
+          </a:stretch>
+        </p:blipFill>
+        <p:spPr>
+          <a:xfrm>
+            <a:off x="3131880" y="662781"/>
+            <a:ext cx="7583415" cy="5899897"/>
+          </a:xfrm>
+          <a:prstGeom prst="rect">
+            <a:avLst/>
+          </a:prstGeom>
+        </p:spPr>
+      </p:pic>
+      <p:sp>
+        <p:nvSpPr>
+          <p:cNvPr id="5" name="Rectangle 4">
+            <a:extLst>
+              <a:ext uri="{FF2B5EF4-FFF2-40B4-BE49-F238E27FC236}">
+                <a16:creationId xmlns:a16="http://schemas.microsoft.com/office/drawing/2014/main" id="{F9B3D7BE-C6EA-4A76-86B7-66D530DB257B}"/>
+              </a:ext>
+            </a:extLst>
+          </p:cNvPr>
+          <p:cNvSpPr/>
+          <p:nvPr/>
+        </p:nvSpPr>
+        <p:spPr>
+          <a:xfrm>
+            <a:off x="-87923" y="0"/>
+            <a:ext cx="12279923" cy="6858000"/>
+          </a:xfrm>
+          <a:prstGeom prst="rect">
+            <a:avLst/>
+          </a:prstGeom>
+          <a:gradFill>
+            <a:gsLst>
+              <a:gs pos="41000">
+                <a:schemeClr val="tx1">
+                  <a:alpha val="66000"/>
+                </a:schemeClr>
+              </a:gs>
+              <a:gs pos="0">
+                <a:schemeClr val="tx1">
+                  <a:lumMod val="95000"/>
+                  <a:lumOff val="5000"/>
+                </a:schemeClr>
+              </a:gs>
+              <a:gs pos="100000">
+                <a:schemeClr val="bg1">
+                  <a:alpha val="0"/>
+                </a:schemeClr>
+              </a:gs>
+              <a:gs pos="100000">
+                <a:schemeClr val="accent1">
+                  <a:lumMod val="30000"/>
+                  <a:lumOff val="70000"/>
+                </a:schemeClr>
+              </a:gs>
+            </a:gsLst>
+            <a:lin ang="0" scaled="0"/>
+          </a:gradFill>
+        </p:spPr>
+        <p:style>
+          <a:lnRef idx="2">
+            <a:schemeClr val="accent1">
+              <a:shade val="50000"/>
+            </a:schemeClr>
+          </a:lnRef>
+          <a:fillRef idx="1">
+            <a:schemeClr val="accent1"/>
+          </a:fillRef>
+          <a:effectRef idx="0">
+            <a:schemeClr val="accent1"/>
+          </a:effectRef>
+          <a:fontRef idx="minor">
+            <a:schemeClr val="lt1"/>
+          </a:fontRef>
+        </p:style>
+        <p:txBody>
+          <a:bodyPr rtlCol="0" anchor="ctr"/>
+          <a:lstStyle/>
+          <a:p>
+            <a:pPr algn="ctr"/>
+            <a:endParaRPr lang="en-US"/>
+          </a:p>
+        </p:txBody>
+      </p:sp>
+      <p:sp>
+        <p:nvSpPr>
+          <p:cNvPr id="2" name="Title 1">
+            <a:extLst>
+              <a:ext uri="{FF2B5EF4-FFF2-40B4-BE49-F238E27FC236}">
+                <a16:creationId xmlns:a16="http://schemas.microsoft.com/office/drawing/2014/main" id="{AC63A9D7-3BB4-46A0-89BE-6C2FA293120D}"/>
+              </a:ext>
+            </a:extLst>
+          </p:cNvPr>
+          <p:cNvSpPr>
+            <a:spLocks noGrp="1"/>
+          </p:cNvSpPr>
+          <p:nvPr>
+            <p:ph type="title"/>
+          </p:nvPr>
+        </p:nvSpPr>
+        <p:spPr>
+          <a:xfrm>
+            <a:off x="199696" y="0"/>
+            <a:ext cx="10315903" cy="1325563"/>
+          </a:xfrm>
+        </p:spPr>
+        <p:txBody>
+          <a:bodyPr/>
+          <a:lstStyle/>
+          <a:p>
+            <a:r>
+              <a:rPr lang="en-GB" dirty="0">
+                <a:solidFill>
+                  <a:schemeClr val="bg1"/>
+                </a:solidFill>
+              </a:rPr>
+              <a:t>Arduino Starter Kit</a:t>
+            </a:r>
+            <a:endParaRPr lang="en-US" dirty="0">
+              <a:solidFill>
+                <a:schemeClr val="bg1"/>
+              </a:solidFill>
+            </a:endParaRPr>
+          </a:p>
+        </p:txBody>
+      </p:sp>
+    </p:spTree>
+    <p:extLst>
+      <p:ext uri="{BB962C8B-B14F-4D97-AF65-F5344CB8AC3E}">
+        <p14:creationId xmlns:p14="http://schemas.microsoft.com/office/powerpoint/2010/main" val="2529106279"/>
       </p:ext>
     </p:extLst>
   </p:cSld>
@@ -3387,42 +5176,42 @@
 <file path=ppt/theme/theme1.xml><?xml version="1.0" encoding="utf-8"?>
 <a:theme xmlns:a="http://schemas.openxmlformats.org/drawingml/2006/main" name="Office Theme">
   <a:themeElements>
-    <a:clrScheme name="Office">
+    <a:clrScheme name="Marquee">
       <a:dk1>
-        <a:sysClr val="windowText" lastClr="000000"/>
+        <a:srgbClr val="000000"/>
       </a:dk1>
       <a:lt1>
         <a:sysClr val="window" lastClr="FFFFFF"/>
       </a:lt1>
       <a:dk2>
-        <a:srgbClr val="44546A"/>
+        <a:srgbClr val="5E5E5E"/>
       </a:dk2>
       <a:lt2>
-        <a:srgbClr val="E7E6E6"/>
+        <a:srgbClr val="DDDDDD"/>
       </a:lt2>
       <a:accent1>
-        <a:srgbClr val="4472C4"/>
+        <a:srgbClr val="418AB3"/>
       </a:accent1>
       <a:accent2>
-        <a:srgbClr val="ED7D31"/>
+        <a:srgbClr val="A6B727"/>
       </a:accent2>
       <a:accent3>
-        <a:srgbClr val="A5A5A5"/>
+        <a:srgbClr val="F69200"/>
       </a:accent3>
       <a:accent4>
-        <a:srgbClr val="FFC000"/>
+        <a:srgbClr val="838383"/>
       </a:accent4>
       <a:accent5>
-        <a:srgbClr val="5B9BD5"/>
+        <a:srgbClr val="FEC306"/>
       </a:accent5>
       <a:accent6>
-        <a:srgbClr val="70AD47"/>
+        <a:srgbClr val="DF5327"/>
       </a:accent6>
       <a:hlink>
-        <a:srgbClr val="0563C1"/>
+        <a:srgbClr val="F59E00"/>
       </a:hlink>
       <a:folHlink>
-        <a:srgbClr val="954F72"/>
+        <a:srgbClr val="B2B2B2"/>
       </a:folHlink>
     </a:clrScheme>
     <a:fontScheme name="Office">

--- a/docs/Teams Sucks Presentation.pptx
+++ b/docs/Teams Sucks Presentation.pptx
@@ -4,9 +4,13 @@
   <p:sldMasterIdLst>
     <p:sldMasterId id="2147483648" r:id="rId1"/>
   </p:sldMasterIdLst>
+  <p:notesMasterIdLst>
+    <p:notesMasterId r:id="rId5"/>
+  </p:notesMasterIdLst>
   <p:sldIdLst>
-    <p:sldId id="256" r:id="rId2"/>
-    <p:sldId id="257" r:id="rId3"/>
+    <p:sldId id="259" r:id="rId2"/>
+    <p:sldId id="261" r:id="rId3"/>
+    <p:sldId id="257" r:id="rId4"/>
   </p:sldIdLst>
   <p:sldSz cx="12192000" cy="6858000"/>
   <p:notesSz cx="6858000" cy="9144000"/>
@@ -109,8 +113,361 @@
     <p:ext uri="{EFAFB233-063F-42B5-8137-9DF3F51BA10A}">
       <p15:sldGuideLst xmlns:p15="http://schemas.microsoft.com/office/powerpoint/2012/main"/>
     </p:ext>
+    <p:ext uri="{2D200454-40CA-4A62-9FC3-DE9A4176ACB9}">
+      <p15:notesGuideLst xmlns:p15="http://schemas.microsoft.com/office/powerpoint/2012/main"/>
+    </p:ext>
   </p:extLst>
 </p:presentation>
+</file>
+
+<file path=ppt/notesMasters/notesMaster1.xml><?xml version="1.0" encoding="utf-8"?>
+<p:notesMaster xmlns:a="http://schemas.openxmlformats.org/drawingml/2006/main" xmlns:r="http://schemas.openxmlformats.org/officeDocument/2006/relationships" xmlns:p="http://schemas.openxmlformats.org/presentationml/2006/main">
+  <p:cSld>
+    <p:bg>
+      <p:bgRef idx="1001">
+        <a:schemeClr val="bg1"/>
+      </p:bgRef>
+    </p:bg>
+    <p:spTree>
+      <p:nvGrpSpPr>
+        <p:cNvPr id="1" name=""/>
+        <p:cNvGrpSpPr/>
+        <p:nvPr/>
+      </p:nvGrpSpPr>
+      <p:grpSpPr>
+        <a:xfrm>
+          <a:off x="0" y="0"/>
+          <a:ext cx="0" cy="0"/>
+          <a:chOff x="0" y="0"/>
+          <a:chExt cx="0" cy="0"/>
+        </a:xfrm>
+      </p:grpSpPr>
+      <p:sp>
+        <p:nvSpPr>
+          <p:cNvPr id="2" name="Header Placeholder 1"/>
+          <p:cNvSpPr>
+            <a:spLocks noGrp="1"/>
+          </p:cNvSpPr>
+          <p:nvPr>
+            <p:ph type="hdr" sz="quarter"/>
+          </p:nvPr>
+        </p:nvSpPr>
+        <p:spPr>
+          <a:xfrm>
+            <a:off x="0" y="0"/>
+            <a:ext cx="2971800" cy="458788"/>
+          </a:xfrm>
+          <a:prstGeom prst="rect">
+            <a:avLst/>
+          </a:prstGeom>
+        </p:spPr>
+        <p:txBody>
+          <a:bodyPr vert="horz" lIns="91440" tIns="45720" rIns="91440" bIns="45720" rtlCol="0"/>
+          <a:lstStyle>
+            <a:lvl1pPr algn="l">
+              <a:defRPr sz="1200"/>
+            </a:lvl1pPr>
+          </a:lstStyle>
+          <a:p>
+            <a:endParaRPr lang="en-GB"/>
+          </a:p>
+        </p:txBody>
+      </p:sp>
+      <p:sp>
+        <p:nvSpPr>
+          <p:cNvPr id="3" name="Date Placeholder 2"/>
+          <p:cNvSpPr>
+            <a:spLocks noGrp="1"/>
+          </p:cNvSpPr>
+          <p:nvPr>
+            <p:ph type="dt" idx="1"/>
+          </p:nvPr>
+        </p:nvSpPr>
+        <p:spPr>
+          <a:xfrm>
+            <a:off x="3884613" y="0"/>
+            <a:ext cx="2971800" cy="458788"/>
+          </a:xfrm>
+          <a:prstGeom prst="rect">
+            <a:avLst/>
+          </a:prstGeom>
+        </p:spPr>
+        <p:txBody>
+          <a:bodyPr vert="horz" lIns="91440" tIns="45720" rIns="91440" bIns="45720" rtlCol="0"/>
+          <a:lstStyle>
+            <a:lvl1pPr algn="r">
+              <a:defRPr sz="1200"/>
+            </a:lvl1pPr>
+          </a:lstStyle>
+          <a:p>
+            <a:fld id="{C6C66F06-FD86-4B63-A3AA-4EDEBB791BA9}" type="datetimeFigureOut">
+              <a:rPr lang="en-GB" smtClean="0"/>
+              <a:t>27/01/2022</a:t>
+            </a:fld>
+            <a:endParaRPr lang="en-GB"/>
+          </a:p>
+        </p:txBody>
+      </p:sp>
+      <p:sp>
+        <p:nvSpPr>
+          <p:cNvPr id="4" name="Slide Image Placeholder 3"/>
+          <p:cNvSpPr>
+            <a:spLocks noGrp="1" noRot="1" noChangeAspect="1"/>
+          </p:cNvSpPr>
+          <p:nvPr>
+            <p:ph type="sldImg" idx="2"/>
+          </p:nvPr>
+        </p:nvSpPr>
+        <p:spPr>
+          <a:xfrm>
+            <a:off x="685800" y="1143000"/>
+            <a:ext cx="5486400" cy="3086100"/>
+          </a:xfrm>
+          <a:prstGeom prst="rect">
+            <a:avLst/>
+          </a:prstGeom>
+          <a:noFill/>
+          <a:ln w="12700">
+            <a:solidFill>
+              <a:prstClr val="black"/>
+            </a:solidFill>
+          </a:ln>
+        </p:spPr>
+        <p:txBody>
+          <a:bodyPr vert="horz" lIns="91440" tIns="45720" rIns="91440" bIns="45720" rtlCol="0" anchor="ctr"/>
+          <a:lstStyle/>
+          <a:p>
+            <a:endParaRPr lang="en-GB"/>
+          </a:p>
+        </p:txBody>
+      </p:sp>
+      <p:sp>
+        <p:nvSpPr>
+          <p:cNvPr id="5" name="Notes Placeholder 4"/>
+          <p:cNvSpPr>
+            <a:spLocks noGrp="1"/>
+          </p:cNvSpPr>
+          <p:nvPr>
+            <p:ph type="body" sz="quarter" idx="3"/>
+          </p:nvPr>
+        </p:nvSpPr>
+        <p:spPr>
+          <a:xfrm>
+            <a:off x="685800" y="4400550"/>
+            <a:ext cx="5486400" cy="3600450"/>
+          </a:xfrm>
+          <a:prstGeom prst="rect">
+            <a:avLst/>
+          </a:prstGeom>
+        </p:spPr>
+        <p:txBody>
+          <a:bodyPr vert="horz" lIns="91440" tIns="45720" rIns="91440" bIns="45720" rtlCol="0"/>
+          <a:lstStyle/>
+          <a:p>
+            <a:pPr lvl="0"/>
+            <a:r>
+              <a:rPr lang="en-US"/>
+              <a:t>Click to edit Master text styles</a:t>
+            </a:r>
+          </a:p>
+          <a:p>
+            <a:pPr lvl="1"/>
+            <a:r>
+              <a:rPr lang="en-US"/>
+              <a:t>Second level</a:t>
+            </a:r>
+          </a:p>
+          <a:p>
+            <a:pPr lvl="2"/>
+            <a:r>
+              <a:rPr lang="en-US"/>
+              <a:t>Third level</a:t>
+            </a:r>
+          </a:p>
+          <a:p>
+            <a:pPr lvl="3"/>
+            <a:r>
+              <a:rPr lang="en-US"/>
+              <a:t>Fourth level</a:t>
+            </a:r>
+          </a:p>
+          <a:p>
+            <a:pPr lvl="4"/>
+            <a:r>
+              <a:rPr lang="en-US"/>
+              <a:t>Fifth level</a:t>
+            </a:r>
+            <a:endParaRPr lang="en-GB"/>
+          </a:p>
+        </p:txBody>
+      </p:sp>
+      <p:sp>
+        <p:nvSpPr>
+          <p:cNvPr id="6" name="Footer Placeholder 5"/>
+          <p:cNvSpPr>
+            <a:spLocks noGrp="1"/>
+          </p:cNvSpPr>
+          <p:nvPr>
+            <p:ph type="ftr" sz="quarter" idx="4"/>
+          </p:nvPr>
+        </p:nvSpPr>
+        <p:spPr>
+          <a:xfrm>
+            <a:off x="0" y="8685213"/>
+            <a:ext cx="2971800" cy="458787"/>
+          </a:xfrm>
+          <a:prstGeom prst="rect">
+            <a:avLst/>
+          </a:prstGeom>
+        </p:spPr>
+        <p:txBody>
+          <a:bodyPr vert="horz" lIns="91440" tIns="45720" rIns="91440" bIns="45720" rtlCol="0" anchor="b"/>
+          <a:lstStyle>
+            <a:lvl1pPr algn="l">
+              <a:defRPr sz="1200"/>
+            </a:lvl1pPr>
+          </a:lstStyle>
+          <a:p>
+            <a:endParaRPr lang="en-GB"/>
+          </a:p>
+        </p:txBody>
+      </p:sp>
+      <p:sp>
+        <p:nvSpPr>
+          <p:cNvPr id="7" name="Slide Number Placeholder 6"/>
+          <p:cNvSpPr>
+            <a:spLocks noGrp="1"/>
+          </p:cNvSpPr>
+          <p:nvPr>
+            <p:ph type="sldNum" sz="quarter" idx="5"/>
+          </p:nvPr>
+        </p:nvSpPr>
+        <p:spPr>
+          <a:xfrm>
+            <a:off x="3884613" y="8685213"/>
+            <a:ext cx="2971800" cy="458787"/>
+          </a:xfrm>
+          <a:prstGeom prst="rect">
+            <a:avLst/>
+          </a:prstGeom>
+        </p:spPr>
+        <p:txBody>
+          <a:bodyPr vert="horz" lIns="91440" tIns="45720" rIns="91440" bIns="45720" rtlCol="0" anchor="b"/>
+          <a:lstStyle>
+            <a:lvl1pPr algn="r">
+              <a:defRPr sz="1200"/>
+            </a:lvl1pPr>
+          </a:lstStyle>
+          <a:p>
+            <a:fld id="{0D748BEB-8D4B-4EFE-8290-4C2C4AB09A1E}" type="slidenum">
+              <a:rPr lang="en-GB" smtClean="0"/>
+              <a:t>‹#›</a:t>
+            </a:fld>
+            <a:endParaRPr lang="en-GB"/>
+          </a:p>
+        </p:txBody>
+      </p:sp>
+    </p:spTree>
+    <p:extLst>
+      <p:ext uri="{BB962C8B-B14F-4D97-AF65-F5344CB8AC3E}">
+        <p14:creationId xmlns:p14="http://schemas.microsoft.com/office/powerpoint/2010/main" val="3990705411"/>
+      </p:ext>
+    </p:extLst>
+  </p:cSld>
+  <p:clrMap bg1="lt1" tx1="dk1" bg2="lt2" tx2="dk2" accent1="accent1" accent2="accent2" accent3="accent3" accent4="accent4" accent5="accent5" accent6="accent6" hlink="hlink" folHlink="folHlink"/>
+  <p:notesStyle>
+    <a:lvl1pPr marL="0" algn="l" defTabSz="914400" rtl="0" eaLnBrk="1" latinLnBrk="0" hangingPunct="1">
+      <a:defRPr sz="1200" kern="1200">
+        <a:solidFill>
+          <a:schemeClr val="tx1"/>
+        </a:solidFill>
+        <a:latin typeface="+mn-lt"/>
+        <a:ea typeface="+mn-ea"/>
+        <a:cs typeface="+mn-cs"/>
+      </a:defRPr>
+    </a:lvl1pPr>
+    <a:lvl2pPr marL="457200" algn="l" defTabSz="914400" rtl="0" eaLnBrk="1" latinLnBrk="0" hangingPunct="1">
+      <a:defRPr sz="1200" kern="1200">
+        <a:solidFill>
+          <a:schemeClr val="tx1"/>
+        </a:solidFill>
+        <a:latin typeface="+mn-lt"/>
+        <a:ea typeface="+mn-ea"/>
+        <a:cs typeface="+mn-cs"/>
+      </a:defRPr>
+    </a:lvl2pPr>
+    <a:lvl3pPr marL="914400" algn="l" defTabSz="914400" rtl="0" eaLnBrk="1" latinLnBrk="0" hangingPunct="1">
+      <a:defRPr sz="1200" kern="1200">
+        <a:solidFill>
+          <a:schemeClr val="tx1"/>
+        </a:solidFill>
+        <a:latin typeface="+mn-lt"/>
+        <a:ea typeface="+mn-ea"/>
+        <a:cs typeface="+mn-cs"/>
+      </a:defRPr>
+    </a:lvl3pPr>
+    <a:lvl4pPr marL="1371600" algn="l" defTabSz="914400" rtl="0" eaLnBrk="1" latinLnBrk="0" hangingPunct="1">
+      <a:defRPr sz="1200" kern="1200">
+        <a:solidFill>
+          <a:schemeClr val="tx1"/>
+        </a:solidFill>
+        <a:latin typeface="+mn-lt"/>
+        <a:ea typeface="+mn-ea"/>
+        <a:cs typeface="+mn-cs"/>
+      </a:defRPr>
+    </a:lvl4pPr>
+    <a:lvl5pPr marL="1828800" algn="l" defTabSz="914400" rtl="0" eaLnBrk="1" latinLnBrk="0" hangingPunct="1">
+      <a:defRPr sz="1200" kern="1200">
+        <a:solidFill>
+          <a:schemeClr val="tx1"/>
+        </a:solidFill>
+        <a:latin typeface="+mn-lt"/>
+        <a:ea typeface="+mn-ea"/>
+        <a:cs typeface="+mn-cs"/>
+      </a:defRPr>
+    </a:lvl5pPr>
+    <a:lvl6pPr marL="2286000" algn="l" defTabSz="914400" rtl="0" eaLnBrk="1" latinLnBrk="0" hangingPunct="1">
+      <a:defRPr sz="1200" kern="1200">
+        <a:solidFill>
+          <a:schemeClr val="tx1"/>
+        </a:solidFill>
+        <a:latin typeface="+mn-lt"/>
+        <a:ea typeface="+mn-ea"/>
+        <a:cs typeface="+mn-cs"/>
+      </a:defRPr>
+    </a:lvl6pPr>
+    <a:lvl7pPr marL="2743200" algn="l" defTabSz="914400" rtl="0" eaLnBrk="1" latinLnBrk="0" hangingPunct="1">
+      <a:defRPr sz="1200" kern="1200">
+        <a:solidFill>
+          <a:schemeClr val="tx1"/>
+        </a:solidFill>
+        <a:latin typeface="+mn-lt"/>
+        <a:ea typeface="+mn-ea"/>
+        <a:cs typeface="+mn-cs"/>
+      </a:defRPr>
+    </a:lvl7pPr>
+    <a:lvl8pPr marL="3200400" algn="l" defTabSz="914400" rtl="0" eaLnBrk="1" latinLnBrk="0" hangingPunct="1">
+      <a:defRPr sz="1200" kern="1200">
+        <a:solidFill>
+          <a:schemeClr val="tx1"/>
+        </a:solidFill>
+        <a:latin typeface="+mn-lt"/>
+        <a:ea typeface="+mn-ea"/>
+        <a:cs typeface="+mn-cs"/>
+      </a:defRPr>
+    </a:lvl8pPr>
+    <a:lvl9pPr marL="3657600" algn="l" defTabSz="914400" rtl="0" eaLnBrk="1" latinLnBrk="0" hangingPunct="1">
+      <a:defRPr sz="1200" kern="1200">
+        <a:solidFill>
+          <a:schemeClr val="tx1"/>
+        </a:solidFill>
+        <a:latin typeface="+mn-lt"/>
+        <a:ea typeface="+mn-ea"/>
+        <a:cs typeface="+mn-cs"/>
+      </a:defRPr>
+    </a:lvl9pPr>
+  </p:notesStyle>
+</p:notesMaster>
 </file>
 
 <file path=ppt/slideLayouts/slideLayout1.xml><?xml version="1.0" encoding="utf-8"?>
@@ -669,6 +1026,55 @@
       </p:grpSpPr>
       <p:sp>
         <p:nvSpPr>
+          <p:cNvPr id="4" name="Rectangle 3">
+            <a:extLst>
+              <a:ext uri="{FF2B5EF4-FFF2-40B4-BE49-F238E27FC236}">
+                <a16:creationId xmlns:a16="http://schemas.microsoft.com/office/drawing/2014/main" id="{9716327F-2A07-4017-8192-D3A563F3F1D1}"/>
+              </a:ext>
+            </a:extLst>
+          </p:cNvPr>
+          <p:cNvSpPr/>
+          <p:nvPr userDrawn="1"/>
+        </p:nvSpPr>
+        <p:spPr>
+          <a:xfrm>
+            <a:off x="0" y="0"/>
+            <a:ext cx="1204452" cy="6858000"/>
+          </a:xfrm>
+          <a:prstGeom prst="rect">
+            <a:avLst/>
+          </a:prstGeom>
+          <a:solidFill>
+            <a:srgbClr val="03849A"/>
+          </a:solidFill>
+        </p:spPr>
+        <p:style>
+          <a:lnRef idx="2">
+            <a:schemeClr val="accent1">
+              <a:shade val="50000"/>
+            </a:schemeClr>
+          </a:lnRef>
+          <a:fillRef idx="1">
+            <a:schemeClr val="accent1"/>
+          </a:fillRef>
+          <a:effectRef idx="0">
+            <a:schemeClr val="accent1"/>
+          </a:effectRef>
+          <a:fontRef idx="minor">
+            <a:schemeClr val="lt1"/>
+          </a:fontRef>
+        </p:style>
+        <p:txBody>
+          <a:bodyPr rtlCol="0" anchor="ctr"/>
+          <a:lstStyle/>
+          <a:p>
+            <a:pPr algn="ctr"/>
+            <a:endParaRPr lang="en-GB"/>
+          </a:p>
+        </p:txBody>
+      </p:sp>
+      <p:sp>
+        <p:nvSpPr>
           <p:cNvPr id="2" name="Title 1">
             <a:extLst>
               <a:ext uri="{FF2B5EF4-FFF2-40B4-BE49-F238E27FC236}">
@@ -683,13 +1089,27 @@
             <p:ph type="title"/>
           </p:nvPr>
         </p:nvSpPr>
-        <p:spPr/>
+        <p:spPr>
+          <a:xfrm>
+            <a:off x="171089" y="0"/>
+            <a:ext cx="11583375" cy="1325563"/>
+          </a:xfrm>
+        </p:spPr>
         <p:txBody>
           <a:bodyPr/>
-          <a:lstStyle/>
-          <a:p>
-            <a:r>
-              <a:rPr lang="en-US"/>
+          <a:lstStyle>
+            <a:lvl1pPr>
+              <a:defRPr b="1">
+                <a:solidFill>
+                  <a:srgbClr val="F67D5E"/>
+                </a:solidFill>
+                <a:latin typeface="Verdana Pro Cond SemiBold" panose="020B0706030504040204" pitchFamily="34" charset="0"/>
+              </a:defRPr>
+            </a:lvl1pPr>
+          </a:lstStyle>
+          <a:p>
+            <a:r>
+              <a:rPr lang="en-US" dirty="0"/>
               <a:t>Click to edit Master title style</a:t>
             </a:r>
           </a:p>
@@ -711,127 +1131,105 @@
             <p:ph idx="1"/>
           </p:nvPr>
         </p:nvSpPr>
-        <p:spPr/>
+        <p:spPr>
+          <a:xfrm>
+            <a:off x="1204452" y="1776464"/>
+            <a:ext cx="10916264" cy="4351338"/>
+          </a:xfrm>
+        </p:spPr>
         <p:txBody>
           <a:bodyPr/>
-          <a:lstStyle/>
+          <a:lstStyle>
+            <a:lvl1pPr marL="228600" indent="-228600">
+              <a:buClr>
+                <a:srgbClr val="F67D5E"/>
+              </a:buClr>
+              <a:buFont typeface="Wingdings" panose="05000000000000000000" pitchFamily="2" charset="2"/>
+              <a:buChar char="§"/>
+              <a:defRPr>
+                <a:latin typeface="Verdana" panose="020B0604030504040204" pitchFamily="34" charset="0"/>
+                <a:ea typeface="Verdana" panose="020B0604030504040204" pitchFamily="34" charset="0"/>
+              </a:defRPr>
+            </a:lvl1pPr>
+            <a:lvl2pPr marL="685800" indent="-228600">
+              <a:buClr>
+                <a:srgbClr val="F67D5E"/>
+              </a:buClr>
+              <a:buFont typeface="Wingdings" panose="05000000000000000000" pitchFamily="2" charset="2"/>
+              <a:buChar char="§"/>
+              <a:defRPr>
+                <a:latin typeface="Verdana" panose="020B0604030504040204" pitchFamily="34" charset="0"/>
+                <a:ea typeface="Verdana" panose="020B0604030504040204" pitchFamily="34" charset="0"/>
+              </a:defRPr>
+            </a:lvl2pPr>
+            <a:lvl3pPr marL="1143000" indent="-228600">
+              <a:buClr>
+                <a:srgbClr val="F67D5E"/>
+              </a:buClr>
+              <a:buFont typeface="Wingdings" panose="05000000000000000000" pitchFamily="2" charset="2"/>
+              <a:buChar char="§"/>
+              <a:defRPr>
+                <a:latin typeface="Verdana" panose="020B0604030504040204" pitchFamily="34" charset="0"/>
+                <a:ea typeface="Verdana" panose="020B0604030504040204" pitchFamily="34" charset="0"/>
+              </a:defRPr>
+            </a:lvl3pPr>
+            <a:lvl4pPr marL="1600200" indent="-228600">
+              <a:buClr>
+                <a:srgbClr val="F67D5E"/>
+              </a:buClr>
+              <a:buFont typeface="Wingdings" panose="05000000000000000000" pitchFamily="2" charset="2"/>
+              <a:buChar char="§"/>
+              <a:defRPr>
+                <a:latin typeface="Verdana" panose="020B0604030504040204" pitchFamily="34" charset="0"/>
+                <a:ea typeface="Verdana" panose="020B0604030504040204" pitchFamily="34" charset="0"/>
+              </a:defRPr>
+            </a:lvl4pPr>
+            <a:lvl5pPr marL="2057400" indent="-228600">
+              <a:buClr>
+                <a:srgbClr val="F67D5E"/>
+              </a:buClr>
+              <a:buFont typeface="Wingdings" panose="05000000000000000000" pitchFamily="2" charset="2"/>
+              <a:buChar char="§"/>
+              <a:defRPr>
+                <a:latin typeface="Verdana" panose="020B0604030504040204" pitchFamily="34" charset="0"/>
+                <a:ea typeface="Verdana" panose="020B0604030504040204" pitchFamily="34" charset="0"/>
+              </a:defRPr>
+            </a:lvl5pPr>
+          </a:lstStyle>
           <a:p>
             <a:pPr lvl="0"/>
             <a:r>
-              <a:rPr lang="en-US"/>
+              <a:rPr lang="en-US" dirty="0"/>
               <a:t>Click to edit Master text styles</a:t>
             </a:r>
           </a:p>
           <a:p>
             <a:pPr lvl="1"/>
             <a:r>
-              <a:rPr lang="en-US"/>
+              <a:rPr lang="en-US" dirty="0"/>
               <a:t>Second level</a:t>
             </a:r>
           </a:p>
           <a:p>
             <a:pPr lvl="2"/>
             <a:r>
-              <a:rPr lang="en-US"/>
+              <a:rPr lang="en-US" dirty="0"/>
               <a:t>Third level</a:t>
             </a:r>
           </a:p>
           <a:p>
             <a:pPr lvl="3"/>
             <a:r>
-              <a:rPr lang="en-US"/>
+              <a:rPr lang="en-US" dirty="0"/>
               <a:t>Fourth level</a:t>
             </a:r>
           </a:p>
           <a:p>
             <a:pPr lvl="4"/>
             <a:r>
-              <a:rPr lang="en-US"/>
+              <a:rPr lang="en-US" dirty="0"/>
               <a:t>Fifth level</a:t>
             </a:r>
-          </a:p>
-        </p:txBody>
-      </p:sp>
-      <p:sp>
-        <p:nvSpPr>
-          <p:cNvPr id="4" name="Date Placeholder 3">
-            <a:extLst>
-              <a:ext uri="{FF2B5EF4-FFF2-40B4-BE49-F238E27FC236}">
-                <a16:creationId xmlns:a16="http://schemas.microsoft.com/office/drawing/2014/main" id="{087FA640-EAA7-45CB-BFDE-E3B70B85D24E}"/>
-              </a:ext>
-            </a:extLst>
-          </p:cNvPr>
-          <p:cNvSpPr>
-            <a:spLocks noGrp="1"/>
-          </p:cNvSpPr>
-          <p:nvPr>
-            <p:ph type="dt" sz="half" idx="10"/>
-          </p:nvPr>
-        </p:nvSpPr>
-        <p:spPr/>
-        <p:txBody>
-          <a:bodyPr/>
-          <a:lstStyle/>
-          <a:p>
-            <a:fld id="{8857C0AE-C8A8-4DE6-9322-18FE594FF65F}" type="datetimeFigureOut">
-              <a:rPr lang="en-US" smtClean="0"/>
-              <a:t>1/27/2022</a:t>
-            </a:fld>
-            <a:endParaRPr lang="en-US"/>
-          </a:p>
-        </p:txBody>
-      </p:sp>
-      <p:sp>
-        <p:nvSpPr>
-          <p:cNvPr id="5" name="Footer Placeholder 4">
-            <a:extLst>
-              <a:ext uri="{FF2B5EF4-FFF2-40B4-BE49-F238E27FC236}">
-                <a16:creationId xmlns:a16="http://schemas.microsoft.com/office/drawing/2014/main" id="{DDC92327-F13A-4290-A7FA-7B426009BCED}"/>
-              </a:ext>
-            </a:extLst>
-          </p:cNvPr>
-          <p:cNvSpPr>
-            <a:spLocks noGrp="1"/>
-          </p:cNvSpPr>
-          <p:nvPr>
-            <p:ph type="ftr" sz="quarter" idx="11"/>
-          </p:nvPr>
-        </p:nvSpPr>
-        <p:spPr/>
-        <p:txBody>
-          <a:bodyPr/>
-          <a:lstStyle/>
-          <a:p>
-            <a:endParaRPr lang="en-US"/>
-          </a:p>
-        </p:txBody>
-      </p:sp>
-      <p:sp>
-        <p:nvSpPr>
-          <p:cNvPr id="6" name="Slide Number Placeholder 5">
-            <a:extLst>
-              <a:ext uri="{FF2B5EF4-FFF2-40B4-BE49-F238E27FC236}">
-                <a16:creationId xmlns:a16="http://schemas.microsoft.com/office/drawing/2014/main" id="{5157D618-1A14-4215-A9D3-273F628519EE}"/>
-              </a:ext>
-            </a:extLst>
-          </p:cNvPr>
-          <p:cNvSpPr>
-            <a:spLocks noGrp="1"/>
-          </p:cNvSpPr>
-          <p:nvPr>
-            <p:ph type="sldNum" sz="quarter" idx="12"/>
-          </p:nvPr>
-        </p:nvSpPr>
-        <p:spPr/>
-        <p:txBody>
-          <a:bodyPr/>
-          <a:lstStyle/>
-          <a:p>
-            <a:fld id="{A784B025-6D13-49F0-9559-DCC40201FEE9}" type="slidenum">
-              <a:rPr lang="en-US" smtClean="0"/>
-              <a:t>‹#›</a:t>
-            </a:fld>
-            <a:endParaRPr lang="en-US"/>
           </a:p>
         </p:txBody>
       </p:sp>
@@ -3224,17 +3622,6 @@
 <file path=ppt/slides/slide1.xml><?xml version="1.0" encoding="utf-8"?>
 <p:sld xmlns:a="http://schemas.openxmlformats.org/drawingml/2006/main" xmlns:r="http://schemas.openxmlformats.org/officeDocument/2006/relationships" xmlns:p="http://schemas.openxmlformats.org/presentationml/2006/main">
   <p:cSld>
-    <p:bg>
-      <p:bgPr>
-        <a:solidFill>
-          <a:schemeClr val="bg1">
-            <a:tint val="95000"/>
-            <a:satMod val="170000"/>
-          </a:schemeClr>
-        </a:solidFill>
-        <a:effectLst/>
-      </p:bgPr>
-    </p:bg>
     <p:spTree>
       <p:nvGrpSpPr>
         <p:cNvPr id="1" name=""/>
@@ -3249,6 +3636,36 @@
           <a:chExt cx="0" cy="0"/>
         </a:xfrm>
       </p:grpSpPr>
+      <p:pic>
+        <p:nvPicPr>
+          <p:cNvPr id="9" name="Picture 8">
+            <a:extLst>
+              <a:ext uri="{FF2B5EF4-FFF2-40B4-BE49-F238E27FC236}">
+                <a16:creationId xmlns:a16="http://schemas.microsoft.com/office/drawing/2014/main" id="{EB5BA4EB-30AE-43F0-91C3-D016D6F077A6}"/>
+              </a:ext>
+            </a:extLst>
+          </p:cNvPr>
+          <p:cNvPicPr>
+            <a:picLocks noChangeAspect="1"/>
+          </p:cNvPicPr>
+          <p:nvPr/>
+        </p:nvPicPr>
+        <p:blipFill>
+          <a:blip r:embed="rId2"/>
+          <a:stretch>
+            <a:fillRect/>
+          </a:stretch>
+        </p:blipFill>
+        <p:spPr>
+          <a:xfrm rot="16200000">
+            <a:off x="2309811" y="-2804749"/>
+            <a:ext cx="7565593" cy="12198785"/>
+          </a:xfrm>
+          <a:prstGeom prst="rect">
+            <a:avLst/>
+          </a:prstGeom>
+        </p:spPr>
+      </p:pic>
       <p:sp>
         <p:nvSpPr>
           <p:cNvPr id="2" name="Title 1">
@@ -3267,22 +3684,34 @@
         </p:nvSpPr>
         <p:spPr>
           <a:xfrm>
-            <a:off x="4128368" y="4522156"/>
-            <a:ext cx="4937937" cy="1363215"/>
+            <a:off x="1473381" y="569705"/>
+            <a:ext cx="3874995" cy="1200329"/>
           </a:xfrm>
+          <a:solidFill>
+            <a:srgbClr val="03849A"/>
+          </a:solidFill>
         </p:spPr>
         <p:txBody>
-          <a:bodyPr anchor="t">
-            <a:normAutofit/>
+          <a:bodyPr wrap="square" anchor="t">
+            <a:spAutoFit/>
           </a:bodyPr>
           <a:lstStyle/>
           <a:p>
-            <a:pPr algn="l"/>
-            <a:r>
-              <a:rPr lang="en-GB" sz="5400" dirty="0"/>
-              <a:t>You’re on Mute</a:t>
-            </a:r>
-            <a:endParaRPr lang="en-US" sz="5400" dirty="0"/>
+            <a:r>
+              <a:rPr lang="en-GB" sz="8000" dirty="0">
+                <a:solidFill>
+                  <a:schemeClr val="bg1"/>
+                </a:solidFill>
+                <a:latin typeface="Verdana Pro Cond SemiBold" panose="020B0604020202020204" pitchFamily="34" charset="0"/>
+              </a:rPr>
+              <a:t>YOU’RE</a:t>
+            </a:r>
+            <a:endParaRPr lang="en-US" sz="8000" dirty="0">
+              <a:solidFill>
+                <a:schemeClr val="bg1"/>
+              </a:solidFill>
+              <a:latin typeface="Verdana Pro Cond SemiBold" panose="020B0604020202020204" pitchFamily="34" charset="0"/>
+            </a:endParaRPr>
           </a:p>
         </p:txBody>
       </p:sp>
@@ -3304,139 +3733,166 @@
         </p:nvSpPr>
         <p:spPr>
           <a:xfrm>
-            <a:off x="4128370" y="3945418"/>
-            <a:ext cx="4937936" cy="576738"/>
+            <a:off x="3973095" y="4796818"/>
+            <a:ext cx="6332596" cy="590931"/>
           </a:xfrm>
+          <a:solidFill>
+            <a:srgbClr val="03849A"/>
+          </a:solidFill>
         </p:spPr>
         <p:txBody>
-          <a:bodyPr anchor="b">
-            <a:normAutofit/>
+          <a:bodyPr vert="horz" wrap="square" lIns="91440" tIns="45720" rIns="91440" bIns="45720" rtlCol="0" anchor="t">
+            <a:spAutoFit/>
           </a:bodyPr>
           <a:lstStyle/>
           <a:p>
-            <a:pPr algn="l"/>
-            <a:r>
-              <a:rPr lang="en-GB" sz="2000" dirty="0"/>
-              <a:t>Hardware to Control M$ Teams</a:t>
-            </a:r>
-            <a:endParaRPr lang="en-US" sz="2000" dirty="0"/>
-          </a:p>
-        </p:txBody>
-      </p:sp>
-      <p:sp>
-        <p:nvSpPr>
-          <p:cNvPr id="13" name="Freeform: Shape 12">
-            <a:extLst>
-              <a:ext uri="{FF2B5EF4-FFF2-40B4-BE49-F238E27FC236}">
-                <a16:creationId xmlns:a16="http://schemas.microsoft.com/office/drawing/2014/main" id="{2E2D6188-24E5-426A-BB2A-3FA2D6B9C3EF}"/>
-              </a:ext>
-              <a:ext uri="{C183D7F6-B498-43B3-948B-1728B52AA6E4}">
-                <adec:decorative xmlns:adec="http://schemas.microsoft.com/office/drawing/2017/decorative" val="1"/>
-              </a:ext>
-            </a:extLst>
-          </p:cNvPr>
-          <p:cNvSpPr>
-            <a:spLocks noGrp="1" noRot="1" noChangeAspect="1" noMove="1" noResize="1" noEditPoints="1" noAdjustHandles="1" noChangeArrowheads="1" noChangeShapeType="1" noTextEdit="1"/>
-          </p:cNvSpPr>
-          <p:nvPr>
-            <p:extLst>
-              <p:ext uri="{386F3935-93C4-4BCD-93E2-E3B085C9AB24}">
-                <p16:designElem xmlns:p16="http://schemas.microsoft.com/office/powerpoint/2015/main" val="1"/>
-              </p:ext>
-            </p:extLst>
-          </p:nvPr>
+            <a:pPr algn="l">
+              <a:spcBef>
+                <a:spcPct val="0"/>
+              </a:spcBef>
+            </a:pPr>
+            <a:r>
+              <a:rPr lang="en-GB" sz="3600" dirty="0">
+                <a:solidFill>
+                  <a:schemeClr val="bg1"/>
+                </a:solidFill>
+                <a:latin typeface="Verdana Pro Cond SemiBold" panose="020B0604020202020204" pitchFamily="34" charset="0"/>
+                <a:ea typeface="+mj-ea"/>
+                <a:cs typeface="+mj-cs"/>
+              </a:rPr>
+              <a:t>A Device to Control M$ Teams</a:t>
+            </a:r>
+            <a:endParaRPr lang="en-US" sz="3600" dirty="0">
+              <a:solidFill>
+                <a:schemeClr val="bg1"/>
+              </a:solidFill>
+              <a:latin typeface="Verdana Pro Cond SemiBold" panose="020B0604020202020204" pitchFamily="34" charset="0"/>
+              <a:ea typeface="+mj-ea"/>
+              <a:cs typeface="+mj-cs"/>
+            </a:endParaRPr>
+          </a:p>
+        </p:txBody>
+      </p:sp>
+      <p:sp>
+        <p:nvSpPr>
+          <p:cNvPr id="22" name="Title 1">
+            <a:extLst>
+              <a:ext uri="{FF2B5EF4-FFF2-40B4-BE49-F238E27FC236}">
+                <a16:creationId xmlns:a16="http://schemas.microsoft.com/office/drawing/2014/main" id="{C706D125-27C2-4364-ABEE-873DF90C0C85}"/>
+              </a:ext>
+            </a:extLst>
+          </p:cNvPr>
+          <p:cNvSpPr txBox="1">
+            <a:spLocks/>
+          </p:cNvSpPr>
+          <p:nvPr/>
         </p:nvSpPr>
         <p:spPr>
           <a:xfrm>
-            <a:off x="0" y="2288331"/>
-            <a:ext cx="3564638" cy="4569668"/>
+            <a:off x="1473381" y="1906799"/>
+            <a:ext cx="4792272" cy="1200329"/>
           </a:xfrm>
-          <a:custGeom>
+          <a:prstGeom prst="rect">
             <a:avLst/>
-            <a:gdLst>
-              <a:gd name="connsiteX0" fmla="*/ 640080 w 3564638"/>
-              <a:gd name="connsiteY0" fmla="*/ 0 h 4569668"/>
-              <a:gd name="connsiteX1" fmla="*/ 3564638 w 3564638"/>
-              <a:gd name="connsiteY1" fmla="*/ 2924558 h 4569668"/>
-              <a:gd name="connsiteX2" fmla="*/ 3065170 w 3564638"/>
-              <a:gd name="connsiteY2" fmla="*/ 4559707 h 4569668"/>
-              <a:gd name="connsiteX3" fmla="*/ 3057720 w 3564638"/>
-              <a:gd name="connsiteY3" fmla="*/ 4569668 h 4569668"/>
-              <a:gd name="connsiteX4" fmla="*/ 0 w 3564638"/>
-              <a:gd name="connsiteY4" fmla="*/ 4569668 h 4569668"/>
-              <a:gd name="connsiteX5" fmla="*/ 0 w 3564638"/>
-              <a:gd name="connsiteY5" fmla="*/ 72448 h 4569668"/>
-              <a:gd name="connsiteX6" fmla="*/ 50679 w 3564638"/>
-              <a:gd name="connsiteY6" fmla="*/ 59417 h 4569668"/>
-              <a:gd name="connsiteX7" fmla="*/ 640080 w 3564638"/>
-              <a:gd name="connsiteY7" fmla="*/ 0 h 4569668"/>
-            </a:gdLst>
-            <a:ahLst/>
-            <a:cxnLst>
-              <a:cxn ang="0">
-                <a:pos x="connsiteX0" y="connsiteY0"/>
-              </a:cxn>
-              <a:cxn ang="0">
-                <a:pos x="connsiteX1" y="connsiteY1"/>
-              </a:cxn>
-              <a:cxn ang="0">
-                <a:pos x="connsiteX2" y="connsiteY2"/>
-              </a:cxn>
-              <a:cxn ang="0">
-                <a:pos x="connsiteX3" y="connsiteY3"/>
-              </a:cxn>
-              <a:cxn ang="0">
-                <a:pos x="connsiteX4" y="connsiteY4"/>
-              </a:cxn>
-              <a:cxn ang="0">
-                <a:pos x="connsiteX5" y="connsiteY5"/>
-              </a:cxn>
-              <a:cxn ang="0">
-                <a:pos x="connsiteX6" y="connsiteY6"/>
-              </a:cxn>
-              <a:cxn ang="0">
-                <a:pos x="connsiteX7" y="connsiteY7"/>
-              </a:cxn>
-            </a:cxnLst>
-            <a:rect l="l" t="t" r="r" b="b"/>
-            <a:pathLst>
-              <a:path w="3564638" h="4569668">
-                <a:moveTo>
-                  <a:pt x="640080" y="0"/>
-                </a:moveTo>
-                <a:cubicBezTo>
-                  <a:pt x="2255269" y="0"/>
-                  <a:pt x="3564638" y="1309369"/>
-                  <a:pt x="3564638" y="2924558"/>
-                </a:cubicBezTo>
-                <a:cubicBezTo>
-                  <a:pt x="3564638" y="3530254"/>
-                  <a:pt x="3380508" y="4092944"/>
-                  <a:pt x="3065170" y="4559707"/>
-                </a:cubicBezTo>
-                <a:lnTo>
-                  <a:pt x="3057720" y="4569668"/>
-                </a:lnTo>
-                <a:lnTo>
-                  <a:pt x="0" y="4569668"/>
-                </a:lnTo>
-                <a:lnTo>
-                  <a:pt x="0" y="72448"/>
-                </a:lnTo>
-                <a:lnTo>
-                  <a:pt x="50679" y="59417"/>
-                </a:lnTo>
-                <a:cubicBezTo>
-                  <a:pt x="241061" y="20459"/>
-                  <a:pt x="438181" y="0"/>
-                  <a:pt x="640080" y="0"/>
-                </a:cubicBezTo>
-                <a:close/>
-              </a:path>
-            </a:pathLst>
-          </a:custGeom>
+          </a:prstGeom>
           <a:solidFill>
-            <a:schemeClr val="tx1"/>
+            <a:srgbClr val="03849A"/>
+          </a:solidFill>
+        </p:spPr>
+        <p:txBody>
+          <a:bodyPr vert="horz" wrap="square" lIns="91440" tIns="45720" rIns="91440" bIns="45720" rtlCol="0" anchor="t">
+            <a:spAutoFit/>
+          </a:bodyPr>
+          <a:lstStyle>
+            <a:lvl1pPr algn="ctr" defTabSz="914400" rtl="0" eaLnBrk="1" latinLnBrk="0" hangingPunct="1">
+              <a:lnSpc>
+                <a:spcPct val="90000"/>
+              </a:lnSpc>
+              <a:spcBef>
+                <a:spcPct val="0"/>
+              </a:spcBef>
+              <a:buNone/>
+              <a:defRPr sz="6000" kern="1200">
+                <a:solidFill>
+                  <a:schemeClr val="tx1"/>
+                </a:solidFill>
+                <a:latin typeface="+mj-lt"/>
+                <a:ea typeface="+mj-ea"/>
+                <a:cs typeface="+mj-cs"/>
+              </a:defRPr>
+            </a:lvl1pPr>
+          </a:lstStyle>
+          <a:p>
+            <a:r>
+              <a:rPr lang="en-GB" sz="8000" dirty="0">
+                <a:solidFill>
+                  <a:schemeClr val="bg1"/>
+                </a:solidFill>
+                <a:latin typeface="Verdana Pro Cond SemiBold" panose="020B0604020202020204" pitchFamily="34" charset="0"/>
+              </a:rPr>
+              <a:t>ON MUTE!</a:t>
+            </a:r>
+            <a:endParaRPr lang="en-US" sz="8000" dirty="0">
+              <a:solidFill>
+                <a:schemeClr val="bg1"/>
+              </a:solidFill>
+              <a:latin typeface="Verdana Pro Cond SemiBold" panose="020B0604020202020204" pitchFamily="34" charset="0"/>
+            </a:endParaRPr>
+          </a:p>
+        </p:txBody>
+      </p:sp>
+    </p:spTree>
+    <p:extLst>
+      <p:ext uri="{BB962C8B-B14F-4D97-AF65-F5344CB8AC3E}">
+        <p14:creationId xmlns:p14="http://schemas.microsoft.com/office/powerpoint/2010/main" val="2866996260"/>
+      </p:ext>
+    </p:extLst>
+  </p:cSld>
+  <p:clrMapOvr>
+    <a:masterClrMapping/>
+  </p:clrMapOvr>
+</p:sld>
+</file>
+
+<file path=ppt/slides/slide2.xml><?xml version="1.0" encoding="utf-8"?>
+<p:sld xmlns:a="http://schemas.openxmlformats.org/drawingml/2006/main" xmlns:r="http://schemas.openxmlformats.org/officeDocument/2006/relationships" xmlns:p="http://schemas.openxmlformats.org/presentationml/2006/main">
+  <p:cSld>
+    <p:spTree>
+      <p:nvGrpSpPr>
+        <p:cNvPr id="1" name=""/>
+        <p:cNvGrpSpPr/>
+        <p:nvPr/>
+      </p:nvGrpSpPr>
+      <p:grpSpPr>
+        <a:xfrm>
+          <a:off x="0" y="0"/>
+          <a:ext cx="0" cy="0"/>
+          <a:chOff x="0" y="0"/>
+          <a:chExt cx="0" cy="0"/>
+        </a:xfrm>
+      </p:grpSpPr>
+      <p:sp>
+        <p:nvSpPr>
+          <p:cNvPr id="13" name="Rectangle 12">
+            <a:extLst>
+              <a:ext uri="{FF2B5EF4-FFF2-40B4-BE49-F238E27FC236}">
+                <a16:creationId xmlns:a16="http://schemas.microsoft.com/office/drawing/2014/main" id="{AFD5865D-1D2E-45C8-8572-BE38E7E374CB}"/>
+              </a:ext>
+            </a:extLst>
+          </p:cNvPr>
+          <p:cNvSpPr/>
+          <p:nvPr/>
+        </p:nvSpPr>
+        <p:spPr>
+          <a:xfrm>
+            <a:off x="865803" y="1640540"/>
+            <a:ext cx="3898491" cy="3834582"/>
+          </a:xfrm>
+          <a:prstGeom prst="rect">
+            <a:avLst/>
+          </a:prstGeom>
+          <a:solidFill>
+            <a:srgbClr val="FACF31"/>
           </a:solidFill>
           <a:ln>
             <a:noFill/>
@@ -3459,728 +3915,289 @@
           </a:fontRef>
         </p:style>
         <p:txBody>
-          <a:bodyPr wrap="square" rtlCol="0" anchor="ctr">
-            <a:noAutofit/>
+          <a:bodyPr rtlCol="0" anchor="ctr"/>
+          <a:lstStyle/>
+          <a:p>
+            <a:pPr algn="ctr"/>
+            <a:endParaRPr lang="en-GB"/>
+          </a:p>
+        </p:txBody>
+      </p:sp>
+      <p:sp>
+        <p:nvSpPr>
+          <p:cNvPr id="2" name="Title 1">
+            <a:extLst>
+              <a:ext uri="{FF2B5EF4-FFF2-40B4-BE49-F238E27FC236}">
+                <a16:creationId xmlns:a16="http://schemas.microsoft.com/office/drawing/2014/main" id="{C82A6B3A-E45E-4491-964F-76182EEFCB4E}"/>
+              </a:ext>
+            </a:extLst>
+          </p:cNvPr>
+          <p:cNvSpPr>
+            <a:spLocks noGrp="1"/>
+          </p:cNvSpPr>
+          <p:nvPr>
+            <p:ph type="title"/>
+          </p:nvPr>
+        </p:nvSpPr>
+        <p:spPr/>
+        <p:txBody>
+          <a:bodyPr/>
+          <a:lstStyle/>
+          <a:p>
+            <a:r>
+              <a:rPr lang="en-GB" dirty="0"/>
+              <a:t>Components of the Solution</a:t>
+            </a:r>
+          </a:p>
+        </p:txBody>
+      </p:sp>
+      <p:grpSp>
+        <p:nvGrpSpPr>
+          <p:cNvPr id="10" name="Group 9">
+            <a:extLst>
+              <a:ext uri="{FF2B5EF4-FFF2-40B4-BE49-F238E27FC236}">
+                <a16:creationId xmlns:a16="http://schemas.microsoft.com/office/drawing/2014/main" id="{D231A690-5A1E-4D34-8D57-09BC08C6278B}"/>
+              </a:ext>
+            </a:extLst>
+          </p:cNvPr>
+          <p:cNvGrpSpPr/>
+          <p:nvPr/>
+        </p:nvGrpSpPr>
+        <p:grpSpPr>
+          <a:xfrm>
+            <a:off x="5918764" y="2668012"/>
+            <a:ext cx="1164331" cy="1623168"/>
+            <a:chOff x="6096000" y="3681382"/>
+            <a:chExt cx="876779" cy="1195717"/>
+          </a:xfrm>
+        </p:grpSpPr>
+        <p:sp>
+          <p:nvSpPr>
+            <p:cNvPr id="9" name="Rectangle 8">
+              <a:extLst>
+                <a:ext uri="{FF2B5EF4-FFF2-40B4-BE49-F238E27FC236}">
+                  <a16:creationId xmlns:a16="http://schemas.microsoft.com/office/drawing/2014/main" id="{B1E0F085-2D4B-4C5E-8D1B-9BDD681092BF}"/>
+                </a:ext>
+              </a:extLst>
+            </p:cNvPr>
+            <p:cNvSpPr/>
+            <p:nvPr/>
+          </p:nvSpPr>
+          <p:spPr>
+            <a:xfrm>
+              <a:off x="6293537" y="3793106"/>
+              <a:ext cx="475973" cy="950959"/>
+            </a:xfrm>
+            <a:prstGeom prst="rect">
+              <a:avLst/>
+            </a:prstGeom>
+            <a:solidFill>
+              <a:schemeClr val="bg1"/>
+            </a:solidFill>
+          </p:spPr>
+          <p:style>
+            <a:lnRef idx="2">
+              <a:schemeClr val="accent1">
+                <a:shade val="50000"/>
+              </a:schemeClr>
+            </a:lnRef>
+            <a:fillRef idx="1">
+              <a:schemeClr val="accent1"/>
+            </a:fillRef>
+            <a:effectRef idx="0">
+              <a:schemeClr val="accent1"/>
+            </a:effectRef>
+            <a:fontRef idx="minor">
+              <a:schemeClr val="lt1"/>
+            </a:fontRef>
+          </p:style>
+          <p:txBody>
+            <a:bodyPr rtlCol="0" anchor="ctr"/>
+            <a:lstStyle/>
+            <a:p>
+              <a:pPr algn="ctr"/>
+              <a:endParaRPr lang="en-GB"/>
+            </a:p>
+          </p:txBody>
+        </p:sp>
+        <p:pic>
+          <p:nvPicPr>
+            <p:cNvPr id="5" name="Picture 4">
+              <a:extLst>
+                <a:ext uri="{FF2B5EF4-FFF2-40B4-BE49-F238E27FC236}">
+                  <a16:creationId xmlns:a16="http://schemas.microsoft.com/office/drawing/2014/main" id="{3017E8E4-E9A9-4061-9A13-3B425CFDE0B9}"/>
+                </a:ext>
+              </a:extLst>
+            </p:cNvPr>
+            <p:cNvPicPr>
+              <a:picLocks noChangeAspect="1"/>
+            </p:cNvPicPr>
+            <p:nvPr/>
+          </p:nvPicPr>
+          <p:blipFill>
+            <a:blip r:embed="rId2"/>
+            <a:stretch>
+              <a:fillRect/>
+            </a:stretch>
+          </p:blipFill>
+          <p:spPr>
+            <a:xfrm>
+              <a:off x="6096000" y="3681382"/>
+              <a:ext cx="876779" cy="1195717"/>
+            </a:xfrm>
+            <a:prstGeom prst="rect">
+              <a:avLst/>
+            </a:prstGeom>
+          </p:spPr>
+        </p:pic>
+      </p:grpSp>
+      <p:sp>
+        <p:nvSpPr>
+          <p:cNvPr id="16" name="TextBox 15">
+            <a:extLst>
+              <a:ext uri="{FF2B5EF4-FFF2-40B4-BE49-F238E27FC236}">
+                <a16:creationId xmlns:a16="http://schemas.microsoft.com/office/drawing/2014/main" id="{687D085A-C8BB-43A9-89B8-D6B11D68FB87}"/>
+              </a:ext>
+            </a:extLst>
+          </p:cNvPr>
+          <p:cNvSpPr txBox="1"/>
+          <p:nvPr/>
+        </p:nvSpPr>
+        <p:spPr>
+          <a:xfrm>
+            <a:off x="988964" y="4509508"/>
+            <a:ext cx="1261884" cy="707886"/>
+          </a:xfrm>
+          <a:prstGeom prst="rect">
+            <a:avLst/>
+          </a:prstGeom>
+          <a:noFill/>
+        </p:spPr>
+        <p:txBody>
+          <a:bodyPr wrap="none" rtlCol="0">
+            <a:spAutoFit/>
           </a:bodyPr>
           <a:lstStyle/>
           <a:p>
-            <a:pPr algn="ctr"/>
-            <a:endParaRPr lang="en-US"/>
-          </a:p>
-        </p:txBody>
-      </p:sp>
-      <p:sp>
-        <p:nvSpPr>
-          <p:cNvPr id="15" name="Freeform: Shape 14">
-            <a:extLst>
-              <a:ext uri="{FF2B5EF4-FFF2-40B4-BE49-F238E27FC236}">
-                <a16:creationId xmlns:a16="http://schemas.microsoft.com/office/drawing/2014/main" id="{F6E384F5-137A-40B1-97F0-694CC6ECD59C}"/>
-              </a:ext>
-              <a:ext uri="{C183D7F6-B498-43B3-948B-1728B52AA6E4}">
-                <adec:decorative xmlns:adec="http://schemas.microsoft.com/office/drawing/2017/decorative" val="1"/>
-              </a:ext>
-            </a:extLst>
-          </p:cNvPr>
-          <p:cNvSpPr>
-            <a:spLocks noGrp="1" noRot="1" noChangeAspect="1" noMove="1" noResize="1" noEditPoints="1" noAdjustHandles="1" noChangeArrowheads="1" noChangeShapeType="1" noTextEdit="1"/>
-          </p:cNvSpPr>
-          <p:nvPr>
-            <p:extLst>
-              <p:ext uri="{386F3935-93C4-4BCD-93E2-E3B085C9AB24}">
-                <p16:designElem xmlns:p16="http://schemas.microsoft.com/office/powerpoint/2015/main" val="1"/>
-              </p:ext>
-            </p:extLst>
-          </p:nvPr>
+            <a:r>
+              <a:rPr lang="en-GB" sz="2000" b="1" dirty="0">
+                <a:latin typeface="Courier New" panose="02070309020205020404" pitchFamily="49" charset="0"/>
+                <a:cs typeface="Courier New" panose="02070309020205020404" pitchFamily="49" charset="0"/>
+              </a:rPr>
+              <a:t>Cycle</a:t>
+            </a:r>
+          </a:p>
+          <a:p>
+            <a:r>
+              <a:rPr lang="en-GB" sz="2000" b="1" dirty="0">
+                <a:latin typeface="Courier New" panose="02070309020205020404" pitchFamily="49" charset="0"/>
+                <a:cs typeface="Courier New" panose="02070309020205020404" pitchFamily="49" charset="0"/>
+              </a:rPr>
+              <a:t>Windows</a:t>
+            </a:r>
+          </a:p>
+        </p:txBody>
+      </p:sp>
+      <p:sp>
+        <p:nvSpPr>
+          <p:cNvPr id="17" name="TextBox 16">
+            <a:extLst>
+              <a:ext uri="{FF2B5EF4-FFF2-40B4-BE49-F238E27FC236}">
+                <a16:creationId xmlns:a16="http://schemas.microsoft.com/office/drawing/2014/main" id="{F3FCB2FA-13C3-47A1-A48C-1702FFFE986B}"/>
+              </a:ext>
+            </a:extLst>
+          </p:cNvPr>
+          <p:cNvSpPr txBox="1"/>
+          <p:nvPr/>
         </p:nvSpPr>
         <p:spPr>
           <a:xfrm>
-            <a:off x="0" y="2122218"/>
-            <a:ext cx="3730752" cy="4735782"/>
+            <a:off x="2340235" y="4543921"/>
+            <a:ext cx="1107996" cy="707886"/>
           </a:xfrm>
-          <a:custGeom>
+          <a:prstGeom prst="rect">
             <a:avLst/>
-            <a:gdLst>
-              <a:gd name="connsiteX0" fmla="*/ 640080 w 3730752"/>
-              <a:gd name="connsiteY0" fmla="*/ 0 h 4735782"/>
-              <a:gd name="connsiteX1" fmla="*/ 3730752 w 3730752"/>
-              <a:gd name="connsiteY1" fmla="*/ 3090672 h 4735782"/>
-              <a:gd name="connsiteX2" fmla="*/ 3357725 w 3730752"/>
-              <a:gd name="connsiteY2" fmla="*/ 4563870 h 4735782"/>
-              <a:gd name="connsiteX3" fmla="*/ 3253285 w 3730752"/>
-              <a:gd name="connsiteY3" fmla="*/ 4735782 h 4735782"/>
-              <a:gd name="connsiteX4" fmla="*/ 0 w 3730752"/>
-              <a:gd name="connsiteY4" fmla="*/ 4735782 h 4735782"/>
-              <a:gd name="connsiteX5" fmla="*/ 0 w 3730752"/>
-              <a:gd name="connsiteY5" fmla="*/ 67215 h 4735782"/>
-              <a:gd name="connsiteX6" fmla="*/ 17202 w 3730752"/>
-              <a:gd name="connsiteY6" fmla="*/ 62792 h 4735782"/>
-              <a:gd name="connsiteX7" fmla="*/ 640080 w 3730752"/>
-              <a:gd name="connsiteY7" fmla="*/ 0 h 4735782"/>
-            </a:gdLst>
-            <a:ahLst/>
-            <a:cxnLst>
-              <a:cxn ang="0">
-                <a:pos x="connsiteX0" y="connsiteY0"/>
-              </a:cxn>
-              <a:cxn ang="0">
-                <a:pos x="connsiteX1" y="connsiteY1"/>
-              </a:cxn>
-              <a:cxn ang="0">
-                <a:pos x="connsiteX2" y="connsiteY2"/>
-              </a:cxn>
-              <a:cxn ang="0">
-                <a:pos x="connsiteX3" y="connsiteY3"/>
-              </a:cxn>
-              <a:cxn ang="0">
-                <a:pos x="connsiteX4" y="connsiteY4"/>
-              </a:cxn>
-              <a:cxn ang="0">
-                <a:pos x="connsiteX5" y="connsiteY5"/>
-              </a:cxn>
-              <a:cxn ang="0">
-                <a:pos x="connsiteX6" y="connsiteY6"/>
-              </a:cxn>
-              <a:cxn ang="0">
-                <a:pos x="connsiteX7" y="connsiteY7"/>
-              </a:cxn>
-            </a:cxnLst>
-            <a:rect l="l" t="t" r="r" b="b"/>
-            <a:pathLst>
-              <a:path w="3730752" h="4735782">
-                <a:moveTo>
-                  <a:pt x="640080" y="0"/>
-                </a:moveTo>
-                <a:cubicBezTo>
-                  <a:pt x="2347011" y="0"/>
-                  <a:pt x="3730752" y="1383741"/>
-                  <a:pt x="3730752" y="3090672"/>
-                </a:cubicBezTo>
-                <a:cubicBezTo>
-                  <a:pt x="3730752" y="3624088"/>
-                  <a:pt x="3595621" y="4125943"/>
-                  <a:pt x="3357725" y="4563870"/>
-                </a:cubicBezTo>
-                <a:lnTo>
-                  <a:pt x="3253285" y="4735782"/>
-                </a:lnTo>
-                <a:lnTo>
-                  <a:pt x="0" y="4735782"/>
-                </a:lnTo>
-                <a:lnTo>
-                  <a:pt x="0" y="67215"/>
-                </a:lnTo>
-                <a:lnTo>
-                  <a:pt x="17202" y="62792"/>
-                </a:lnTo>
-                <a:cubicBezTo>
-                  <a:pt x="218397" y="21621"/>
-                  <a:pt x="426714" y="0"/>
-                  <a:pt x="640080" y="0"/>
-                </a:cubicBezTo>
-                <a:close/>
-              </a:path>
-            </a:pathLst>
-          </a:custGeom>
-          <a:solidFill>
-            <a:srgbClr val="FFFFFF">
-              <a:alpha val="80000"/>
-            </a:srgbClr>
-          </a:solidFill>
-          <a:ln>
-            <a:noFill/>
-          </a:ln>
+          </a:prstGeom>
+          <a:noFill/>
         </p:spPr>
-        <p:style>
-          <a:lnRef idx="2">
-            <a:schemeClr val="accent1">
-              <a:shade val="50000"/>
-            </a:schemeClr>
-          </a:lnRef>
-          <a:fillRef idx="1">
-            <a:schemeClr val="accent1"/>
-          </a:fillRef>
-          <a:effectRef idx="0">
-            <a:schemeClr val="accent1"/>
-          </a:effectRef>
-          <a:fontRef idx="minor">
-            <a:schemeClr val="lt1"/>
-          </a:fontRef>
-        </p:style>
-        <p:txBody>
-          <a:bodyPr wrap="square" rtlCol="0" anchor="ctr">
-            <a:noAutofit/>
+        <p:txBody>
+          <a:bodyPr wrap="none" rtlCol="0">
+            <a:spAutoFit/>
           </a:bodyPr>
           <a:lstStyle/>
           <a:p>
-            <a:pPr marL="0" marR="0" lvl="0" indent="0" algn="ctr" defTabSz="914400" rtl="0" eaLnBrk="1" fontAlgn="auto" latinLnBrk="0" hangingPunct="1">
-              <a:lnSpc>
-                <a:spcPct val="100000"/>
-              </a:lnSpc>
-              <a:spcBef>
-                <a:spcPts val="0"/>
-              </a:spcBef>
-              <a:spcAft>
-                <a:spcPts val="0"/>
-              </a:spcAft>
-              <a:buClrTx/>
-              <a:buSzTx/>
-              <a:buFontTx/>
-              <a:buNone/>
-              <a:tabLst/>
-              <a:defRPr/>
-            </a:pPr>
-            <a:endParaRPr kumimoji="0" lang="en-US" sz="1800" b="0" i="0" u="none" strike="noStrike" kern="1200" cap="none" spc="0" normalizeH="0" baseline="0" noProof="0">
-              <a:ln>
-                <a:noFill/>
-              </a:ln>
-              <a:solidFill>
-                <a:prstClr val="white"/>
-              </a:solidFill>
-              <a:effectLst/>
-              <a:uLnTx/>
-              <a:uFillTx/>
-              <a:latin typeface="Calibri" panose="020F0502020204030204"/>
-              <a:ea typeface="+mn-ea"/>
-              <a:cs typeface="+mn-cs"/>
-            </a:endParaRPr>
-          </a:p>
-        </p:txBody>
-      </p:sp>
-      <p:sp>
-        <p:nvSpPr>
-          <p:cNvPr id="17" name="Freeform: Shape 16">
-            <a:extLst>
-              <a:ext uri="{FF2B5EF4-FFF2-40B4-BE49-F238E27FC236}">
-                <a16:creationId xmlns:a16="http://schemas.microsoft.com/office/drawing/2014/main" id="{9DBC4630-03DA-474F-BBCB-BA3AE6B317A4}"/>
-              </a:ext>
-              <a:ext uri="{C183D7F6-B498-43B3-948B-1728B52AA6E4}">
-                <adec:decorative xmlns:adec="http://schemas.microsoft.com/office/drawing/2017/decorative" val="1"/>
-              </a:ext>
-            </a:extLst>
-          </p:cNvPr>
-          <p:cNvSpPr>
-            <a:spLocks noGrp="1" noRot="1" noChangeAspect="1" noMove="1" noResize="1" noEditPoints="1" noAdjustHandles="1" noChangeArrowheads="1" noChangeShapeType="1" noTextEdit="1"/>
-          </p:cNvSpPr>
-          <p:nvPr>
-            <p:extLst>
-              <p:ext uri="{386F3935-93C4-4BCD-93E2-E3B085C9AB24}">
-                <p16:designElem xmlns:p16="http://schemas.microsoft.com/office/powerpoint/2015/main" val="1"/>
-              </p:ext>
-            </p:extLst>
-          </p:nvPr>
+            <a:r>
+              <a:rPr lang="en-GB" sz="2000" b="1" dirty="0">
+                <a:latin typeface="Courier New" panose="02070309020205020404" pitchFamily="49" charset="0"/>
+                <a:cs typeface="Courier New" panose="02070309020205020404" pitchFamily="49" charset="0"/>
+              </a:rPr>
+              <a:t>Toggle</a:t>
+            </a:r>
+          </a:p>
+          <a:p>
+            <a:r>
+              <a:rPr lang="en-GB" sz="2000" b="1" dirty="0">
+                <a:latin typeface="Courier New" panose="02070309020205020404" pitchFamily="49" charset="0"/>
+                <a:cs typeface="Courier New" panose="02070309020205020404" pitchFamily="49" charset="0"/>
+              </a:rPr>
+              <a:t>Mute</a:t>
+            </a:r>
+          </a:p>
+        </p:txBody>
+      </p:sp>
+      <p:sp>
+        <p:nvSpPr>
+          <p:cNvPr id="18" name="TextBox 17">
+            <a:extLst>
+              <a:ext uri="{FF2B5EF4-FFF2-40B4-BE49-F238E27FC236}">
+                <a16:creationId xmlns:a16="http://schemas.microsoft.com/office/drawing/2014/main" id="{92533CD6-E01B-4F54-AB18-B03D2D4EB3C5}"/>
+              </a:ext>
+            </a:extLst>
+          </p:cNvPr>
+          <p:cNvSpPr txBox="1"/>
+          <p:nvPr/>
         </p:nvSpPr>
         <p:spPr>
           <a:xfrm>
-            <a:off x="1081982" y="-4332"/>
-            <a:ext cx="4242816" cy="2454158"/>
+            <a:off x="3578509" y="4543921"/>
+            <a:ext cx="1107996" cy="707886"/>
           </a:xfrm>
-          <a:custGeom>
+          <a:prstGeom prst="rect">
             <a:avLst/>
-            <a:gdLst>
-              <a:gd name="connsiteX0" fmla="*/ 28633 w 4242816"/>
-              <a:gd name="connsiteY0" fmla="*/ 0 h 2454158"/>
-              <a:gd name="connsiteX1" fmla="*/ 4214183 w 4242816"/>
-              <a:gd name="connsiteY1" fmla="*/ 0 h 2454158"/>
-              <a:gd name="connsiteX2" fmla="*/ 4231864 w 4242816"/>
-              <a:gd name="connsiteY2" fmla="*/ 115848 h 2454158"/>
-              <a:gd name="connsiteX3" fmla="*/ 4242816 w 4242816"/>
-              <a:gd name="connsiteY3" fmla="*/ 332750 h 2454158"/>
-              <a:gd name="connsiteX4" fmla="*/ 2121408 w 4242816"/>
-              <a:gd name="connsiteY4" fmla="*/ 2454158 h 2454158"/>
-              <a:gd name="connsiteX5" fmla="*/ 0 w 4242816"/>
-              <a:gd name="connsiteY5" fmla="*/ 332750 h 2454158"/>
-              <a:gd name="connsiteX6" fmla="*/ 10953 w 4242816"/>
-              <a:gd name="connsiteY6" fmla="*/ 115848 h 2454158"/>
-            </a:gdLst>
-            <a:ahLst/>
-            <a:cxnLst>
-              <a:cxn ang="0">
-                <a:pos x="connsiteX0" y="connsiteY0"/>
-              </a:cxn>
-              <a:cxn ang="0">
-                <a:pos x="connsiteX1" y="connsiteY1"/>
-              </a:cxn>
-              <a:cxn ang="0">
-                <a:pos x="connsiteX2" y="connsiteY2"/>
-              </a:cxn>
-              <a:cxn ang="0">
-                <a:pos x="connsiteX3" y="connsiteY3"/>
-              </a:cxn>
-              <a:cxn ang="0">
-                <a:pos x="connsiteX4" y="connsiteY4"/>
-              </a:cxn>
-              <a:cxn ang="0">
-                <a:pos x="connsiteX5" y="connsiteY5"/>
-              </a:cxn>
-              <a:cxn ang="0">
-                <a:pos x="connsiteX6" y="connsiteY6"/>
-              </a:cxn>
-            </a:cxnLst>
-            <a:rect l="l" t="t" r="r" b="b"/>
-            <a:pathLst>
-              <a:path w="4242816" h="2454158">
-                <a:moveTo>
-                  <a:pt x="28633" y="0"/>
-                </a:moveTo>
-                <a:lnTo>
-                  <a:pt x="4214183" y="0"/>
-                </a:lnTo>
-                <a:lnTo>
-                  <a:pt x="4231864" y="115848"/>
-                </a:lnTo>
-                <a:cubicBezTo>
-                  <a:pt x="4239106" y="187164"/>
-                  <a:pt x="4242816" y="259524"/>
-                  <a:pt x="4242816" y="332750"/>
-                </a:cubicBezTo>
-                <a:cubicBezTo>
-                  <a:pt x="4242816" y="1504371"/>
-                  <a:pt x="3293029" y="2454158"/>
-                  <a:pt x="2121408" y="2454158"/>
-                </a:cubicBezTo>
-                <a:cubicBezTo>
-                  <a:pt x="949787" y="2454158"/>
-                  <a:pt x="0" y="1504371"/>
-                  <a:pt x="0" y="332750"/>
-                </a:cubicBezTo>
-                <a:cubicBezTo>
-                  <a:pt x="0" y="259524"/>
-                  <a:pt x="3710" y="187164"/>
-                  <a:pt x="10953" y="115848"/>
-                </a:cubicBezTo>
-                <a:close/>
-              </a:path>
-            </a:pathLst>
-          </a:custGeom>
-          <a:solidFill>
-            <a:srgbClr val="FFFFFF">
-              <a:alpha val="80000"/>
-            </a:srgbClr>
-          </a:solidFill>
-          <a:ln>
-            <a:noFill/>
-          </a:ln>
+          </a:prstGeom>
+          <a:noFill/>
         </p:spPr>
-        <p:style>
-          <a:lnRef idx="2">
-            <a:schemeClr val="accent1">
-              <a:shade val="50000"/>
-            </a:schemeClr>
-          </a:lnRef>
-          <a:fillRef idx="1">
-            <a:schemeClr val="accent1"/>
-          </a:fillRef>
-          <a:effectRef idx="0">
-            <a:schemeClr val="accent1"/>
-          </a:effectRef>
-          <a:fontRef idx="minor">
-            <a:schemeClr val="lt1"/>
-          </a:fontRef>
-        </p:style>
-        <p:txBody>
-          <a:bodyPr wrap="square" rtlCol="0" anchor="ctr">
-            <a:noAutofit/>
+        <p:txBody>
+          <a:bodyPr wrap="none" rtlCol="0">
+            <a:spAutoFit/>
           </a:bodyPr>
           <a:lstStyle/>
           <a:p>
-            <a:pPr marL="0" marR="0" lvl="0" indent="0" algn="ctr" defTabSz="914400" rtl="0" eaLnBrk="1" fontAlgn="auto" latinLnBrk="0" hangingPunct="1">
-              <a:lnSpc>
-                <a:spcPct val="100000"/>
-              </a:lnSpc>
-              <a:spcBef>
-                <a:spcPts val="0"/>
-              </a:spcBef>
-              <a:spcAft>
-                <a:spcPts val="0"/>
-              </a:spcAft>
-              <a:buClrTx/>
-              <a:buSzTx/>
-              <a:buFontTx/>
-              <a:buNone/>
-              <a:tabLst/>
-              <a:defRPr/>
-            </a:pPr>
-            <a:endParaRPr kumimoji="0" lang="en-US" sz="1800" b="0" i="0" u="none" strike="noStrike" kern="1200" cap="none" spc="0" normalizeH="0" baseline="0" noProof="0">
-              <a:ln>
-                <a:noFill/>
-              </a:ln>
-              <a:solidFill>
-                <a:prstClr val="white"/>
-              </a:solidFill>
-              <a:effectLst/>
-              <a:uLnTx/>
-              <a:uFillTx/>
-              <a:latin typeface="Calibri" panose="020F0502020204030204"/>
-              <a:ea typeface="+mn-ea"/>
-              <a:cs typeface="+mn-cs"/>
-            </a:endParaRPr>
-          </a:p>
-        </p:txBody>
-      </p:sp>
-      <p:sp>
-        <p:nvSpPr>
-          <p:cNvPr id="19" name="Freeform: Shape 18">
-            <a:extLst>
-              <a:ext uri="{FF2B5EF4-FFF2-40B4-BE49-F238E27FC236}">
-                <a16:creationId xmlns:a16="http://schemas.microsoft.com/office/drawing/2014/main" id="{1208BC59-C84F-483F-80CD-FAEC74229B97}"/>
-              </a:ext>
-              <a:ext uri="{C183D7F6-B498-43B3-948B-1728B52AA6E4}">
-                <adec:decorative xmlns:adec="http://schemas.microsoft.com/office/drawing/2017/decorative" val="1"/>
-              </a:ext>
-            </a:extLst>
-          </p:cNvPr>
-          <p:cNvSpPr>
-            <a:spLocks noGrp="1" noRot="1" noChangeAspect="1" noMove="1" noResize="1" noEditPoints="1" noAdjustHandles="1" noChangeArrowheads="1" noChangeShapeType="1" noTextEdit="1"/>
-          </p:cNvSpPr>
-          <p:nvPr>
-            <p:extLst>
-              <p:ext uri="{386F3935-93C4-4BCD-93E2-E3B085C9AB24}">
-                <p16:designElem xmlns:p16="http://schemas.microsoft.com/office/powerpoint/2015/main" val="1"/>
-              </p:ext>
-            </p:extLst>
-          </p:nvPr>
-        </p:nvSpPr>
-        <p:spPr>
-          <a:xfrm>
-            <a:off x="1246573" y="0"/>
-            <a:ext cx="3913632" cy="2285234"/>
-          </a:xfrm>
-          <a:custGeom>
-            <a:avLst/>
-            <a:gdLst>
-              <a:gd name="connsiteX0" fmla="*/ 29691 w 3913632"/>
-              <a:gd name="connsiteY0" fmla="*/ 0 h 2285234"/>
-              <a:gd name="connsiteX1" fmla="*/ 3883942 w 3913632"/>
-              <a:gd name="connsiteY1" fmla="*/ 0 h 2285234"/>
-              <a:gd name="connsiteX2" fmla="*/ 3903529 w 3913632"/>
-              <a:gd name="connsiteY2" fmla="*/ 128345 h 2285234"/>
-              <a:gd name="connsiteX3" fmla="*/ 3913632 w 3913632"/>
-              <a:gd name="connsiteY3" fmla="*/ 328418 h 2285234"/>
-              <a:gd name="connsiteX4" fmla="*/ 1956816 w 3913632"/>
-              <a:gd name="connsiteY4" fmla="*/ 2285234 h 2285234"/>
-              <a:gd name="connsiteX5" fmla="*/ 0 w 3913632"/>
-              <a:gd name="connsiteY5" fmla="*/ 328418 h 2285234"/>
-              <a:gd name="connsiteX6" fmla="*/ 10103 w 3913632"/>
-              <a:gd name="connsiteY6" fmla="*/ 128345 h 2285234"/>
-            </a:gdLst>
-            <a:ahLst/>
-            <a:cxnLst>
-              <a:cxn ang="0">
-                <a:pos x="connsiteX0" y="connsiteY0"/>
-              </a:cxn>
-              <a:cxn ang="0">
-                <a:pos x="connsiteX1" y="connsiteY1"/>
-              </a:cxn>
-              <a:cxn ang="0">
-                <a:pos x="connsiteX2" y="connsiteY2"/>
-              </a:cxn>
-              <a:cxn ang="0">
-                <a:pos x="connsiteX3" y="connsiteY3"/>
-              </a:cxn>
-              <a:cxn ang="0">
-                <a:pos x="connsiteX4" y="connsiteY4"/>
-              </a:cxn>
-              <a:cxn ang="0">
-                <a:pos x="connsiteX5" y="connsiteY5"/>
-              </a:cxn>
-              <a:cxn ang="0">
-                <a:pos x="connsiteX6" y="connsiteY6"/>
-              </a:cxn>
-            </a:cxnLst>
-            <a:rect l="l" t="t" r="r" b="b"/>
-            <a:pathLst>
-              <a:path w="3913632" h="2285234">
-                <a:moveTo>
-                  <a:pt x="29691" y="0"/>
-                </a:moveTo>
-                <a:lnTo>
-                  <a:pt x="3883942" y="0"/>
-                </a:lnTo>
-                <a:lnTo>
-                  <a:pt x="3903529" y="128345"/>
-                </a:lnTo>
-                <a:cubicBezTo>
-                  <a:pt x="3910210" y="194127"/>
-                  <a:pt x="3913632" y="260873"/>
-                  <a:pt x="3913632" y="328418"/>
-                </a:cubicBezTo>
-                <a:cubicBezTo>
-                  <a:pt x="3913632" y="1409138"/>
-                  <a:pt x="3037536" y="2285234"/>
-                  <a:pt x="1956816" y="2285234"/>
-                </a:cubicBezTo>
-                <a:cubicBezTo>
-                  <a:pt x="876096" y="2285234"/>
-                  <a:pt x="0" y="1409138"/>
-                  <a:pt x="0" y="328418"/>
-                </a:cubicBezTo>
-                <a:cubicBezTo>
-                  <a:pt x="0" y="260873"/>
-                  <a:pt x="3422" y="194127"/>
-                  <a:pt x="10103" y="128345"/>
-                </a:cubicBezTo>
-                <a:close/>
-              </a:path>
-            </a:pathLst>
-          </a:custGeom>
-          <a:solidFill>
-            <a:schemeClr val="tx1"/>
-          </a:solidFill>
-          <a:ln>
-            <a:noFill/>
-          </a:ln>
-        </p:spPr>
-        <p:style>
-          <a:lnRef idx="2">
-            <a:schemeClr val="accent1">
-              <a:shade val="50000"/>
-            </a:schemeClr>
-          </a:lnRef>
-          <a:fillRef idx="1">
-            <a:schemeClr val="accent1"/>
-          </a:fillRef>
-          <a:effectRef idx="0">
-            <a:schemeClr val="accent1"/>
-          </a:effectRef>
-          <a:fontRef idx="minor">
-            <a:schemeClr val="lt1"/>
-          </a:fontRef>
-        </p:style>
-        <p:txBody>
-          <a:bodyPr wrap="square" rtlCol="0" anchor="ctr">
-            <a:noAutofit/>
-          </a:bodyPr>
-          <a:lstStyle/>
-          <a:p>
-            <a:pPr algn="ctr"/>
-            <a:endParaRPr lang="en-US"/>
-          </a:p>
-        </p:txBody>
-      </p:sp>
-      <p:sp>
-        <p:nvSpPr>
-          <p:cNvPr id="21" name="Freeform: Shape 20">
-            <a:extLst>
-              <a:ext uri="{FF2B5EF4-FFF2-40B4-BE49-F238E27FC236}">
-                <a16:creationId xmlns:a16="http://schemas.microsoft.com/office/drawing/2014/main" id="{A1DABD52-05DF-4F31-AFB9-B330D8BE46FD}"/>
-              </a:ext>
-              <a:ext uri="{C183D7F6-B498-43B3-948B-1728B52AA6E4}">
-                <adec:decorative xmlns:adec="http://schemas.microsoft.com/office/drawing/2017/decorative" val="1"/>
-              </a:ext>
-            </a:extLst>
-          </p:cNvPr>
-          <p:cNvSpPr>
-            <a:spLocks noGrp="1" noRot="1" noChangeAspect="1" noMove="1" noResize="1" noEditPoints="1" noAdjustHandles="1" noChangeArrowheads="1" noChangeShapeType="1" noTextEdit="1"/>
-          </p:cNvSpPr>
-          <p:nvPr>
-            <p:extLst>
-              <p:ext uri="{386F3935-93C4-4BCD-93E2-E3B085C9AB24}">
-                <p16:designElem xmlns:p16="http://schemas.microsoft.com/office/powerpoint/2015/main" val="1"/>
-              </p:ext>
-            </p:extLst>
-          </p:nvPr>
-        </p:nvSpPr>
-        <p:spPr>
-          <a:xfrm>
-            <a:off x="5525559" y="725908"/>
-            <a:ext cx="2852928" cy="2852928"/>
-          </a:xfrm>
-          <a:custGeom>
-            <a:avLst/>
-            <a:gdLst>
-              <a:gd name="connsiteX0" fmla="*/ 1426464 w 2852928"/>
-              <a:gd name="connsiteY0" fmla="*/ 0 h 2852928"/>
-              <a:gd name="connsiteX1" fmla="*/ 2852928 w 2852928"/>
-              <a:gd name="connsiteY1" fmla="*/ 1426464 h 2852928"/>
-              <a:gd name="connsiteX2" fmla="*/ 1426464 w 2852928"/>
-              <a:gd name="connsiteY2" fmla="*/ 2852928 h 2852928"/>
-              <a:gd name="connsiteX3" fmla="*/ 0 w 2852928"/>
-              <a:gd name="connsiteY3" fmla="*/ 1426464 h 2852928"/>
-              <a:gd name="connsiteX4" fmla="*/ 1426464 w 2852928"/>
-              <a:gd name="connsiteY4" fmla="*/ 0 h 2852928"/>
-            </a:gdLst>
-            <a:ahLst/>
-            <a:cxnLst>
-              <a:cxn ang="0">
-                <a:pos x="connsiteX0" y="connsiteY0"/>
-              </a:cxn>
-              <a:cxn ang="0">
-                <a:pos x="connsiteX1" y="connsiteY1"/>
-              </a:cxn>
-              <a:cxn ang="0">
-                <a:pos x="connsiteX2" y="connsiteY2"/>
-              </a:cxn>
-              <a:cxn ang="0">
-                <a:pos x="connsiteX3" y="connsiteY3"/>
-              </a:cxn>
-              <a:cxn ang="0">
-                <a:pos x="connsiteX4" y="connsiteY4"/>
-              </a:cxn>
-            </a:cxnLst>
-            <a:rect l="l" t="t" r="r" b="b"/>
-            <a:pathLst>
-              <a:path w="2852928" h="2852928">
-                <a:moveTo>
-                  <a:pt x="1426464" y="0"/>
-                </a:moveTo>
-                <a:cubicBezTo>
-                  <a:pt x="2214278" y="0"/>
-                  <a:pt x="2852928" y="638650"/>
-                  <a:pt x="2852928" y="1426464"/>
-                </a:cubicBezTo>
-                <a:cubicBezTo>
-                  <a:pt x="2852928" y="2214278"/>
-                  <a:pt x="2214278" y="2852928"/>
-                  <a:pt x="1426464" y="2852928"/>
-                </a:cubicBezTo>
-                <a:cubicBezTo>
-                  <a:pt x="638650" y="2852928"/>
-                  <a:pt x="0" y="2214278"/>
-                  <a:pt x="0" y="1426464"/>
-                </a:cubicBezTo>
-                <a:cubicBezTo>
-                  <a:pt x="0" y="638650"/>
-                  <a:pt x="638650" y="0"/>
-                  <a:pt x="1426464" y="0"/>
-                </a:cubicBezTo>
-                <a:close/>
-              </a:path>
-            </a:pathLst>
-          </a:custGeom>
-          <a:solidFill>
-            <a:schemeClr val="tx1"/>
-          </a:solidFill>
-          <a:ln>
-            <a:noFill/>
-          </a:ln>
-        </p:spPr>
-        <p:style>
-          <a:lnRef idx="2">
-            <a:schemeClr val="accent1">
-              <a:shade val="50000"/>
-            </a:schemeClr>
-          </a:lnRef>
-          <a:fillRef idx="1">
-            <a:schemeClr val="accent1"/>
-          </a:fillRef>
-          <a:effectRef idx="0">
-            <a:schemeClr val="accent1"/>
-          </a:effectRef>
-          <a:fontRef idx="minor">
-            <a:schemeClr val="lt1"/>
-          </a:fontRef>
-        </p:style>
-        <p:txBody>
-          <a:bodyPr wrap="square" rtlCol="0" anchor="ctr">
-            <a:noAutofit/>
-          </a:bodyPr>
-          <a:lstStyle/>
-          <a:p>
-            <a:pPr algn="ctr"/>
-            <a:endParaRPr lang="en-US"/>
-          </a:p>
-        </p:txBody>
-      </p:sp>
-      <p:sp>
-        <p:nvSpPr>
-          <p:cNvPr id="23" name="Oval 22">
-            <a:extLst>
-              <a:ext uri="{FF2B5EF4-FFF2-40B4-BE49-F238E27FC236}">
-                <a16:creationId xmlns:a16="http://schemas.microsoft.com/office/drawing/2014/main" id="{78418A25-6EAC-4140-BFE6-284E1925B5EE}"/>
-              </a:ext>
-              <a:ext uri="{C183D7F6-B498-43B3-948B-1728B52AA6E4}">
-                <adec:decorative xmlns:adec="http://schemas.microsoft.com/office/drawing/2017/decorative" val="1"/>
-              </a:ext>
-            </a:extLst>
-          </p:cNvPr>
-          <p:cNvSpPr>
-            <a:spLocks noGrp="1" noRot="1" noChangeAspect="1" noMove="1" noResize="1" noEditPoints="1" noAdjustHandles="1" noChangeArrowheads="1" noChangeShapeType="1" noTextEdit="1"/>
-          </p:cNvSpPr>
-          <p:nvPr>
-            <p:extLst>
-              <p:ext uri="{386F3935-93C4-4BCD-93E2-E3B085C9AB24}">
-                <p16:designElem xmlns:p16="http://schemas.microsoft.com/office/powerpoint/2015/main" val="1"/>
-              </p:ext>
-            </p:extLst>
-          </p:nvPr>
-        </p:nvSpPr>
-        <p:spPr>
-          <a:xfrm>
-            <a:off x="5360967" y="561316"/>
-            <a:ext cx="3182112" cy="3182112"/>
-          </a:xfrm>
-          <a:prstGeom prst="ellipse">
-            <a:avLst/>
-          </a:prstGeom>
-          <a:solidFill>
-            <a:srgbClr val="FFFFFF">
-              <a:alpha val="80000"/>
-            </a:srgbClr>
-          </a:solidFill>
-          <a:ln>
-            <a:noFill/>
-          </a:ln>
-        </p:spPr>
-        <p:style>
-          <a:lnRef idx="2">
-            <a:schemeClr val="accent1">
-              <a:shade val="50000"/>
-            </a:schemeClr>
-          </a:lnRef>
-          <a:fillRef idx="1">
-            <a:schemeClr val="accent1"/>
-          </a:fillRef>
-          <a:effectRef idx="0">
-            <a:schemeClr val="accent1"/>
-          </a:effectRef>
-          <a:fontRef idx="minor">
-            <a:schemeClr val="lt1"/>
-          </a:fontRef>
-        </p:style>
-        <p:txBody>
-          <a:bodyPr rtlCol="0" anchor="ctr"/>
-          <a:lstStyle/>
-          <a:p>
-            <a:pPr marL="0" marR="0" lvl="0" indent="0" algn="ctr" defTabSz="914400" rtl="0" eaLnBrk="1" fontAlgn="auto" latinLnBrk="0" hangingPunct="1">
-              <a:lnSpc>
-                <a:spcPct val="100000"/>
-              </a:lnSpc>
-              <a:spcBef>
-                <a:spcPts val="0"/>
-              </a:spcBef>
-              <a:spcAft>
-                <a:spcPts val="0"/>
-              </a:spcAft>
-              <a:buClrTx/>
-              <a:buSzTx/>
-              <a:buFontTx/>
-              <a:buNone/>
-              <a:tabLst/>
-              <a:defRPr/>
-            </a:pPr>
-            <a:endParaRPr kumimoji="0" lang="en-US" sz="1800" b="0" i="0" u="none" strike="noStrike" kern="1200" cap="none" spc="0" normalizeH="0" baseline="0" noProof="0">
-              <a:ln>
-                <a:noFill/>
-              </a:ln>
-              <a:solidFill>
-                <a:prstClr val="white"/>
-              </a:solidFill>
-              <a:effectLst/>
-              <a:uLnTx/>
-              <a:uFillTx/>
-              <a:latin typeface="Calibri" panose="020F0502020204030204"/>
-              <a:ea typeface="+mn-ea"/>
-              <a:cs typeface="+mn-cs"/>
-            </a:endParaRPr>
+            <a:r>
+              <a:rPr lang="en-GB" sz="2000" b="1" dirty="0">
+                <a:latin typeface="Courier New" panose="02070309020205020404" pitchFamily="49" charset="0"/>
+                <a:cs typeface="Courier New" panose="02070309020205020404" pitchFamily="49" charset="0"/>
+              </a:rPr>
+              <a:t>Toggle</a:t>
+            </a:r>
+          </a:p>
+          <a:p>
+            <a:r>
+              <a:rPr lang="en-GB" sz="2000" b="1" dirty="0">
+                <a:latin typeface="Courier New" panose="02070309020205020404" pitchFamily="49" charset="0"/>
+                <a:cs typeface="Courier New" panose="02070309020205020404" pitchFamily="49" charset="0"/>
+              </a:rPr>
+              <a:t>Camera</a:t>
+            </a:r>
           </a:p>
         </p:txBody>
       </p:sp>
       <p:pic>
         <p:nvPicPr>
-          <p:cNvPr id="6" name="Picture 5" descr="A picture containing tool&#10;&#10;Description automatically generated">
-            <a:extLst>
-              <a:ext uri="{FF2B5EF4-FFF2-40B4-BE49-F238E27FC236}">
-                <a16:creationId xmlns:a16="http://schemas.microsoft.com/office/drawing/2014/main" id="{C2169F7B-915D-4E94-A479-DAF443265A5A}"/>
+          <p:cNvPr id="15" name="Picture 14">
+            <a:extLst>
+              <a:ext uri="{FF2B5EF4-FFF2-40B4-BE49-F238E27FC236}">
+                <a16:creationId xmlns:a16="http://schemas.microsoft.com/office/drawing/2014/main" id="{4E80F51F-6D5B-41B3-93B6-8A05FD2D1024}"/>
               </a:ext>
             </a:extLst>
           </p:cNvPr>
@@ -4190,687 +4207,15 @@
           <p:nvPr/>
         </p:nvPicPr>
         <p:blipFill>
-          <a:blip r:embed="rId2">
-            <a:extLst>
-              <a:ext uri="{28A0092B-C50C-407E-A947-70E740481C1C}">
-                <a14:useLocalDpi xmlns:a14="http://schemas.microsoft.com/office/drawing/2010/main" val="0"/>
-              </a:ext>
-            </a:extLst>
-          </a:blip>
-          <a:stretch>
-            <a:fillRect/>
-          </a:stretch>
-        </p:blipFill>
-        <p:spPr>
-          <a:xfrm rot="5400000">
-            <a:off x="2288563" y="-155255"/>
-            <a:ext cx="1829652" cy="1829652"/>
-          </a:xfrm>
-          <a:prstGeom prst="rect">
-            <a:avLst/>
-          </a:prstGeom>
-        </p:spPr>
-      </p:pic>
-      <p:sp>
-        <p:nvSpPr>
-          <p:cNvPr id="25" name="Freeform: Shape 24">
-            <a:extLst>
-              <a:ext uri="{FF2B5EF4-FFF2-40B4-BE49-F238E27FC236}">
-                <a16:creationId xmlns:a16="http://schemas.microsoft.com/office/drawing/2014/main" id="{6B9D64DB-4D5C-4A91-B45F-F301E3174F9F}"/>
-              </a:ext>
-              <a:ext uri="{C183D7F6-B498-43B3-948B-1728B52AA6E4}">
-                <adec:decorative xmlns:adec="http://schemas.microsoft.com/office/drawing/2017/decorative" val="1"/>
-              </a:ext>
-            </a:extLst>
-          </p:cNvPr>
-          <p:cNvSpPr>
-            <a:spLocks noGrp="1" noRot="1" noChangeAspect="1" noMove="1" noResize="1" noEditPoints="1" noAdjustHandles="1" noChangeArrowheads="1" noChangeShapeType="1" noTextEdit="1"/>
-          </p:cNvSpPr>
-          <p:nvPr>
-            <p:extLst>
-              <p:ext uri="{386F3935-93C4-4BCD-93E2-E3B085C9AB24}">
-                <p16:designElem xmlns:p16="http://schemas.microsoft.com/office/powerpoint/2015/main" val="1"/>
-              </p:ext>
-            </p:extLst>
-          </p:nvPr>
-        </p:nvSpPr>
-        <p:spPr>
-          <a:xfrm>
-            <a:off x="8752568" y="-4332"/>
-            <a:ext cx="3439432" cy="3550083"/>
-          </a:xfrm>
-          <a:custGeom>
-            <a:avLst/>
-            <a:gdLst>
-              <a:gd name="connsiteX0" fmla="*/ 115336 w 3439432"/>
-              <a:gd name="connsiteY0" fmla="*/ 0 h 3550083"/>
-              <a:gd name="connsiteX1" fmla="*/ 3439432 w 3439432"/>
-              <a:gd name="connsiteY1" fmla="*/ 0 h 3550083"/>
-              <a:gd name="connsiteX2" fmla="*/ 3439432 w 3439432"/>
-              <a:gd name="connsiteY2" fmla="*/ 3462762 h 3550083"/>
-              <a:gd name="connsiteX3" fmla="*/ 3318024 w 3439432"/>
-              <a:gd name="connsiteY3" fmla="*/ 3493980 h 3550083"/>
-              <a:gd name="connsiteX4" fmla="*/ 2761488 w 3439432"/>
-              <a:gd name="connsiteY4" fmla="*/ 3550083 h 3550083"/>
-              <a:gd name="connsiteX5" fmla="*/ 0 w 3439432"/>
-              <a:gd name="connsiteY5" fmla="*/ 788595 h 3550083"/>
-              <a:gd name="connsiteX6" fmla="*/ 70713 w 3439432"/>
-              <a:gd name="connsiteY6" fmla="*/ 164949 h 3550083"/>
-            </a:gdLst>
-            <a:ahLst/>
-            <a:cxnLst>
-              <a:cxn ang="0">
-                <a:pos x="connsiteX0" y="connsiteY0"/>
-              </a:cxn>
-              <a:cxn ang="0">
-                <a:pos x="connsiteX1" y="connsiteY1"/>
-              </a:cxn>
-              <a:cxn ang="0">
-                <a:pos x="connsiteX2" y="connsiteY2"/>
-              </a:cxn>
-              <a:cxn ang="0">
-                <a:pos x="connsiteX3" y="connsiteY3"/>
-              </a:cxn>
-              <a:cxn ang="0">
-                <a:pos x="connsiteX4" y="connsiteY4"/>
-              </a:cxn>
-              <a:cxn ang="0">
-                <a:pos x="connsiteX5" y="connsiteY5"/>
-              </a:cxn>
-              <a:cxn ang="0">
-                <a:pos x="connsiteX6" y="connsiteY6"/>
-              </a:cxn>
-            </a:cxnLst>
-            <a:rect l="l" t="t" r="r" b="b"/>
-            <a:pathLst>
-              <a:path w="3439432" h="3550083">
-                <a:moveTo>
-                  <a:pt x="115336" y="0"/>
-                </a:moveTo>
-                <a:lnTo>
-                  <a:pt x="3439432" y="0"/>
-                </a:lnTo>
-                <a:lnTo>
-                  <a:pt x="3439432" y="3462762"/>
-                </a:lnTo>
-                <a:lnTo>
-                  <a:pt x="3318024" y="3493980"/>
-                </a:lnTo>
-                <a:cubicBezTo>
-                  <a:pt x="3138258" y="3530765"/>
-                  <a:pt x="2952129" y="3550083"/>
-                  <a:pt x="2761488" y="3550083"/>
-                </a:cubicBezTo>
-                <a:cubicBezTo>
-                  <a:pt x="1236360" y="3550083"/>
-                  <a:pt x="0" y="2313723"/>
-                  <a:pt x="0" y="788595"/>
-                </a:cubicBezTo>
-                <a:cubicBezTo>
-                  <a:pt x="0" y="574124"/>
-                  <a:pt x="24450" y="365364"/>
-                  <a:pt x="70713" y="164949"/>
-                </a:cubicBezTo>
-                <a:close/>
-              </a:path>
-            </a:pathLst>
-          </a:custGeom>
-          <a:solidFill>
-            <a:srgbClr val="FFFFFF">
-              <a:alpha val="80000"/>
-            </a:srgbClr>
-          </a:solidFill>
-          <a:ln>
-            <a:noFill/>
-          </a:ln>
-        </p:spPr>
-        <p:style>
-          <a:lnRef idx="2">
-            <a:schemeClr val="accent1">
-              <a:shade val="50000"/>
-            </a:schemeClr>
-          </a:lnRef>
-          <a:fillRef idx="1">
-            <a:schemeClr val="accent1"/>
-          </a:fillRef>
-          <a:effectRef idx="0">
-            <a:schemeClr val="accent1"/>
-          </a:effectRef>
-          <a:fontRef idx="minor">
-            <a:schemeClr val="lt1"/>
-          </a:fontRef>
-        </p:style>
-        <p:txBody>
-          <a:bodyPr wrap="square" rtlCol="0" anchor="ctr">
-            <a:noAutofit/>
-          </a:bodyPr>
-          <a:lstStyle/>
-          <a:p>
-            <a:pPr marL="0" marR="0" lvl="0" indent="0" algn="ctr" defTabSz="914400" rtl="0" eaLnBrk="1" fontAlgn="auto" latinLnBrk="0" hangingPunct="1">
-              <a:lnSpc>
-                <a:spcPct val="100000"/>
-              </a:lnSpc>
-              <a:spcBef>
-                <a:spcPts val="0"/>
-              </a:spcBef>
-              <a:spcAft>
-                <a:spcPts val="0"/>
-              </a:spcAft>
-              <a:buClrTx/>
-              <a:buSzTx/>
-              <a:buFontTx/>
-              <a:buNone/>
-              <a:tabLst/>
-              <a:defRPr/>
-            </a:pPr>
-            <a:endParaRPr kumimoji="0" lang="en-US" sz="1800" b="0" i="0" u="none" strike="noStrike" kern="1200" cap="none" spc="0" normalizeH="0" baseline="0" noProof="0" dirty="0">
-              <a:ln>
-                <a:noFill/>
-              </a:ln>
-              <a:solidFill>
-                <a:prstClr val="white"/>
-              </a:solidFill>
-              <a:effectLst/>
-              <a:uLnTx/>
-              <a:uFillTx/>
-              <a:latin typeface="Calibri" panose="020F0502020204030204"/>
-              <a:ea typeface="+mn-ea"/>
-              <a:cs typeface="+mn-cs"/>
-            </a:endParaRPr>
-          </a:p>
-        </p:txBody>
-      </p:sp>
-      <p:sp>
-        <p:nvSpPr>
-          <p:cNvPr id="27" name="Freeform: Shape 26">
-            <a:extLst>
-              <a:ext uri="{FF2B5EF4-FFF2-40B4-BE49-F238E27FC236}">
-                <a16:creationId xmlns:a16="http://schemas.microsoft.com/office/drawing/2014/main" id="{8E4F04B5-4D4A-4F70-8549-384AF535134B}"/>
-              </a:ext>
-              <a:ext uri="{C183D7F6-B498-43B3-948B-1728B52AA6E4}">
-                <adec:decorative xmlns:adec="http://schemas.microsoft.com/office/drawing/2017/decorative" val="1"/>
-              </a:ext>
-            </a:extLst>
-          </p:cNvPr>
-          <p:cNvSpPr>
-            <a:spLocks noGrp="1" noRot="1" noChangeAspect="1" noMove="1" noResize="1" noEditPoints="1" noAdjustHandles="1" noChangeArrowheads="1" noChangeShapeType="1" noTextEdit="1"/>
-          </p:cNvSpPr>
-          <p:nvPr>
-            <p:extLst>
-              <p:ext uri="{386F3935-93C4-4BCD-93E2-E3B085C9AB24}">
-                <p16:designElem xmlns:p16="http://schemas.microsoft.com/office/powerpoint/2015/main" val="1"/>
-              </p:ext>
-            </p:extLst>
-          </p:nvPr>
-        </p:nvSpPr>
-        <p:spPr>
-          <a:xfrm>
-            <a:off x="8918761" y="-4330"/>
-            <a:ext cx="3273238" cy="3383891"/>
-          </a:xfrm>
-          <a:custGeom>
-            <a:avLst/>
-            <a:gdLst>
-              <a:gd name="connsiteX0" fmla="*/ 122841 w 3273238"/>
-              <a:gd name="connsiteY0" fmla="*/ 0 h 3383891"/>
-              <a:gd name="connsiteX1" fmla="*/ 3273238 w 3273238"/>
-              <a:gd name="connsiteY1" fmla="*/ 0 h 3383891"/>
-              <a:gd name="connsiteX2" fmla="*/ 3273238 w 3273238"/>
-              <a:gd name="connsiteY2" fmla="*/ 3291335 h 3383891"/>
-              <a:gd name="connsiteX3" fmla="*/ 3118338 w 3273238"/>
-              <a:gd name="connsiteY3" fmla="*/ 3331164 h 3383891"/>
-              <a:gd name="connsiteX4" fmla="*/ 2595295 w 3273238"/>
-              <a:gd name="connsiteY4" fmla="*/ 3383891 h 3383891"/>
-              <a:gd name="connsiteX5" fmla="*/ 0 w 3273238"/>
-              <a:gd name="connsiteY5" fmla="*/ 788596 h 3383891"/>
-              <a:gd name="connsiteX6" fmla="*/ 116679 w 3273238"/>
-              <a:gd name="connsiteY6" fmla="*/ 16835 h 3383891"/>
-            </a:gdLst>
-            <a:ahLst/>
-            <a:cxnLst>
-              <a:cxn ang="0">
-                <a:pos x="connsiteX0" y="connsiteY0"/>
-              </a:cxn>
-              <a:cxn ang="0">
-                <a:pos x="connsiteX1" y="connsiteY1"/>
-              </a:cxn>
-              <a:cxn ang="0">
-                <a:pos x="connsiteX2" y="connsiteY2"/>
-              </a:cxn>
-              <a:cxn ang="0">
-                <a:pos x="connsiteX3" y="connsiteY3"/>
-              </a:cxn>
-              <a:cxn ang="0">
-                <a:pos x="connsiteX4" y="connsiteY4"/>
-              </a:cxn>
-              <a:cxn ang="0">
-                <a:pos x="connsiteX5" y="connsiteY5"/>
-              </a:cxn>
-              <a:cxn ang="0">
-                <a:pos x="connsiteX6" y="connsiteY6"/>
-              </a:cxn>
-            </a:cxnLst>
-            <a:rect l="l" t="t" r="r" b="b"/>
-            <a:pathLst>
-              <a:path w="3273238" h="3383891">
-                <a:moveTo>
-                  <a:pt x="122841" y="0"/>
-                </a:moveTo>
-                <a:lnTo>
-                  <a:pt x="3273238" y="0"/>
-                </a:lnTo>
-                <a:lnTo>
-                  <a:pt x="3273238" y="3291335"/>
-                </a:lnTo>
-                <a:lnTo>
-                  <a:pt x="3118338" y="3331164"/>
-                </a:lnTo>
-                <a:cubicBezTo>
-                  <a:pt x="2949390" y="3365736"/>
-                  <a:pt x="2774463" y="3383891"/>
-                  <a:pt x="2595295" y="3383891"/>
-                </a:cubicBezTo>
-                <a:cubicBezTo>
-                  <a:pt x="1161953" y="3383891"/>
-                  <a:pt x="0" y="2221938"/>
-                  <a:pt x="0" y="788596"/>
-                </a:cubicBezTo>
-                <a:cubicBezTo>
-                  <a:pt x="0" y="519845"/>
-                  <a:pt x="40850" y="260634"/>
-                  <a:pt x="116679" y="16835"/>
-                </a:cubicBezTo>
-                <a:close/>
-              </a:path>
-            </a:pathLst>
-          </a:custGeom>
-          <a:solidFill>
-            <a:schemeClr val="tx1"/>
-          </a:solidFill>
-          <a:ln>
-            <a:noFill/>
-          </a:ln>
-        </p:spPr>
-        <p:style>
-          <a:lnRef idx="2">
-            <a:schemeClr val="accent1">
-              <a:shade val="50000"/>
-            </a:schemeClr>
-          </a:lnRef>
-          <a:fillRef idx="1">
-            <a:schemeClr val="accent1"/>
-          </a:fillRef>
-          <a:effectRef idx="0">
-            <a:schemeClr val="accent1"/>
-          </a:effectRef>
-          <a:fontRef idx="minor">
-            <a:schemeClr val="lt1"/>
-          </a:fontRef>
-        </p:style>
-        <p:txBody>
-          <a:bodyPr wrap="square" rtlCol="0" anchor="ctr">
-            <a:noAutofit/>
-          </a:bodyPr>
-          <a:lstStyle/>
-          <a:p>
-            <a:pPr algn="ctr"/>
-            <a:endParaRPr lang="en-US"/>
-          </a:p>
-        </p:txBody>
-      </p:sp>
-      <p:sp>
-        <p:nvSpPr>
-          <p:cNvPr id="29" name="Freeform: Shape 28">
-            <a:extLst>
-              <a:ext uri="{FF2B5EF4-FFF2-40B4-BE49-F238E27FC236}">
-                <a16:creationId xmlns:a16="http://schemas.microsoft.com/office/drawing/2014/main" id="{0D14DB62-3EB3-452E-89EE-30B0CDB0C8F4}"/>
-              </a:ext>
-              <a:ext uri="{C183D7F6-B498-43B3-948B-1728B52AA6E4}">
-                <adec:decorative xmlns:adec="http://schemas.microsoft.com/office/drawing/2017/decorative" val="1"/>
-              </a:ext>
-            </a:extLst>
-          </p:cNvPr>
-          <p:cNvSpPr>
-            <a:spLocks noGrp="1" noRot="1" noChangeAspect="1" noMove="1" noResize="1" noEditPoints="1" noAdjustHandles="1" noChangeArrowheads="1" noChangeShapeType="1" noTextEdit="1"/>
-          </p:cNvSpPr>
-          <p:nvPr>
-            <p:extLst>
-              <p:ext uri="{386F3935-93C4-4BCD-93E2-E3B085C9AB24}">
-                <p16:designElem xmlns:p16="http://schemas.microsoft.com/office/powerpoint/2015/main" val="1"/>
-              </p:ext>
-            </p:extLst>
-          </p:nvPr>
-        </p:nvSpPr>
-        <p:spPr>
-          <a:xfrm>
-            <a:off x="9363236" y="4071322"/>
-            <a:ext cx="2828765" cy="2786678"/>
-          </a:xfrm>
-          <a:custGeom>
-            <a:avLst/>
-            <a:gdLst>
-              <a:gd name="connsiteX0" fmla="*/ 1888236 w 2828765"/>
-              <a:gd name="connsiteY0" fmla="*/ 0 h 2786678"/>
-              <a:gd name="connsiteX1" fmla="*/ 2788281 w 2828765"/>
-              <a:gd name="connsiteY1" fmla="*/ 227900 h 2786678"/>
-              <a:gd name="connsiteX2" fmla="*/ 2828765 w 2828765"/>
-              <a:gd name="connsiteY2" fmla="*/ 252495 h 2786678"/>
-              <a:gd name="connsiteX3" fmla="*/ 2828765 w 2828765"/>
-              <a:gd name="connsiteY3" fmla="*/ 2786678 h 2786678"/>
-              <a:gd name="connsiteX4" fmla="*/ 227128 w 2828765"/>
-              <a:gd name="connsiteY4" fmla="*/ 2786678 h 2786678"/>
-              <a:gd name="connsiteX5" fmla="*/ 148387 w 2828765"/>
-              <a:gd name="connsiteY5" fmla="*/ 2623223 h 2786678"/>
-              <a:gd name="connsiteX6" fmla="*/ 0 w 2828765"/>
-              <a:gd name="connsiteY6" fmla="*/ 1888236 h 2786678"/>
-              <a:gd name="connsiteX7" fmla="*/ 1888236 w 2828765"/>
-              <a:gd name="connsiteY7" fmla="*/ 0 h 2786678"/>
-            </a:gdLst>
-            <a:ahLst/>
-            <a:cxnLst>
-              <a:cxn ang="0">
-                <a:pos x="connsiteX0" y="connsiteY0"/>
-              </a:cxn>
-              <a:cxn ang="0">
-                <a:pos x="connsiteX1" y="connsiteY1"/>
-              </a:cxn>
-              <a:cxn ang="0">
-                <a:pos x="connsiteX2" y="connsiteY2"/>
-              </a:cxn>
-              <a:cxn ang="0">
-                <a:pos x="connsiteX3" y="connsiteY3"/>
-              </a:cxn>
-              <a:cxn ang="0">
-                <a:pos x="connsiteX4" y="connsiteY4"/>
-              </a:cxn>
-              <a:cxn ang="0">
-                <a:pos x="connsiteX5" y="connsiteY5"/>
-              </a:cxn>
-              <a:cxn ang="0">
-                <a:pos x="connsiteX6" y="connsiteY6"/>
-              </a:cxn>
-              <a:cxn ang="0">
-                <a:pos x="connsiteX7" y="connsiteY7"/>
-              </a:cxn>
-            </a:cxnLst>
-            <a:rect l="l" t="t" r="r" b="b"/>
-            <a:pathLst>
-              <a:path w="2828765" h="2786678">
-                <a:moveTo>
-                  <a:pt x="1888236" y="0"/>
-                </a:moveTo>
-                <a:cubicBezTo>
-                  <a:pt x="2214125" y="0"/>
-                  <a:pt x="2520731" y="82558"/>
-                  <a:pt x="2788281" y="227900"/>
-                </a:cubicBezTo>
-                <a:lnTo>
-                  <a:pt x="2828765" y="252495"/>
-                </a:lnTo>
-                <a:lnTo>
-                  <a:pt x="2828765" y="2786678"/>
-                </a:lnTo>
-                <a:lnTo>
-                  <a:pt x="227128" y="2786678"/>
-                </a:lnTo>
-                <a:lnTo>
-                  <a:pt x="148387" y="2623223"/>
-                </a:lnTo>
-                <a:cubicBezTo>
-                  <a:pt x="52837" y="2397318"/>
-                  <a:pt x="0" y="2148947"/>
-                  <a:pt x="0" y="1888236"/>
-                </a:cubicBezTo>
-                <a:cubicBezTo>
-                  <a:pt x="0" y="845392"/>
-                  <a:pt x="845392" y="0"/>
-                  <a:pt x="1888236" y="0"/>
-                </a:cubicBezTo>
-                <a:close/>
-              </a:path>
-            </a:pathLst>
-          </a:custGeom>
-          <a:solidFill>
-            <a:schemeClr val="tx1"/>
-          </a:solidFill>
-          <a:ln>
-            <a:noFill/>
-          </a:ln>
-        </p:spPr>
-        <p:style>
-          <a:lnRef idx="2">
-            <a:schemeClr val="accent1">
-              <a:shade val="50000"/>
-            </a:schemeClr>
-          </a:lnRef>
-          <a:fillRef idx="1">
-            <a:schemeClr val="accent1"/>
-          </a:fillRef>
-          <a:effectRef idx="0">
-            <a:schemeClr val="accent1"/>
-          </a:effectRef>
-          <a:fontRef idx="minor">
-            <a:schemeClr val="lt1"/>
-          </a:fontRef>
-        </p:style>
-        <p:txBody>
-          <a:bodyPr wrap="square" rtlCol="0" anchor="ctr">
-            <a:noAutofit/>
-          </a:bodyPr>
-          <a:lstStyle/>
-          <a:p>
-            <a:pPr algn="ctr"/>
-            <a:endParaRPr lang="en-US"/>
-          </a:p>
-        </p:txBody>
-      </p:sp>
-      <p:sp>
-        <p:nvSpPr>
-          <p:cNvPr id="31" name="Freeform: Shape 30">
-            <a:extLst>
-              <a:ext uri="{FF2B5EF4-FFF2-40B4-BE49-F238E27FC236}">
-                <a16:creationId xmlns:a16="http://schemas.microsoft.com/office/drawing/2014/main" id="{CB14CE1B-4BC5-4EF2-BE3D-05E4F580B3DB}"/>
-              </a:ext>
-              <a:ext uri="{C183D7F6-B498-43B3-948B-1728B52AA6E4}">
-                <adec:decorative xmlns:adec="http://schemas.microsoft.com/office/drawing/2017/decorative" val="1"/>
-              </a:ext>
-            </a:extLst>
-          </p:cNvPr>
-          <p:cNvSpPr>
-            <a:spLocks noGrp="1" noRot="1" noChangeAspect="1" noMove="1" noResize="1" noEditPoints="1" noAdjustHandles="1" noChangeArrowheads="1" noChangeShapeType="1" noTextEdit="1"/>
-          </p:cNvSpPr>
-          <p:nvPr>
-            <p:extLst>
-              <p:ext uri="{386F3935-93C4-4BCD-93E2-E3B085C9AB24}">
-                <p16:designElem xmlns:p16="http://schemas.microsoft.com/office/powerpoint/2015/main" val="1"/>
-              </p:ext>
-            </p:extLst>
-          </p:nvPr>
-        </p:nvSpPr>
-        <p:spPr>
-          <a:xfrm>
-            <a:off x="9199331" y="3907418"/>
-            <a:ext cx="2992669" cy="2950582"/>
-          </a:xfrm>
-          <a:custGeom>
-            <a:avLst/>
-            <a:gdLst>
-              <a:gd name="connsiteX0" fmla="*/ 2052140 w 2992669"/>
-              <a:gd name="connsiteY0" fmla="*/ 0 h 2950582"/>
-              <a:gd name="connsiteX1" fmla="*/ 2850926 w 2992669"/>
-              <a:gd name="connsiteY1" fmla="*/ 161267 h 2950582"/>
-              <a:gd name="connsiteX2" fmla="*/ 2992669 w 2992669"/>
-              <a:gd name="connsiteY2" fmla="*/ 229549 h 2950582"/>
-              <a:gd name="connsiteX3" fmla="*/ 2992669 w 2992669"/>
-              <a:gd name="connsiteY3" fmla="*/ 2950582 h 2950582"/>
-              <a:gd name="connsiteX4" fmla="*/ 209274 w 2992669"/>
-              <a:gd name="connsiteY4" fmla="*/ 2950582 h 2950582"/>
-              <a:gd name="connsiteX5" fmla="*/ 161267 w 2992669"/>
-              <a:gd name="connsiteY5" fmla="*/ 2850926 h 2950582"/>
-              <a:gd name="connsiteX6" fmla="*/ 0 w 2992669"/>
-              <a:gd name="connsiteY6" fmla="*/ 2052140 h 2950582"/>
-              <a:gd name="connsiteX7" fmla="*/ 2052140 w 2992669"/>
-              <a:gd name="connsiteY7" fmla="*/ 0 h 2950582"/>
-            </a:gdLst>
-            <a:ahLst/>
-            <a:cxnLst>
-              <a:cxn ang="0">
-                <a:pos x="connsiteX0" y="connsiteY0"/>
-              </a:cxn>
-              <a:cxn ang="0">
-                <a:pos x="connsiteX1" y="connsiteY1"/>
-              </a:cxn>
-              <a:cxn ang="0">
-                <a:pos x="connsiteX2" y="connsiteY2"/>
-              </a:cxn>
-              <a:cxn ang="0">
-                <a:pos x="connsiteX3" y="connsiteY3"/>
-              </a:cxn>
-              <a:cxn ang="0">
-                <a:pos x="connsiteX4" y="connsiteY4"/>
-              </a:cxn>
-              <a:cxn ang="0">
-                <a:pos x="connsiteX5" y="connsiteY5"/>
-              </a:cxn>
-              <a:cxn ang="0">
-                <a:pos x="connsiteX6" y="connsiteY6"/>
-              </a:cxn>
-              <a:cxn ang="0">
-                <a:pos x="connsiteX7" y="connsiteY7"/>
-              </a:cxn>
-            </a:cxnLst>
-            <a:rect l="l" t="t" r="r" b="b"/>
-            <a:pathLst>
-              <a:path w="2992669" h="2950582">
-                <a:moveTo>
-                  <a:pt x="2052140" y="0"/>
-                </a:moveTo>
-                <a:cubicBezTo>
-                  <a:pt x="2335482" y="0"/>
-                  <a:pt x="2605411" y="57424"/>
-                  <a:pt x="2850926" y="161267"/>
-                </a:cubicBezTo>
-                <a:lnTo>
-                  <a:pt x="2992669" y="229549"/>
-                </a:lnTo>
-                <a:lnTo>
-                  <a:pt x="2992669" y="2950582"/>
-                </a:lnTo>
-                <a:lnTo>
-                  <a:pt x="209274" y="2950582"/>
-                </a:lnTo>
-                <a:lnTo>
-                  <a:pt x="161267" y="2850926"/>
-                </a:lnTo>
-                <a:cubicBezTo>
-                  <a:pt x="57423" y="2605411"/>
-                  <a:pt x="0" y="2335482"/>
-                  <a:pt x="0" y="2052140"/>
-                </a:cubicBezTo>
-                <a:cubicBezTo>
-                  <a:pt x="0" y="918774"/>
-                  <a:pt x="918774" y="0"/>
-                  <a:pt x="2052140" y="0"/>
-                </a:cubicBezTo>
-                <a:close/>
-              </a:path>
-            </a:pathLst>
-          </a:custGeom>
-          <a:solidFill>
-            <a:srgbClr val="FFFFFF">
-              <a:alpha val="80000"/>
-            </a:srgbClr>
-          </a:solidFill>
-          <a:ln>
-            <a:noFill/>
-          </a:ln>
-        </p:spPr>
-        <p:style>
-          <a:lnRef idx="2">
-            <a:schemeClr val="accent1">
-              <a:shade val="50000"/>
-            </a:schemeClr>
-          </a:lnRef>
-          <a:fillRef idx="1">
-            <a:schemeClr val="accent1"/>
-          </a:fillRef>
-          <a:effectRef idx="0">
-            <a:schemeClr val="accent1"/>
-          </a:effectRef>
-          <a:fontRef idx="minor">
-            <a:schemeClr val="lt1"/>
-          </a:fontRef>
-        </p:style>
-        <p:txBody>
-          <a:bodyPr wrap="square" rtlCol="0" anchor="ctr">
-            <a:noAutofit/>
-          </a:bodyPr>
-          <a:lstStyle/>
-          <a:p>
-            <a:pPr marL="0" marR="0" lvl="0" indent="0" algn="ctr" defTabSz="914400" rtl="0" eaLnBrk="1" fontAlgn="auto" latinLnBrk="0" hangingPunct="1">
-              <a:lnSpc>
-                <a:spcPct val="100000"/>
-              </a:lnSpc>
-              <a:spcBef>
-                <a:spcPts val="0"/>
-              </a:spcBef>
-              <a:spcAft>
-                <a:spcPts val="0"/>
-              </a:spcAft>
-              <a:buClrTx/>
-              <a:buSzTx/>
-              <a:buFontTx/>
-              <a:buNone/>
-              <a:tabLst/>
-              <a:defRPr/>
-            </a:pPr>
-            <a:endParaRPr kumimoji="0" lang="en-US" sz="1800" b="0" i="0" u="none" strike="noStrike" kern="1200" cap="none" spc="0" normalizeH="0" baseline="0" noProof="0">
-              <a:ln>
-                <a:noFill/>
-              </a:ln>
-              <a:solidFill>
-                <a:prstClr val="white"/>
-              </a:solidFill>
-              <a:effectLst/>
-              <a:uLnTx/>
-              <a:uFillTx/>
-              <a:latin typeface="Calibri" panose="020F0502020204030204"/>
-              <a:ea typeface="+mn-ea"/>
-              <a:cs typeface="+mn-cs"/>
-            </a:endParaRPr>
-          </a:p>
-        </p:txBody>
-      </p:sp>
-      <p:pic>
-        <p:nvPicPr>
-          <p:cNvPr id="8" name="Picture 7">
-            <a:extLst>
-              <a:ext uri="{FF2B5EF4-FFF2-40B4-BE49-F238E27FC236}">
-                <a16:creationId xmlns:a16="http://schemas.microsoft.com/office/drawing/2014/main" id="{C8903EF6-5966-4609-A70E-8304F4862E1A}"/>
-              </a:ext>
-            </a:extLst>
-          </p:cNvPr>
-          <p:cNvPicPr>
-            <a:picLocks noChangeAspect="1"/>
-          </p:cNvPicPr>
-          <p:nvPr/>
-        </p:nvPicPr>
-        <p:blipFill>
-          <a:blip r:embed="rId3">
-            <a:extLst>
-              <a:ext uri="{28A0092B-C50C-407E-A947-70E740481C1C}">
-                <a14:useLocalDpi xmlns:a14="http://schemas.microsoft.com/office/drawing/2010/main" val="0"/>
-              </a:ext>
-            </a:extLst>
-          </a:blip>
+          <a:blip r:embed="rId3"/>
           <a:stretch>
             <a:fillRect/>
           </a:stretch>
         </p:blipFill>
         <p:spPr>
           <a:xfrm>
-            <a:off x="5916241" y="1388877"/>
-            <a:ext cx="1692946" cy="1692946"/>
+            <a:off x="1377586" y="1944444"/>
+            <a:ext cx="2800250" cy="1250721"/>
           </a:xfrm>
           <a:prstGeom prst="rect">
             <a:avLst/>
@@ -4879,10 +4224,10 @@
       </p:pic>
       <p:pic>
         <p:nvPicPr>
-          <p:cNvPr id="5" name="Picture 4">
-            <a:extLst>
-              <a:ext uri="{FF2B5EF4-FFF2-40B4-BE49-F238E27FC236}">
-                <a16:creationId xmlns:a16="http://schemas.microsoft.com/office/drawing/2014/main" id="{91F82DD0-5EB9-47A0-A2BE-F0FEA56352A8}"/>
+          <p:cNvPr id="20" name="Picture 19">
+            <a:extLst>
+              <a:ext uri="{FF2B5EF4-FFF2-40B4-BE49-F238E27FC236}">
+                <a16:creationId xmlns:a16="http://schemas.microsoft.com/office/drawing/2014/main" id="{1B66447F-58B0-4992-945B-23901CEF9EE8}"/>
               </a:ext>
             </a:extLst>
           </p:cNvPr>
@@ -4899,8 +4244,8 @@
         </p:blipFill>
         <p:spPr>
           <a:xfrm>
-            <a:off x="150640" y="3796615"/>
-            <a:ext cx="2448784" cy="1903930"/>
+            <a:off x="1091920" y="3429000"/>
+            <a:ext cx="937368" cy="937368"/>
           </a:xfrm>
           <a:prstGeom prst="rect">
             <a:avLst/>
@@ -4909,10 +4254,10 @@
       </p:pic>
       <p:pic>
         <p:nvPicPr>
-          <p:cNvPr id="10" name="Picture 9" descr="A picture containing text, electronics, circuit&#10;&#10;Description automatically generated">
-            <a:extLst>
-              <a:ext uri="{FF2B5EF4-FFF2-40B4-BE49-F238E27FC236}">
-                <a16:creationId xmlns:a16="http://schemas.microsoft.com/office/drawing/2014/main" id="{C5931FFC-6D15-4444-9937-6552C589F7D2}"/>
+          <p:cNvPr id="25" name="Picture 24">
+            <a:extLst>
+              <a:ext uri="{FF2B5EF4-FFF2-40B4-BE49-F238E27FC236}">
+                <a16:creationId xmlns:a16="http://schemas.microsoft.com/office/drawing/2014/main" id="{8BF29DD2-331F-438E-A8A6-0D07C1E04C40}"/>
               </a:ext>
             </a:extLst>
           </p:cNvPr>
@@ -4922,21 +4267,15 @@
           <p:nvPr/>
         </p:nvPicPr>
         <p:blipFill>
-          <a:blip r:embed="rId5">
-            <a:extLst>
-              <a:ext uri="{28A0092B-C50C-407E-A947-70E740481C1C}">
-                <a14:useLocalDpi xmlns:a14="http://schemas.microsoft.com/office/drawing/2010/main" val="0"/>
-              </a:ext>
-            </a:extLst>
-          </a:blip>
+          <a:blip r:embed="rId4"/>
           <a:stretch>
             <a:fillRect/>
           </a:stretch>
         </p:blipFill>
         <p:spPr>
           <a:xfrm>
-            <a:off x="9633437" y="157701"/>
-            <a:ext cx="2558562" cy="2558562"/>
+            <a:off x="2333559" y="3429000"/>
+            <a:ext cx="937368" cy="937368"/>
           </a:xfrm>
           <a:prstGeom prst="rect">
             <a:avLst/>
@@ -4945,10 +4284,10 @@
       </p:pic>
       <p:pic>
         <p:nvPicPr>
-          <p:cNvPr id="4" name="Picture 3" descr="A picture containing seat&#10;&#10;Description automatically generated">
-            <a:extLst>
-              <a:ext uri="{FF2B5EF4-FFF2-40B4-BE49-F238E27FC236}">
-                <a16:creationId xmlns:a16="http://schemas.microsoft.com/office/drawing/2014/main" id="{4BF19524-2D27-4FE6-8A11-02A083FB6622}"/>
+          <p:cNvPr id="26" name="Picture 25">
+            <a:extLst>
+              <a:ext uri="{FF2B5EF4-FFF2-40B4-BE49-F238E27FC236}">
+                <a16:creationId xmlns:a16="http://schemas.microsoft.com/office/drawing/2014/main" id="{689C65A8-C9DD-42EE-BF6F-146B3DF240C7}"/>
               </a:ext>
             </a:extLst>
           </p:cNvPr>
@@ -4958,41 +4297,156 @@
           <p:nvPr/>
         </p:nvPicPr>
         <p:blipFill>
-          <a:blip r:embed="rId6">
-            <a:extLst>
-              <a:ext uri="{28A0092B-C50C-407E-A947-70E740481C1C}">
-                <a14:useLocalDpi xmlns:a14="http://schemas.microsoft.com/office/drawing/2010/main" val="0"/>
-              </a:ext>
-            </a:extLst>
-          </a:blip>
+          <a:blip r:embed="rId4"/>
           <a:stretch>
             <a:fillRect/>
           </a:stretch>
         </p:blipFill>
         <p:spPr>
           <a:xfrm>
-            <a:off x="10264118" y="4853423"/>
-            <a:ext cx="1777242" cy="1777242"/>
+            <a:off x="3575199" y="3429000"/>
+            <a:ext cx="937368" cy="937368"/>
           </a:xfrm>
           <a:prstGeom prst="rect">
             <a:avLst/>
           </a:prstGeom>
         </p:spPr>
       </p:pic>
+      <p:pic>
+        <p:nvPicPr>
+          <p:cNvPr id="23" name="Picture 22">
+            <a:extLst>
+              <a:ext uri="{FF2B5EF4-FFF2-40B4-BE49-F238E27FC236}">
+                <a16:creationId xmlns:a16="http://schemas.microsoft.com/office/drawing/2014/main" id="{1DB05DD7-8B69-4B88-B516-F3EE1EEB46F4}"/>
+              </a:ext>
+            </a:extLst>
+          </p:cNvPr>
+          <p:cNvPicPr>
+            <a:picLocks noChangeAspect="1"/>
+          </p:cNvPicPr>
+          <p:nvPr/>
+        </p:nvPicPr>
+        <p:blipFill>
+          <a:blip r:embed="rId5"/>
+          <a:stretch>
+            <a:fillRect/>
+          </a:stretch>
+        </p:blipFill>
+        <p:spPr>
+          <a:xfrm>
+            <a:off x="7576688" y="2444859"/>
+            <a:ext cx="2965359" cy="2225945"/>
+          </a:xfrm>
+          <a:prstGeom prst="rect">
+            <a:avLst/>
+          </a:prstGeom>
+        </p:spPr>
+      </p:pic>
+      <p:sp>
+        <p:nvSpPr>
+          <p:cNvPr id="8" name="TextBox 7">
+            <a:extLst>
+              <a:ext uri="{FF2B5EF4-FFF2-40B4-BE49-F238E27FC236}">
+                <a16:creationId xmlns:a16="http://schemas.microsoft.com/office/drawing/2014/main" id="{4BBBA7F8-9483-4268-BAF8-9CCC680B13B7}"/>
+              </a:ext>
+            </a:extLst>
+          </p:cNvPr>
+          <p:cNvSpPr txBox="1"/>
+          <p:nvPr/>
+        </p:nvSpPr>
+        <p:spPr>
+          <a:xfrm>
+            <a:off x="4233580" y="3155599"/>
+            <a:ext cx="4237253" cy="769441"/>
+          </a:xfrm>
+          <a:prstGeom prst="rect">
+            <a:avLst/>
+          </a:prstGeom>
+          <a:noFill/>
+        </p:spPr>
+        <p:txBody>
+          <a:bodyPr wrap="square" rtlCol="0">
+            <a:spAutoFit/>
+          </a:bodyPr>
+          <a:lstStyle/>
+          <a:p>
+            <a:pPr algn="ctr"/>
+            <a:r>
+              <a:rPr lang="en-GB" sz="4400" b="1" dirty="0">
+                <a:ln>
+                  <a:solidFill>
+                    <a:schemeClr val="bg1"/>
+                  </a:solidFill>
+                </a:ln>
+                <a:latin typeface="Courier New" panose="02070309020205020404" pitchFamily="49" charset="0"/>
+                <a:cs typeface="Courier New" panose="02070309020205020404" pitchFamily="49" charset="0"/>
+              </a:rPr>
+              <a:t>101010010101</a:t>
+            </a:r>
+          </a:p>
+        </p:txBody>
+      </p:sp>
+      <p:pic>
+        <p:nvPicPr>
+          <p:cNvPr id="1026" name="Picture 2" descr="Microsoft Teams (int. sub-page) | Wired Relations ...">
+            <a:extLst>
+              <a:ext uri="{FF2B5EF4-FFF2-40B4-BE49-F238E27FC236}">
+                <a16:creationId xmlns:a16="http://schemas.microsoft.com/office/drawing/2014/main" id="{5F60B85A-AC7E-4194-9AC0-5A1B8E87EC44}"/>
+              </a:ext>
+            </a:extLst>
+          </p:cNvPr>
+          <p:cNvPicPr>
+            <a:picLocks noChangeAspect="1" noChangeArrowheads="1"/>
+          </p:cNvPicPr>
+          <p:nvPr/>
+        </p:nvPicPr>
+        <p:blipFill>
+          <a:blip r:embed="rId6">
+            <a:extLst>
+              <a:ext uri="{28A0092B-C50C-407E-A947-70E740481C1C}">
+                <a14:useLocalDpi xmlns:a14="http://schemas.microsoft.com/office/drawing/2010/main" val="0"/>
+              </a:ext>
+            </a:extLst>
+          </a:blip>
+          <a:srcRect/>
+          <a:stretch>
+            <a:fillRect/>
+          </a:stretch>
+        </p:blipFill>
+        <p:spPr bwMode="auto">
+          <a:xfrm>
+            <a:off x="9343372" y="2039369"/>
+            <a:ext cx="1756708" cy="1756708"/>
+          </a:xfrm>
+          <a:prstGeom prst="rect">
+            <a:avLst/>
+          </a:prstGeom>
+          <a:noFill/>
+          <a:extLst>
+            <a:ext uri="{909E8E84-426E-40DD-AFC4-6F175D3DCCD1}">
+              <a14:hiddenFill xmlns:a14="http://schemas.microsoft.com/office/drawing/2010/main">
+                <a:solidFill>
+                  <a:srgbClr val="FFFFFF"/>
+                </a:solidFill>
+              </a14:hiddenFill>
+            </a:ext>
+          </a:extLst>
+        </p:spPr>
+      </p:pic>
     </p:spTree>
     <p:extLst>
       <p:ext uri="{BB962C8B-B14F-4D97-AF65-F5344CB8AC3E}">
-        <p14:creationId xmlns:p14="http://schemas.microsoft.com/office/powerpoint/2010/main" val="3819788902"/>
+        <p14:creationId xmlns:p14="http://schemas.microsoft.com/office/powerpoint/2010/main" val="3171963091"/>
       </p:ext>
     </p:extLst>
   </p:cSld>
   <p:clrMapOvr>
-    <a:overrideClrMapping bg1="dk1" tx1="lt1" bg2="dk2" tx2="lt2" accent1="accent1" accent2="accent2" accent3="accent3" accent4="accent4" accent5="accent5" accent6="accent6" hlink="hlink" folHlink="folHlink"/>
+    <a:masterClrMapping/>
   </p:clrMapOvr>
 </p:sld>
 </file>
 
-<file path=ppt/slides/slide2.xml><?xml version="1.0" encoding="utf-8"?>
+<file path=ppt/slides/slide3.xml><?xml version="1.0" encoding="utf-8"?>
 <p:sld xmlns:a="http://schemas.openxmlformats.org/drawingml/2006/main" xmlns:r="http://schemas.openxmlformats.org/officeDocument/2006/relationships" xmlns:p="http://schemas.openxmlformats.org/presentationml/2006/main">
   <p:cSld>
     <p:spTree>
@@ -5147,15 +4601,17 @@
             <a:r>
               <a:rPr lang="en-GB" dirty="0">
                 <a:solidFill>
-                  <a:schemeClr val="bg1"/>
+                  <a:srgbClr val="FACF31"/>
                 </a:solidFill>
+                <a:latin typeface="Verdana Pro SemiBold" panose="020B0604020202020204" pitchFamily="34" charset="0"/>
               </a:rPr>
               <a:t>Arduino Starter Kit</a:t>
             </a:r>
             <a:endParaRPr lang="en-US" dirty="0">
               <a:solidFill>
-                <a:schemeClr val="bg1"/>
+                <a:srgbClr val="FACF31"/>
               </a:solidFill>
+              <a:latin typeface="Verdana Pro SemiBold" panose="020B0604020202020204" pitchFamily="34" charset="0"/>
             </a:endParaRPr>
           </a:p>
         </p:txBody>
@@ -5466,4 +4922,299 @@
     </a:ext>
   </a:extLst>
 </a:theme>
+</file>
+
+<file path=ppt/theme/theme2.xml><?xml version="1.0" encoding="utf-8"?>
+<a:theme xmlns:a="http://schemas.openxmlformats.org/drawingml/2006/main" name="Office Theme">
+  <a:themeElements>
+    <a:clrScheme name="Office">
+      <a:dk1>
+        <a:sysClr val="windowText" lastClr="000000"/>
+      </a:dk1>
+      <a:lt1>
+        <a:sysClr val="window" lastClr="FFFFFF"/>
+      </a:lt1>
+      <a:dk2>
+        <a:srgbClr val="44546A"/>
+      </a:dk2>
+      <a:lt2>
+        <a:srgbClr val="E7E6E6"/>
+      </a:lt2>
+      <a:accent1>
+        <a:srgbClr val="4472C4"/>
+      </a:accent1>
+      <a:accent2>
+        <a:srgbClr val="ED7D31"/>
+      </a:accent2>
+      <a:accent3>
+        <a:srgbClr val="A5A5A5"/>
+      </a:accent3>
+      <a:accent4>
+        <a:srgbClr val="FFC000"/>
+      </a:accent4>
+      <a:accent5>
+        <a:srgbClr val="5B9BD5"/>
+      </a:accent5>
+      <a:accent6>
+        <a:srgbClr val="70AD47"/>
+      </a:accent6>
+      <a:hlink>
+        <a:srgbClr val="0563C1"/>
+      </a:hlink>
+      <a:folHlink>
+        <a:srgbClr val="954F72"/>
+      </a:folHlink>
+    </a:clrScheme>
+    <a:fontScheme name="Office">
+      <a:majorFont>
+        <a:latin typeface="Calibri Light" panose="020F0302020204030204"/>
+        <a:ea typeface=""/>
+        <a:cs typeface=""/>
+        <a:font script="Jpan" typeface="游ゴシック Light"/>
+        <a:font script="Hang" typeface="맑은 고딕"/>
+        <a:font script="Hans" typeface="等线 Light"/>
+        <a:font script="Hant" typeface="新細明體"/>
+        <a:font script="Arab" typeface="Times New Roman"/>
+        <a:font script="Hebr" typeface="Times New Roman"/>
+        <a:font script="Thai" typeface="Angsana New"/>
+        <a:font script="Ethi" typeface="Nyala"/>
+        <a:font script="Beng" typeface="Vrinda"/>
+        <a:font script="Gujr" typeface="Shruti"/>
+        <a:font script="Khmr" typeface="MoolBoran"/>
+        <a:font script="Knda" typeface="Tunga"/>
+        <a:font script="Guru" typeface="Raavi"/>
+        <a:font script="Cans" typeface="Euphemia"/>
+        <a:font script="Cher" typeface="Plantagenet Cherokee"/>
+        <a:font script="Yiii" typeface="Microsoft Yi Baiti"/>
+        <a:font script="Tibt" typeface="Microsoft Himalaya"/>
+        <a:font script="Thaa" typeface="MV Boli"/>
+        <a:font script="Deva" typeface="Mangal"/>
+        <a:font script="Telu" typeface="Gautami"/>
+        <a:font script="Taml" typeface="Latha"/>
+        <a:font script="Syrc" typeface="Estrangelo Edessa"/>
+        <a:font script="Orya" typeface="Kalinga"/>
+        <a:font script="Mlym" typeface="Kartika"/>
+        <a:font script="Laoo" typeface="DokChampa"/>
+        <a:font script="Sinh" typeface="Iskoola Pota"/>
+        <a:font script="Mong" typeface="Mongolian Baiti"/>
+        <a:font script="Viet" typeface="Times New Roman"/>
+        <a:font script="Uigh" typeface="Microsoft Uighur"/>
+        <a:font script="Geor" typeface="Sylfaen"/>
+        <a:font script="Armn" typeface="Arial"/>
+        <a:font script="Bugi" typeface="Leelawadee UI"/>
+        <a:font script="Bopo" typeface="Microsoft JhengHei"/>
+        <a:font script="Java" typeface="Javanese Text"/>
+        <a:font script="Lisu" typeface="Segoe UI"/>
+        <a:font script="Mymr" typeface="Myanmar Text"/>
+        <a:font script="Nkoo" typeface="Ebrima"/>
+        <a:font script="Olck" typeface="Nirmala UI"/>
+        <a:font script="Osma" typeface="Ebrima"/>
+        <a:font script="Phag" typeface="Phagspa"/>
+        <a:font script="Syrn" typeface="Estrangelo Edessa"/>
+        <a:font script="Syrj" typeface="Estrangelo Edessa"/>
+        <a:font script="Syre" typeface="Estrangelo Edessa"/>
+        <a:font script="Sora" typeface="Nirmala UI"/>
+        <a:font script="Tale" typeface="Microsoft Tai Le"/>
+        <a:font script="Talu" typeface="Microsoft New Tai Lue"/>
+        <a:font script="Tfng" typeface="Ebrima"/>
+      </a:majorFont>
+      <a:minorFont>
+        <a:latin typeface="Calibri" panose="020F0502020204030204"/>
+        <a:ea typeface=""/>
+        <a:cs typeface=""/>
+        <a:font script="Jpan" typeface="游ゴシック"/>
+        <a:font script="Hang" typeface="맑은 고딕"/>
+        <a:font script="Hans" typeface="等线"/>
+        <a:font script="Hant" typeface="新細明體"/>
+        <a:font script="Arab" typeface="Arial"/>
+        <a:font script="Hebr" typeface="Arial"/>
+        <a:font script="Thai" typeface="Cordia New"/>
+        <a:font script="Ethi" typeface="Nyala"/>
+        <a:font script="Beng" typeface="Vrinda"/>
+        <a:font script="Gujr" typeface="Shruti"/>
+        <a:font script="Khmr" typeface="DaunPenh"/>
+        <a:font script="Knda" typeface="Tunga"/>
+        <a:font script="Guru" typeface="Raavi"/>
+        <a:font script="Cans" typeface="Euphemia"/>
+        <a:font script="Cher" typeface="Plantagenet Cherokee"/>
+        <a:font script="Yiii" typeface="Microsoft Yi Baiti"/>
+        <a:font script="Tibt" typeface="Microsoft Himalaya"/>
+        <a:font script="Thaa" typeface="MV Boli"/>
+        <a:font script="Deva" typeface="Mangal"/>
+        <a:font script="Telu" typeface="Gautami"/>
+        <a:font script="Taml" typeface="Latha"/>
+        <a:font script="Syrc" typeface="Estrangelo Edessa"/>
+        <a:font script="Orya" typeface="Kalinga"/>
+        <a:font script="Mlym" typeface="Kartika"/>
+        <a:font script="Laoo" typeface="DokChampa"/>
+        <a:font script="Sinh" typeface="Iskoola Pota"/>
+        <a:font script="Mong" typeface="Mongolian Baiti"/>
+        <a:font script="Viet" typeface="Arial"/>
+        <a:font script="Uigh" typeface="Microsoft Uighur"/>
+        <a:font script="Geor" typeface="Sylfaen"/>
+        <a:font script="Armn" typeface="Arial"/>
+        <a:font script="Bugi" typeface="Leelawadee UI"/>
+        <a:font script="Bopo" typeface="Microsoft JhengHei"/>
+        <a:font script="Java" typeface="Javanese Text"/>
+        <a:font script="Lisu" typeface="Segoe UI"/>
+        <a:font script="Mymr" typeface="Myanmar Text"/>
+        <a:font script="Nkoo" typeface="Ebrima"/>
+        <a:font script="Olck" typeface="Nirmala UI"/>
+        <a:font script="Osma" typeface="Ebrima"/>
+        <a:font script="Phag" typeface="Phagspa"/>
+        <a:font script="Syrn" typeface="Estrangelo Edessa"/>
+        <a:font script="Syrj" typeface="Estrangelo Edessa"/>
+        <a:font script="Syre" typeface="Estrangelo Edessa"/>
+        <a:font script="Sora" typeface="Nirmala UI"/>
+        <a:font script="Tale" typeface="Microsoft Tai Le"/>
+        <a:font script="Talu" typeface="Microsoft New Tai Lue"/>
+        <a:font script="Tfng" typeface="Ebrima"/>
+      </a:minorFont>
+    </a:fontScheme>
+    <a:fmtScheme name="Office">
+      <a:fillStyleLst>
+        <a:solidFill>
+          <a:schemeClr val="phClr"/>
+        </a:solidFill>
+        <a:gradFill rotWithShape="1">
+          <a:gsLst>
+            <a:gs pos="0">
+              <a:schemeClr val="phClr">
+                <a:lumMod val="110000"/>
+                <a:satMod val="105000"/>
+                <a:tint val="67000"/>
+              </a:schemeClr>
+            </a:gs>
+            <a:gs pos="50000">
+              <a:schemeClr val="phClr">
+                <a:lumMod val="105000"/>
+                <a:satMod val="103000"/>
+                <a:tint val="73000"/>
+              </a:schemeClr>
+            </a:gs>
+            <a:gs pos="100000">
+              <a:schemeClr val="phClr">
+                <a:lumMod val="105000"/>
+                <a:satMod val="109000"/>
+                <a:tint val="81000"/>
+              </a:schemeClr>
+            </a:gs>
+          </a:gsLst>
+          <a:lin ang="5400000" scaled="0"/>
+        </a:gradFill>
+        <a:gradFill rotWithShape="1">
+          <a:gsLst>
+            <a:gs pos="0">
+              <a:schemeClr val="phClr">
+                <a:satMod val="103000"/>
+                <a:lumMod val="102000"/>
+                <a:tint val="94000"/>
+              </a:schemeClr>
+            </a:gs>
+            <a:gs pos="50000">
+              <a:schemeClr val="phClr">
+                <a:satMod val="110000"/>
+                <a:lumMod val="100000"/>
+                <a:shade val="100000"/>
+              </a:schemeClr>
+            </a:gs>
+            <a:gs pos="100000">
+              <a:schemeClr val="phClr">
+                <a:lumMod val="99000"/>
+                <a:satMod val="120000"/>
+                <a:shade val="78000"/>
+              </a:schemeClr>
+            </a:gs>
+          </a:gsLst>
+          <a:lin ang="5400000" scaled="0"/>
+        </a:gradFill>
+      </a:fillStyleLst>
+      <a:lnStyleLst>
+        <a:ln w="6350" cap="flat" cmpd="sng" algn="ctr">
+          <a:solidFill>
+            <a:schemeClr val="phClr"/>
+          </a:solidFill>
+          <a:prstDash val="solid"/>
+          <a:miter lim="800000"/>
+        </a:ln>
+        <a:ln w="12700" cap="flat" cmpd="sng" algn="ctr">
+          <a:solidFill>
+            <a:schemeClr val="phClr"/>
+          </a:solidFill>
+          <a:prstDash val="solid"/>
+          <a:miter lim="800000"/>
+        </a:ln>
+        <a:ln w="19050" cap="flat" cmpd="sng" algn="ctr">
+          <a:solidFill>
+            <a:schemeClr val="phClr"/>
+          </a:solidFill>
+          <a:prstDash val="solid"/>
+          <a:miter lim="800000"/>
+        </a:ln>
+      </a:lnStyleLst>
+      <a:effectStyleLst>
+        <a:effectStyle>
+          <a:effectLst/>
+        </a:effectStyle>
+        <a:effectStyle>
+          <a:effectLst/>
+        </a:effectStyle>
+        <a:effectStyle>
+          <a:effectLst>
+            <a:outerShdw blurRad="57150" dist="19050" dir="5400000" algn="ctr" rotWithShape="0">
+              <a:srgbClr val="000000">
+                <a:alpha val="63000"/>
+              </a:srgbClr>
+            </a:outerShdw>
+          </a:effectLst>
+        </a:effectStyle>
+      </a:effectStyleLst>
+      <a:bgFillStyleLst>
+        <a:solidFill>
+          <a:schemeClr val="phClr"/>
+        </a:solidFill>
+        <a:solidFill>
+          <a:schemeClr val="phClr">
+            <a:tint val="95000"/>
+            <a:satMod val="170000"/>
+          </a:schemeClr>
+        </a:solidFill>
+        <a:gradFill rotWithShape="1">
+          <a:gsLst>
+            <a:gs pos="0">
+              <a:schemeClr val="phClr">
+                <a:tint val="93000"/>
+                <a:satMod val="150000"/>
+                <a:shade val="98000"/>
+                <a:lumMod val="102000"/>
+              </a:schemeClr>
+            </a:gs>
+            <a:gs pos="50000">
+              <a:schemeClr val="phClr">
+                <a:tint val="98000"/>
+                <a:satMod val="130000"/>
+                <a:shade val="90000"/>
+                <a:lumMod val="103000"/>
+              </a:schemeClr>
+            </a:gs>
+            <a:gs pos="100000">
+              <a:schemeClr val="phClr">
+                <a:shade val="63000"/>
+                <a:satMod val="120000"/>
+              </a:schemeClr>
+            </a:gs>
+          </a:gsLst>
+          <a:lin ang="5400000" scaled="0"/>
+        </a:gradFill>
+      </a:bgFillStyleLst>
+    </a:fmtScheme>
+  </a:themeElements>
+  <a:objectDefaults/>
+  <a:extraClrSchemeLst/>
+  <a:extLst>
+    <a:ext uri="{05A4C25C-085E-4340-85A3-A5531E510DB2}">
+      <thm15:themeFamily xmlns:thm15="http://schemas.microsoft.com/office/thememl/2012/main" name="Office Theme" id="{62F939B6-93AF-4DB8-9C6B-D6C7DFDC589F}" vid="{4A3C46E8-61CC-4603-A589-7422A47A8E4A}"/>
+    </a:ext>
+  </a:extLst>
+</a:theme>
 </file>
--- a/docs/Teams Sucks Presentation.pptx
+++ b/docs/Teams Sucks Presentation.pptx
@@ -5,12 +5,19 @@
     <p:sldMasterId id="2147483648" r:id="rId1"/>
   </p:sldMasterIdLst>
   <p:notesMasterIdLst>
-    <p:notesMasterId r:id="rId5"/>
+    <p:notesMasterId r:id="rId12"/>
   </p:notesMasterIdLst>
   <p:sldIdLst>
     <p:sldId id="259" r:id="rId2"/>
     <p:sldId id="261" r:id="rId3"/>
-    <p:sldId id="257" r:id="rId4"/>
+    <p:sldId id="264" r:id="rId4"/>
+    <p:sldId id="265" r:id="rId5"/>
+    <p:sldId id="269" r:id="rId6"/>
+    <p:sldId id="266" r:id="rId7"/>
+    <p:sldId id="267" r:id="rId8"/>
+    <p:sldId id="268" r:id="rId9"/>
+    <p:sldId id="263" r:id="rId10"/>
+    <p:sldId id="262" r:id="rId11"/>
   </p:sldIdLst>
   <p:sldSz cx="12192000" cy="6858000"/>
   <p:notesSz cx="6858000" cy="9144000"/>
@@ -202,7 +209,7 @@
           <a:p>
             <a:fld id="{C6C66F06-FD86-4B63-A3AA-4EDEBB791BA9}" type="datetimeFigureOut">
               <a:rPr lang="en-GB" smtClean="0"/>
-              <a:t>27/01/2022</a:t>
+              <a:t>28/01/2022</a:t>
             </a:fld>
             <a:endParaRPr lang="en-GB"/>
           </a:p>
@@ -726,7 +733,7 @@
           <a:p>
             <a:fld id="{8857C0AE-C8A8-4DE6-9322-18FE594FF65F}" type="datetimeFigureOut">
               <a:rPr lang="en-US" smtClean="0"/>
-              <a:t>1/27/2022</a:t>
+              <a:t>1/28/2022</a:t>
             </a:fld>
             <a:endParaRPr lang="en-US"/>
           </a:p>
@@ -934,7 +941,7 @@
           <a:p>
             <a:fld id="{8857C0AE-C8A8-4DE6-9322-18FE594FF65F}" type="datetimeFigureOut">
               <a:rPr lang="en-US" smtClean="0"/>
-              <a:t>1/27/2022</a:t>
+              <a:t>1/28/2022</a:t>
             </a:fld>
             <a:endParaRPr lang="en-US"/>
           </a:p>
@@ -1448,7 +1455,7 @@
           <a:p>
             <a:fld id="{8857C0AE-C8A8-4DE6-9322-18FE594FF65F}" type="datetimeFigureOut">
               <a:rPr lang="en-US" smtClean="0"/>
-              <a:t>1/27/2022</a:t>
+              <a:t>1/28/2022</a:t>
             </a:fld>
             <a:endParaRPr lang="en-US"/>
           </a:p>
@@ -1713,7 +1720,7 @@
           <a:p>
             <a:fld id="{8857C0AE-C8A8-4DE6-9322-18FE594FF65F}" type="datetimeFigureOut">
               <a:rPr lang="en-US" smtClean="0"/>
-              <a:t>1/27/2022</a:t>
+              <a:t>1/28/2022</a:t>
             </a:fld>
             <a:endParaRPr lang="en-US"/>
           </a:p>
@@ -2125,7 +2132,7 @@
           <a:p>
             <a:fld id="{8857C0AE-C8A8-4DE6-9322-18FE594FF65F}" type="datetimeFigureOut">
               <a:rPr lang="en-US" smtClean="0"/>
-              <a:t>1/27/2022</a:t>
+              <a:t>1/28/2022</a:t>
             </a:fld>
             <a:endParaRPr lang="en-US"/>
           </a:p>
@@ -2266,7 +2273,7 @@
           <a:p>
             <a:fld id="{8857C0AE-C8A8-4DE6-9322-18FE594FF65F}" type="datetimeFigureOut">
               <a:rPr lang="en-US" smtClean="0"/>
-              <a:t>1/27/2022</a:t>
+              <a:t>1/28/2022</a:t>
             </a:fld>
             <a:endParaRPr lang="en-US"/>
           </a:p>
@@ -2379,7 +2386,7 @@
           <a:p>
             <a:fld id="{8857C0AE-C8A8-4DE6-9322-18FE594FF65F}" type="datetimeFigureOut">
               <a:rPr lang="en-US" smtClean="0"/>
-              <a:t>1/27/2022</a:t>
+              <a:t>1/28/2022</a:t>
             </a:fld>
             <a:endParaRPr lang="en-US"/>
           </a:p>
@@ -2690,7 +2697,7 @@
           <a:p>
             <a:fld id="{8857C0AE-C8A8-4DE6-9322-18FE594FF65F}" type="datetimeFigureOut">
               <a:rPr lang="en-US" smtClean="0"/>
-              <a:t>1/27/2022</a:t>
+              <a:t>1/28/2022</a:t>
             </a:fld>
             <a:endParaRPr lang="en-US"/>
           </a:p>
@@ -2978,7 +2985,7 @@
           <a:p>
             <a:fld id="{8857C0AE-C8A8-4DE6-9322-18FE594FF65F}" type="datetimeFigureOut">
               <a:rPr lang="en-US" smtClean="0"/>
-              <a:t>1/27/2022</a:t>
+              <a:t>1/28/2022</a:t>
             </a:fld>
             <a:endParaRPr lang="en-US"/>
           </a:p>
@@ -3219,7 +3226,7 @@
           <a:p>
             <a:fld id="{8857C0AE-C8A8-4DE6-9322-18FE594FF65F}" type="datetimeFigureOut">
               <a:rPr lang="en-US" smtClean="0"/>
-              <a:t>1/27/2022</a:t>
+              <a:t>1/28/2022</a:t>
             </a:fld>
             <a:endParaRPr lang="en-US"/>
           </a:p>
@@ -3658,7 +3665,7 @@
         </p:blipFill>
         <p:spPr>
           <a:xfrm rot="16200000">
-            <a:off x="2309811" y="-2804749"/>
+            <a:off x="2316596" y="-2316596"/>
             <a:ext cx="7565593" cy="12198785"/>
           </a:xfrm>
           <a:prstGeom prst="rect">
@@ -3845,6 +3852,377 @@
     <p:extLst>
       <p:ext uri="{BB962C8B-B14F-4D97-AF65-F5344CB8AC3E}">
         <p14:creationId xmlns:p14="http://schemas.microsoft.com/office/powerpoint/2010/main" val="2866996260"/>
+      </p:ext>
+    </p:extLst>
+  </p:cSld>
+  <p:clrMapOvr>
+    <a:masterClrMapping/>
+  </p:clrMapOvr>
+</p:sld>
+</file>
+
+<file path=ppt/slides/slide10.xml><?xml version="1.0" encoding="utf-8"?>
+<p:sld xmlns:a="http://schemas.openxmlformats.org/drawingml/2006/main" xmlns:r="http://schemas.openxmlformats.org/officeDocument/2006/relationships" xmlns:p="http://schemas.openxmlformats.org/presentationml/2006/main">
+  <p:cSld>
+    <p:spTree>
+      <p:nvGrpSpPr>
+        <p:cNvPr id="1" name=""/>
+        <p:cNvGrpSpPr/>
+        <p:nvPr/>
+      </p:nvGrpSpPr>
+      <p:grpSpPr>
+        <a:xfrm>
+          <a:off x="0" y="0"/>
+          <a:ext cx="0" cy="0"/>
+          <a:chOff x="0" y="0"/>
+          <a:chExt cx="0" cy="0"/>
+        </a:xfrm>
+      </p:grpSpPr>
+      <p:sp>
+        <p:nvSpPr>
+          <p:cNvPr id="2" name="Title 1">
+            <a:extLst>
+              <a:ext uri="{FF2B5EF4-FFF2-40B4-BE49-F238E27FC236}">
+                <a16:creationId xmlns:a16="http://schemas.microsoft.com/office/drawing/2014/main" id="{A5B4A7EC-5056-4840-98E5-7E09C3B8A76B}"/>
+              </a:ext>
+            </a:extLst>
+          </p:cNvPr>
+          <p:cNvSpPr>
+            <a:spLocks noGrp="1"/>
+          </p:cNvSpPr>
+          <p:nvPr>
+            <p:ph type="title"/>
+          </p:nvPr>
+        </p:nvSpPr>
+        <p:spPr/>
+        <p:txBody>
+          <a:bodyPr/>
+          <a:lstStyle/>
+          <a:p>
+            <a:r>
+              <a:rPr lang="en-GB" dirty="0"/>
+              <a:t>Try Yourself? </a:t>
+            </a:r>
+            <a:endParaRPr lang="en-US" dirty="0"/>
+          </a:p>
+        </p:txBody>
+      </p:sp>
+      <p:pic>
+        <p:nvPicPr>
+          <p:cNvPr id="4" name="Picture 3" descr="A picture containing graphical user interface&#10;&#10;Description automatically generated">
+            <a:extLst>
+              <a:ext uri="{FF2B5EF4-FFF2-40B4-BE49-F238E27FC236}">
+                <a16:creationId xmlns:a16="http://schemas.microsoft.com/office/drawing/2014/main" id="{50E737C2-077F-4C27-B733-E490A1241E33}"/>
+              </a:ext>
+            </a:extLst>
+          </p:cNvPr>
+          <p:cNvPicPr>
+            <a:picLocks noChangeAspect="1"/>
+          </p:cNvPicPr>
+          <p:nvPr/>
+        </p:nvPicPr>
+        <p:blipFill>
+          <a:blip r:embed="rId2">
+            <a:extLst>
+              <a:ext uri="{28A0092B-C50C-407E-A947-70E740481C1C}">
+                <a14:useLocalDpi xmlns:a14="http://schemas.microsoft.com/office/drawing/2010/main" val="0"/>
+              </a:ext>
+            </a:extLst>
+          </a:blip>
+          <a:stretch>
+            <a:fillRect/>
+          </a:stretch>
+        </p:blipFill>
+        <p:spPr>
+          <a:xfrm>
+            <a:off x="2481858" y="679718"/>
+            <a:ext cx="7216666" cy="5614566"/>
+          </a:xfrm>
+          <a:prstGeom prst="rect">
+            <a:avLst/>
+          </a:prstGeom>
+        </p:spPr>
+      </p:pic>
+      <p:sp>
+        <p:nvSpPr>
+          <p:cNvPr id="5" name="Title 1">
+            <a:extLst>
+              <a:ext uri="{FF2B5EF4-FFF2-40B4-BE49-F238E27FC236}">
+                <a16:creationId xmlns:a16="http://schemas.microsoft.com/office/drawing/2014/main" id="{EC86B9E1-D890-4965-83BE-F27C5222D557}"/>
+              </a:ext>
+            </a:extLst>
+          </p:cNvPr>
+          <p:cNvSpPr txBox="1">
+            <a:spLocks/>
+          </p:cNvSpPr>
+          <p:nvPr/>
+        </p:nvSpPr>
+        <p:spPr>
+          <a:xfrm>
+            <a:off x="8987415" y="1257787"/>
+            <a:ext cx="1422219" cy="480131"/>
+          </a:xfrm>
+          <a:prstGeom prst="rect">
+            <a:avLst/>
+          </a:prstGeom>
+          <a:solidFill>
+            <a:srgbClr val="03849A"/>
+          </a:solidFill>
+        </p:spPr>
+        <p:txBody>
+          <a:bodyPr vert="horz" wrap="square" lIns="91440" tIns="45720" rIns="91440" bIns="45720" rtlCol="0" anchor="t">
+            <a:spAutoFit/>
+          </a:bodyPr>
+          <a:lstStyle>
+            <a:lvl1pPr algn="ctr" defTabSz="914400" rtl="0" eaLnBrk="1" latinLnBrk="0" hangingPunct="1">
+              <a:lnSpc>
+                <a:spcPct val="90000"/>
+              </a:lnSpc>
+              <a:spcBef>
+                <a:spcPct val="0"/>
+              </a:spcBef>
+              <a:buNone/>
+              <a:defRPr sz="6000" kern="1200">
+                <a:solidFill>
+                  <a:schemeClr val="tx1"/>
+                </a:solidFill>
+                <a:latin typeface="+mj-lt"/>
+                <a:ea typeface="+mj-ea"/>
+                <a:cs typeface="+mj-cs"/>
+              </a:defRPr>
+            </a:lvl1pPr>
+          </a:lstStyle>
+          <a:p>
+            <a:pPr algn="l"/>
+            <a:r>
+              <a:rPr lang="en-GB" sz="2800" dirty="0">
+                <a:solidFill>
+                  <a:schemeClr val="bg1"/>
+                </a:solidFill>
+                <a:latin typeface="Verdana Pro Cond SemiBold" panose="020B0604020202020204" pitchFamily="34" charset="0"/>
+              </a:rPr>
+              <a:t>Arduino</a:t>
+            </a:r>
+            <a:endParaRPr lang="en-US" sz="2800" dirty="0">
+              <a:solidFill>
+                <a:schemeClr val="bg1"/>
+              </a:solidFill>
+              <a:latin typeface="Verdana Pro Cond SemiBold" panose="020B0604020202020204" pitchFamily="34" charset="0"/>
+            </a:endParaRPr>
+          </a:p>
+        </p:txBody>
+      </p:sp>
+      <p:sp>
+        <p:nvSpPr>
+          <p:cNvPr id="6" name="Title 1">
+            <a:extLst>
+              <a:ext uri="{FF2B5EF4-FFF2-40B4-BE49-F238E27FC236}">
+                <a16:creationId xmlns:a16="http://schemas.microsoft.com/office/drawing/2014/main" id="{3265EAA9-E88B-4846-BD80-0F823AFF6606}"/>
+              </a:ext>
+            </a:extLst>
+          </p:cNvPr>
+          <p:cNvSpPr txBox="1">
+            <a:spLocks/>
+          </p:cNvSpPr>
+          <p:nvPr/>
+        </p:nvSpPr>
+        <p:spPr>
+          <a:xfrm>
+            <a:off x="8996160" y="1835856"/>
+            <a:ext cx="1324999" cy="480131"/>
+          </a:xfrm>
+          <a:prstGeom prst="rect">
+            <a:avLst/>
+          </a:prstGeom>
+          <a:solidFill>
+            <a:srgbClr val="03849A"/>
+          </a:solidFill>
+        </p:spPr>
+        <p:txBody>
+          <a:bodyPr vert="horz" wrap="square" lIns="91440" tIns="45720" rIns="91440" bIns="45720" rtlCol="0" anchor="t">
+            <a:spAutoFit/>
+          </a:bodyPr>
+          <a:lstStyle>
+            <a:lvl1pPr algn="ctr" defTabSz="914400" rtl="0" eaLnBrk="1" latinLnBrk="0" hangingPunct="1">
+              <a:lnSpc>
+                <a:spcPct val="90000"/>
+              </a:lnSpc>
+              <a:spcBef>
+                <a:spcPct val="0"/>
+              </a:spcBef>
+              <a:buNone/>
+              <a:defRPr sz="6000" kern="1200">
+                <a:solidFill>
+                  <a:schemeClr val="tx1"/>
+                </a:solidFill>
+                <a:latin typeface="+mj-lt"/>
+                <a:ea typeface="+mj-ea"/>
+                <a:cs typeface="+mj-cs"/>
+              </a:defRPr>
+            </a:lvl1pPr>
+          </a:lstStyle>
+          <a:p>
+            <a:pPr algn="l"/>
+            <a:r>
+              <a:rPr lang="en-GB" sz="2800" dirty="0">
+                <a:solidFill>
+                  <a:schemeClr val="bg1"/>
+                </a:solidFill>
+                <a:latin typeface="Verdana Pro Cond SemiBold" panose="020B0604020202020204" pitchFamily="34" charset="0"/>
+              </a:rPr>
+              <a:t>Starter</a:t>
+            </a:r>
+            <a:endParaRPr lang="en-US" sz="2800" dirty="0">
+              <a:solidFill>
+                <a:schemeClr val="bg1"/>
+              </a:solidFill>
+              <a:latin typeface="Verdana Pro Cond SemiBold" panose="020B0604020202020204" pitchFamily="34" charset="0"/>
+            </a:endParaRPr>
+          </a:p>
+        </p:txBody>
+      </p:sp>
+      <p:sp>
+        <p:nvSpPr>
+          <p:cNvPr id="7" name="Title 1">
+            <a:extLst>
+              <a:ext uri="{FF2B5EF4-FFF2-40B4-BE49-F238E27FC236}">
+                <a16:creationId xmlns:a16="http://schemas.microsoft.com/office/drawing/2014/main" id="{973E3B18-A66E-45BC-9ABD-EF22884E2188}"/>
+              </a:ext>
+            </a:extLst>
+          </p:cNvPr>
+          <p:cNvSpPr txBox="1">
+            <a:spLocks/>
+          </p:cNvSpPr>
+          <p:nvPr/>
+        </p:nvSpPr>
+        <p:spPr>
+          <a:xfrm>
+            <a:off x="9006773" y="2413925"/>
+            <a:ext cx="691751" cy="480131"/>
+          </a:xfrm>
+          <a:prstGeom prst="rect">
+            <a:avLst/>
+          </a:prstGeom>
+          <a:solidFill>
+            <a:srgbClr val="03849A"/>
+          </a:solidFill>
+        </p:spPr>
+        <p:txBody>
+          <a:bodyPr vert="horz" wrap="square" lIns="91440" tIns="45720" rIns="91440" bIns="45720" rtlCol="0" anchor="t">
+            <a:spAutoFit/>
+          </a:bodyPr>
+          <a:lstStyle>
+            <a:lvl1pPr algn="ctr" defTabSz="914400" rtl="0" eaLnBrk="1" latinLnBrk="0" hangingPunct="1">
+              <a:lnSpc>
+                <a:spcPct val="90000"/>
+              </a:lnSpc>
+              <a:spcBef>
+                <a:spcPct val="0"/>
+              </a:spcBef>
+              <a:buNone/>
+              <a:defRPr sz="6000" kern="1200">
+                <a:solidFill>
+                  <a:schemeClr val="tx1"/>
+                </a:solidFill>
+                <a:latin typeface="+mj-lt"/>
+                <a:ea typeface="+mj-ea"/>
+                <a:cs typeface="+mj-cs"/>
+              </a:defRPr>
+            </a:lvl1pPr>
+          </a:lstStyle>
+          <a:p>
+            <a:pPr algn="l"/>
+            <a:r>
+              <a:rPr lang="en-GB" sz="2800" dirty="0">
+                <a:solidFill>
+                  <a:schemeClr val="bg1"/>
+                </a:solidFill>
+                <a:latin typeface="Verdana Pro Cond SemiBold" panose="020B0604020202020204" pitchFamily="34" charset="0"/>
+              </a:rPr>
+              <a:t>Kit</a:t>
+            </a:r>
+            <a:endParaRPr lang="en-US" sz="2800" dirty="0">
+              <a:solidFill>
+                <a:schemeClr val="bg1"/>
+              </a:solidFill>
+              <a:latin typeface="Verdana Pro Cond SemiBold" panose="020B0604020202020204" pitchFamily="34" charset="0"/>
+            </a:endParaRPr>
+          </a:p>
+        </p:txBody>
+      </p:sp>
+      <p:sp>
+        <p:nvSpPr>
+          <p:cNvPr id="8" name="Title 1">
+            <a:extLst>
+              <a:ext uri="{FF2B5EF4-FFF2-40B4-BE49-F238E27FC236}">
+                <a16:creationId xmlns:a16="http://schemas.microsoft.com/office/drawing/2014/main" id="{F8C9F513-C3EB-4E16-8C43-94BED0CF3ADB}"/>
+              </a:ext>
+            </a:extLst>
+          </p:cNvPr>
+          <p:cNvSpPr txBox="1">
+            <a:spLocks/>
+          </p:cNvSpPr>
+          <p:nvPr/>
+        </p:nvSpPr>
+        <p:spPr>
+          <a:xfrm>
+            <a:off x="8975141" y="679718"/>
+            <a:ext cx="831012" cy="480131"/>
+          </a:xfrm>
+          <a:prstGeom prst="rect">
+            <a:avLst/>
+          </a:prstGeom>
+          <a:solidFill>
+            <a:srgbClr val="03849A"/>
+          </a:solidFill>
+        </p:spPr>
+        <p:txBody>
+          <a:bodyPr vert="horz" wrap="square" lIns="91440" tIns="45720" rIns="91440" bIns="45720" rtlCol="0" anchor="t">
+            <a:spAutoFit/>
+          </a:bodyPr>
+          <a:lstStyle>
+            <a:lvl1pPr algn="ctr" defTabSz="914400" rtl="0" eaLnBrk="1" latinLnBrk="0" hangingPunct="1">
+              <a:lnSpc>
+                <a:spcPct val="90000"/>
+              </a:lnSpc>
+              <a:spcBef>
+                <a:spcPct val="0"/>
+              </a:spcBef>
+              <a:buNone/>
+              <a:defRPr sz="6000" kern="1200">
+                <a:solidFill>
+                  <a:schemeClr val="tx1"/>
+                </a:solidFill>
+                <a:latin typeface="+mj-lt"/>
+                <a:ea typeface="+mj-ea"/>
+                <a:cs typeface="+mj-cs"/>
+              </a:defRPr>
+            </a:lvl1pPr>
+          </a:lstStyle>
+          <a:p>
+            <a:pPr algn="l"/>
+            <a:r>
+              <a:rPr lang="en-GB" sz="2800" dirty="0">
+                <a:solidFill>
+                  <a:schemeClr val="bg1"/>
+                </a:solidFill>
+                <a:latin typeface="Verdana Pro Cond SemiBold" panose="020B0604020202020204" pitchFamily="34" charset="0"/>
+              </a:rPr>
+              <a:t>The</a:t>
+            </a:r>
+            <a:endParaRPr lang="en-US" sz="2800" dirty="0">
+              <a:solidFill>
+                <a:schemeClr val="bg1"/>
+              </a:solidFill>
+              <a:latin typeface="Verdana Pro Cond SemiBold" panose="020B0604020202020204" pitchFamily="34" charset="0"/>
+            </a:endParaRPr>
+          </a:p>
+        </p:txBody>
+      </p:sp>
+    </p:spTree>
+    <p:extLst>
+      <p:ext uri="{BB962C8B-B14F-4D97-AF65-F5344CB8AC3E}">
+        <p14:creationId xmlns:p14="http://schemas.microsoft.com/office/powerpoint/2010/main" val="3850030483"/>
       </p:ext>
     </p:extLst>
   </p:cSld>
@@ -3885,7 +4263,7 @@
         </p:nvSpPr>
         <p:spPr>
           <a:xfrm>
-            <a:off x="865803" y="1640540"/>
+            <a:off x="920983" y="1388292"/>
             <a:ext cx="3898491" cy="3834582"/>
           </a:xfrm>
           <a:prstGeom prst="rect">
@@ -3965,7 +4343,7 @@
         </p:nvGrpSpPr>
         <p:grpSpPr>
           <a:xfrm>
-            <a:off x="5918764" y="2668012"/>
+            <a:off x="5973944" y="2415764"/>
             <a:ext cx="1164331" cy="1623168"/>
             <a:chOff x="6096000" y="3681382"/>
             <a:chExt cx="876779" cy="1195717"/>
@@ -4065,7 +4443,7 @@
         </p:nvSpPr>
         <p:spPr>
           <a:xfrm>
-            <a:off x="988964" y="4509508"/>
+            <a:off x="1044144" y="4257260"/>
             <a:ext cx="1261884" cy="707886"/>
           </a:xfrm>
           <a:prstGeom prst="rect">
@@ -4112,7 +4490,7 @@
         </p:nvSpPr>
         <p:spPr>
           <a:xfrm>
-            <a:off x="2340235" y="4543921"/>
+            <a:off x="2395415" y="4291673"/>
             <a:ext cx="1107996" cy="707886"/>
           </a:xfrm>
           <a:prstGeom prst="rect">
@@ -4159,7 +4537,7 @@
         </p:nvSpPr>
         <p:spPr>
           <a:xfrm>
-            <a:off x="3578509" y="4543921"/>
+            <a:off x="3633689" y="4291673"/>
             <a:ext cx="1107996" cy="707886"/>
           </a:xfrm>
           <a:prstGeom prst="rect">
@@ -4214,7 +4592,7 @@
         </p:blipFill>
         <p:spPr>
           <a:xfrm>
-            <a:off x="1377586" y="1944444"/>
+            <a:off x="1432766" y="1692196"/>
             <a:ext cx="2800250" cy="1250721"/>
           </a:xfrm>
           <a:prstGeom prst="rect">
@@ -4244,7 +4622,7 @@
         </p:blipFill>
         <p:spPr>
           <a:xfrm>
-            <a:off x="1091920" y="3429000"/>
+            <a:off x="1147100" y="3176752"/>
             <a:ext cx="937368" cy="937368"/>
           </a:xfrm>
           <a:prstGeom prst="rect">
@@ -4274,7 +4652,7 @@
         </p:blipFill>
         <p:spPr>
           <a:xfrm>
-            <a:off x="2333559" y="3429000"/>
+            <a:off x="2388739" y="3176752"/>
             <a:ext cx="937368" cy="937368"/>
           </a:xfrm>
           <a:prstGeom prst="rect">
@@ -4304,7 +4682,7 @@
         </p:blipFill>
         <p:spPr>
           <a:xfrm>
-            <a:off x="3575199" y="3429000"/>
+            <a:off x="3630379" y="3176752"/>
             <a:ext cx="937368" cy="937368"/>
           </a:xfrm>
           <a:prstGeom prst="rect">
@@ -4334,7 +4712,7 @@
         </p:blipFill>
         <p:spPr>
           <a:xfrm>
-            <a:off x="7576688" y="2444859"/>
+            <a:off x="7639751" y="2113783"/>
             <a:ext cx="2965359" cy="2225945"/>
           </a:xfrm>
           <a:prstGeom prst="rect">
@@ -4356,7 +4734,7 @@
         </p:nvSpPr>
         <p:spPr>
           <a:xfrm>
-            <a:off x="4233580" y="3155599"/>
+            <a:off x="4336057" y="2808758"/>
             <a:ext cx="4237253" cy="769441"/>
           </a:xfrm>
           <a:prstGeom prst="rect">
@@ -4415,8 +4793,8 @@
         </p:blipFill>
         <p:spPr bwMode="auto">
           <a:xfrm>
-            <a:off x="9343372" y="2039369"/>
-            <a:ext cx="1756708" cy="1756708"/>
+            <a:off x="9327607" y="1868214"/>
+            <a:ext cx="1470663" cy="1470663"/>
           </a:xfrm>
           <a:prstGeom prst="rect">
             <a:avLst/>
@@ -4433,6 +4811,420 @@
           </a:extLst>
         </p:spPr>
       </p:pic>
+      <p:sp>
+        <p:nvSpPr>
+          <p:cNvPr id="19" name="Title 1">
+            <a:extLst>
+              <a:ext uri="{FF2B5EF4-FFF2-40B4-BE49-F238E27FC236}">
+                <a16:creationId xmlns:a16="http://schemas.microsoft.com/office/drawing/2014/main" id="{10A23E53-F5EA-42D4-A0A6-0F6B064D2CB6}"/>
+              </a:ext>
+            </a:extLst>
+          </p:cNvPr>
+          <p:cNvSpPr txBox="1">
+            <a:spLocks/>
+          </p:cNvSpPr>
+          <p:nvPr/>
+        </p:nvSpPr>
+        <p:spPr>
+          <a:xfrm>
+            <a:off x="2135532" y="5540751"/>
+            <a:ext cx="1498419" cy="480131"/>
+          </a:xfrm>
+          <a:prstGeom prst="rect">
+            <a:avLst/>
+          </a:prstGeom>
+          <a:solidFill>
+            <a:srgbClr val="03849A"/>
+          </a:solidFill>
+        </p:spPr>
+        <p:txBody>
+          <a:bodyPr vert="horz" wrap="square" lIns="91440" tIns="45720" rIns="91440" bIns="45720" rtlCol="0" anchor="t">
+            <a:spAutoFit/>
+          </a:bodyPr>
+          <a:lstStyle>
+            <a:lvl1pPr algn="ctr" defTabSz="914400" rtl="0" eaLnBrk="1" latinLnBrk="0" hangingPunct="1">
+              <a:lnSpc>
+                <a:spcPct val="90000"/>
+              </a:lnSpc>
+              <a:spcBef>
+                <a:spcPct val="0"/>
+              </a:spcBef>
+              <a:buNone/>
+              <a:defRPr sz="6000" kern="1200">
+                <a:solidFill>
+                  <a:schemeClr val="tx1"/>
+                </a:solidFill>
+                <a:latin typeface="+mj-lt"/>
+                <a:ea typeface="+mj-ea"/>
+                <a:cs typeface="+mj-cs"/>
+              </a:defRPr>
+            </a:lvl1pPr>
+          </a:lstStyle>
+          <a:p>
+            <a:pPr algn="l"/>
+            <a:r>
+              <a:rPr lang="en-GB" sz="2800" dirty="0">
+                <a:solidFill>
+                  <a:schemeClr val="bg1"/>
+                </a:solidFill>
+                <a:latin typeface="Verdana Pro Cond SemiBold" panose="020B0604020202020204" pitchFamily="34" charset="0"/>
+              </a:rPr>
+              <a:t>External</a:t>
+            </a:r>
+            <a:endParaRPr lang="en-US" sz="2800" dirty="0">
+              <a:solidFill>
+                <a:schemeClr val="bg1"/>
+              </a:solidFill>
+              <a:latin typeface="Verdana Pro Cond SemiBold" panose="020B0604020202020204" pitchFamily="34" charset="0"/>
+            </a:endParaRPr>
+          </a:p>
+        </p:txBody>
+      </p:sp>
+      <p:sp>
+        <p:nvSpPr>
+          <p:cNvPr id="21" name="Title 1">
+            <a:extLst>
+              <a:ext uri="{FF2B5EF4-FFF2-40B4-BE49-F238E27FC236}">
+                <a16:creationId xmlns:a16="http://schemas.microsoft.com/office/drawing/2014/main" id="{9153EF0C-997F-4EF6-AD6C-332102421EAB}"/>
+              </a:ext>
+            </a:extLst>
+          </p:cNvPr>
+          <p:cNvSpPr txBox="1">
+            <a:spLocks/>
+          </p:cNvSpPr>
+          <p:nvPr/>
+        </p:nvSpPr>
+        <p:spPr>
+          <a:xfrm>
+            <a:off x="5795761" y="5545905"/>
+            <a:ext cx="1520955" cy="480131"/>
+          </a:xfrm>
+          <a:prstGeom prst="rect">
+            <a:avLst/>
+          </a:prstGeom>
+          <a:solidFill>
+            <a:srgbClr val="03849A"/>
+          </a:solidFill>
+        </p:spPr>
+        <p:txBody>
+          <a:bodyPr vert="horz" wrap="square" lIns="91440" tIns="45720" rIns="91440" bIns="45720" rtlCol="0" anchor="t">
+            <a:spAutoFit/>
+          </a:bodyPr>
+          <a:lstStyle>
+            <a:lvl1pPr algn="ctr" defTabSz="914400" rtl="0" eaLnBrk="1" latinLnBrk="0" hangingPunct="1">
+              <a:lnSpc>
+                <a:spcPct val="90000"/>
+              </a:lnSpc>
+              <a:spcBef>
+                <a:spcPct val="0"/>
+              </a:spcBef>
+              <a:buNone/>
+              <a:defRPr sz="6000" kern="1200">
+                <a:solidFill>
+                  <a:schemeClr val="tx1"/>
+                </a:solidFill>
+                <a:latin typeface="+mj-lt"/>
+                <a:ea typeface="+mj-ea"/>
+                <a:cs typeface="+mj-cs"/>
+              </a:defRPr>
+            </a:lvl1pPr>
+          </a:lstStyle>
+          <a:p>
+            <a:pPr algn="l"/>
+            <a:r>
+              <a:rPr lang="en-GB" sz="2800" dirty="0">
+                <a:solidFill>
+                  <a:schemeClr val="bg1"/>
+                </a:solidFill>
+                <a:latin typeface="Verdana Pro Cond SemiBold" panose="020B0604020202020204" pitchFamily="34" charset="0"/>
+              </a:rPr>
+              <a:t>Wireless</a:t>
+            </a:r>
+            <a:endParaRPr lang="en-US" sz="2800" dirty="0">
+              <a:solidFill>
+                <a:schemeClr val="bg1"/>
+              </a:solidFill>
+              <a:latin typeface="Verdana Pro Cond SemiBold" panose="020B0604020202020204" pitchFamily="34" charset="0"/>
+            </a:endParaRPr>
+          </a:p>
+        </p:txBody>
+      </p:sp>
+      <p:sp>
+        <p:nvSpPr>
+          <p:cNvPr id="22" name="Title 1">
+            <a:extLst>
+              <a:ext uri="{FF2B5EF4-FFF2-40B4-BE49-F238E27FC236}">
+                <a16:creationId xmlns:a16="http://schemas.microsoft.com/office/drawing/2014/main" id="{9FB5F6DD-1AED-474C-A30C-A9E828BD47FD}"/>
+              </a:ext>
+            </a:extLst>
+          </p:cNvPr>
+          <p:cNvSpPr txBox="1">
+            <a:spLocks/>
+          </p:cNvSpPr>
+          <p:nvPr/>
+        </p:nvSpPr>
+        <p:spPr>
+          <a:xfrm>
+            <a:off x="8134790" y="5540751"/>
+            <a:ext cx="2488513" cy="480131"/>
+          </a:xfrm>
+          <a:prstGeom prst="rect">
+            <a:avLst/>
+          </a:prstGeom>
+          <a:solidFill>
+            <a:srgbClr val="03849A"/>
+          </a:solidFill>
+        </p:spPr>
+        <p:txBody>
+          <a:bodyPr vert="horz" wrap="square" lIns="91440" tIns="45720" rIns="91440" bIns="45720" rtlCol="0" anchor="t">
+            <a:spAutoFit/>
+          </a:bodyPr>
+          <a:lstStyle>
+            <a:lvl1pPr algn="ctr" defTabSz="914400" rtl="0" eaLnBrk="1" latinLnBrk="0" hangingPunct="1">
+              <a:lnSpc>
+                <a:spcPct val="90000"/>
+              </a:lnSpc>
+              <a:spcBef>
+                <a:spcPct val="0"/>
+              </a:spcBef>
+              <a:buNone/>
+              <a:defRPr sz="6000" kern="1200">
+                <a:solidFill>
+                  <a:schemeClr val="tx1"/>
+                </a:solidFill>
+                <a:latin typeface="+mj-lt"/>
+                <a:ea typeface="+mj-ea"/>
+                <a:cs typeface="+mj-cs"/>
+              </a:defRPr>
+            </a:lvl1pPr>
+          </a:lstStyle>
+          <a:p>
+            <a:pPr algn="l"/>
+            <a:r>
+              <a:rPr lang="en-GB" sz="2800" dirty="0">
+                <a:solidFill>
+                  <a:schemeClr val="bg1"/>
+                </a:solidFill>
+                <a:latin typeface="Verdana Pro Cond SemiBold" panose="020B0604020202020204" pitchFamily="34" charset="0"/>
+              </a:rPr>
+              <a:t>PC software to</a:t>
+            </a:r>
+            <a:endParaRPr lang="en-US" sz="2800" dirty="0">
+              <a:solidFill>
+                <a:schemeClr val="bg1"/>
+              </a:solidFill>
+              <a:latin typeface="Verdana Pro Cond SemiBold" panose="020B0604020202020204" pitchFamily="34" charset="0"/>
+            </a:endParaRPr>
+          </a:p>
+        </p:txBody>
+      </p:sp>
+      <p:sp>
+        <p:nvSpPr>
+          <p:cNvPr id="24" name="Title 1">
+            <a:extLst>
+              <a:ext uri="{FF2B5EF4-FFF2-40B4-BE49-F238E27FC236}">
+                <a16:creationId xmlns:a16="http://schemas.microsoft.com/office/drawing/2014/main" id="{B508ADEC-1E5C-40E3-B849-5ABDD254DB76}"/>
+              </a:ext>
+            </a:extLst>
+          </p:cNvPr>
+          <p:cNvSpPr txBox="1">
+            <a:spLocks/>
+          </p:cNvSpPr>
+          <p:nvPr/>
+        </p:nvSpPr>
+        <p:spPr>
+          <a:xfrm>
+            <a:off x="8137418" y="6103055"/>
+            <a:ext cx="2380378" cy="480131"/>
+          </a:xfrm>
+          <a:prstGeom prst="rect">
+            <a:avLst/>
+          </a:prstGeom>
+          <a:solidFill>
+            <a:srgbClr val="03849A"/>
+          </a:solidFill>
+        </p:spPr>
+        <p:txBody>
+          <a:bodyPr vert="horz" wrap="square" lIns="91440" tIns="45720" rIns="91440" bIns="45720" rtlCol="0" anchor="t">
+            <a:spAutoFit/>
+          </a:bodyPr>
+          <a:lstStyle>
+            <a:lvl1pPr algn="ctr" defTabSz="914400" rtl="0" eaLnBrk="1" latinLnBrk="0" hangingPunct="1">
+              <a:lnSpc>
+                <a:spcPct val="90000"/>
+              </a:lnSpc>
+              <a:spcBef>
+                <a:spcPct val="0"/>
+              </a:spcBef>
+              <a:buNone/>
+              <a:defRPr sz="6000" kern="1200">
+                <a:solidFill>
+                  <a:schemeClr val="tx1"/>
+                </a:solidFill>
+                <a:latin typeface="+mj-lt"/>
+                <a:ea typeface="+mj-ea"/>
+                <a:cs typeface="+mj-cs"/>
+              </a:defRPr>
+            </a:lvl1pPr>
+          </a:lstStyle>
+          <a:p>
+            <a:pPr algn="l"/>
+            <a:r>
+              <a:rPr lang="en-GB" sz="2800" dirty="0">
+                <a:solidFill>
+                  <a:schemeClr val="bg1"/>
+                </a:solidFill>
+                <a:latin typeface="Verdana Pro Cond SemiBold" panose="020B0604020202020204" pitchFamily="34" charset="0"/>
+              </a:rPr>
+              <a:t>control teams</a:t>
+            </a:r>
+            <a:endParaRPr lang="en-US" sz="2800" dirty="0">
+              <a:solidFill>
+                <a:schemeClr val="bg1"/>
+              </a:solidFill>
+              <a:latin typeface="Verdana Pro Cond SemiBold" panose="020B0604020202020204" pitchFamily="34" charset="0"/>
+            </a:endParaRPr>
+          </a:p>
+        </p:txBody>
+      </p:sp>
+      <p:sp>
+        <p:nvSpPr>
+          <p:cNvPr id="27" name="Title 1">
+            <a:extLst>
+              <a:ext uri="{FF2B5EF4-FFF2-40B4-BE49-F238E27FC236}">
+                <a16:creationId xmlns:a16="http://schemas.microsoft.com/office/drawing/2014/main" id="{D91C0995-66D6-479B-B6FE-410B75A37AAE}"/>
+              </a:ext>
+            </a:extLst>
+          </p:cNvPr>
+          <p:cNvSpPr txBox="1">
+            <a:spLocks/>
+          </p:cNvSpPr>
+          <p:nvPr/>
+        </p:nvSpPr>
+        <p:spPr>
+          <a:xfrm>
+            <a:off x="5797480" y="6095172"/>
+            <a:ext cx="1519236" cy="480131"/>
+          </a:xfrm>
+          <a:prstGeom prst="rect">
+            <a:avLst/>
+          </a:prstGeom>
+          <a:solidFill>
+            <a:srgbClr val="03849A"/>
+          </a:solidFill>
+        </p:spPr>
+        <p:txBody>
+          <a:bodyPr vert="horz" wrap="square" lIns="91440" tIns="45720" rIns="91440" bIns="45720" rtlCol="0" anchor="t">
+            <a:spAutoFit/>
+          </a:bodyPr>
+          <a:lstStyle>
+            <a:lvl1pPr algn="ctr" defTabSz="914400" rtl="0" eaLnBrk="1" latinLnBrk="0" hangingPunct="1">
+              <a:lnSpc>
+                <a:spcPct val="90000"/>
+              </a:lnSpc>
+              <a:spcBef>
+                <a:spcPct val="0"/>
+              </a:spcBef>
+              <a:buNone/>
+              <a:defRPr sz="6000" kern="1200">
+                <a:solidFill>
+                  <a:schemeClr val="tx1"/>
+                </a:solidFill>
+                <a:latin typeface="+mj-lt"/>
+                <a:ea typeface="+mj-ea"/>
+                <a:cs typeface="+mj-cs"/>
+              </a:defRPr>
+            </a:lvl1pPr>
+          </a:lstStyle>
+          <a:p>
+            <a:pPr algn="l"/>
+            <a:r>
+              <a:rPr lang="en-GB" sz="2800" dirty="0">
+                <a:solidFill>
+                  <a:schemeClr val="bg1"/>
+                </a:solidFill>
+                <a:latin typeface="Verdana Pro Cond SemiBold" panose="020B0604020202020204" pitchFamily="34" charset="0"/>
+              </a:rPr>
+              <a:t>protocol</a:t>
+            </a:r>
+            <a:endParaRPr lang="en-US" sz="2800" dirty="0">
+              <a:solidFill>
+                <a:schemeClr val="bg1"/>
+              </a:solidFill>
+              <a:latin typeface="Verdana Pro Cond SemiBold" panose="020B0604020202020204" pitchFamily="34" charset="0"/>
+            </a:endParaRPr>
+          </a:p>
+        </p:txBody>
+      </p:sp>
+      <p:sp>
+        <p:nvSpPr>
+          <p:cNvPr id="28" name="Title 1">
+            <a:extLst>
+              <a:ext uri="{FF2B5EF4-FFF2-40B4-BE49-F238E27FC236}">
+                <a16:creationId xmlns:a16="http://schemas.microsoft.com/office/drawing/2014/main" id="{E0D1F02A-1752-4C94-97CE-A8EA464C5558}"/>
+              </a:ext>
+            </a:extLst>
+          </p:cNvPr>
+          <p:cNvSpPr txBox="1">
+            <a:spLocks/>
+          </p:cNvSpPr>
+          <p:nvPr/>
+        </p:nvSpPr>
+        <p:spPr>
+          <a:xfrm>
+            <a:off x="2138160" y="6095172"/>
+            <a:ext cx="1755922" cy="480131"/>
+          </a:xfrm>
+          <a:prstGeom prst="rect">
+            <a:avLst/>
+          </a:prstGeom>
+          <a:solidFill>
+            <a:srgbClr val="03849A"/>
+          </a:solidFill>
+        </p:spPr>
+        <p:txBody>
+          <a:bodyPr vert="horz" wrap="square" lIns="91440" tIns="45720" rIns="91440" bIns="45720" rtlCol="0" anchor="t">
+            <a:spAutoFit/>
+          </a:bodyPr>
+          <a:lstStyle>
+            <a:lvl1pPr algn="ctr" defTabSz="914400" rtl="0" eaLnBrk="1" latinLnBrk="0" hangingPunct="1">
+              <a:lnSpc>
+                <a:spcPct val="90000"/>
+              </a:lnSpc>
+              <a:spcBef>
+                <a:spcPct val="0"/>
+              </a:spcBef>
+              <a:buNone/>
+              <a:defRPr sz="6000" kern="1200">
+                <a:solidFill>
+                  <a:schemeClr val="tx1"/>
+                </a:solidFill>
+                <a:latin typeface="+mj-lt"/>
+                <a:ea typeface="+mj-ea"/>
+                <a:cs typeface="+mj-cs"/>
+              </a:defRPr>
+            </a:lvl1pPr>
+          </a:lstStyle>
+          <a:p>
+            <a:pPr algn="l"/>
+            <a:r>
+              <a:rPr lang="en-GB" sz="2800" dirty="0">
+                <a:solidFill>
+                  <a:schemeClr val="bg1"/>
+                </a:solidFill>
+                <a:latin typeface="Verdana Pro Cond SemiBold" panose="020B0604020202020204" pitchFamily="34" charset="0"/>
+              </a:rPr>
+              <a:t>hardware</a:t>
+            </a:r>
+            <a:endParaRPr lang="en-US" sz="2800" dirty="0">
+              <a:solidFill>
+                <a:schemeClr val="bg1"/>
+              </a:solidFill>
+              <a:latin typeface="Verdana Pro Cond SemiBold" panose="020B0604020202020204" pitchFamily="34" charset="0"/>
+            </a:endParaRPr>
+          </a:p>
+        </p:txBody>
+      </p:sp>
     </p:spTree>
     <p:extLst>
       <p:ext uri="{BB962C8B-B14F-4D97-AF65-F5344CB8AC3E}">
@@ -4463,163 +5255,1380 @@
           <a:chExt cx="0" cy="0"/>
         </a:xfrm>
       </p:grpSpPr>
-      <p:pic>
-        <p:nvPicPr>
-          <p:cNvPr id="4" name="Picture 3" descr="A picture containing graphical user interface&#10;&#10;Description automatically generated">
-            <a:extLst>
-              <a:ext uri="{FF2B5EF4-FFF2-40B4-BE49-F238E27FC236}">
-                <a16:creationId xmlns:a16="http://schemas.microsoft.com/office/drawing/2014/main" id="{B92C718A-3E9E-4F00-AAD3-6FACF11CC608}"/>
-              </a:ext>
-            </a:extLst>
-          </p:cNvPr>
-          <p:cNvPicPr>
-            <a:picLocks noChangeAspect="1"/>
-          </p:cNvPicPr>
+      <p:sp>
+        <p:nvSpPr>
+          <p:cNvPr id="2" name="Title 1">
+            <a:extLst>
+              <a:ext uri="{FF2B5EF4-FFF2-40B4-BE49-F238E27FC236}">
+                <a16:creationId xmlns:a16="http://schemas.microsoft.com/office/drawing/2014/main" id="{948833DA-25E0-42A7-8BDC-D4D59936CFBF}"/>
+              </a:ext>
+            </a:extLst>
+          </p:cNvPr>
+          <p:cNvSpPr>
+            <a:spLocks noGrp="1"/>
+          </p:cNvSpPr>
+          <p:nvPr>
+            <p:ph type="title"/>
+          </p:nvPr>
+        </p:nvSpPr>
+        <p:spPr/>
+        <p:txBody>
+          <a:bodyPr/>
+          <a:lstStyle/>
+          <a:p>
+            <a:r>
+              <a:rPr lang="en-GB" dirty="0"/>
+              <a:t>Hardware - Schematic</a:t>
+            </a:r>
+            <a:endParaRPr lang="en-US" dirty="0"/>
+          </a:p>
+        </p:txBody>
+      </p:sp>
+      <p:sp>
+        <p:nvSpPr>
+          <p:cNvPr id="3" name="Content Placeholder 2">
+            <a:extLst>
+              <a:ext uri="{FF2B5EF4-FFF2-40B4-BE49-F238E27FC236}">
+                <a16:creationId xmlns:a16="http://schemas.microsoft.com/office/drawing/2014/main" id="{39F62217-19FE-4D04-943A-11B8C29CDE95}"/>
+              </a:ext>
+            </a:extLst>
+          </p:cNvPr>
+          <p:cNvSpPr>
+            <a:spLocks noGrp="1"/>
+          </p:cNvSpPr>
+          <p:nvPr>
+            <p:ph idx="1"/>
+          </p:nvPr>
+        </p:nvSpPr>
+        <p:spPr/>
+        <p:txBody>
+          <a:bodyPr/>
+          <a:lstStyle/>
+          <a:p>
+            <a:endParaRPr lang="en-US"/>
+          </a:p>
+        </p:txBody>
+      </p:sp>
+    </p:spTree>
+    <p:extLst>
+      <p:ext uri="{BB962C8B-B14F-4D97-AF65-F5344CB8AC3E}">
+        <p14:creationId xmlns:p14="http://schemas.microsoft.com/office/powerpoint/2010/main" val="2288012161"/>
+      </p:ext>
+    </p:extLst>
+  </p:cSld>
+  <p:clrMapOvr>
+    <a:masterClrMapping/>
+  </p:clrMapOvr>
+</p:sld>
+</file>
+
+<file path=ppt/slides/slide4.xml><?xml version="1.0" encoding="utf-8"?>
+<p:sld xmlns:a="http://schemas.openxmlformats.org/drawingml/2006/main" xmlns:r="http://schemas.openxmlformats.org/officeDocument/2006/relationships" xmlns:p="http://schemas.openxmlformats.org/presentationml/2006/main">
+  <p:cSld>
+    <p:spTree>
+      <p:nvGrpSpPr>
+        <p:cNvPr id="1" name=""/>
+        <p:cNvGrpSpPr/>
+        <p:nvPr/>
+      </p:nvGrpSpPr>
+      <p:grpSpPr>
+        <a:xfrm>
+          <a:off x="0" y="0"/>
+          <a:ext cx="0" cy="0"/>
+          <a:chOff x="0" y="0"/>
+          <a:chExt cx="0" cy="0"/>
+        </a:xfrm>
+      </p:grpSpPr>
+      <p:sp>
+        <p:nvSpPr>
+          <p:cNvPr id="2" name="Title 1">
+            <a:extLst>
+              <a:ext uri="{FF2B5EF4-FFF2-40B4-BE49-F238E27FC236}">
+                <a16:creationId xmlns:a16="http://schemas.microsoft.com/office/drawing/2014/main" id="{A5BD21C8-7758-463C-BC15-B7103A0D1438}"/>
+              </a:ext>
+            </a:extLst>
+          </p:cNvPr>
+          <p:cNvSpPr>
+            <a:spLocks noGrp="1"/>
+          </p:cNvSpPr>
+          <p:nvPr>
+            <p:ph type="title"/>
+          </p:nvPr>
+        </p:nvSpPr>
+        <p:spPr/>
+        <p:txBody>
+          <a:bodyPr/>
+          <a:lstStyle/>
+          <a:p>
+            <a:r>
+              <a:rPr lang="en-GB" dirty="0"/>
+              <a:t>Hardware - Reality</a:t>
+            </a:r>
+            <a:endParaRPr lang="en-US" dirty="0"/>
+          </a:p>
+        </p:txBody>
+      </p:sp>
+      <p:sp>
+        <p:nvSpPr>
+          <p:cNvPr id="3" name="Content Placeholder 2">
+            <a:extLst>
+              <a:ext uri="{FF2B5EF4-FFF2-40B4-BE49-F238E27FC236}">
+                <a16:creationId xmlns:a16="http://schemas.microsoft.com/office/drawing/2014/main" id="{8E8E11FA-7B6E-443E-BFE2-FFC039B7877C}"/>
+              </a:ext>
+            </a:extLst>
+          </p:cNvPr>
+          <p:cNvSpPr>
+            <a:spLocks noGrp="1"/>
+          </p:cNvSpPr>
+          <p:nvPr>
+            <p:ph idx="1"/>
+          </p:nvPr>
+        </p:nvSpPr>
+        <p:spPr/>
+        <p:txBody>
+          <a:bodyPr/>
+          <a:lstStyle/>
+          <a:p>
+            <a:endParaRPr lang="en-US"/>
+          </a:p>
+        </p:txBody>
+      </p:sp>
+    </p:spTree>
+    <p:extLst>
+      <p:ext uri="{BB962C8B-B14F-4D97-AF65-F5344CB8AC3E}">
+        <p14:creationId xmlns:p14="http://schemas.microsoft.com/office/powerpoint/2010/main" val="3127256210"/>
+      </p:ext>
+    </p:extLst>
+  </p:cSld>
+  <p:clrMapOvr>
+    <a:masterClrMapping/>
+  </p:clrMapOvr>
+</p:sld>
+</file>
+
+<file path=ppt/slides/slide5.xml><?xml version="1.0" encoding="utf-8"?>
+<p:sld xmlns:a="http://schemas.openxmlformats.org/drawingml/2006/main" xmlns:r="http://schemas.openxmlformats.org/officeDocument/2006/relationships" xmlns:p="http://schemas.openxmlformats.org/presentationml/2006/main">
+  <p:cSld>
+    <p:spTree>
+      <p:nvGrpSpPr>
+        <p:cNvPr id="1" name=""/>
+        <p:cNvGrpSpPr/>
+        <p:nvPr/>
+      </p:nvGrpSpPr>
+      <p:grpSpPr>
+        <a:xfrm>
+          <a:off x="0" y="0"/>
+          <a:ext cx="0" cy="0"/>
+          <a:chOff x="0" y="0"/>
+          <a:chExt cx="0" cy="0"/>
+        </a:xfrm>
+      </p:grpSpPr>
+      <p:sp>
+        <p:nvSpPr>
+          <p:cNvPr id="2" name="Title 1">
+            <a:extLst>
+              <a:ext uri="{FF2B5EF4-FFF2-40B4-BE49-F238E27FC236}">
+                <a16:creationId xmlns:a16="http://schemas.microsoft.com/office/drawing/2014/main" id="{A2A60658-2956-42D6-87F0-3C696CFA5A8F}"/>
+              </a:ext>
+            </a:extLst>
+          </p:cNvPr>
+          <p:cNvSpPr>
+            <a:spLocks noGrp="1"/>
+          </p:cNvSpPr>
+          <p:nvPr>
+            <p:ph type="title"/>
+          </p:nvPr>
+        </p:nvSpPr>
+        <p:spPr/>
+        <p:txBody>
+          <a:bodyPr/>
+          <a:lstStyle/>
+          <a:p>
+            <a:r>
+              <a:rPr lang="en-GB" dirty="0"/>
+              <a:t>Explanation of circuit?  Explanation of software compilation and upload?</a:t>
+            </a:r>
+            <a:endParaRPr lang="en-US" dirty="0"/>
+          </a:p>
+        </p:txBody>
+      </p:sp>
+      <p:sp>
+        <p:nvSpPr>
+          <p:cNvPr id="3" name="Content Placeholder 2">
+            <a:extLst>
+              <a:ext uri="{FF2B5EF4-FFF2-40B4-BE49-F238E27FC236}">
+                <a16:creationId xmlns:a16="http://schemas.microsoft.com/office/drawing/2014/main" id="{D184048A-161A-4DE5-850C-72AFCED92C5E}"/>
+              </a:ext>
+            </a:extLst>
+          </p:cNvPr>
+          <p:cNvSpPr>
+            <a:spLocks noGrp="1"/>
+          </p:cNvSpPr>
+          <p:nvPr>
+            <p:ph idx="1"/>
+          </p:nvPr>
+        </p:nvSpPr>
+        <p:spPr/>
+        <p:txBody>
+          <a:bodyPr/>
+          <a:lstStyle/>
+          <a:p>
+            <a:endParaRPr lang="en-US"/>
+          </a:p>
+        </p:txBody>
+      </p:sp>
+    </p:spTree>
+    <p:extLst>
+      <p:ext uri="{BB962C8B-B14F-4D97-AF65-F5344CB8AC3E}">
+        <p14:creationId xmlns:p14="http://schemas.microsoft.com/office/powerpoint/2010/main" val="2172502747"/>
+      </p:ext>
+    </p:extLst>
+  </p:cSld>
+  <p:clrMapOvr>
+    <a:masterClrMapping/>
+  </p:clrMapOvr>
+</p:sld>
+</file>
+
+<file path=ppt/slides/slide6.xml><?xml version="1.0" encoding="utf-8"?>
+<p:sld xmlns:a="http://schemas.openxmlformats.org/drawingml/2006/main" xmlns:r="http://schemas.openxmlformats.org/officeDocument/2006/relationships" xmlns:p="http://schemas.openxmlformats.org/presentationml/2006/main">
+  <p:cSld>
+    <p:spTree>
+      <p:nvGrpSpPr>
+        <p:cNvPr id="1" name=""/>
+        <p:cNvGrpSpPr/>
+        <p:nvPr/>
+      </p:nvGrpSpPr>
+      <p:grpSpPr>
+        <a:xfrm>
+          <a:off x="0" y="0"/>
+          <a:ext cx="0" cy="0"/>
+          <a:chOff x="0" y="0"/>
+          <a:chExt cx="0" cy="0"/>
+        </a:xfrm>
+      </p:grpSpPr>
+      <p:sp>
+        <p:nvSpPr>
+          <p:cNvPr id="2" name="Title 1">
+            <a:extLst>
+              <a:ext uri="{FF2B5EF4-FFF2-40B4-BE49-F238E27FC236}">
+                <a16:creationId xmlns:a16="http://schemas.microsoft.com/office/drawing/2014/main" id="{34C51CAE-A933-406C-8098-A0ABF50C5BF9}"/>
+              </a:ext>
+            </a:extLst>
+          </p:cNvPr>
+          <p:cNvSpPr>
+            <a:spLocks noGrp="1"/>
+          </p:cNvSpPr>
+          <p:nvPr>
+            <p:ph type="title"/>
+          </p:nvPr>
+        </p:nvSpPr>
+        <p:spPr/>
+        <p:txBody>
+          <a:bodyPr/>
+          <a:lstStyle/>
+          <a:p>
+            <a:r>
+              <a:rPr lang="en-GB" dirty="0"/>
+              <a:t>Protocol</a:t>
+            </a:r>
+            <a:endParaRPr lang="en-US" dirty="0"/>
+          </a:p>
+        </p:txBody>
+      </p:sp>
+      <p:sp>
+        <p:nvSpPr>
+          <p:cNvPr id="3" name="Content Placeholder 2">
+            <a:extLst>
+              <a:ext uri="{FF2B5EF4-FFF2-40B4-BE49-F238E27FC236}">
+                <a16:creationId xmlns:a16="http://schemas.microsoft.com/office/drawing/2014/main" id="{CB5EF94B-256D-46F8-8093-23AB37550155}"/>
+              </a:ext>
+            </a:extLst>
+          </p:cNvPr>
+          <p:cNvSpPr>
+            <a:spLocks noGrp="1"/>
+          </p:cNvSpPr>
+          <p:nvPr>
+            <p:ph idx="1"/>
+          </p:nvPr>
+        </p:nvSpPr>
+        <p:spPr/>
+        <p:txBody>
+          <a:bodyPr/>
+          <a:lstStyle/>
+          <a:p>
+            <a:endParaRPr lang="en-US"/>
+          </a:p>
+        </p:txBody>
+      </p:sp>
+    </p:spTree>
+    <p:extLst>
+      <p:ext uri="{BB962C8B-B14F-4D97-AF65-F5344CB8AC3E}">
+        <p14:creationId xmlns:p14="http://schemas.microsoft.com/office/powerpoint/2010/main" val="3293633059"/>
+      </p:ext>
+    </p:extLst>
+  </p:cSld>
+  <p:clrMapOvr>
+    <a:masterClrMapping/>
+  </p:clrMapOvr>
+</p:sld>
+</file>
+
+<file path=ppt/slides/slide7.xml><?xml version="1.0" encoding="utf-8"?>
+<p:sld xmlns:a="http://schemas.openxmlformats.org/drawingml/2006/main" xmlns:r="http://schemas.openxmlformats.org/officeDocument/2006/relationships" xmlns:p="http://schemas.openxmlformats.org/presentationml/2006/main">
+  <p:cSld>
+    <p:spTree>
+      <p:nvGrpSpPr>
+        <p:cNvPr id="1" name=""/>
+        <p:cNvGrpSpPr/>
+        <p:nvPr/>
+      </p:nvGrpSpPr>
+      <p:grpSpPr>
+        <a:xfrm>
+          <a:off x="0" y="0"/>
+          <a:ext cx="0" cy="0"/>
+          <a:chOff x="0" y="0"/>
+          <a:chExt cx="0" cy="0"/>
+        </a:xfrm>
+      </p:grpSpPr>
+      <p:sp>
+        <p:nvSpPr>
+          <p:cNvPr id="2" name="Title 1">
+            <a:extLst>
+              <a:ext uri="{FF2B5EF4-FFF2-40B4-BE49-F238E27FC236}">
+                <a16:creationId xmlns:a16="http://schemas.microsoft.com/office/drawing/2014/main" id="{F21E2F00-3B37-49C1-B2F1-7DF640426DBB}"/>
+              </a:ext>
+            </a:extLst>
+          </p:cNvPr>
+          <p:cNvSpPr>
+            <a:spLocks noGrp="1"/>
+          </p:cNvSpPr>
+          <p:nvPr>
+            <p:ph type="title"/>
+          </p:nvPr>
+        </p:nvSpPr>
+        <p:spPr/>
+        <p:txBody>
+          <a:bodyPr/>
+          <a:lstStyle/>
+          <a:p>
+            <a:r>
+              <a:rPr lang="en-GB" dirty="0"/>
+              <a:t>PC Software</a:t>
+            </a:r>
+            <a:endParaRPr lang="en-US" dirty="0"/>
+          </a:p>
+        </p:txBody>
+      </p:sp>
+      <p:sp>
+        <p:nvSpPr>
+          <p:cNvPr id="3" name="Content Placeholder 2">
+            <a:extLst>
+              <a:ext uri="{FF2B5EF4-FFF2-40B4-BE49-F238E27FC236}">
+                <a16:creationId xmlns:a16="http://schemas.microsoft.com/office/drawing/2014/main" id="{1CDEB903-E0E7-4099-9864-37F6F54FCF9C}"/>
+              </a:ext>
+            </a:extLst>
+          </p:cNvPr>
+          <p:cNvSpPr>
+            <a:spLocks noGrp="1"/>
+          </p:cNvSpPr>
+          <p:nvPr>
+            <p:ph idx="1"/>
+          </p:nvPr>
+        </p:nvSpPr>
+        <p:spPr/>
+        <p:txBody>
+          <a:bodyPr/>
+          <a:lstStyle/>
+          <a:p>
+            <a:endParaRPr lang="en-US"/>
+          </a:p>
+        </p:txBody>
+      </p:sp>
+    </p:spTree>
+    <p:extLst>
+      <p:ext uri="{BB962C8B-B14F-4D97-AF65-F5344CB8AC3E}">
+        <p14:creationId xmlns:p14="http://schemas.microsoft.com/office/powerpoint/2010/main" val="2406784128"/>
+      </p:ext>
+    </p:extLst>
+  </p:cSld>
+  <p:clrMapOvr>
+    <a:masterClrMapping/>
+  </p:clrMapOvr>
+</p:sld>
+</file>
+
+<file path=ppt/slides/slide8.xml><?xml version="1.0" encoding="utf-8"?>
+<p:sld xmlns:a="http://schemas.openxmlformats.org/drawingml/2006/main" xmlns:r="http://schemas.openxmlformats.org/officeDocument/2006/relationships" xmlns:p="http://schemas.openxmlformats.org/presentationml/2006/main">
+  <p:cSld>
+    <p:spTree>
+      <p:nvGrpSpPr>
+        <p:cNvPr id="1" name=""/>
+        <p:cNvGrpSpPr/>
+        <p:nvPr/>
+      </p:nvGrpSpPr>
+      <p:grpSpPr>
+        <a:xfrm>
+          <a:off x="0" y="0"/>
+          <a:ext cx="0" cy="0"/>
+          <a:chOff x="0" y="0"/>
+          <a:chExt cx="0" cy="0"/>
+        </a:xfrm>
+      </p:grpSpPr>
+      <p:sp>
+        <p:nvSpPr>
+          <p:cNvPr id="2" name="Title 1">
+            <a:extLst>
+              <a:ext uri="{FF2B5EF4-FFF2-40B4-BE49-F238E27FC236}">
+                <a16:creationId xmlns:a16="http://schemas.microsoft.com/office/drawing/2014/main" id="{2AE063DF-9C6C-43EE-9A23-46D9128CAE75}"/>
+              </a:ext>
+            </a:extLst>
+          </p:cNvPr>
+          <p:cNvSpPr>
+            <a:spLocks noGrp="1"/>
+          </p:cNvSpPr>
+          <p:nvPr>
+            <p:ph type="title"/>
+          </p:nvPr>
+        </p:nvSpPr>
+        <p:spPr/>
+        <p:txBody>
+          <a:bodyPr/>
+          <a:lstStyle/>
+          <a:p>
+            <a:r>
+              <a:rPr lang="en-GB" dirty="0"/>
+              <a:t>Demo</a:t>
+            </a:r>
+            <a:endParaRPr lang="en-US" dirty="0"/>
+          </a:p>
+        </p:txBody>
+      </p:sp>
+      <p:sp>
+        <p:nvSpPr>
+          <p:cNvPr id="3" name="Content Placeholder 2">
+            <a:extLst>
+              <a:ext uri="{FF2B5EF4-FFF2-40B4-BE49-F238E27FC236}">
+                <a16:creationId xmlns:a16="http://schemas.microsoft.com/office/drawing/2014/main" id="{394B5A33-F0CC-4FAF-945A-3F2B3A73EEB8}"/>
+              </a:ext>
+            </a:extLst>
+          </p:cNvPr>
+          <p:cNvSpPr>
+            <a:spLocks noGrp="1"/>
+          </p:cNvSpPr>
+          <p:nvPr>
+            <p:ph idx="1"/>
+          </p:nvPr>
+        </p:nvSpPr>
+        <p:spPr/>
+        <p:txBody>
+          <a:bodyPr/>
+          <a:lstStyle/>
+          <a:p>
+            <a:endParaRPr lang="en-US"/>
+          </a:p>
+        </p:txBody>
+      </p:sp>
+    </p:spTree>
+    <p:extLst>
+      <p:ext uri="{BB962C8B-B14F-4D97-AF65-F5344CB8AC3E}">
+        <p14:creationId xmlns:p14="http://schemas.microsoft.com/office/powerpoint/2010/main" val="3274606815"/>
+      </p:ext>
+    </p:extLst>
+  </p:cSld>
+  <p:clrMapOvr>
+    <a:masterClrMapping/>
+  </p:clrMapOvr>
+</p:sld>
+</file>
+
+<file path=ppt/slides/slide9.xml><?xml version="1.0" encoding="utf-8"?>
+<p:sld xmlns:a="http://schemas.openxmlformats.org/drawingml/2006/main" xmlns:r="http://schemas.openxmlformats.org/officeDocument/2006/relationships" xmlns:p="http://schemas.openxmlformats.org/presentationml/2006/main">
+  <p:cSld>
+    <p:spTree>
+      <p:nvGrpSpPr>
+        <p:cNvPr id="1" name=""/>
+        <p:cNvGrpSpPr/>
+        <p:nvPr/>
+      </p:nvGrpSpPr>
+      <p:grpSpPr>
+        <a:xfrm>
+          <a:off x="0" y="0"/>
+          <a:ext cx="0" cy="0"/>
+          <a:chOff x="0" y="0"/>
+          <a:chExt cx="0" cy="0"/>
+        </a:xfrm>
+      </p:grpSpPr>
+      <p:sp>
+        <p:nvSpPr>
+          <p:cNvPr id="2" name="Title 1">
+            <a:extLst>
+              <a:ext uri="{FF2B5EF4-FFF2-40B4-BE49-F238E27FC236}">
+                <a16:creationId xmlns:a16="http://schemas.microsoft.com/office/drawing/2014/main" id="{62E3E071-C997-415A-8A95-FB83C7CE9CE6}"/>
+              </a:ext>
+            </a:extLst>
+          </p:cNvPr>
+          <p:cNvSpPr>
+            <a:spLocks noGrp="1"/>
+          </p:cNvSpPr>
+          <p:nvPr>
+            <p:ph type="title"/>
+          </p:nvPr>
+        </p:nvSpPr>
+        <p:spPr/>
+        <p:txBody>
+          <a:bodyPr/>
+          <a:lstStyle/>
+          <a:p>
+            <a:r>
+              <a:rPr lang="en-GB" dirty="0"/>
+              <a:t>Bill of Sale</a:t>
+            </a:r>
+            <a:endParaRPr lang="en-US" dirty="0"/>
+          </a:p>
+        </p:txBody>
+      </p:sp>
+      <p:graphicFrame>
+        <p:nvGraphicFramePr>
+          <p:cNvPr id="9" name="Table 9">
+            <a:extLst>
+              <a:ext uri="{FF2B5EF4-FFF2-40B4-BE49-F238E27FC236}">
+                <a16:creationId xmlns:a16="http://schemas.microsoft.com/office/drawing/2014/main" id="{43CB9B3B-E070-4500-A062-80367AE98A27}"/>
+              </a:ext>
+            </a:extLst>
+          </p:cNvPr>
+          <p:cNvGraphicFramePr>
+            <a:graphicFrameLocks noGrp="1"/>
+          </p:cNvGraphicFramePr>
+          <p:nvPr>
+            <p:ph idx="1"/>
+            <p:extLst>
+              <p:ext uri="{D42A27DB-BD31-4B8C-83A1-F6EECF244321}">
+                <p14:modId xmlns:p14="http://schemas.microsoft.com/office/powerpoint/2010/main" val="924045016"/>
+              </p:ext>
+            </p:extLst>
+          </p:nvPr>
+        </p:nvGraphicFramePr>
+        <p:xfrm>
+          <a:off x="2175643" y="2158399"/>
+          <a:ext cx="3862550" cy="1786536"/>
+        </p:xfrm>
+        <a:graphic>
+          <a:graphicData uri="http://schemas.openxmlformats.org/drawingml/2006/table">
+            <a:tbl>
+              <a:tblPr firstRow="1" bandRow="1">
+                <a:tableStyleId>{5C22544A-7EE6-4342-B048-85BDC9FD1C3A}</a:tableStyleId>
+              </a:tblPr>
+              <a:tblGrid>
+                <a:gridCol w="1229709">
+                  <a:extLst>
+                    <a:ext uri="{9D8B030D-6E8A-4147-A177-3AD203B41FA5}">
+                      <a16:colId xmlns:a16="http://schemas.microsoft.com/office/drawing/2014/main" val="4008364951"/>
+                    </a:ext>
+                  </a:extLst>
+                </a:gridCol>
+                <a:gridCol w="1270857">
+                  <a:extLst>
+                    <a:ext uri="{9D8B030D-6E8A-4147-A177-3AD203B41FA5}">
+                      <a16:colId xmlns:a16="http://schemas.microsoft.com/office/drawing/2014/main" val="3554440371"/>
+                    </a:ext>
+                  </a:extLst>
+                </a:gridCol>
+                <a:gridCol w="1361984">
+                  <a:extLst>
+                    <a:ext uri="{9D8B030D-6E8A-4147-A177-3AD203B41FA5}">
+                      <a16:colId xmlns:a16="http://schemas.microsoft.com/office/drawing/2014/main" val="3385093010"/>
+                    </a:ext>
+                  </a:extLst>
+                </a:gridCol>
+              </a:tblGrid>
+              <a:tr h="462291">
+                <a:tc>
+                  <a:txBody>
+                    <a:bodyPr/>
+                    <a:lstStyle/>
+                    <a:p>
+                      <a:pPr algn="ctr"/>
+                      <a:r>
+                        <a:rPr lang="en-GB" sz="1600" dirty="0">
+                          <a:solidFill>
+                            <a:srgbClr val="FACF31"/>
+                          </a:solidFill>
+                          <a:latin typeface="Verdana Pro Cond SemiBold" panose="020B0706030504040204" pitchFamily="34" charset="0"/>
+                        </a:rPr>
+                        <a:t>Component</a:t>
+                      </a:r>
+                      <a:endParaRPr lang="en-US" sz="1600" dirty="0">
+                        <a:solidFill>
+                          <a:srgbClr val="FACF31"/>
+                        </a:solidFill>
+                        <a:latin typeface="Verdana Pro Cond SemiBold" panose="020B0706030504040204" pitchFamily="34" charset="0"/>
+                      </a:endParaRPr>
+                    </a:p>
+                  </a:txBody>
+                  <a:tcPr>
+                    <a:solidFill>
+                      <a:srgbClr val="03849A"/>
+                    </a:solidFill>
+                  </a:tcPr>
+                </a:tc>
+                <a:tc>
+                  <a:txBody>
+                    <a:bodyPr/>
+                    <a:lstStyle/>
+                    <a:p>
+                      <a:pPr algn="ctr"/>
+                      <a:r>
+                        <a:rPr lang="en-GB" sz="1600" dirty="0">
+                          <a:solidFill>
+                            <a:srgbClr val="FACF31"/>
+                          </a:solidFill>
+                          <a:latin typeface="Verdana Pro Cond SemiBold" panose="020B0706030504040204" pitchFamily="34" charset="0"/>
+                        </a:rPr>
+                        <a:t>Quantity</a:t>
+                      </a:r>
+                      <a:endParaRPr lang="en-US" sz="1600" dirty="0">
+                        <a:solidFill>
+                          <a:srgbClr val="FACF31"/>
+                        </a:solidFill>
+                        <a:latin typeface="Verdana Pro Cond SemiBold" panose="020B0706030504040204" pitchFamily="34" charset="0"/>
+                      </a:endParaRPr>
+                    </a:p>
+                  </a:txBody>
+                  <a:tcPr>
+                    <a:solidFill>
+                      <a:srgbClr val="03849A"/>
+                    </a:solidFill>
+                  </a:tcPr>
+                </a:tc>
+                <a:tc>
+                  <a:txBody>
+                    <a:bodyPr/>
+                    <a:lstStyle/>
+                    <a:p>
+                      <a:pPr algn="ctr"/>
+                      <a:r>
+                        <a:rPr lang="en-GB" sz="1600" dirty="0">
+                          <a:solidFill>
+                            <a:srgbClr val="FACF31"/>
+                          </a:solidFill>
+                          <a:latin typeface="Verdana Pro Cond SemiBold" panose="020B0706030504040204" pitchFamily="34" charset="0"/>
+                        </a:rPr>
+                        <a:t>Total</a:t>
+                      </a:r>
+                      <a:endParaRPr lang="en-US" sz="1600" dirty="0">
+                        <a:solidFill>
+                          <a:srgbClr val="FACF31"/>
+                        </a:solidFill>
+                        <a:latin typeface="Verdana Pro Cond SemiBold" panose="020B0706030504040204" pitchFamily="34" charset="0"/>
+                      </a:endParaRPr>
+                    </a:p>
+                  </a:txBody>
+                  <a:tcPr>
+                    <a:solidFill>
+                      <a:srgbClr val="03849A"/>
+                    </a:solidFill>
+                  </a:tcPr>
+                </a:tc>
+                <a:extLst>
+                  <a:ext uri="{0D108BD9-81ED-4DB2-BD59-A6C34878D82A}">
+                    <a16:rowId xmlns:a16="http://schemas.microsoft.com/office/drawing/2014/main" val="2809392100"/>
+                  </a:ext>
+                </a:extLst>
+              </a:tr>
+              <a:tr h="441415">
+                <a:tc>
+                  <a:txBody>
+                    <a:bodyPr/>
+                    <a:lstStyle/>
+                    <a:p>
+                      <a:endParaRPr lang="en-US" dirty="0">
+                        <a:latin typeface="Verdana Pro Cond SemiBold" panose="020B0706030504040204" pitchFamily="34" charset="0"/>
+                      </a:endParaRPr>
+                    </a:p>
+                  </a:txBody>
+                  <a:tcPr/>
+                </a:tc>
+                <a:tc>
+                  <a:txBody>
+                    <a:bodyPr/>
+                    <a:lstStyle/>
+                    <a:p>
+                      <a:endParaRPr lang="en-US" dirty="0">
+                        <a:latin typeface="Verdana Pro Cond SemiBold" panose="020B0706030504040204" pitchFamily="34" charset="0"/>
+                      </a:endParaRPr>
+                    </a:p>
+                  </a:txBody>
+                  <a:tcPr/>
+                </a:tc>
+                <a:tc>
+                  <a:txBody>
+                    <a:bodyPr/>
+                    <a:lstStyle/>
+                    <a:p>
+                      <a:endParaRPr lang="en-US" dirty="0">
+                        <a:latin typeface="Verdana Pro Cond SemiBold" panose="020B0706030504040204" pitchFamily="34" charset="0"/>
+                      </a:endParaRPr>
+                    </a:p>
+                  </a:txBody>
+                  <a:tcPr/>
+                </a:tc>
+                <a:extLst>
+                  <a:ext uri="{0D108BD9-81ED-4DB2-BD59-A6C34878D82A}">
+                    <a16:rowId xmlns:a16="http://schemas.microsoft.com/office/drawing/2014/main" val="250704751"/>
+                  </a:ext>
+                </a:extLst>
+              </a:tr>
+              <a:tr h="441415">
+                <a:tc>
+                  <a:txBody>
+                    <a:bodyPr/>
+                    <a:lstStyle/>
+                    <a:p>
+                      <a:endParaRPr lang="en-US" dirty="0">
+                        <a:latin typeface="Verdana Pro Cond SemiBold" panose="020B0706030504040204" pitchFamily="34" charset="0"/>
+                      </a:endParaRPr>
+                    </a:p>
+                  </a:txBody>
+                  <a:tcPr/>
+                </a:tc>
+                <a:tc>
+                  <a:txBody>
+                    <a:bodyPr/>
+                    <a:lstStyle/>
+                    <a:p>
+                      <a:endParaRPr lang="en-US" dirty="0">
+                        <a:latin typeface="Verdana Pro Cond SemiBold" panose="020B0706030504040204" pitchFamily="34" charset="0"/>
+                      </a:endParaRPr>
+                    </a:p>
+                  </a:txBody>
+                  <a:tcPr/>
+                </a:tc>
+                <a:tc>
+                  <a:txBody>
+                    <a:bodyPr/>
+                    <a:lstStyle/>
+                    <a:p>
+                      <a:endParaRPr lang="en-US" dirty="0">
+                        <a:latin typeface="Verdana Pro Cond SemiBold" panose="020B0706030504040204" pitchFamily="34" charset="0"/>
+                      </a:endParaRPr>
+                    </a:p>
+                  </a:txBody>
+                  <a:tcPr/>
+                </a:tc>
+                <a:extLst>
+                  <a:ext uri="{0D108BD9-81ED-4DB2-BD59-A6C34878D82A}">
+                    <a16:rowId xmlns:a16="http://schemas.microsoft.com/office/drawing/2014/main" val="2738096251"/>
+                  </a:ext>
+                </a:extLst>
+              </a:tr>
+              <a:tr h="441415">
+                <a:tc>
+                  <a:txBody>
+                    <a:bodyPr/>
+                    <a:lstStyle/>
+                    <a:p>
+                      <a:endParaRPr lang="en-US">
+                        <a:latin typeface="Verdana Pro Cond SemiBold" panose="020B0706030504040204" pitchFamily="34" charset="0"/>
+                      </a:endParaRPr>
+                    </a:p>
+                  </a:txBody>
+                  <a:tcPr/>
+                </a:tc>
+                <a:tc>
+                  <a:txBody>
+                    <a:bodyPr/>
+                    <a:lstStyle/>
+                    <a:p>
+                      <a:endParaRPr lang="en-US">
+                        <a:latin typeface="Verdana Pro Cond SemiBold" panose="020B0706030504040204" pitchFamily="34" charset="0"/>
+                      </a:endParaRPr>
+                    </a:p>
+                  </a:txBody>
+                  <a:tcPr/>
+                </a:tc>
+                <a:tc>
+                  <a:txBody>
+                    <a:bodyPr/>
+                    <a:lstStyle/>
+                    <a:p>
+                      <a:endParaRPr lang="en-US" dirty="0">
+                        <a:latin typeface="Verdana Pro Cond SemiBold" panose="020B0706030504040204" pitchFamily="34" charset="0"/>
+                      </a:endParaRPr>
+                    </a:p>
+                  </a:txBody>
+                  <a:tcPr/>
+                </a:tc>
+                <a:extLst>
+                  <a:ext uri="{0D108BD9-81ED-4DB2-BD59-A6C34878D82A}">
+                    <a16:rowId xmlns:a16="http://schemas.microsoft.com/office/drawing/2014/main" val="2961306089"/>
+                  </a:ext>
+                </a:extLst>
+              </a:tr>
+            </a:tbl>
+          </a:graphicData>
+        </a:graphic>
+      </p:graphicFrame>
+      <p:sp>
+        <p:nvSpPr>
+          <p:cNvPr id="4" name="Title 1">
+            <a:extLst>
+              <a:ext uri="{FF2B5EF4-FFF2-40B4-BE49-F238E27FC236}">
+                <a16:creationId xmlns:a16="http://schemas.microsoft.com/office/drawing/2014/main" id="{6B8645AE-7722-4D5E-A028-00E8CEF7CBF6}"/>
+              </a:ext>
+            </a:extLst>
+          </p:cNvPr>
+          <p:cNvSpPr txBox="1">
+            <a:spLocks/>
+          </p:cNvSpPr>
           <p:nvPr/>
-        </p:nvPicPr>
-        <p:blipFill>
-          <a:blip r:embed="rId2">
-            <a:extLst>
-              <a:ext uri="{28A0092B-C50C-407E-A947-70E740481C1C}">
-                <a14:useLocalDpi xmlns:a14="http://schemas.microsoft.com/office/drawing/2010/main" val="0"/>
-              </a:ext>
-            </a:extLst>
-          </a:blip>
-          <a:stretch>
-            <a:fillRect/>
-          </a:stretch>
-        </p:blipFill>
+        </p:nvSpPr>
         <p:spPr>
           <a:xfrm>
-            <a:off x="3131880" y="662781"/>
-            <a:ext cx="7583415" cy="5899897"/>
+            <a:off x="2904741" y="1330315"/>
+            <a:ext cx="1141066" cy="480131"/>
           </a:xfrm>
           <a:prstGeom prst="rect">
             <a:avLst/>
           </a:prstGeom>
+          <a:solidFill>
+            <a:srgbClr val="03849A"/>
+          </a:solidFill>
         </p:spPr>
-      </p:pic>
-      <p:sp>
-        <p:nvSpPr>
-          <p:cNvPr id="5" name="Rectangle 4">
-            <a:extLst>
-              <a:ext uri="{FF2B5EF4-FFF2-40B4-BE49-F238E27FC236}">
-                <a16:creationId xmlns:a16="http://schemas.microsoft.com/office/drawing/2014/main" id="{F9B3D7BE-C6EA-4A76-86B7-66D530DB257B}"/>
-              </a:ext>
-            </a:extLst>
-          </p:cNvPr>
-          <p:cNvSpPr/>
+        <p:txBody>
+          <a:bodyPr vert="horz" wrap="square" lIns="91440" tIns="45720" rIns="91440" bIns="45720" rtlCol="0" anchor="t">
+            <a:spAutoFit/>
+          </a:bodyPr>
+          <a:lstStyle>
+            <a:lvl1pPr algn="ctr" defTabSz="914400" rtl="0" eaLnBrk="1" latinLnBrk="0" hangingPunct="1">
+              <a:lnSpc>
+                <a:spcPct val="90000"/>
+              </a:lnSpc>
+              <a:spcBef>
+                <a:spcPct val="0"/>
+              </a:spcBef>
+              <a:buNone/>
+              <a:defRPr sz="6000" kern="1200">
+                <a:solidFill>
+                  <a:schemeClr val="tx1"/>
+                </a:solidFill>
+                <a:latin typeface="+mj-lt"/>
+                <a:ea typeface="+mj-ea"/>
+                <a:cs typeface="+mj-cs"/>
+              </a:defRPr>
+            </a:lvl1pPr>
+          </a:lstStyle>
+          <a:p>
+            <a:pPr algn="l"/>
+            <a:r>
+              <a:rPr lang="en-GB" sz="2800" dirty="0">
+                <a:solidFill>
+                  <a:schemeClr val="bg1"/>
+                </a:solidFill>
+                <a:latin typeface="Verdana Pro Cond SemiBold" panose="020B0604020202020204" pitchFamily="34" charset="0"/>
+              </a:rPr>
+              <a:t>Wired</a:t>
+            </a:r>
+            <a:endParaRPr lang="en-US" sz="2800" dirty="0">
+              <a:solidFill>
+                <a:schemeClr val="bg1"/>
+              </a:solidFill>
+              <a:latin typeface="Verdana Pro Cond SemiBold" panose="020B0604020202020204" pitchFamily="34" charset="0"/>
+            </a:endParaRPr>
+          </a:p>
+        </p:txBody>
+      </p:sp>
+      <p:sp>
+        <p:nvSpPr>
+          <p:cNvPr id="5" name="Title 1">
+            <a:extLst>
+              <a:ext uri="{FF2B5EF4-FFF2-40B4-BE49-F238E27FC236}">
+                <a16:creationId xmlns:a16="http://schemas.microsoft.com/office/drawing/2014/main" id="{92C6B5A3-CF9A-4BB7-B7F6-2044987F4C72}"/>
+              </a:ext>
+            </a:extLst>
+          </p:cNvPr>
+          <p:cNvSpPr txBox="1">
+            <a:spLocks/>
+          </p:cNvSpPr>
           <p:nvPr/>
         </p:nvSpPr>
         <p:spPr>
           <a:xfrm>
-            <a:off x="-87923" y="0"/>
-            <a:ext cx="12279923" cy="6858000"/>
+            <a:off x="7553957" y="1333387"/>
+            <a:ext cx="1521372" cy="480131"/>
           </a:xfrm>
           <a:prstGeom prst="rect">
             <a:avLst/>
           </a:prstGeom>
-          <a:gradFill>
-            <a:gsLst>
-              <a:gs pos="41000">
-                <a:schemeClr val="tx1">
-                  <a:alpha val="66000"/>
-                </a:schemeClr>
-              </a:gs>
-              <a:gs pos="0">
-                <a:schemeClr val="tx1">
-                  <a:lumMod val="95000"/>
-                  <a:lumOff val="5000"/>
-                </a:schemeClr>
-              </a:gs>
-              <a:gs pos="100000">
-                <a:schemeClr val="bg1">
-                  <a:alpha val="0"/>
-                </a:schemeClr>
-              </a:gs>
-              <a:gs pos="100000">
-                <a:schemeClr val="accent1">
-                  <a:lumMod val="30000"/>
-                  <a:lumOff val="70000"/>
-                </a:schemeClr>
-              </a:gs>
-            </a:gsLst>
-            <a:lin ang="0" scaled="0"/>
-          </a:gradFill>
+          <a:solidFill>
+            <a:srgbClr val="03849A"/>
+          </a:solidFill>
         </p:spPr>
-        <p:style>
-          <a:lnRef idx="2">
-            <a:schemeClr val="accent1">
-              <a:shade val="50000"/>
-            </a:schemeClr>
-          </a:lnRef>
-          <a:fillRef idx="1">
-            <a:schemeClr val="accent1"/>
-          </a:fillRef>
-          <a:effectRef idx="0">
-            <a:schemeClr val="accent1"/>
-          </a:effectRef>
-          <a:fontRef idx="minor">
-            <a:schemeClr val="lt1"/>
-          </a:fontRef>
-        </p:style>
-        <p:txBody>
-          <a:bodyPr rtlCol="0" anchor="ctr"/>
-          <a:lstStyle/>
-          <a:p>
-            <a:pPr algn="ctr"/>
-            <a:endParaRPr lang="en-US"/>
-          </a:p>
-        </p:txBody>
-      </p:sp>
-      <p:sp>
-        <p:nvSpPr>
-          <p:cNvPr id="2" name="Title 1">
-            <a:extLst>
-              <a:ext uri="{FF2B5EF4-FFF2-40B4-BE49-F238E27FC236}">
-                <a16:creationId xmlns:a16="http://schemas.microsoft.com/office/drawing/2014/main" id="{AC63A9D7-3BB4-46A0-89BE-6C2FA293120D}"/>
-              </a:ext>
-            </a:extLst>
-          </p:cNvPr>
-          <p:cNvSpPr>
-            <a:spLocks noGrp="1"/>
-          </p:cNvSpPr>
-          <p:nvPr>
-            <p:ph type="title"/>
-          </p:nvPr>
+        <p:txBody>
+          <a:bodyPr vert="horz" wrap="square" lIns="91440" tIns="45720" rIns="91440" bIns="45720" rtlCol="0" anchor="t">
+            <a:spAutoFit/>
+          </a:bodyPr>
+          <a:lstStyle>
+            <a:lvl1pPr algn="ctr" defTabSz="914400" rtl="0" eaLnBrk="1" latinLnBrk="0" hangingPunct="1">
+              <a:lnSpc>
+                <a:spcPct val="90000"/>
+              </a:lnSpc>
+              <a:spcBef>
+                <a:spcPct val="0"/>
+              </a:spcBef>
+              <a:buNone/>
+              <a:defRPr sz="6000" kern="1200">
+                <a:solidFill>
+                  <a:schemeClr val="tx1"/>
+                </a:solidFill>
+                <a:latin typeface="+mj-lt"/>
+                <a:ea typeface="+mj-ea"/>
+                <a:cs typeface="+mj-cs"/>
+              </a:defRPr>
+            </a:lvl1pPr>
+          </a:lstStyle>
+          <a:p>
+            <a:pPr algn="l"/>
+            <a:r>
+              <a:rPr lang="en-GB" sz="2800" dirty="0">
+                <a:solidFill>
+                  <a:schemeClr val="bg1"/>
+                </a:solidFill>
+                <a:latin typeface="Verdana Pro Cond SemiBold" panose="020B0604020202020204" pitchFamily="34" charset="0"/>
+              </a:rPr>
+              <a:t>Wireless</a:t>
+            </a:r>
+            <a:endParaRPr lang="en-US" sz="2800" dirty="0">
+              <a:solidFill>
+                <a:schemeClr val="bg1"/>
+              </a:solidFill>
+              <a:latin typeface="Verdana Pro Cond SemiBold" panose="020B0604020202020204" pitchFamily="34" charset="0"/>
+            </a:endParaRPr>
+          </a:p>
+        </p:txBody>
+      </p:sp>
+      <p:sp>
+        <p:nvSpPr>
+          <p:cNvPr id="7" name="Title 1">
+            <a:extLst>
+              <a:ext uri="{FF2B5EF4-FFF2-40B4-BE49-F238E27FC236}">
+                <a16:creationId xmlns:a16="http://schemas.microsoft.com/office/drawing/2014/main" id="{ADE463C5-EFF0-4387-9304-FEA6F95E94B4}"/>
+              </a:ext>
+            </a:extLst>
+          </p:cNvPr>
+          <p:cNvSpPr txBox="1">
+            <a:spLocks/>
+          </p:cNvSpPr>
+          <p:nvPr/>
         </p:nvSpPr>
         <p:spPr>
           <a:xfrm>
-            <a:off x="199696" y="0"/>
-            <a:ext cx="10315903" cy="1325563"/>
+            <a:off x="4173583" y="1325563"/>
+            <a:ext cx="878308" cy="480131"/>
           </a:xfrm>
+          <a:prstGeom prst="rect">
+            <a:avLst/>
+          </a:prstGeom>
+          <a:solidFill>
+            <a:srgbClr val="03849A"/>
+          </a:solidFill>
         </p:spPr>
         <p:txBody>
-          <a:bodyPr/>
-          <a:lstStyle/>
-          <a:p>
-            <a:r>
-              <a:rPr lang="en-GB" dirty="0">
+          <a:bodyPr vert="horz" wrap="square" lIns="91440" tIns="45720" rIns="91440" bIns="45720" rtlCol="0" anchor="t">
+            <a:spAutoFit/>
+          </a:bodyPr>
+          <a:lstStyle>
+            <a:lvl1pPr algn="ctr" defTabSz="914400" rtl="0" eaLnBrk="1" latinLnBrk="0" hangingPunct="1">
+              <a:lnSpc>
+                <a:spcPct val="90000"/>
+              </a:lnSpc>
+              <a:spcBef>
+                <a:spcPct val="0"/>
+              </a:spcBef>
+              <a:buNone/>
+              <a:defRPr sz="6000" kern="1200">
                 <a:solidFill>
-                  <a:srgbClr val="FACF31"/>
+                  <a:schemeClr val="tx1"/>
                 </a:solidFill>
-                <a:latin typeface="Verdana Pro SemiBold" panose="020B0604020202020204" pitchFamily="34" charset="0"/>
+                <a:latin typeface="+mj-lt"/>
+                <a:ea typeface="+mj-ea"/>
+                <a:cs typeface="+mj-cs"/>
+              </a:defRPr>
+            </a:lvl1pPr>
+          </a:lstStyle>
+          <a:p>
+            <a:pPr algn="l"/>
+            <a:r>
+              <a:rPr lang="en-GB" sz="2800" dirty="0">
+                <a:solidFill>
+                  <a:schemeClr val="bg1"/>
+                </a:solidFill>
+                <a:latin typeface="Verdana Pro Cond SemiBold" panose="020B0604020202020204" pitchFamily="34" charset="0"/>
               </a:rPr>
-              <a:t>Arduino Starter Kit</a:t>
-            </a:r>
-            <a:endParaRPr lang="en-US" dirty="0">
+              <a:t>USB</a:t>
+            </a:r>
+            <a:endParaRPr lang="en-US" sz="2800" dirty="0">
               <a:solidFill>
-                <a:srgbClr val="FACF31"/>
+                <a:schemeClr val="bg1"/>
               </a:solidFill>
-              <a:latin typeface="Verdana Pro SemiBold" panose="020B0604020202020204" pitchFamily="34" charset="0"/>
+              <a:latin typeface="Verdana Pro Cond SemiBold" panose="020B0604020202020204" pitchFamily="34" charset="0"/>
             </a:endParaRPr>
           </a:p>
         </p:txBody>
       </p:sp>
+      <p:sp>
+        <p:nvSpPr>
+          <p:cNvPr id="8" name="Title 1">
+            <a:extLst>
+              <a:ext uri="{FF2B5EF4-FFF2-40B4-BE49-F238E27FC236}">
+                <a16:creationId xmlns:a16="http://schemas.microsoft.com/office/drawing/2014/main" id="{C8D56873-B200-4229-9EDB-7D4684C5B02C}"/>
+              </a:ext>
+            </a:extLst>
+          </p:cNvPr>
+          <p:cNvSpPr txBox="1">
+            <a:spLocks/>
+          </p:cNvSpPr>
+          <p:nvPr/>
+        </p:nvSpPr>
+        <p:spPr>
+          <a:xfrm>
+            <a:off x="9192950" y="1333388"/>
+            <a:ext cx="1740437" cy="480131"/>
+          </a:xfrm>
+          <a:prstGeom prst="rect">
+            <a:avLst/>
+          </a:prstGeom>
+          <a:solidFill>
+            <a:srgbClr val="03849A"/>
+          </a:solidFill>
+        </p:spPr>
+        <p:txBody>
+          <a:bodyPr vert="horz" wrap="square" lIns="91440" tIns="45720" rIns="91440" bIns="45720" rtlCol="0" anchor="t">
+            <a:spAutoFit/>
+          </a:bodyPr>
+          <a:lstStyle>
+            <a:lvl1pPr algn="ctr" defTabSz="914400" rtl="0" eaLnBrk="1" latinLnBrk="0" hangingPunct="1">
+              <a:lnSpc>
+                <a:spcPct val="90000"/>
+              </a:lnSpc>
+              <a:spcBef>
+                <a:spcPct val="0"/>
+              </a:spcBef>
+              <a:buNone/>
+              <a:defRPr sz="6000" kern="1200">
+                <a:solidFill>
+                  <a:schemeClr val="tx1"/>
+                </a:solidFill>
+                <a:latin typeface="+mj-lt"/>
+                <a:ea typeface="+mj-ea"/>
+                <a:cs typeface="+mj-cs"/>
+              </a:defRPr>
+            </a:lvl1pPr>
+          </a:lstStyle>
+          <a:p>
+            <a:pPr algn="l"/>
+            <a:r>
+              <a:rPr lang="en-GB" sz="2800" dirty="0">
+                <a:solidFill>
+                  <a:schemeClr val="bg1"/>
+                </a:solidFill>
+                <a:latin typeface="Verdana Pro Cond SemiBold" panose="020B0604020202020204" pitchFamily="34" charset="0"/>
+              </a:rPr>
+              <a:t>Bluetooth</a:t>
+            </a:r>
+            <a:endParaRPr lang="en-US" sz="2800" dirty="0">
+              <a:solidFill>
+                <a:schemeClr val="bg1"/>
+              </a:solidFill>
+              <a:latin typeface="Verdana Pro Cond SemiBold" panose="020B0604020202020204" pitchFamily="34" charset="0"/>
+            </a:endParaRPr>
+          </a:p>
+        </p:txBody>
+      </p:sp>
+      <p:graphicFrame>
+        <p:nvGraphicFramePr>
+          <p:cNvPr id="10" name="Table 9">
+            <a:extLst>
+              <a:ext uri="{FF2B5EF4-FFF2-40B4-BE49-F238E27FC236}">
+                <a16:creationId xmlns:a16="http://schemas.microsoft.com/office/drawing/2014/main" id="{920107A8-DF12-43EF-9A8A-F717B0FE417B}"/>
+              </a:ext>
+            </a:extLst>
+          </p:cNvPr>
+          <p:cNvGraphicFramePr>
+            <a:graphicFrameLocks/>
+          </p:cNvGraphicFramePr>
+          <p:nvPr>
+            <p:extLst>
+              <p:ext uri="{D42A27DB-BD31-4B8C-83A1-F6EECF244321}">
+                <p14:modId xmlns:p14="http://schemas.microsoft.com/office/powerpoint/2010/main" val="2596102539"/>
+              </p:ext>
+            </p:extLst>
+          </p:nvPr>
+        </p:nvGraphicFramePr>
+        <p:xfrm>
+          <a:off x="7261675" y="2158399"/>
+          <a:ext cx="3862550" cy="1786536"/>
+        </p:xfrm>
+        <a:graphic>
+          <a:graphicData uri="http://schemas.openxmlformats.org/drawingml/2006/table">
+            <a:tbl>
+              <a:tblPr firstRow="1" bandRow="1">
+                <a:tableStyleId>{5C22544A-7EE6-4342-B048-85BDC9FD1C3A}</a:tableStyleId>
+              </a:tblPr>
+              <a:tblGrid>
+                <a:gridCol w="1229709">
+                  <a:extLst>
+                    <a:ext uri="{9D8B030D-6E8A-4147-A177-3AD203B41FA5}">
+                      <a16:colId xmlns:a16="http://schemas.microsoft.com/office/drawing/2014/main" val="4008364951"/>
+                    </a:ext>
+                  </a:extLst>
+                </a:gridCol>
+                <a:gridCol w="1270857">
+                  <a:extLst>
+                    <a:ext uri="{9D8B030D-6E8A-4147-A177-3AD203B41FA5}">
+                      <a16:colId xmlns:a16="http://schemas.microsoft.com/office/drawing/2014/main" val="3554440371"/>
+                    </a:ext>
+                  </a:extLst>
+                </a:gridCol>
+                <a:gridCol w="1361984">
+                  <a:extLst>
+                    <a:ext uri="{9D8B030D-6E8A-4147-A177-3AD203B41FA5}">
+                      <a16:colId xmlns:a16="http://schemas.microsoft.com/office/drawing/2014/main" val="3385093010"/>
+                    </a:ext>
+                  </a:extLst>
+                </a:gridCol>
+              </a:tblGrid>
+              <a:tr h="462291">
+                <a:tc>
+                  <a:txBody>
+                    <a:bodyPr/>
+                    <a:lstStyle/>
+                    <a:p>
+                      <a:pPr algn="ctr"/>
+                      <a:r>
+                        <a:rPr lang="en-GB" sz="1600" dirty="0">
+                          <a:solidFill>
+                            <a:srgbClr val="FACF31"/>
+                          </a:solidFill>
+                          <a:latin typeface="Verdana Pro Cond SemiBold" panose="020B0706030504040204" pitchFamily="34" charset="0"/>
+                        </a:rPr>
+                        <a:t>Component</a:t>
+                      </a:r>
+                      <a:endParaRPr lang="en-US" sz="1600" dirty="0">
+                        <a:solidFill>
+                          <a:srgbClr val="FACF31"/>
+                        </a:solidFill>
+                        <a:latin typeface="Verdana Pro Cond SemiBold" panose="020B0706030504040204" pitchFamily="34" charset="0"/>
+                      </a:endParaRPr>
+                    </a:p>
+                  </a:txBody>
+                  <a:tcPr>
+                    <a:solidFill>
+                      <a:srgbClr val="03849A"/>
+                    </a:solidFill>
+                  </a:tcPr>
+                </a:tc>
+                <a:tc>
+                  <a:txBody>
+                    <a:bodyPr/>
+                    <a:lstStyle/>
+                    <a:p>
+                      <a:pPr algn="ctr"/>
+                      <a:r>
+                        <a:rPr lang="en-GB" sz="1600" dirty="0">
+                          <a:solidFill>
+                            <a:srgbClr val="FACF31"/>
+                          </a:solidFill>
+                          <a:latin typeface="Verdana Pro Cond SemiBold" panose="020B0706030504040204" pitchFamily="34" charset="0"/>
+                        </a:rPr>
+                        <a:t>Quantity</a:t>
+                      </a:r>
+                      <a:endParaRPr lang="en-US" sz="1600" dirty="0">
+                        <a:solidFill>
+                          <a:srgbClr val="FACF31"/>
+                        </a:solidFill>
+                        <a:latin typeface="Verdana Pro Cond SemiBold" panose="020B0706030504040204" pitchFamily="34" charset="0"/>
+                      </a:endParaRPr>
+                    </a:p>
+                  </a:txBody>
+                  <a:tcPr>
+                    <a:solidFill>
+                      <a:srgbClr val="03849A"/>
+                    </a:solidFill>
+                  </a:tcPr>
+                </a:tc>
+                <a:tc>
+                  <a:txBody>
+                    <a:bodyPr/>
+                    <a:lstStyle/>
+                    <a:p>
+                      <a:pPr algn="ctr"/>
+                      <a:r>
+                        <a:rPr lang="en-GB" sz="1600" dirty="0">
+                          <a:solidFill>
+                            <a:srgbClr val="FACF31"/>
+                          </a:solidFill>
+                          <a:latin typeface="Verdana Pro Cond SemiBold" panose="020B0706030504040204" pitchFamily="34" charset="0"/>
+                        </a:rPr>
+                        <a:t>Total</a:t>
+                      </a:r>
+                      <a:endParaRPr lang="en-US" sz="1600" dirty="0">
+                        <a:solidFill>
+                          <a:srgbClr val="FACF31"/>
+                        </a:solidFill>
+                        <a:latin typeface="Verdana Pro Cond SemiBold" panose="020B0706030504040204" pitchFamily="34" charset="0"/>
+                      </a:endParaRPr>
+                    </a:p>
+                  </a:txBody>
+                  <a:tcPr>
+                    <a:solidFill>
+                      <a:srgbClr val="03849A"/>
+                    </a:solidFill>
+                  </a:tcPr>
+                </a:tc>
+                <a:extLst>
+                  <a:ext uri="{0D108BD9-81ED-4DB2-BD59-A6C34878D82A}">
+                    <a16:rowId xmlns:a16="http://schemas.microsoft.com/office/drawing/2014/main" val="2809392100"/>
+                  </a:ext>
+                </a:extLst>
+              </a:tr>
+              <a:tr h="441415">
+                <a:tc>
+                  <a:txBody>
+                    <a:bodyPr/>
+                    <a:lstStyle/>
+                    <a:p>
+                      <a:endParaRPr lang="en-US">
+                        <a:latin typeface="Verdana Pro Cond SemiBold" panose="020B0706030504040204" pitchFamily="34" charset="0"/>
+                      </a:endParaRPr>
+                    </a:p>
+                  </a:txBody>
+                  <a:tcPr/>
+                </a:tc>
+                <a:tc>
+                  <a:txBody>
+                    <a:bodyPr/>
+                    <a:lstStyle/>
+                    <a:p>
+                      <a:endParaRPr lang="en-US" dirty="0">
+                        <a:latin typeface="Verdana Pro Cond SemiBold" panose="020B0706030504040204" pitchFamily="34" charset="0"/>
+                      </a:endParaRPr>
+                    </a:p>
+                  </a:txBody>
+                  <a:tcPr/>
+                </a:tc>
+                <a:tc>
+                  <a:txBody>
+                    <a:bodyPr/>
+                    <a:lstStyle/>
+                    <a:p>
+                      <a:endParaRPr lang="en-US">
+                        <a:latin typeface="Verdana Pro Cond SemiBold" panose="020B0706030504040204" pitchFamily="34" charset="0"/>
+                      </a:endParaRPr>
+                    </a:p>
+                  </a:txBody>
+                  <a:tcPr/>
+                </a:tc>
+                <a:extLst>
+                  <a:ext uri="{0D108BD9-81ED-4DB2-BD59-A6C34878D82A}">
+                    <a16:rowId xmlns:a16="http://schemas.microsoft.com/office/drawing/2014/main" val="250704751"/>
+                  </a:ext>
+                </a:extLst>
+              </a:tr>
+              <a:tr h="441415">
+                <a:tc>
+                  <a:txBody>
+                    <a:bodyPr/>
+                    <a:lstStyle/>
+                    <a:p>
+                      <a:endParaRPr lang="en-US">
+                        <a:latin typeface="Verdana Pro Cond SemiBold" panose="020B0706030504040204" pitchFamily="34" charset="0"/>
+                      </a:endParaRPr>
+                    </a:p>
+                  </a:txBody>
+                  <a:tcPr/>
+                </a:tc>
+                <a:tc>
+                  <a:txBody>
+                    <a:bodyPr/>
+                    <a:lstStyle/>
+                    <a:p>
+                      <a:endParaRPr lang="en-US">
+                        <a:latin typeface="Verdana Pro Cond SemiBold" panose="020B0706030504040204" pitchFamily="34" charset="0"/>
+                      </a:endParaRPr>
+                    </a:p>
+                  </a:txBody>
+                  <a:tcPr/>
+                </a:tc>
+                <a:tc>
+                  <a:txBody>
+                    <a:bodyPr/>
+                    <a:lstStyle/>
+                    <a:p>
+                      <a:endParaRPr lang="en-US">
+                        <a:latin typeface="Verdana Pro Cond SemiBold" panose="020B0706030504040204" pitchFamily="34" charset="0"/>
+                      </a:endParaRPr>
+                    </a:p>
+                  </a:txBody>
+                  <a:tcPr/>
+                </a:tc>
+                <a:extLst>
+                  <a:ext uri="{0D108BD9-81ED-4DB2-BD59-A6C34878D82A}">
+                    <a16:rowId xmlns:a16="http://schemas.microsoft.com/office/drawing/2014/main" val="2738096251"/>
+                  </a:ext>
+                </a:extLst>
+              </a:tr>
+              <a:tr h="441415">
+                <a:tc>
+                  <a:txBody>
+                    <a:bodyPr/>
+                    <a:lstStyle/>
+                    <a:p>
+                      <a:endParaRPr lang="en-US">
+                        <a:latin typeface="Verdana Pro Cond SemiBold" panose="020B0706030504040204" pitchFamily="34" charset="0"/>
+                      </a:endParaRPr>
+                    </a:p>
+                  </a:txBody>
+                  <a:tcPr/>
+                </a:tc>
+                <a:tc>
+                  <a:txBody>
+                    <a:bodyPr/>
+                    <a:lstStyle/>
+                    <a:p>
+                      <a:endParaRPr lang="en-US">
+                        <a:latin typeface="Verdana Pro Cond SemiBold" panose="020B0706030504040204" pitchFamily="34" charset="0"/>
+                      </a:endParaRPr>
+                    </a:p>
+                  </a:txBody>
+                  <a:tcPr/>
+                </a:tc>
+                <a:tc>
+                  <a:txBody>
+                    <a:bodyPr/>
+                    <a:lstStyle/>
+                    <a:p>
+                      <a:endParaRPr lang="en-US" dirty="0">
+                        <a:latin typeface="Verdana Pro Cond SemiBold" panose="020B0706030504040204" pitchFamily="34" charset="0"/>
+                      </a:endParaRPr>
+                    </a:p>
+                  </a:txBody>
+                  <a:tcPr/>
+                </a:tc>
+                <a:extLst>
+                  <a:ext uri="{0D108BD9-81ED-4DB2-BD59-A6C34878D82A}">
+                    <a16:rowId xmlns:a16="http://schemas.microsoft.com/office/drawing/2014/main" val="2961306089"/>
+                  </a:ext>
+                </a:extLst>
+              </a:tr>
+            </a:tbl>
+          </a:graphicData>
+        </a:graphic>
+      </p:graphicFrame>
     </p:spTree>
     <p:extLst>
       <p:ext uri="{BB962C8B-B14F-4D97-AF65-F5344CB8AC3E}">
-        <p14:creationId xmlns:p14="http://schemas.microsoft.com/office/powerpoint/2010/main" val="2529106279"/>
+        <p14:creationId xmlns:p14="http://schemas.microsoft.com/office/powerpoint/2010/main" val="1580021585"/>
       </p:ext>
     </p:extLst>
   </p:cSld>

--- a/docs/Teams Sucks Presentation.pptx
+++ b/docs/Teams Sucks Presentation.pptx
@@ -10,9 +10,9 @@
   <p:sldIdLst>
     <p:sldId id="259" r:id="rId2"/>
     <p:sldId id="261" r:id="rId3"/>
-    <p:sldId id="264" r:id="rId4"/>
-    <p:sldId id="265" r:id="rId5"/>
-    <p:sldId id="269" r:id="rId6"/>
+    <p:sldId id="270" r:id="rId4"/>
+    <p:sldId id="264" r:id="rId5"/>
+    <p:sldId id="265" r:id="rId6"/>
     <p:sldId id="266" r:id="rId7"/>
     <p:sldId id="267" r:id="rId8"/>
     <p:sldId id="268" r:id="rId9"/>
@@ -1107,6 +1107,11 @@
           <a:lstStyle>
             <a:lvl1pPr>
               <a:defRPr b="1">
+                <a:ln>
+                  <a:solidFill>
+                    <a:schemeClr val="bg1"/>
+                  </a:solidFill>
+                </a:ln>
                 <a:solidFill>
                   <a:srgbClr val="F67D5E"/>
                 </a:solidFill>
@@ -5260,7 +5265,7 @@
           <p:cNvPr id="2" name="Title 1">
             <a:extLst>
               <a:ext uri="{FF2B5EF4-FFF2-40B4-BE49-F238E27FC236}">
-                <a16:creationId xmlns:a16="http://schemas.microsoft.com/office/drawing/2014/main" id="{948833DA-25E0-42A7-8BDC-D4D59936CFBF}"/>
+                <a16:creationId xmlns:a16="http://schemas.microsoft.com/office/drawing/2014/main" id="{B320D08F-CEB3-4775-9265-17CE46531699}"/>
               </a:ext>
             </a:extLst>
           </p:cNvPr>
@@ -5278,18 +5283,355 @@
           <a:p>
             <a:r>
               <a:rPr lang="en-GB" dirty="0"/>
-              <a:t>Hardware - Schematic</a:t>
-            </a:r>
-            <a:endParaRPr lang="en-US" dirty="0"/>
-          </a:p>
-        </p:txBody>
-      </p:sp>
-      <p:sp>
-        <p:nvSpPr>
-          <p:cNvPr id="3" name="Content Placeholder 2">
-            <a:extLst>
-              <a:ext uri="{FF2B5EF4-FFF2-40B4-BE49-F238E27FC236}">
-                <a16:creationId xmlns:a16="http://schemas.microsoft.com/office/drawing/2014/main" id="{39F62217-19FE-4D04-943A-11B8C29CDE95}"/>
+              <a:t>Hardware - Microcontroller</a:t>
+            </a:r>
+          </a:p>
+        </p:txBody>
+      </p:sp>
+      <p:pic>
+        <p:nvPicPr>
+          <p:cNvPr id="1026" name="Picture 2" descr="ARDUINO NANO: Arduino Nano V3, ATmega 328, Mini USB at ...">
+            <a:extLst>
+              <a:ext uri="{FF2B5EF4-FFF2-40B4-BE49-F238E27FC236}">
+                <a16:creationId xmlns:a16="http://schemas.microsoft.com/office/drawing/2014/main" id="{13B579BB-4717-4E16-9F64-469A2988AC76}"/>
+              </a:ext>
+            </a:extLst>
+          </p:cNvPr>
+          <p:cNvPicPr>
+            <a:picLocks noChangeAspect="1" noChangeArrowheads="1"/>
+          </p:cNvPicPr>
+          <p:nvPr/>
+        </p:nvPicPr>
+        <p:blipFill>
+          <a:blip r:embed="rId2">
+            <a:extLst>
+              <a:ext uri="{28A0092B-C50C-407E-A947-70E740481C1C}">
+                <a14:useLocalDpi xmlns:a14="http://schemas.microsoft.com/office/drawing/2010/main" val="0"/>
+              </a:ext>
+            </a:extLst>
+          </a:blip>
+          <a:srcRect/>
+          <a:stretch>
+            <a:fillRect/>
+          </a:stretch>
+        </p:blipFill>
+        <p:spPr bwMode="auto">
+          <a:xfrm>
+            <a:off x="8059677" y="1558863"/>
+            <a:ext cx="3140630" cy="2454771"/>
+          </a:xfrm>
+          <a:prstGeom prst="rect">
+            <a:avLst/>
+          </a:prstGeom>
+          <a:noFill/>
+          <a:extLst>
+            <a:ext uri="{909E8E84-426E-40DD-AFC4-6F175D3DCCD1}">
+              <a14:hiddenFill xmlns:a14="http://schemas.microsoft.com/office/drawing/2010/main">
+                <a:solidFill>
+                  <a:srgbClr val="FFFFFF"/>
+                </a:solidFill>
+              </a14:hiddenFill>
+            </a:ext>
+          </a:extLst>
+        </p:spPr>
+      </p:pic>
+      <p:pic>
+        <p:nvPicPr>
+          <p:cNvPr id="5" name="Picture 4">
+            <a:extLst>
+              <a:ext uri="{FF2B5EF4-FFF2-40B4-BE49-F238E27FC236}">
+                <a16:creationId xmlns:a16="http://schemas.microsoft.com/office/drawing/2014/main" id="{A758C1BC-BB2C-45C4-A576-65201AD6B7D7}"/>
+              </a:ext>
+            </a:extLst>
+          </p:cNvPr>
+          <p:cNvPicPr>
+            <a:picLocks noChangeAspect="1"/>
+          </p:cNvPicPr>
+          <p:nvPr/>
+        </p:nvPicPr>
+        <p:blipFill>
+          <a:blip r:embed="rId3"/>
+          <a:stretch>
+            <a:fillRect/>
+          </a:stretch>
+        </p:blipFill>
+        <p:spPr>
+          <a:xfrm>
+            <a:off x="541134" y="1875518"/>
+            <a:ext cx="5641415" cy="4452730"/>
+          </a:xfrm>
+          <a:prstGeom prst="rect">
+            <a:avLst/>
+          </a:prstGeom>
+        </p:spPr>
+      </p:pic>
+      <p:sp>
+        <p:nvSpPr>
+          <p:cNvPr id="7" name="Title 1">
+            <a:extLst>
+              <a:ext uri="{FF2B5EF4-FFF2-40B4-BE49-F238E27FC236}">
+                <a16:creationId xmlns:a16="http://schemas.microsoft.com/office/drawing/2014/main" id="{F5F5DE74-E323-4BCE-B539-18EB17E8B4A5}"/>
+              </a:ext>
+            </a:extLst>
+          </p:cNvPr>
+          <p:cNvSpPr txBox="1">
+            <a:spLocks/>
+          </p:cNvSpPr>
+          <p:nvPr/>
+        </p:nvSpPr>
+        <p:spPr>
+          <a:xfrm>
+            <a:off x="454585" y="1085497"/>
+            <a:ext cx="968633" cy="480131"/>
+          </a:xfrm>
+          <a:prstGeom prst="rect">
+            <a:avLst/>
+          </a:prstGeom>
+          <a:solidFill>
+            <a:srgbClr val="03849A"/>
+          </a:solidFill>
+        </p:spPr>
+        <p:txBody>
+          <a:bodyPr vert="horz" wrap="square" lIns="91440" tIns="45720" rIns="91440" bIns="45720" rtlCol="0" anchor="t">
+            <a:spAutoFit/>
+          </a:bodyPr>
+          <a:lstStyle>
+            <a:lvl1pPr algn="ctr" defTabSz="914400" rtl="0" eaLnBrk="1" latinLnBrk="0" hangingPunct="1">
+              <a:lnSpc>
+                <a:spcPct val="90000"/>
+              </a:lnSpc>
+              <a:spcBef>
+                <a:spcPct val="0"/>
+              </a:spcBef>
+              <a:buNone/>
+              <a:defRPr sz="6000" kern="1200">
+                <a:solidFill>
+                  <a:schemeClr val="tx1"/>
+                </a:solidFill>
+                <a:latin typeface="+mj-lt"/>
+                <a:ea typeface="+mj-ea"/>
+                <a:cs typeface="+mj-cs"/>
+              </a:defRPr>
+            </a:lvl1pPr>
+          </a:lstStyle>
+          <a:p>
+            <a:pPr algn="l"/>
+            <a:r>
+              <a:rPr lang="en-GB" sz="2800" dirty="0">
+                <a:solidFill>
+                  <a:schemeClr val="bg1"/>
+                </a:solidFill>
+                <a:latin typeface="Verdana Pro Cond SemiBold" panose="020B0604020202020204" pitchFamily="34" charset="0"/>
+              </a:rPr>
+              <a:t>C++</a:t>
+            </a:r>
+            <a:endParaRPr lang="en-US" sz="2800" dirty="0">
+              <a:solidFill>
+                <a:schemeClr val="bg1"/>
+              </a:solidFill>
+              <a:latin typeface="Verdana Pro Cond SemiBold" panose="020B0604020202020204" pitchFamily="34" charset="0"/>
+            </a:endParaRPr>
+          </a:p>
+        </p:txBody>
+      </p:sp>
+      <p:sp>
+        <p:nvSpPr>
+          <p:cNvPr id="8" name="Title 1">
+            <a:extLst>
+              <a:ext uri="{FF2B5EF4-FFF2-40B4-BE49-F238E27FC236}">
+                <a16:creationId xmlns:a16="http://schemas.microsoft.com/office/drawing/2014/main" id="{65CDEC6D-5AC7-4944-B449-4AF7CC15DAC3}"/>
+              </a:ext>
+            </a:extLst>
+          </p:cNvPr>
+          <p:cNvSpPr txBox="1">
+            <a:spLocks/>
+          </p:cNvSpPr>
+          <p:nvPr/>
+        </p:nvSpPr>
+        <p:spPr>
+          <a:xfrm>
+            <a:off x="7540434" y="1273220"/>
+            <a:ext cx="2404864" cy="480131"/>
+          </a:xfrm>
+          <a:prstGeom prst="rect">
+            <a:avLst/>
+          </a:prstGeom>
+          <a:solidFill>
+            <a:srgbClr val="03849A"/>
+          </a:solidFill>
+        </p:spPr>
+        <p:txBody>
+          <a:bodyPr vert="horz" wrap="square" lIns="91440" tIns="45720" rIns="91440" bIns="45720" rtlCol="0" anchor="t">
+            <a:spAutoFit/>
+          </a:bodyPr>
+          <a:lstStyle>
+            <a:lvl1pPr algn="ctr" defTabSz="914400" rtl="0" eaLnBrk="1" latinLnBrk="0" hangingPunct="1">
+              <a:lnSpc>
+                <a:spcPct val="90000"/>
+              </a:lnSpc>
+              <a:spcBef>
+                <a:spcPct val="0"/>
+              </a:spcBef>
+              <a:buNone/>
+              <a:defRPr sz="6000" kern="1200">
+                <a:solidFill>
+                  <a:schemeClr val="tx1"/>
+                </a:solidFill>
+                <a:latin typeface="+mj-lt"/>
+                <a:ea typeface="+mj-ea"/>
+                <a:cs typeface="+mj-cs"/>
+              </a:defRPr>
+            </a:lvl1pPr>
+          </a:lstStyle>
+          <a:p>
+            <a:pPr algn="l"/>
+            <a:r>
+              <a:rPr lang="en-GB" sz="2800" dirty="0">
+                <a:solidFill>
+                  <a:schemeClr val="bg1"/>
+                </a:solidFill>
+                <a:latin typeface="Verdana Pro Cond SemiBold" panose="020B0604020202020204" pitchFamily="34" charset="0"/>
+              </a:rPr>
+              <a:t>Arduino Nano</a:t>
+            </a:r>
+            <a:endParaRPr lang="en-US" sz="2800" dirty="0">
+              <a:solidFill>
+                <a:schemeClr val="bg1"/>
+              </a:solidFill>
+              <a:latin typeface="Verdana Pro Cond SemiBold" panose="020B0604020202020204" pitchFamily="34" charset="0"/>
+            </a:endParaRPr>
+          </a:p>
+        </p:txBody>
+      </p:sp>
+      <p:sp>
+        <p:nvSpPr>
+          <p:cNvPr id="9" name="TextBox 8">
+            <a:extLst>
+              <a:ext uri="{FF2B5EF4-FFF2-40B4-BE49-F238E27FC236}">
+                <a16:creationId xmlns:a16="http://schemas.microsoft.com/office/drawing/2014/main" id="{522A9DA6-ADC7-4EF9-AD22-7EE1C5860307}"/>
+              </a:ext>
+            </a:extLst>
+          </p:cNvPr>
+          <p:cNvSpPr txBox="1"/>
+          <p:nvPr/>
+        </p:nvSpPr>
+        <p:spPr>
+          <a:xfrm>
+            <a:off x="4756688" y="1987727"/>
+            <a:ext cx="1688283" cy="523220"/>
+          </a:xfrm>
+          <a:prstGeom prst="rect">
+            <a:avLst/>
+          </a:prstGeom>
+          <a:noFill/>
+        </p:spPr>
+        <p:txBody>
+          <a:bodyPr wrap="none" rtlCol="0">
+            <a:spAutoFit/>
+          </a:bodyPr>
+          <a:lstStyle/>
+          <a:p>
+            <a:r>
+              <a:rPr lang="en-GB" sz="2800" b="1" dirty="0">
+                <a:latin typeface="Courier New" panose="02070309020205020404" pitchFamily="49" charset="0"/>
+                <a:cs typeface="Courier New" panose="02070309020205020404" pitchFamily="49" charset="0"/>
+              </a:rPr>
+              <a:t>Compile</a:t>
+            </a:r>
+          </a:p>
+        </p:txBody>
+      </p:sp>
+      <p:sp>
+        <p:nvSpPr>
+          <p:cNvPr id="11" name="TextBox 10">
+            <a:extLst>
+              <a:ext uri="{FF2B5EF4-FFF2-40B4-BE49-F238E27FC236}">
+                <a16:creationId xmlns:a16="http://schemas.microsoft.com/office/drawing/2014/main" id="{59ED4AE1-3093-4E6F-A7CE-D540830BF144}"/>
+              </a:ext>
+            </a:extLst>
+          </p:cNvPr>
+          <p:cNvSpPr txBox="1"/>
+          <p:nvPr/>
+        </p:nvSpPr>
+        <p:spPr>
+          <a:xfrm>
+            <a:off x="5888196" y="5259203"/>
+            <a:ext cx="1473480" cy="523220"/>
+          </a:xfrm>
+          <a:prstGeom prst="rect">
+            <a:avLst/>
+          </a:prstGeom>
+          <a:noFill/>
+        </p:spPr>
+        <p:txBody>
+          <a:bodyPr wrap="none" rtlCol="0">
+            <a:spAutoFit/>
+          </a:bodyPr>
+          <a:lstStyle/>
+          <a:p>
+            <a:r>
+              <a:rPr lang="en-GB" sz="2800" b="1" dirty="0">
+                <a:latin typeface="Courier New" panose="02070309020205020404" pitchFamily="49" charset="0"/>
+                <a:cs typeface="Courier New" panose="02070309020205020404" pitchFamily="49" charset="0"/>
+              </a:rPr>
+              <a:t>Upload</a:t>
+            </a:r>
+          </a:p>
+        </p:txBody>
+      </p:sp>
+      <p:pic>
+        <p:nvPicPr>
+          <p:cNvPr id="1028" name="Picture 4" descr="30cm Short Genuine BlackBerry Micro USB Data Sync Charger ...">
+            <a:extLst>
+              <a:ext uri="{FF2B5EF4-FFF2-40B4-BE49-F238E27FC236}">
+                <a16:creationId xmlns:a16="http://schemas.microsoft.com/office/drawing/2014/main" id="{A0983744-6A21-44D7-B470-A4852BCEB8A9}"/>
+              </a:ext>
+            </a:extLst>
+          </p:cNvPr>
+          <p:cNvPicPr>
+            <a:picLocks noChangeAspect="1" noChangeArrowheads="1"/>
+          </p:cNvPicPr>
+          <p:nvPr/>
+        </p:nvPicPr>
+        <p:blipFill>
+          <a:blip r:embed="rId4">
+            <a:extLst>
+              <a:ext uri="{28A0092B-C50C-407E-A947-70E740481C1C}">
+                <a14:useLocalDpi xmlns:a14="http://schemas.microsoft.com/office/drawing/2010/main" val="0"/>
+              </a:ext>
+            </a:extLst>
+          </a:blip>
+          <a:srcRect/>
+          <a:stretch>
+            <a:fillRect/>
+          </a:stretch>
+        </p:blipFill>
+        <p:spPr bwMode="auto">
+          <a:xfrm rot="10451204">
+            <a:off x="5051342" y="2536889"/>
+            <a:ext cx="2524837" cy="2524837"/>
+          </a:xfrm>
+          <a:prstGeom prst="rect">
+            <a:avLst/>
+          </a:prstGeom>
+          <a:noFill/>
+          <a:extLst>
+            <a:ext uri="{909E8E84-426E-40DD-AFC4-6F175D3DCCD1}">
+              <a14:hiddenFill xmlns:a14="http://schemas.microsoft.com/office/drawing/2010/main">
+                <a:solidFill>
+                  <a:srgbClr val="FFFFFF"/>
+                </a:solidFill>
+              </a14:hiddenFill>
+            </a:ext>
+          </a:extLst>
+        </p:spPr>
+      </p:pic>
+      <p:sp>
+        <p:nvSpPr>
+          <p:cNvPr id="12" name="Content Placeholder 2">
+            <a:extLst>
+              <a:ext uri="{FF2B5EF4-FFF2-40B4-BE49-F238E27FC236}">
+                <a16:creationId xmlns:a16="http://schemas.microsoft.com/office/drawing/2014/main" id="{F9601A8D-7B4D-4836-BC14-3F212B34B354}"/>
               </a:ext>
             </a:extLst>
           </p:cNvPr>
@@ -5300,19 +5642,96 @@
             <p:ph idx="1"/>
           </p:nvPr>
         </p:nvSpPr>
-        <p:spPr/>
-        <p:txBody>
-          <a:bodyPr/>
+        <p:spPr>
+          <a:xfrm>
+            <a:off x="7816646" y="4183626"/>
+            <a:ext cx="4522838" cy="2674374"/>
+          </a:xfrm>
+          <a:solidFill>
+            <a:schemeClr val="bg1">
+              <a:alpha val="83000"/>
+            </a:schemeClr>
+          </a:solidFill>
+        </p:spPr>
+        <p:txBody>
+          <a:bodyPr>
+            <a:normAutofit/>
+          </a:bodyPr>
           <a:lstStyle/>
           <a:p>
-            <a:endParaRPr lang="en-US"/>
+            <a:r>
+              <a:rPr lang="en-GB" sz="2000" b="0" i="0" dirty="0">
+                <a:solidFill>
+                  <a:srgbClr val="4F4E4E"/>
+                </a:solidFill>
+                <a:effectLst/>
+                <a:latin typeface="typoninesans regular 18"/>
+              </a:rPr>
+              <a:t>ATmega328 Microcontroller</a:t>
+            </a:r>
+          </a:p>
+          <a:p>
+            <a:r>
+              <a:rPr lang="en-GB" sz="2000" dirty="0">
+                <a:solidFill>
+                  <a:srgbClr val="4F4E4E"/>
+                </a:solidFill>
+                <a:latin typeface="typoninesans regular 18"/>
+              </a:rPr>
+              <a:t>32K Flash</a:t>
+            </a:r>
+          </a:p>
+          <a:p>
+            <a:r>
+              <a:rPr lang="en-GB" sz="2000" dirty="0">
+                <a:solidFill>
+                  <a:srgbClr val="4F4E4E"/>
+                </a:solidFill>
+                <a:latin typeface="typoninesans regular 18"/>
+              </a:rPr>
+              <a:t>2K DRAM</a:t>
+            </a:r>
+          </a:p>
+          <a:p>
+            <a:r>
+              <a:rPr lang="en-GB" sz="2000" dirty="0">
+                <a:solidFill>
+                  <a:srgbClr val="4F4E4E"/>
+                </a:solidFill>
+                <a:latin typeface="typoninesans regular 18"/>
+              </a:rPr>
+              <a:t>14 digital I/O pins</a:t>
+            </a:r>
+          </a:p>
+          <a:p>
+            <a:r>
+              <a:rPr lang="en-GB" sz="2000" dirty="0">
+                <a:solidFill>
+                  <a:srgbClr val="4F4E4E"/>
+                </a:solidFill>
+                <a:latin typeface="typoninesans regular 18"/>
+              </a:rPr>
+              <a:t>8 Analogue I/O pins</a:t>
+            </a:r>
+          </a:p>
+          <a:p>
+            <a:r>
+              <a:rPr lang="en-GB" sz="2000" dirty="0">
+                <a:solidFill>
+                  <a:srgbClr val="4F4E4E"/>
+                </a:solidFill>
+                <a:latin typeface="typoninesans regular 18"/>
+              </a:rPr>
+              <a:t>40 mA per pin</a:t>
+            </a:r>
+            <a:endParaRPr lang="en-US" sz="3200" dirty="0"/>
           </a:p>
         </p:txBody>
       </p:sp>
     </p:spTree>
     <p:extLst>
       <p:ext uri="{BB962C8B-B14F-4D97-AF65-F5344CB8AC3E}">
-        <p14:creationId xmlns:p14="http://schemas.microsoft.com/office/powerpoint/2010/main" val="2288012161"/>
+        <p14:creationId xmlns:p14="http://schemas.microsoft.com/office/powerpoint/2010/main" val="2690317456"/>
       </p:ext>
     </p:extLst>
   </p:cSld>
@@ -5339,12 +5758,42 @@
           <a:chExt cx="0" cy="0"/>
         </a:xfrm>
       </p:grpSpPr>
+      <p:pic>
+        <p:nvPicPr>
+          <p:cNvPr id="15" name="Picture 14">
+            <a:extLst>
+              <a:ext uri="{FF2B5EF4-FFF2-40B4-BE49-F238E27FC236}">
+                <a16:creationId xmlns:a16="http://schemas.microsoft.com/office/drawing/2014/main" id="{1CC3E0CE-D328-4EC1-A5B8-9584EA4B6D8B}"/>
+              </a:ext>
+            </a:extLst>
+          </p:cNvPr>
+          <p:cNvPicPr>
+            <a:picLocks noChangeAspect="1"/>
+          </p:cNvPicPr>
+          <p:nvPr/>
+        </p:nvPicPr>
+        <p:blipFill>
+          <a:blip r:embed="rId2"/>
+          <a:stretch>
+            <a:fillRect/>
+          </a:stretch>
+        </p:blipFill>
+        <p:spPr>
+          <a:xfrm>
+            <a:off x="2566219" y="985175"/>
+            <a:ext cx="7348721" cy="5828296"/>
+          </a:xfrm>
+          <a:prstGeom prst="rect">
+            <a:avLst/>
+          </a:prstGeom>
+        </p:spPr>
+      </p:pic>
       <p:sp>
         <p:nvSpPr>
           <p:cNvPr id="2" name="Title 1">
             <a:extLst>
               <a:ext uri="{FF2B5EF4-FFF2-40B4-BE49-F238E27FC236}">
-                <a16:creationId xmlns:a16="http://schemas.microsoft.com/office/drawing/2014/main" id="{A5BD21C8-7758-463C-BC15-B7103A0D1438}"/>
+                <a16:creationId xmlns:a16="http://schemas.microsoft.com/office/drawing/2014/main" id="{948833DA-25E0-42A7-8BDC-D4D59936CFBF}"/>
               </a:ext>
             </a:extLst>
           </p:cNvPr>
@@ -5362,7 +5811,7 @@
           <a:p>
             <a:r>
               <a:rPr lang="en-GB" dirty="0"/>
-              <a:t>Hardware - Reality</a:t>
+              <a:t>Hardware - Schematic</a:t>
             </a:r>
             <a:endParaRPr lang="en-US" dirty="0"/>
           </a:p>
@@ -5370,33 +5819,401 @@
       </p:sp>
       <p:sp>
         <p:nvSpPr>
-          <p:cNvPr id="3" name="Content Placeholder 2">
-            <a:extLst>
-              <a:ext uri="{FF2B5EF4-FFF2-40B4-BE49-F238E27FC236}">
-                <a16:creationId xmlns:a16="http://schemas.microsoft.com/office/drawing/2014/main" id="{8E8E11FA-7B6E-443E-BFE2-FFC039B7877C}"/>
-              </a:ext>
-            </a:extLst>
-          </p:cNvPr>
-          <p:cNvSpPr>
-            <a:spLocks noGrp="1"/>
-          </p:cNvSpPr>
-          <p:nvPr>
-            <p:ph idx="1"/>
-          </p:nvPr>
-        </p:nvSpPr>
-        <p:spPr/>
-        <p:txBody>
-          <a:bodyPr/>
+          <p:cNvPr id="8" name="TextBox 7">
+            <a:extLst>
+              <a:ext uri="{FF2B5EF4-FFF2-40B4-BE49-F238E27FC236}">
+                <a16:creationId xmlns:a16="http://schemas.microsoft.com/office/drawing/2014/main" id="{2AF5F55F-3A35-4863-A097-9901D73DB583}"/>
+              </a:ext>
+            </a:extLst>
+          </p:cNvPr>
+          <p:cNvSpPr txBox="1"/>
+          <p:nvPr/>
+        </p:nvSpPr>
+        <p:spPr>
+          <a:xfrm>
+            <a:off x="2222307" y="2934464"/>
+            <a:ext cx="883575" cy="307777"/>
+          </a:xfrm>
+          <a:prstGeom prst="rect">
+            <a:avLst/>
+          </a:prstGeom>
+          <a:noFill/>
+        </p:spPr>
+        <p:txBody>
+          <a:bodyPr wrap="none" rtlCol="0">
+            <a:spAutoFit/>
+          </a:bodyPr>
           <a:lstStyle/>
           <a:p>
-            <a:endParaRPr lang="en-US"/>
+            <a:r>
+              <a:rPr lang="en-GB" sz="1400" dirty="0">
+                <a:solidFill>
+                  <a:srgbClr val="03849A"/>
+                </a:solidFill>
+                <a:latin typeface="Verdana Pro" panose="020B0604020202020204" pitchFamily="34" charset="0"/>
+                <a:cs typeface="Courier New" panose="02070309020205020404" pitchFamily="49" charset="0"/>
+              </a:rPr>
+              <a:t>Arduino</a:t>
+            </a:r>
+          </a:p>
+        </p:txBody>
+      </p:sp>
+      <p:sp>
+        <p:nvSpPr>
+          <p:cNvPr id="9" name="TextBox 8">
+            <a:extLst>
+              <a:ext uri="{FF2B5EF4-FFF2-40B4-BE49-F238E27FC236}">
+                <a16:creationId xmlns:a16="http://schemas.microsoft.com/office/drawing/2014/main" id="{A753DF37-8646-4E89-8F7A-0379CF9ECC41}"/>
+              </a:ext>
+            </a:extLst>
+          </p:cNvPr>
+          <p:cNvSpPr txBox="1"/>
+          <p:nvPr/>
+        </p:nvSpPr>
+        <p:spPr>
+          <a:xfrm>
+            <a:off x="9979296" y="4872493"/>
+            <a:ext cx="1710812" cy="738664"/>
+          </a:xfrm>
+          <a:prstGeom prst="rect">
+            <a:avLst/>
+          </a:prstGeom>
+          <a:noFill/>
+        </p:spPr>
+        <p:txBody>
+          <a:bodyPr wrap="square" rtlCol="0">
+            <a:spAutoFit/>
+          </a:bodyPr>
+          <a:lstStyle/>
+          <a:p>
+            <a:r>
+              <a:rPr lang="en-GB" sz="1400" dirty="0">
+                <a:solidFill>
+                  <a:srgbClr val="03849A"/>
+                </a:solidFill>
+                <a:latin typeface="Verdana Pro" panose="020B0604020202020204" pitchFamily="34" charset="0"/>
+                <a:cs typeface="Courier New" panose="02070309020205020404" pitchFamily="49" charset="0"/>
+              </a:rPr>
+              <a:t>R1, R2, R3 - Pulldown resistors</a:t>
+            </a:r>
+          </a:p>
+        </p:txBody>
+      </p:sp>
+      <p:sp>
+        <p:nvSpPr>
+          <p:cNvPr id="10" name="TextBox 9">
+            <a:extLst>
+              <a:ext uri="{FF2B5EF4-FFF2-40B4-BE49-F238E27FC236}">
+                <a16:creationId xmlns:a16="http://schemas.microsoft.com/office/drawing/2014/main" id="{6308D80E-0504-4536-A48C-88F16D1BE45E}"/>
+              </a:ext>
+            </a:extLst>
+          </p:cNvPr>
+          <p:cNvSpPr txBox="1"/>
+          <p:nvPr/>
+        </p:nvSpPr>
+        <p:spPr>
+          <a:xfrm>
+            <a:off x="2428106" y="1329470"/>
+            <a:ext cx="1031088" cy="523220"/>
+          </a:xfrm>
+          <a:prstGeom prst="rect">
+            <a:avLst/>
+          </a:prstGeom>
+          <a:noFill/>
+        </p:spPr>
+        <p:txBody>
+          <a:bodyPr wrap="square" rtlCol="0">
+            <a:spAutoFit/>
+          </a:bodyPr>
+          <a:lstStyle/>
+          <a:p>
+            <a:r>
+              <a:rPr lang="en-GB" sz="1400" dirty="0">
+                <a:solidFill>
+                  <a:srgbClr val="03849A"/>
+                </a:solidFill>
+                <a:latin typeface="Verdana Pro" panose="020B0604020202020204" pitchFamily="34" charset="0"/>
+                <a:cs typeface="Courier New" panose="02070309020205020404" pitchFamily="49" charset="0"/>
+              </a:rPr>
+              <a:t>P1 – LCD contrast</a:t>
+            </a:r>
+          </a:p>
+        </p:txBody>
+      </p:sp>
+      <p:sp>
+        <p:nvSpPr>
+          <p:cNvPr id="11" name="TextBox 10">
+            <a:extLst>
+              <a:ext uri="{FF2B5EF4-FFF2-40B4-BE49-F238E27FC236}">
+                <a16:creationId xmlns:a16="http://schemas.microsoft.com/office/drawing/2014/main" id="{8CE6E4C0-35EB-4D27-9D80-08FC16AC574C}"/>
+              </a:ext>
+            </a:extLst>
+          </p:cNvPr>
+          <p:cNvSpPr txBox="1"/>
+          <p:nvPr/>
+        </p:nvSpPr>
+        <p:spPr>
+          <a:xfrm>
+            <a:off x="2428106" y="5784335"/>
+            <a:ext cx="1129411" cy="738664"/>
+          </a:xfrm>
+          <a:prstGeom prst="rect">
+            <a:avLst/>
+          </a:prstGeom>
+          <a:noFill/>
+        </p:spPr>
+        <p:txBody>
+          <a:bodyPr wrap="square" rtlCol="0">
+            <a:spAutoFit/>
+          </a:bodyPr>
+          <a:lstStyle/>
+          <a:p>
+            <a:r>
+              <a:rPr lang="en-GB" sz="1400" dirty="0">
+                <a:solidFill>
+                  <a:srgbClr val="03849A"/>
+                </a:solidFill>
+                <a:latin typeface="Verdana Pro" panose="020B0604020202020204" pitchFamily="34" charset="0"/>
+                <a:cs typeface="Courier New" panose="02070309020205020404" pitchFamily="49" charset="0"/>
+              </a:rPr>
+              <a:t>R4, R5 - Voltage divider</a:t>
+            </a:r>
+          </a:p>
+        </p:txBody>
+      </p:sp>
+      <p:sp>
+        <p:nvSpPr>
+          <p:cNvPr id="12" name="TextBox 11">
+            <a:extLst>
+              <a:ext uri="{FF2B5EF4-FFF2-40B4-BE49-F238E27FC236}">
+                <a16:creationId xmlns:a16="http://schemas.microsoft.com/office/drawing/2014/main" id="{C8CA6AF7-9C70-48DD-8047-68880473B498}"/>
+              </a:ext>
+            </a:extLst>
+          </p:cNvPr>
+          <p:cNvSpPr txBox="1"/>
+          <p:nvPr/>
+        </p:nvSpPr>
+        <p:spPr>
+          <a:xfrm>
+            <a:off x="9914940" y="2719021"/>
+            <a:ext cx="1710812" cy="523220"/>
+          </a:xfrm>
+          <a:prstGeom prst="rect">
+            <a:avLst/>
+          </a:prstGeom>
+          <a:noFill/>
+        </p:spPr>
+        <p:txBody>
+          <a:bodyPr wrap="square" rtlCol="0">
+            <a:spAutoFit/>
+          </a:bodyPr>
+          <a:lstStyle/>
+          <a:p>
+            <a:r>
+              <a:rPr lang="en-GB" sz="1400" dirty="0">
+                <a:solidFill>
+                  <a:srgbClr val="03849A"/>
+                </a:solidFill>
+                <a:latin typeface="Verdana Pro" panose="020B0604020202020204" pitchFamily="34" charset="0"/>
+                <a:cs typeface="Courier New" panose="02070309020205020404" pitchFamily="49" charset="0"/>
+              </a:rPr>
+              <a:t>R6 Current limiting resistor</a:t>
+            </a:r>
+          </a:p>
+        </p:txBody>
+      </p:sp>
+      <p:sp>
+        <p:nvSpPr>
+          <p:cNvPr id="13" name="TextBox 12">
+            <a:extLst>
+              <a:ext uri="{FF2B5EF4-FFF2-40B4-BE49-F238E27FC236}">
+                <a16:creationId xmlns:a16="http://schemas.microsoft.com/office/drawing/2014/main" id="{3DCD7F3D-6944-4EC8-9AA9-72F068E810E9}"/>
+              </a:ext>
+            </a:extLst>
+          </p:cNvPr>
+          <p:cNvSpPr txBox="1"/>
+          <p:nvPr/>
+        </p:nvSpPr>
+        <p:spPr>
+          <a:xfrm>
+            <a:off x="9914940" y="1591080"/>
+            <a:ext cx="1710812" cy="738664"/>
+          </a:xfrm>
+          <a:prstGeom prst="rect">
+            <a:avLst/>
+          </a:prstGeom>
+          <a:noFill/>
+        </p:spPr>
+        <p:txBody>
+          <a:bodyPr wrap="square" rtlCol="0">
+            <a:spAutoFit/>
+          </a:bodyPr>
+          <a:lstStyle/>
+          <a:p>
+            <a:r>
+              <a:rPr lang="en-GB" sz="1400" dirty="0">
+                <a:solidFill>
+                  <a:srgbClr val="03849A"/>
+                </a:solidFill>
+                <a:latin typeface="Verdana Pro" panose="020B0604020202020204" pitchFamily="34" charset="0"/>
+                <a:cs typeface="Courier New" panose="02070309020205020404" pitchFamily="49" charset="0"/>
+              </a:rPr>
+              <a:t>S1 – Cycle</a:t>
+            </a:r>
+          </a:p>
+          <a:p>
+            <a:r>
+              <a:rPr lang="en-GB" sz="1400" dirty="0">
+                <a:solidFill>
+                  <a:srgbClr val="03849A"/>
+                </a:solidFill>
+                <a:latin typeface="Verdana Pro" panose="020B0604020202020204" pitchFamily="34" charset="0"/>
+                <a:cs typeface="Courier New" panose="02070309020205020404" pitchFamily="49" charset="0"/>
+              </a:rPr>
+              <a:t>S2 – Mute</a:t>
+            </a:r>
+          </a:p>
+          <a:p>
+            <a:r>
+              <a:rPr lang="en-GB" sz="1400" dirty="0">
+                <a:solidFill>
+                  <a:srgbClr val="03849A"/>
+                </a:solidFill>
+                <a:latin typeface="Verdana Pro" panose="020B0604020202020204" pitchFamily="34" charset="0"/>
+                <a:cs typeface="Courier New" panose="02070309020205020404" pitchFamily="49" charset="0"/>
+              </a:rPr>
+              <a:t>S3 - Camera</a:t>
+            </a:r>
+          </a:p>
+        </p:txBody>
+      </p:sp>
+      <p:sp>
+        <p:nvSpPr>
+          <p:cNvPr id="16" name="TextBox 15">
+            <a:extLst>
+              <a:ext uri="{FF2B5EF4-FFF2-40B4-BE49-F238E27FC236}">
+                <a16:creationId xmlns:a16="http://schemas.microsoft.com/office/drawing/2014/main" id="{472A8337-1EBE-4027-9580-D63F090056D6}"/>
+              </a:ext>
+            </a:extLst>
+          </p:cNvPr>
+          <p:cNvSpPr txBox="1"/>
+          <p:nvPr/>
+        </p:nvSpPr>
+        <p:spPr>
+          <a:xfrm>
+            <a:off x="9979296" y="5999779"/>
+            <a:ext cx="1710812" cy="523220"/>
+          </a:xfrm>
+          <a:prstGeom prst="rect">
+            <a:avLst/>
+          </a:prstGeom>
+          <a:noFill/>
+        </p:spPr>
+        <p:txBody>
+          <a:bodyPr wrap="square" rtlCol="0">
+            <a:spAutoFit/>
+          </a:bodyPr>
+          <a:lstStyle/>
+          <a:p>
+            <a:r>
+              <a:rPr lang="en-GB" sz="1400" dirty="0">
+                <a:solidFill>
+                  <a:srgbClr val="03849A"/>
+                </a:solidFill>
+                <a:latin typeface="Verdana Pro" panose="020B0604020202020204" pitchFamily="34" charset="0"/>
+                <a:cs typeface="Courier New" panose="02070309020205020404" pitchFamily="49" charset="0"/>
+              </a:rPr>
+              <a:t>J1 – Piezo buzzer</a:t>
+            </a:r>
+          </a:p>
+        </p:txBody>
+      </p:sp>
+      <p:sp>
+        <p:nvSpPr>
+          <p:cNvPr id="17" name="TextBox 16">
+            <a:extLst>
+              <a:ext uri="{FF2B5EF4-FFF2-40B4-BE49-F238E27FC236}">
+                <a16:creationId xmlns:a16="http://schemas.microsoft.com/office/drawing/2014/main" id="{DAAF099C-8637-4DEB-A952-DA3D673B8A24}"/>
+              </a:ext>
+            </a:extLst>
+          </p:cNvPr>
+          <p:cNvSpPr txBox="1"/>
+          <p:nvPr/>
+        </p:nvSpPr>
+        <p:spPr>
+          <a:xfrm>
+            <a:off x="5783993" y="1283303"/>
+            <a:ext cx="546945" cy="307777"/>
+          </a:xfrm>
+          <a:prstGeom prst="rect">
+            <a:avLst/>
+          </a:prstGeom>
+          <a:noFill/>
+        </p:spPr>
+        <p:txBody>
+          <a:bodyPr wrap="none" rtlCol="0">
+            <a:spAutoFit/>
+          </a:bodyPr>
+          <a:lstStyle/>
+          <a:p>
+            <a:r>
+              <a:rPr lang="en-GB" sz="1400" dirty="0">
+                <a:solidFill>
+                  <a:srgbClr val="03849A"/>
+                </a:solidFill>
+                <a:latin typeface="Verdana Pro" panose="020B0604020202020204" pitchFamily="34" charset="0"/>
+                <a:cs typeface="Courier New" panose="02070309020205020404" pitchFamily="49" charset="0"/>
+              </a:rPr>
+              <a:t>LCD</a:t>
+            </a:r>
+          </a:p>
+        </p:txBody>
+      </p:sp>
+      <p:sp>
+        <p:nvSpPr>
+          <p:cNvPr id="18" name="TextBox 17">
+            <a:extLst>
+              <a:ext uri="{FF2B5EF4-FFF2-40B4-BE49-F238E27FC236}">
+                <a16:creationId xmlns:a16="http://schemas.microsoft.com/office/drawing/2014/main" id="{D3233DA6-4813-423D-94D4-45DD9B1A6570}"/>
+              </a:ext>
+            </a:extLst>
+          </p:cNvPr>
+          <p:cNvSpPr txBox="1"/>
+          <p:nvPr/>
+        </p:nvSpPr>
+        <p:spPr>
+          <a:xfrm>
+            <a:off x="5531519" y="5185638"/>
+            <a:ext cx="1051891" cy="307777"/>
+          </a:xfrm>
+          <a:prstGeom prst="rect">
+            <a:avLst/>
+          </a:prstGeom>
+          <a:noFill/>
+        </p:spPr>
+        <p:txBody>
+          <a:bodyPr wrap="none" rtlCol="0">
+            <a:spAutoFit/>
+          </a:bodyPr>
+          <a:lstStyle/>
+          <a:p>
+            <a:r>
+              <a:rPr lang="en-GB" sz="1400" dirty="0">
+                <a:solidFill>
+                  <a:srgbClr val="03849A"/>
+                </a:solidFill>
+                <a:latin typeface="Verdana Pro" panose="020B0604020202020204" pitchFamily="34" charset="0"/>
+                <a:cs typeface="Courier New" panose="02070309020205020404" pitchFamily="49" charset="0"/>
+              </a:rPr>
+              <a:t>Bluetooth</a:t>
+            </a:r>
           </a:p>
         </p:txBody>
       </p:sp>
     </p:spTree>
     <p:extLst>
       <p:ext uri="{BB962C8B-B14F-4D97-AF65-F5344CB8AC3E}">
-        <p14:creationId xmlns:p14="http://schemas.microsoft.com/office/powerpoint/2010/main" val="3127256210"/>
+        <p14:creationId xmlns:p14="http://schemas.microsoft.com/office/powerpoint/2010/main" val="2288012161"/>
       </p:ext>
     </p:extLst>
   </p:cSld>
@@ -5428,7 +6245,7 @@
           <p:cNvPr id="2" name="Title 1">
             <a:extLst>
               <a:ext uri="{FF2B5EF4-FFF2-40B4-BE49-F238E27FC236}">
-                <a16:creationId xmlns:a16="http://schemas.microsoft.com/office/drawing/2014/main" id="{A2A60658-2956-42D6-87F0-3C696CFA5A8F}"/>
+                <a16:creationId xmlns:a16="http://schemas.microsoft.com/office/drawing/2014/main" id="{A5BD21C8-7758-463C-BC15-B7103A0D1438}"/>
               </a:ext>
             </a:extLst>
           </p:cNvPr>
@@ -5446,41 +6263,16 @@
           <a:p>
             <a:r>
               <a:rPr lang="en-GB" dirty="0"/>
-              <a:t>Explanation of circuit?  Explanation of software compilation and upload?</a:t>
+              <a:t>Hardware - Reality</a:t>
             </a:r>
             <a:endParaRPr lang="en-US" dirty="0"/>
-          </a:p>
-        </p:txBody>
-      </p:sp>
-      <p:sp>
-        <p:nvSpPr>
-          <p:cNvPr id="3" name="Content Placeholder 2">
-            <a:extLst>
-              <a:ext uri="{FF2B5EF4-FFF2-40B4-BE49-F238E27FC236}">
-                <a16:creationId xmlns:a16="http://schemas.microsoft.com/office/drawing/2014/main" id="{D184048A-161A-4DE5-850C-72AFCED92C5E}"/>
-              </a:ext>
-            </a:extLst>
-          </p:cNvPr>
-          <p:cNvSpPr>
-            <a:spLocks noGrp="1"/>
-          </p:cNvSpPr>
-          <p:nvPr>
-            <p:ph idx="1"/>
-          </p:nvPr>
-        </p:nvSpPr>
-        <p:spPr/>
-        <p:txBody>
-          <a:bodyPr/>
-          <a:lstStyle/>
-          <a:p>
-            <a:endParaRPr lang="en-US"/>
           </a:p>
         </p:txBody>
       </p:sp>
     </p:spTree>
     <p:extLst>
       <p:ext uri="{BB962C8B-B14F-4D97-AF65-F5344CB8AC3E}">
-        <p14:creationId xmlns:p14="http://schemas.microsoft.com/office/powerpoint/2010/main" val="2172502747"/>
+        <p14:creationId xmlns:p14="http://schemas.microsoft.com/office/powerpoint/2010/main" val="3127256210"/>
       </p:ext>
     </p:extLst>
   </p:cSld>
@@ -5533,31 +6325,6 @@
               <a:t>Protocol</a:t>
             </a:r>
             <a:endParaRPr lang="en-US" dirty="0"/>
-          </a:p>
-        </p:txBody>
-      </p:sp>
-      <p:sp>
-        <p:nvSpPr>
-          <p:cNvPr id="3" name="Content Placeholder 2">
-            <a:extLst>
-              <a:ext uri="{FF2B5EF4-FFF2-40B4-BE49-F238E27FC236}">
-                <a16:creationId xmlns:a16="http://schemas.microsoft.com/office/drawing/2014/main" id="{CB5EF94B-256D-46F8-8093-23AB37550155}"/>
-              </a:ext>
-            </a:extLst>
-          </p:cNvPr>
-          <p:cNvSpPr>
-            <a:spLocks noGrp="1"/>
-          </p:cNvSpPr>
-          <p:nvPr>
-            <p:ph idx="1"/>
-          </p:nvPr>
-        </p:nvSpPr>
-        <p:spPr/>
-        <p:txBody>
-          <a:bodyPr/>
-          <a:lstStyle/>
-          <a:p>
-            <a:endParaRPr lang="en-US"/>
           </a:p>
         </p:txBody>
       </p:sp>
@@ -5804,14 +6571,14 @@
             <p:ph idx="1"/>
             <p:extLst>
               <p:ext uri="{D42A27DB-BD31-4B8C-83A1-F6EECF244321}">
-                <p14:modId xmlns:p14="http://schemas.microsoft.com/office/powerpoint/2010/main" val="924045016"/>
+                <p14:modId xmlns:p14="http://schemas.microsoft.com/office/powerpoint/2010/main" val="4154645259"/>
               </p:ext>
             </p:extLst>
           </p:nvPr>
         </p:nvGraphicFramePr>
         <p:xfrm>
-          <a:off x="2175643" y="2158399"/>
-          <a:ext cx="3862550" cy="1786536"/>
+          <a:off x="1833828" y="2574966"/>
+          <a:ext cx="4335914" cy="3110781"/>
         </p:xfrm>
         <a:graphic>
           <a:graphicData uri="http://schemas.openxmlformats.org/drawingml/2006/table">
@@ -5820,21 +6587,21 @@
                 <a:tableStyleId>{5C22544A-7EE6-4342-B048-85BDC9FD1C3A}</a:tableStyleId>
               </a:tblPr>
               <a:tblGrid>
-                <a:gridCol w="1229709">
+                <a:gridCol w="1972574">
                   <a:extLst>
                     <a:ext uri="{9D8B030D-6E8A-4147-A177-3AD203B41FA5}">
                       <a16:colId xmlns:a16="http://schemas.microsoft.com/office/drawing/2014/main" val="4008364951"/>
                     </a:ext>
                   </a:extLst>
                 </a:gridCol>
-                <a:gridCol w="1270857">
+                <a:gridCol w="549288">
                   <a:extLst>
                     <a:ext uri="{9D8B030D-6E8A-4147-A177-3AD203B41FA5}">
                       <a16:colId xmlns:a16="http://schemas.microsoft.com/office/drawing/2014/main" val="3554440371"/>
                     </a:ext>
                   </a:extLst>
                 </a:gridCol>
-                <a:gridCol w="1361984">
+                <a:gridCol w="1814052">
                   <a:extLst>
                     <a:ext uri="{9D8B030D-6E8A-4147-A177-3AD203B41FA5}">
                       <a16:colId xmlns:a16="http://schemas.microsoft.com/office/drawing/2014/main" val="3385093010"/>
@@ -5885,7 +6652,590 @@
                           </a:solidFill>
                           <a:latin typeface="Verdana Pro Cond SemiBold" panose="020B0706030504040204" pitchFamily="34" charset="0"/>
                         </a:rPr>
-                        <a:t>Quantity</a:t>
+                        <a:t>#</a:t>
+                      </a:r>
+                      <a:endParaRPr lang="en-US" sz="1600" dirty="0">
+                        <a:solidFill>
+                          <a:srgbClr val="FACF31"/>
+                        </a:solidFill>
+                        <a:latin typeface="Verdana Pro Cond SemiBold" panose="020B0706030504040204" pitchFamily="34" charset="0"/>
+                      </a:endParaRPr>
+                    </a:p>
+                  </a:txBody>
+                  <a:tcPr>
+                    <a:solidFill>
+                      <a:srgbClr val="03849A"/>
+                    </a:solidFill>
+                  </a:tcPr>
+                </a:tc>
+                <a:tc>
+                  <a:txBody>
+                    <a:bodyPr/>
+                    <a:lstStyle/>
+                    <a:p>
+                      <a:pPr algn="ctr"/>
+                      <a:r>
+                        <a:rPr lang="en-GB" sz="1600" dirty="0">
+                          <a:solidFill>
+                            <a:srgbClr val="FACF31"/>
+                          </a:solidFill>
+                          <a:latin typeface="Verdana Pro Cond SemiBold" panose="020B0706030504040204" pitchFamily="34" charset="0"/>
+                        </a:rPr>
+                        <a:t>Total Cost</a:t>
+                      </a:r>
+                      <a:endParaRPr lang="en-US" sz="1600" dirty="0">
+                        <a:solidFill>
+                          <a:srgbClr val="FACF31"/>
+                        </a:solidFill>
+                        <a:latin typeface="Verdana Pro Cond SemiBold" panose="020B0706030504040204" pitchFamily="34" charset="0"/>
+                      </a:endParaRPr>
+                    </a:p>
+                  </a:txBody>
+                  <a:tcPr>
+                    <a:solidFill>
+                      <a:srgbClr val="03849A"/>
+                    </a:solidFill>
+                  </a:tcPr>
+                </a:tc>
+                <a:extLst>
+                  <a:ext uri="{0D108BD9-81ED-4DB2-BD59-A6C34878D82A}">
+                    <a16:rowId xmlns:a16="http://schemas.microsoft.com/office/drawing/2014/main" val="2809392100"/>
+                  </a:ext>
+                </a:extLst>
+              </a:tr>
+              <a:tr h="441415">
+                <a:tc>
+                  <a:txBody>
+                    <a:bodyPr/>
+                    <a:lstStyle/>
+                    <a:p>
+                      <a:r>
+                        <a:rPr lang="en-US" b="0" dirty="0">
+                          <a:latin typeface="Verdana Pro Cond SemiBold" panose="020B0706030504040204" pitchFamily="34" charset="0"/>
+                        </a:rPr>
+                        <a:t>Arduino Nano</a:t>
+                      </a:r>
+                    </a:p>
+                  </a:txBody>
+                  <a:tcPr/>
+                </a:tc>
+                <a:tc>
+                  <a:txBody>
+                    <a:bodyPr/>
+                    <a:lstStyle/>
+                    <a:p>
+                      <a:r>
+                        <a:rPr lang="en-US" b="0" dirty="0">
+                          <a:latin typeface="Verdana Pro Cond SemiBold" panose="020B0706030504040204" pitchFamily="34" charset="0"/>
+                        </a:rPr>
+                        <a:t>1</a:t>
+                      </a:r>
+                    </a:p>
+                  </a:txBody>
+                  <a:tcPr/>
+                </a:tc>
+                <a:tc>
+                  <a:txBody>
+                    <a:bodyPr/>
+                    <a:lstStyle/>
+                    <a:p>
+                      <a:endParaRPr lang="en-US" b="0" dirty="0">
+                        <a:latin typeface="Verdana Pro Cond SemiBold" panose="020B0706030504040204" pitchFamily="34" charset="0"/>
+                      </a:endParaRPr>
+                    </a:p>
+                  </a:txBody>
+                  <a:tcPr/>
+                </a:tc>
+                <a:extLst>
+                  <a:ext uri="{0D108BD9-81ED-4DB2-BD59-A6C34878D82A}">
+                    <a16:rowId xmlns:a16="http://schemas.microsoft.com/office/drawing/2014/main" val="250704751"/>
+                  </a:ext>
+                </a:extLst>
+              </a:tr>
+              <a:tr h="441415">
+                <a:tc>
+                  <a:txBody>
+                    <a:bodyPr/>
+                    <a:lstStyle/>
+                    <a:p>
+                      <a:r>
+                        <a:rPr lang="en-US" b="0" dirty="0">
+                          <a:latin typeface="Verdana Pro Cond SemiBold" panose="020B0706030504040204" pitchFamily="34" charset="0"/>
+                        </a:rPr>
+                        <a:t>LCD Display</a:t>
+                      </a:r>
+                    </a:p>
+                  </a:txBody>
+                  <a:tcPr/>
+                </a:tc>
+                <a:tc>
+                  <a:txBody>
+                    <a:bodyPr/>
+                    <a:lstStyle/>
+                    <a:p>
+                      <a:r>
+                        <a:rPr lang="en-US" b="0" dirty="0">
+                          <a:latin typeface="Verdana Pro Cond SemiBold" panose="020B0706030504040204" pitchFamily="34" charset="0"/>
+                        </a:rPr>
+                        <a:t>1</a:t>
+                      </a:r>
+                    </a:p>
+                  </a:txBody>
+                  <a:tcPr/>
+                </a:tc>
+                <a:tc>
+                  <a:txBody>
+                    <a:bodyPr/>
+                    <a:lstStyle/>
+                    <a:p>
+                      <a:endParaRPr lang="en-US" b="0" dirty="0">
+                        <a:latin typeface="Verdana Pro Cond SemiBold" panose="020B0706030504040204" pitchFamily="34" charset="0"/>
+                      </a:endParaRPr>
+                    </a:p>
+                  </a:txBody>
+                  <a:tcPr/>
+                </a:tc>
+                <a:extLst>
+                  <a:ext uri="{0D108BD9-81ED-4DB2-BD59-A6C34878D82A}">
+                    <a16:rowId xmlns:a16="http://schemas.microsoft.com/office/drawing/2014/main" val="2738096251"/>
+                  </a:ext>
+                </a:extLst>
+              </a:tr>
+              <a:tr h="441415">
+                <a:tc>
+                  <a:txBody>
+                    <a:bodyPr/>
+                    <a:lstStyle/>
+                    <a:p>
+                      <a:r>
+                        <a:rPr lang="en-US" b="0" dirty="0">
+                          <a:latin typeface="Verdana Pro Cond SemiBold" panose="020B0706030504040204" pitchFamily="34" charset="0"/>
+                        </a:rPr>
+                        <a:t>Resistors</a:t>
+                      </a:r>
+                    </a:p>
+                  </a:txBody>
+                  <a:tcPr/>
+                </a:tc>
+                <a:tc>
+                  <a:txBody>
+                    <a:bodyPr/>
+                    <a:lstStyle/>
+                    <a:p>
+                      <a:r>
+                        <a:rPr lang="en-US" b="0" dirty="0">
+                          <a:latin typeface="Verdana Pro Cond SemiBold" panose="020B0706030504040204" pitchFamily="34" charset="0"/>
+                        </a:rPr>
+                        <a:t>6</a:t>
+                      </a:r>
+                    </a:p>
+                  </a:txBody>
+                  <a:tcPr/>
+                </a:tc>
+                <a:tc>
+                  <a:txBody>
+                    <a:bodyPr/>
+                    <a:lstStyle/>
+                    <a:p>
+                      <a:endParaRPr lang="en-US" b="0" dirty="0">
+                        <a:latin typeface="Verdana Pro Cond SemiBold" panose="020B0706030504040204" pitchFamily="34" charset="0"/>
+                      </a:endParaRPr>
+                    </a:p>
+                  </a:txBody>
+                  <a:tcPr/>
+                </a:tc>
+                <a:extLst>
+                  <a:ext uri="{0D108BD9-81ED-4DB2-BD59-A6C34878D82A}">
+                    <a16:rowId xmlns:a16="http://schemas.microsoft.com/office/drawing/2014/main" val="2961306089"/>
+                  </a:ext>
+                </a:extLst>
+              </a:tr>
+              <a:tr h="441415">
+                <a:tc>
+                  <a:txBody>
+                    <a:bodyPr/>
+                    <a:lstStyle/>
+                    <a:p>
+                      <a:r>
+                        <a:rPr lang="en-US" b="0" dirty="0">
+                          <a:latin typeface="Verdana Pro Cond SemiBold" panose="020B0706030504040204" pitchFamily="34" charset="0"/>
+                        </a:rPr>
+                        <a:t>Potentiometer</a:t>
+                      </a:r>
+                    </a:p>
+                  </a:txBody>
+                  <a:tcPr/>
+                </a:tc>
+                <a:tc>
+                  <a:txBody>
+                    <a:bodyPr/>
+                    <a:lstStyle/>
+                    <a:p>
+                      <a:r>
+                        <a:rPr lang="en-US" b="0" dirty="0">
+                          <a:latin typeface="Verdana Pro Cond SemiBold" panose="020B0706030504040204" pitchFamily="34" charset="0"/>
+                        </a:rPr>
+                        <a:t>1</a:t>
+                      </a:r>
+                    </a:p>
+                  </a:txBody>
+                  <a:tcPr/>
+                </a:tc>
+                <a:tc>
+                  <a:txBody>
+                    <a:bodyPr/>
+                    <a:lstStyle/>
+                    <a:p>
+                      <a:endParaRPr lang="en-US" b="0" dirty="0">
+                        <a:latin typeface="Verdana Pro Cond SemiBold" panose="020B0706030504040204" pitchFamily="34" charset="0"/>
+                      </a:endParaRPr>
+                    </a:p>
+                  </a:txBody>
+                  <a:tcPr/>
+                </a:tc>
+                <a:extLst>
+                  <a:ext uri="{0D108BD9-81ED-4DB2-BD59-A6C34878D82A}">
+                    <a16:rowId xmlns:a16="http://schemas.microsoft.com/office/drawing/2014/main" val="3841298703"/>
+                  </a:ext>
+                </a:extLst>
+              </a:tr>
+              <a:tr h="441415">
+                <a:tc>
+                  <a:txBody>
+                    <a:bodyPr/>
+                    <a:lstStyle/>
+                    <a:p>
+                      <a:r>
+                        <a:rPr lang="en-US" b="0" dirty="0">
+                          <a:latin typeface="Verdana Pro Cond SemiBold" panose="020B0706030504040204" pitchFamily="34" charset="0"/>
+                        </a:rPr>
+                        <a:t>Switch</a:t>
+                      </a:r>
+                    </a:p>
+                  </a:txBody>
+                  <a:tcPr/>
+                </a:tc>
+                <a:tc>
+                  <a:txBody>
+                    <a:bodyPr/>
+                    <a:lstStyle/>
+                    <a:p>
+                      <a:r>
+                        <a:rPr lang="en-US" b="0" dirty="0">
+                          <a:latin typeface="Verdana Pro Cond SemiBold" panose="020B0706030504040204" pitchFamily="34" charset="0"/>
+                        </a:rPr>
+                        <a:t>3</a:t>
+                      </a:r>
+                    </a:p>
+                  </a:txBody>
+                  <a:tcPr/>
+                </a:tc>
+                <a:tc>
+                  <a:txBody>
+                    <a:bodyPr/>
+                    <a:lstStyle/>
+                    <a:p>
+                      <a:endParaRPr lang="en-US" b="0" dirty="0">
+                        <a:latin typeface="Verdana Pro Cond SemiBold" panose="020B0706030504040204" pitchFamily="34" charset="0"/>
+                      </a:endParaRPr>
+                    </a:p>
+                  </a:txBody>
+                  <a:tcPr/>
+                </a:tc>
+                <a:extLst>
+                  <a:ext uri="{0D108BD9-81ED-4DB2-BD59-A6C34878D82A}">
+                    <a16:rowId xmlns:a16="http://schemas.microsoft.com/office/drawing/2014/main" val="791020541"/>
+                  </a:ext>
+                </a:extLst>
+              </a:tr>
+              <a:tr h="441415">
+                <a:tc>
+                  <a:txBody>
+                    <a:bodyPr/>
+                    <a:lstStyle/>
+                    <a:p>
+                      <a:r>
+                        <a:rPr lang="en-US" b="0" dirty="0">
+                          <a:latin typeface="Verdana Pro Cond SemiBold" panose="020B0706030504040204" pitchFamily="34" charset="0"/>
+                        </a:rPr>
+                        <a:t>Piezo Buzzer</a:t>
+                      </a:r>
+                    </a:p>
+                  </a:txBody>
+                  <a:tcPr/>
+                </a:tc>
+                <a:tc>
+                  <a:txBody>
+                    <a:bodyPr/>
+                    <a:lstStyle/>
+                    <a:p>
+                      <a:r>
+                        <a:rPr lang="en-US" b="0" dirty="0">
+                          <a:latin typeface="Verdana Pro Cond SemiBold" panose="020B0706030504040204" pitchFamily="34" charset="0"/>
+                        </a:rPr>
+                        <a:t>1</a:t>
+                      </a:r>
+                    </a:p>
+                  </a:txBody>
+                  <a:tcPr/>
+                </a:tc>
+                <a:tc>
+                  <a:txBody>
+                    <a:bodyPr/>
+                    <a:lstStyle/>
+                    <a:p>
+                      <a:endParaRPr lang="en-US" b="0" dirty="0">
+                        <a:latin typeface="Verdana Pro Cond SemiBold" panose="020B0706030504040204" pitchFamily="34" charset="0"/>
+                      </a:endParaRPr>
+                    </a:p>
+                  </a:txBody>
+                  <a:tcPr/>
+                </a:tc>
+                <a:extLst>
+                  <a:ext uri="{0D108BD9-81ED-4DB2-BD59-A6C34878D82A}">
+                    <a16:rowId xmlns:a16="http://schemas.microsoft.com/office/drawing/2014/main" val="1685005352"/>
+                  </a:ext>
+                </a:extLst>
+              </a:tr>
+            </a:tbl>
+          </a:graphicData>
+        </a:graphic>
+      </p:graphicFrame>
+      <p:sp>
+        <p:nvSpPr>
+          <p:cNvPr id="4" name="Title 1">
+            <a:extLst>
+              <a:ext uri="{FF2B5EF4-FFF2-40B4-BE49-F238E27FC236}">
+                <a16:creationId xmlns:a16="http://schemas.microsoft.com/office/drawing/2014/main" id="{6B8645AE-7722-4D5E-A028-00E8CEF7CBF6}"/>
+              </a:ext>
+            </a:extLst>
+          </p:cNvPr>
+          <p:cNvSpPr txBox="1">
+            <a:spLocks/>
+          </p:cNvSpPr>
+          <p:nvPr/>
+        </p:nvSpPr>
+        <p:spPr>
+          <a:xfrm>
+            <a:off x="1833828" y="1867065"/>
+            <a:ext cx="1961424" cy="480131"/>
+          </a:xfrm>
+          <a:prstGeom prst="rect">
+            <a:avLst/>
+          </a:prstGeom>
+          <a:solidFill>
+            <a:srgbClr val="03849A"/>
+          </a:solidFill>
+        </p:spPr>
+        <p:txBody>
+          <a:bodyPr vert="horz" wrap="square" lIns="91440" tIns="45720" rIns="91440" bIns="45720" rtlCol="0" anchor="t">
+            <a:spAutoFit/>
+          </a:bodyPr>
+          <a:lstStyle>
+            <a:lvl1pPr algn="ctr" defTabSz="914400" rtl="0" eaLnBrk="1" latinLnBrk="0" hangingPunct="1">
+              <a:lnSpc>
+                <a:spcPct val="90000"/>
+              </a:lnSpc>
+              <a:spcBef>
+                <a:spcPct val="0"/>
+              </a:spcBef>
+              <a:buNone/>
+              <a:defRPr sz="6000" kern="1200">
+                <a:solidFill>
+                  <a:schemeClr val="tx1"/>
+                </a:solidFill>
+                <a:latin typeface="+mj-lt"/>
+                <a:ea typeface="+mj-ea"/>
+                <a:cs typeface="+mj-cs"/>
+              </a:defRPr>
+            </a:lvl1pPr>
+          </a:lstStyle>
+          <a:p>
+            <a:pPr algn="l"/>
+            <a:r>
+              <a:rPr lang="en-GB" sz="2800" dirty="0">
+                <a:solidFill>
+                  <a:schemeClr val="bg1"/>
+                </a:solidFill>
+                <a:latin typeface="Verdana Pro Cond SemiBold" panose="020B0604020202020204" pitchFamily="34" charset="0"/>
+              </a:rPr>
+              <a:t>Wired/USB</a:t>
+            </a:r>
+            <a:endParaRPr lang="en-US" sz="2800" dirty="0">
+              <a:solidFill>
+                <a:schemeClr val="bg1"/>
+              </a:solidFill>
+              <a:latin typeface="Verdana Pro Cond SemiBold" panose="020B0604020202020204" pitchFamily="34" charset="0"/>
+            </a:endParaRPr>
+          </a:p>
+        </p:txBody>
+      </p:sp>
+      <p:sp>
+        <p:nvSpPr>
+          <p:cNvPr id="5" name="Title 1">
+            <a:extLst>
+              <a:ext uri="{FF2B5EF4-FFF2-40B4-BE49-F238E27FC236}">
+                <a16:creationId xmlns:a16="http://schemas.microsoft.com/office/drawing/2014/main" id="{92C6B5A3-CF9A-4BB7-B7F6-2044987F4C72}"/>
+              </a:ext>
+            </a:extLst>
+          </p:cNvPr>
+          <p:cNvSpPr txBox="1">
+            <a:spLocks/>
+          </p:cNvSpPr>
+          <p:nvPr/>
+        </p:nvSpPr>
+        <p:spPr>
+          <a:xfrm>
+            <a:off x="7173185" y="1867066"/>
+            <a:ext cx="3175267" cy="480131"/>
+          </a:xfrm>
+          <a:prstGeom prst="rect">
+            <a:avLst/>
+          </a:prstGeom>
+          <a:solidFill>
+            <a:srgbClr val="03849A"/>
+          </a:solidFill>
+        </p:spPr>
+        <p:txBody>
+          <a:bodyPr vert="horz" wrap="square" lIns="91440" tIns="45720" rIns="91440" bIns="45720" rtlCol="0" anchor="t">
+            <a:spAutoFit/>
+          </a:bodyPr>
+          <a:lstStyle>
+            <a:lvl1pPr algn="ctr" defTabSz="914400" rtl="0" eaLnBrk="1" latinLnBrk="0" hangingPunct="1">
+              <a:lnSpc>
+                <a:spcPct val="90000"/>
+              </a:lnSpc>
+              <a:spcBef>
+                <a:spcPct val="0"/>
+              </a:spcBef>
+              <a:buNone/>
+              <a:defRPr sz="6000" kern="1200">
+                <a:solidFill>
+                  <a:schemeClr val="tx1"/>
+                </a:solidFill>
+                <a:latin typeface="+mj-lt"/>
+                <a:ea typeface="+mj-ea"/>
+                <a:cs typeface="+mj-cs"/>
+              </a:defRPr>
+            </a:lvl1pPr>
+          </a:lstStyle>
+          <a:p>
+            <a:pPr algn="l"/>
+            <a:r>
+              <a:rPr lang="en-GB" sz="2800" dirty="0">
+                <a:solidFill>
+                  <a:schemeClr val="bg1"/>
+                </a:solidFill>
+                <a:latin typeface="Verdana Pro Cond SemiBold" panose="020B0604020202020204" pitchFamily="34" charset="0"/>
+              </a:rPr>
+              <a:t>Wireless/Bluetooth</a:t>
+            </a:r>
+            <a:endParaRPr lang="en-US" sz="2800" dirty="0">
+              <a:solidFill>
+                <a:schemeClr val="bg1"/>
+              </a:solidFill>
+              <a:latin typeface="Verdana Pro Cond SemiBold" panose="020B0604020202020204" pitchFamily="34" charset="0"/>
+            </a:endParaRPr>
+          </a:p>
+        </p:txBody>
+      </p:sp>
+      <p:graphicFrame>
+        <p:nvGraphicFramePr>
+          <p:cNvPr id="10" name="Table 9">
+            <a:extLst>
+              <a:ext uri="{FF2B5EF4-FFF2-40B4-BE49-F238E27FC236}">
+                <a16:creationId xmlns:a16="http://schemas.microsoft.com/office/drawing/2014/main" id="{920107A8-DF12-43EF-9A8A-F717B0FE417B}"/>
+              </a:ext>
+            </a:extLst>
+          </p:cNvPr>
+          <p:cNvGraphicFramePr>
+            <a:graphicFrameLocks/>
+          </p:cNvGraphicFramePr>
+          <p:nvPr>
+            <p:extLst>
+              <p:ext uri="{D42A27DB-BD31-4B8C-83A1-F6EECF244321}">
+                <p14:modId xmlns:p14="http://schemas.microsoft.com/office/powerpoint/2010/main" val="3812287379"/>
+              </p:ext>
+            </p:extLst>
+          </p:nvPr>
+        </p:nvGraphicFramePr>
+        <p:xfrm>
+          <a:off x="7173185" y="2574966"/>
+          <a:ext cx="3862550" cy="903706"/>
+        </p:xfrm>
+        <a:graphic>
+          <a:graphicData uri="http://schemas.openxmlformats.org/drawingml/2006/table">
+            <a:tbl>
+              <a:tblPr firstRow="1" bandRow="1">
+                <a:tableStyleId>{5C22544A-7EE6-4342-B048-85BDC9FD1C3A}</a:tableStyleId>
+              </a:tblPr>
+              <a:tblGrid>
+                <a:gridCol w="1784002">
+                  <a:extLst>
+                    <a:ext uri="{9D8B030D-6E8A-4147-A177-3AD203B41FA5}">
+                      <a16:colId xmlns:a16="http://schemas.microsoft.com/office/drawing/2014/main" val="4008364951"/>
+                    </a:ext>
+                  </a:extLst>
+                </a:gridCol>
+                <a:gridCol w="398207">
+                  <a:extLst>
+                    <a:ext uri="{9D8B030D-6E8A-4147-A177-3AD203B41FA5}">
+                      <a16:colId xmlns:a16="http://schemas.microsoft.com/office/drawing/2014/main" val="3554440371"/>
+                    </a:ext>
+                  </a:extLst>
+                </a:gridCol>
+                <a:gridCol w="1680341">
+                  <a:extLst>
+                    <a:ext uri="{9D8B030D-6E8A-4147-A177-3AD203B41FA5}">
+                      <a16:colId xmlns:a16="http://schemas.microsoft.com/office/drawing/2014/main" val="3385093010"/>
+                    </a:ext>
+                  </a:extLst>
+                </a:gridCol>
+              </a:tblGrid>
+              <a:tr h="462291">
+                <a:tc>
+                  <a:txBody>
+                    <a:bodyPr/>
+                    <a:lstStyle/>
+                    <a:p>
+                      <a:pPr algn="ctr"/>
+                      <a:r>
+                        <a:rPr lang="en-GB" sz="1600" dirty="0">
+                          <a:solidFill>
+                            <a:srgbClr val="FACF31"/>
+                          </a:solidFill>
+                          <a:latin typeface="Verdana Pro Cond SemiBold" panose="020B0706030504040204" pitchFamily="34" charset="0"/>
+                        </a:rPr>
+                        <a:t>Component</a:t>
+                      </a:r>
+                      <a:endParaRPr lang="en-US" sz="1600" dirty="0">
+                        <a:solidFill>
+                          <a:srgbClr val="FACF31"/>
+                        </a:solidFill>
+                        <a:latin typeface="Verdana Pro Cond SemiBold" panose="020B0706030504040204" pitchFamily="34" charset="0"/>
+                      </a:endParaRPr>
+                    </a:p>
+                  </a:txBody>
+                  <a:tcPr>
+                    <a:solidFill>
+                      <a:srgbClr val="03849A"/>
+                    </a:solidFill>
+                  </a:tcPr>
+                </a:tc>
+                <a:tc>
+                  <a:txBody>
+                    <a:bodyPr/>
+                    <a:lstStyle/>
+                    <a:p>
+                      <a:pPr algn="ctr"/>
+                      <a:r>
+                        <a:rPr lang="en-GB" sz="1600" dirty="0">
+                          <a:solidFill>
+                            <a:srgbClr val="FACF31"/>
+                          </a:solidFill>
+                          <a:latin typeface="Verdana Pro Cond SemiBold" panose="020B0706030504040204" pitchFamily="34" charset="0"/>
+                        </a:rPr>
+                        <a:t>#</a:t>
                       </a:r>
                       <a:endParaRPr lang="en-US" sz="1600" dirty="0">
                         <a:solidFill>
@@ -5942,9 +7292,12 @@
                     <a:bodyPr/>
                     <a:lstStyle/>
                     <a:p>
-                      <a:endParaRPr lang="en-US" dirty="0">
-                        <a:latin typeface="Verdana Pro Cond SemiBold" panose="020B0706030504040204" pitchFamily="34" charset="0"/>
-                      </a:endParaRPr>
+                      <a:r>
+                        <a:rPr lang="en-US" dirty="0">
+                          <a:latin typeface="Verdana Pro Cond SemiBold" panose="020B0706030504040204" pitchFamily="34" charset="0"/>
+                        </a:rPr>
+                        <a:t>HC-50</a:t>
+                      </a:r>
                     </a:p>
                   </a:txBody>
                   <a:tcPr/>
@@ -5954,9 +7307,12 @@
                     <a:bodyPr/>
                     <a:lstStyle/>
                     <a:p>
-                      <a:endParaRPr lang="en-US" dirty="0">
-                        <a:latin typeface="Verdana Pro Cond SemiBold" panose="020B0706030504040204" pitchFamily="34" charset="0"/>
-                      </a:endParaRPr>
+                      <a:r>
+                        <a:rPr lang="en-US" dirty="0">
+                          <a:latin typeface="Verdana Pro Cond SemiBold" panose="020B0706030504040204" pitchFamily="34" charset="0"/>
+                        </a:rPr>
+                        <a:t>1</a:t>
+                      </a:r>
                     </a:p>
                   </a:txBody>
                   <a:tcPr/>
@@ -5979,378 +7335,16 @@
                   </a:ext>
                 </a:extLst>
               </a:tr>
-              <a:tr h="441415">
-                <a:tc>
-                  <a:txBody>
-                    <a:bodyPr/>
-                    <a:lstStyle/>
-                    <a:p>
-                      <a:endParaRPr lang="en-US" dirty="0">
-                        <a:latin typeface="Verdana Pro Cond SemiBold" panose="020B0706030504040204" pitchFamily="34" charset="0"/>
-                      </a:endParaRPr>
-                    </a:p>
-                  </a:txBody>
-                  <a:tcPr/>
-                </a:tc>
-                <a:tc>
-                  <a:txBody>
-                    <a:bodyPr/>
-                    <a:lstStyle/>
-                    <a:p>
-                      <a:endParaRPr lang="en-US" dirty="0">
-                        <a:latin typeface="Verdana Pro Cond SemiBold" panose="020B0706030504040204" pitchFamily="34" charset="0"/>
-                      </a:endParaRPr>
-                    </a:p>
-                  </a:txBody>
-                  <a:tcPr/>
-                </a:tc>
-                <a:tc>
-                  <a:txBody>
-                    <a:bodyPr/>
-                    <a:lstStyle/>
-                    <a:p>
-                      <a:endParaRPr lang="en-US" dirty="0">
-                        <a:latin typeface="Verdana Pro Cond SemiBold" panose="020B0706030504040204" pitchFamily="34" charset="0"/>
-                      </a:endParaRPr>
-                    </a:p>
-                  </a:txBody>
-                  <a:tcPr/>
-                </a:tc>
-                <a:extLst>
-                  <a:ext uri="{0D108BD9-81ED-4DB2-BD59-A6C34878D82A}">
-                    <a16:rowId xmlns:a16="http://schemas.microsoft.com/office/drawing/2014/main" val="2738096251"/>
-                  </a:ext>
-                </a:extLst>
-              </a:tr>
-              <a:tr h="441415">
-                <a:tc>
-                  <a:txBody>
-                    <a:bodyPr/>
-                    <a:lstStyle/>
-                    <a:p>
-                      <a:endParaRPr lang="en-US">
-                        <a:latin typeface="Verdana Pro Cond SemiBold" panose="020B0706030504040204" pitchFamily="34" charset="0"/>
-                      </a:endParaRPr>
-                    </a:p>
-                  </a:txBody>
-                  <a:tcPr/>
-                </a:tc>
-                <a:tc>
-                  <a:txBody>
-                    <a:bodyPr/>
-                    <a:lstStyle/>
-                    <a:p>
-                      <a:endParaRPr lang="en-US">
-                        <a:latin typeface="Verdana Pro Cond SemiBold" panose="020B0706030504040204" pitchFamily="34" charset="0"/>
-                      </a:endParaRPr>
-                    </a:p>
-                  </a:txBody>
-                  <a:tcPr/>
-                </a:tc>
-                <a:tc>
-                  <a:txBody>
-                    <a:bodyPr/>
-                    <a:lstStyle/>
-                    <a:p>
-                      <a:endParaRPr lang="en-US" dirty="0">
-                        <a:latin typeface="Verdana Pro Cond SemiBold" panose="020B0706030504040204" pitchFamily="34" charset="0"/>
-                      </a:endParaRPr>
-                    </a:p>
-                  </a:txBody>
-                  <a:tcPr/>
-                </a:tc>
-                <a:extLst>
-                  <a:ext uri="{0D108BD9-81ED-4DB2-BD59-A6C34878D82A}">
-                    <a16:rowId xmlns:a16="http://schemas.microsoft.com/office/drawing/2014/main" val="2961306089"/>
-                  </a:ext>
-                </a:extLst>
-              </a:tr>
             </a:tbl>
           </a:graphicData>
         </a:graphic>
       </p:graphicFrame>
-      <p:sp>
-        <p:nvSpPr>
-          <p:cNvPr id="4" name="Title 1">
-            <a:extLst>
-              <a:ext uri="{FF2B5EF4-FFF2-40B4-BE49-F238E27FC236}">
-                <a16:creationId xmlns:a16="http://schemas.microsoft.com/office/drawing/2014/main" id="{6B8645AE-7722-4D5E-A028-00E8CEF7CBF6}"/>
-              </a:ext>
-            </a:extLst>
-          </p:cNvPr>
-          <p:cNvSpPr txBox="1">
-            <a:spLocks/>
-          </p:cNvSpPr>
-          <p:nvPr/>
-        </p:nvSpPr>
-        <p:spPr>
-          <a:xfrm>
-            <a:off x="2904741" y="1330315"/>
-            <a:ext cx="1141066" cy="480131"/>
-          </a:xfrm>
-          <a:prstGeom prst="rect">
-            <a:avLst/>
-          </a:prstGeom>
-          <a:solidFill>
-            <a:srgbClr val="03849A"/>
-          </a:solidFill>
-        </p:spPr>
-        <p:txBody>
-          <a:bodyPr vert="horz" wrap="square" lIns="91440" tIns="45720" rIns="91440" bIns="45720" rtlCol="0" anchor="t">
-            <a:spAutoFit/>
-          </a:bodyPr>
-          <a:lstStyle>
-            <a:lvl1pPr algn="ctr" defTabSz="914400" rtl="0" eaLnBrk="1" latinLnBrk="0" hangingPunct="1">
-              <a:lnSpc>
-                <a:spcPct val="90000"/>
-              </a:lnSpc>
-              <a:spcBef>
-                <a:spcPct val="0"/>
-              </a:spcBef>
-              <a:buNone/>
-              <a:defRPr sz="6000" kern="1200">
-                <a:solidFill>
-                  <a:schemeClr val="tx1"/>
-                </a:solidFill>
-                <a:latin typeface="+mj-lt"/>
-                <a:ea typeface="+mj-ea"/>
-                <a:cs typeface="+mj-cs"/>
-              </a:defRPr>
-            </a:lvl1pPr>
-          </a:lstStyle>
-          <a:p>
-            <a:pPr algn="l"/>
-            <a:r>
-              <a:rPr lang="en-GB" sz="2800" dirty="0">
-                <a:solidFill>
-                  <a:schemeClr val="bg1"/>
-                </a:solidFill>
-                <a:latin typeface="Verdana Pro Cond SemiBold" panose="020B0604020202020204" pitchFamily="34" charset="0"/>
-              </a:rPr>
-              <a:t>Wired</a:t>
-            </a:r>
-            <a:endParaRPr lang="en-US" sz="2800" dirty="0">
-              <a:solidFill>
-                <a:schemeClr val="bg1"/>
-              </a:solidFill>
-              <a:latin typeface="Verdana Pro Cond SemiBold" panose="020B0604020202020204" pitchFamily="34" charset="0"/>
-            </a:endParaRPr>
-          </a:p>
-        </p:txBody>
-      </p:sp>
-      <p:sp>
-        <p:nvSpPr>
-          <p:cNvPr id="5" name="Title 1">
-            <a:extLst>
-              <a:ext uri="{FF2B5EF4-FFF2-40B4-BE49-F238E27FC236}">
-                <a16:creationId xmlns:a16="http://schemas.microsoft.com/office/drawing/2014/main" id="{92C6B5A3-CF9A-4BB7-B7F6-2044987F4C72}"/>
-              </a:ext>
-            </a:extLst>
-          </p:cNvPr>
-          <p:cNvSpPr txBox="1">
-            <a:spLocks/>
-          </p:cNvSpPr>
-          <p:nvPr/>
-        </p:nvSpPr>
-        <p:spPr>
-          <a:xfrm>
-            <a:off x="7553957" y="1333387"/>
-            <a:ext cx="1521372" cy="480131"/>
-          </a:xfrm>
-          <a:prstGeom prst="rect">
-            <a:avLst/>
-          </a:prstGeom>
-          <a:solidFill>
-            <a:srgbClr val="03849A"/>
-          </a:solidFill>
-        </p:spPr>
-        <p:txBody>
-          <a:bodyPr vert="horz" wrap="square" lIns="91440" tIns="45720" rIns="91440" bIns="45720" rtlCol="0" anchor="t">
-            <a:spAutoFit/>
-          </a:bodyPr>
-          <a:lstStyle>
-            <a:lvl1pPr algn="ctr" defTabSz="914400" rtl="0" eaLnBrk="1" latinLnBrk="0" hangingPunct="1">
-              <a:lnSpc>
-                <a:spcPct val="90000"/>
-              </a:lnSpc>
-              <a:spcBef>
-                <a:spcPct val="0"/>
-              </a:spcBef>
-              <a:buNone/>
-              <a:defRPr sz="6000" kern="1200">
-                <a:solidFill>
-                  <a:schemeClr val="tx1"/>
-                </a:solidFill>
-                <a:latin typeface="+mj-lt"/>
-                <a:ea typeface="+mj-ea"/>
-                <a:cs typeface="+mj-cs"/>
-              </a:defRPr>
-            </a:lvl1pPr>
-          </a:lstStyle>
-          <a:p>
-            <a:pPr algn="l"/>
-            <a:r>
-              <a:rPr lang="en-GB" sz="2800" dirty="0">
-                <a:solidFill>
-                  <a:schemeClr val="bg1"/>
-                </a:solidFill>
-                <a:latin typeface="Verdana Pro Cond SemiBold" panose="020B0604020202020204" pitchFamily="34" charset="0"/>
-              </a:rPr>
-              <a:t>Wireless</a:t>
-            </a:r>
-            <a:endParaRPr lang="en-US" sz="2800" dirty="0">
-              <a:solidFill>
-                <a:schemeClr val="bg1"/>
-              </a:solidFill>
-              <a:latin typeface="Verdana Pro Cond SemiBold" panose="020B0604020202020204" pitchFamily="34" charset="0"/>
-            </a:endParaRPr>
-          </a:p>
-        </p:txBody>
-      </p:sp>
-      <p:sp>
-        <p:nvSpPr>
-          <p:cNvPr id="7" name="Title 1">
-            <a:extLst>
-              <a:ext uri="{FF2B5EF4-FFF2-40B4-BE49-F238E27FC236}">
-                <a16:creationId xmlns:a16="http://schemas.microsoft.com/office/drawing/2014/main" id="{ADE463C5-EFF0-4387-9304-FEA6F95E94B4}"/>
-              </a:ext>
-            </a:extLst>
-          </p:cNvPr>
-          <p:cNvSpPr txBox="1">
-            <a:spLocks/>
-          </p:cNvSpPr>
-          <p:nvPr/>
-        </p:nvSpPr>
-        <p:spPr>
-          <a:xfrm>
-            <a:off x="4173583" y="1325563"/>
-            <a:ext cx="878308" cy="480131"/>
-          </a:xfrm>
-          <a:prstGeom prst="rect">
-            <a:avLst/>
-          </a:prstGeom>
-          <a:solidFill>
-            <a:srgbClr val="03849A"/>
-          </a:solidFill>
-        </p:spPr>
-        <p:txBody>
-          <a:bodyPr vert="horz" wrap="square" lIns="91440" tIns="45720" rIns="91440" bIns="45720" rtlCol="0" anchor="t">
-            <a:spAutoFit/>
-          </a:bodyPr>
-          <a:lstStyle>
-            <a:lvl1pPr algn="ctr" defTabSz="914400" rtl="0" eaLnBrk="1" latinLnBrk="0" hangingPunct="1">
-              <a:lnSpc>
-                <a:spcPct val="90000"/>
-              </a:lnSpc>
-              <a:spcBef>
-                <a:spcPct val="0"/>
-              </a:spcBef>
-              <a:buNone/>
-              <a:defRPr sz="6000" kern="1200">
-                <a:solidFill>
-                  <a:schemeClr val="tx1"/>
-                </a:solidFill>
-                <a:latin typeface="+mj-lt"/>
-                <a:ea typeface="+mj-ea"/>
-                <a:cs typeface="+mj-cs"/>
-              </a:defRPr>
-            </a:lvl1pPr>
-          </a:lstStyle>
-          <a:p>
-            <a:pPr algn="l"/>
-            <a:r>
-              <a:rPr lang="en-GB" sz="2800" dirty="0">
-                <a:solidFill>
-                  <a:schemeClr val="bg1"/>
-                </a:solidFill>
-                <a:latin typeface="Verdana Pro Cond SemiBold" panose="020B0604020202020204" pitchFamily="34" charset="0"/>
-              </a:rPr>
-              <a:t>USB</a:t>
-            </a:r>
-            <a:endParaRPr lang="en-US" sz="2800" dirty="0">
-              <a:solidFill>
-                <a:schemeClr val="bg1"/>
-              </a:solidFill>
-              <a:latin typeface="Verdana Pro Cond SemiBold" panose="020B0604020202020204" pitchFamily="34" charset="0"/>
-            </a:endParaRPr>
-          </a:p>
-        </p:txBody>
-      </p:sp>
-      <p:sp>
-        <p:nvSpPr>
-          <p:cNvPr id="8" name="Title 1">
-            <a:extLst>
-              <a:ext uri="{FF2B5EF4-FFF2-40B4-BE49-F238E27FC236}">
-                <a16:creationId xmlns:a16="http://schemas.microsoft.com/office/drawing/2014/main" id="{C8D56873-B200-4229-9EDB-7D4684C5B02C}"/>
-              </a:ext>
-            </a:extLst>
-          </p:cNvPr>
-          <p:cNvSpPr txBox="1">
-            <a:spLocks/>
-          </p:cNvSpPr>
-          <p:nvPr/>
-        </p:nvSpPr>
-        <p:spPr>
-          <a:xfrm>
-            <a:off x="9192950" y="1333388"/>
-            <a:ext cx="1740437" cy="480131"/>
-          </a:xfrm>
-          <a:prstGeom prst="rect">
-            <a:avLst/>
-          </a:prstGeom>
-          <a:solidFill>
-            <a:srgbClr val="03849A"/>
-          </a:solidFill>
-        </p:spPr>
-        <p:txBody>
-          <a:bodyPr vert="horz" wrap="square" lIns="91440" tIns="45720" rIns="91440" bIns="45720" rtlCol="0" anchor="t">
-            <a:spAutoFit/>
-          </a:bodyPr>
-          <a:lstStyle>
-            <a:lvl1pPr algn="ctr" defTabSz="914400" rtl="0" eaLnBrk="1" latinLnBrk="0" hangingPunct="1">
-              <a:lnSpc>
-                <a:spcPct val="90000"/>
-              </a:lnSpc>
-              <a:spcBef>
-                <a:spcPct val="0"/>
-              </a:spcBef>
-              <a:buNone/>
-              <a:defRPr sz="6000" kern="1200">
-                <a:solidFill>
-                  <a:schemeClr val="tx1"/>
-                </a:solidFill>
-                <a:latin typeface="+mj-lt"/>
-                <a:ea typeface="+mj-ea"/>
-                <a:cs typeface="+mj-cs"/>
-              </a:defRPr>
-            </a:lvl1pPr>
-          </a:lstStyle>
-          <a:p>
-            <a:pPr algn="l"/>
-            <a:r>
-              <a:rPr lang="en-GB" sz="2800" dirty="0">
-                <a:solidFill>
-                  <a:schemeClr val="bg1"/>
-                </a:solidFill>
-                <a:latin typeface="Verdana Pro Cond SemiBold" panose="020B0604020202020204" pitchFamily="34" charset="0"/>
-              </a:rPr>
-              <a:t>Bluetooth</a:t>
-            </a:r>
-            <a:endParaRPr lang="en-US" sz="2800" dirty="0">
-              <a:solidFill>
-                <a:schemeClr val="bg1"/>
-              </a:solidFill>
-              <a:latin typeface="Verdana Pro Cond SemiBold" panose="020B0604020202020204" pitchFamily="34" charset="0"/>
-            </a:endParaRPr>
-          </a:p>
-        </p:txBody>
-      </p:sp>
       <p:graphicFrame>
         <p:nvGraphicFramePr>
-          <p:cNvPr id="10" name="Table 9">
-            <a:extLst>
-              <a:ext uri="{FF2B5EF4-FFF2-40B4-BE49-F238E27FC236}">
-                <a16:creationId xmlns:a16="http://schemas.microsoft.com/office/drawing/2014/main" id="{920107A8-DF12-43EF-9A8A-F717B0FE417B}"/>
+          <p:cNvPr id="11" name="Table 10">
+            <a:extLst>
+              <a:ext uri="{FF2B5EF4-FFF2-40B4-BE49-F238E27FC236}">
+                <a16:creationId xmlns:a16="http://schemas.microsoft.com/office/drawing/2014/main" id="{87804226-06A4-4AD1-A7BE-8B82BE46961C}"/>
               </a:ext>
             </a:extLst>
           </p:cNvPr>
@@ -6360,14 +7354,14 @@
           <p:nvPr>
             <p:extLst>
               <p:ext uri="{D42A27DB-BD31-4B8C-83A1-F6EECF244321}">
-                <p14:modId xmlns:p14="http://schemas.microsoft.com/office/powerpoint/2010/main" val="2596102539"/>
+                <p14:modId xmlns:p14="http://schemas.microsoft.com/office/powerpoint/2010/main" val="2846162228"/>
               </p:ext>
             </p:extLst>
           </p:nvPr>
         </p:nvGraphicFramePr>
         <p:xfrm>
-          <a:off x="7261675" y="2158399"/>
-          <a:ext cx="3862550" cy="1786536"/>
+          <a:off x="7173185" y="4782041"/>
+          <a:ext cx="3862550" cy="903706"/>
         </p:xfrm>
         <a:graphic>
           <a:graphicData uri="http://schemas.openxmlformats.org/drawingml/2006/table">
@@ -6376,21 +7370,21 @@
                 <a:tableStyleId>{5C22544A-7EE6-4342-B048-85BDC9FD1C3A}</a:tableStyleId>
               </a:tblPr>
               <a:tblGrid>
-                <a:gridCol w="1229709">
+                <a:gridCol w="1808583">
                   <a:extLst>
                     <a:ext uri="{9D8B030D-6E8A-4147-A177-3AD203B41FA5}">
                       <a16:colId xmlns:a16="http://schemas.microsoft.com/office/drawing/2014/main" val="4008364951"/>
                     </a:ext>
                   </a:extLst>
                 </a:gridCol>
-                <a:gridCol w="1270857">
+                <a:gridCol w="442451">
                   <a:extLst>
                     <a:ext uri="{9D8B030D-6E8A-4147-A177-3AD203B41FA5}">
                       <a16:colId xmlns:a16="http://schemas.microsoft.com/office/drawing/2014/main" val="3554440371"/>
                     </a:ext>
                   </a:extLst>
                 </a:gridCol>
-                <a:gridCol w="1361984">
+                <a:gridCol w="1611516">
                   <a:extLst>
                     <a:ext uri="{9D8B030D-6E8A-4147-A177-3AD203B41FA5}">
                       <a16:colId xmlns:a16="http://schemas.microsoft.com/office/drawing/2014/main" val="3385093010"/>
@@ -6441,7 +7435,7 @@
                           </a:solidFill>
                           <a:latin typeface="Verdana Pro Cond SemiBold" panose="020B0706030504040204" pitchFamily="34" charset="0"/>
                         </a:rPr>
-                        <a:t>Quantity</a:t>
+                        <a:t>#</a:t>
                       </a:r>
                       <a:endParaRPr lang="en-US" sz="1600" dirty="0">
                         <a:solidFill>
@@ -6498,9 +7492,12 @@
                     <a:bodyPr/>
                     <a:lstStyle/>
                     <a:p>
-                      <a:endParaRPr lang="en-US">
-                        <a:latin typeface="Verdana Pro Cond SemiBold" panose="020B0706030504040204" pitchFamily="34" charset="0"/>
-                      </a:endParaRPr>
+                      <a:r>
+                        <a:rPr lang="en-US" dirty="0">
+                          <a:latin typeface="Verdana Pro Cond SemiBold" panose="020B0706030504040204" pitchFamily="34" charset="0"/>
+                        </a:rPr>
+                        <a:t>Buck Converter</a:t>
+                      </a:r>
                     </a:p>
                   </a:txBody>
                   <a:tcPr/>
@@ -6510,95 +7507,12 @@
                     <a:bodyPr/>
                     <a:lstStyle/>
                     <a:p>
-                      <a:endParaRPr lang="en-US" dirty="0">
-                        <a:latin typeface="Verdana Pro Cond SemiBold" panose="020B0706030504040204" pitchFamily="34" charset="0"/>
-                      </a:endParaRPr>
-                    </a:p>
-                  </a:txBody>
-                  <a:tcPr/>
-                </a:tc>
-                <a:tc>
-                  <a:txBody>
-                    <a:bodyPr/>
-                    <a:lstStyle/>
-                    <a:p>
-                      <a:endParaRPr lang="en-US">
-                        <a:latin typeface="Verdana Pro Cond SemiBold" panose="020B0706030504040204" pitchFamily="34" charset="0"/>
-                      </a:endParaRPr>
-                    </a:p>
-                  </a:txBody>
-                  <a:tcPr/>
-                </a:tc>
-                <a:extLst>
-                  <a:ext uri="{0D108BD9-81ED-4DB2-BD59-A6C34878D82A}">
-                    <a16:rowId xmlns:a16="http://schemas.microsoft.com/office/drawing/2014/main" val="250704751"/>
-                  </a:ext>
-                </a:extLst>
-              </a:tr>
-              <a:tr h="441415">
-                <a:tc>
-                  <a:txBody>
-                    <a:bodyPr/>
-                    <a:lstStyle/>
-                    <a:p>
-                      <a:endParaRPr lang="en-US">
-                        <a:latin typeface="Verdana Pro Cond SemiBold" panose="020B0706030504040204" pitchFamily="34" charset="0"/>
-                      </a:endParaRPr>
-                    </a:p>
-                  </a:txBody>
-                  <a:tcPr/>
-                </a:tc>
-                <a:tc>
-                  <a:txBody>
-                    <a:bodyPr/>
-                    <a:lstStyle/>
-                    <a:p>
-                      <a:endParaRPr lang="en-US">
-                        <a:latin typeface="Verdana Pro Cond SemiBold" panose="020B0706030504040204" pitchFamily="34" charset="0"/>
-                      </a:endParaRPr>
-                    </a:p>
-                  </a:txBody>
-                  <a:tcPr/>
-                </a:tc>
-                <a:tc>
-                  <a:txBody>
-                    <a:bodyPr/>
-                    <a:lstStyle/>
-                    <a:p>
-                      <a:endParaRPr lang="en-US">
-                        <a:latin typeface="Verdana Pro Cond SemiBold" panose="020B0706030504040204" pitchFamily="34" charset="0"/>
-                      </a:endParaRPr>
-                    </a:p>
-                  </a:txBody>
-                  <a:tcPr/>
-                </a:tc>
-                <a:extLst>
-                  <a:ext uri="{0D108BD9-81ED-4DB2-BD59-A6C34878D82A}">
-                    <a16:rowId xmlns:a16="http://schemas.microsoft.com/office/drawing/2014/main" val="2738096251"/>
-                  </a:ext>
-                </a:extLst>
-              </a:tr>
-              <a:tr h="441415">
-                <a:tc>
-                  <a:txBody>
-                    <a:bodyPr/>
-                    <a:lstStyle/>
-                    <a:p>
-                      <a:endParaRPr lang="en-US">
-                        <a:latin typeface="Verdana Pro Cond SemiBold" panose="020B0706030504040204" pitchFamily="34" charset="0"/>
-                      </a:endParaRPr>
-                    </a:p>
-                  </a:txBody>
-                  <a:tcPr/>
-                </a:tc>
-                <a:tc>
-                  <a:txBody>
-                    <a:bodyPr/>
-                    <a:lstStyle/>
-                    <a:p>
-                      <a:endParaRPr lang="en-US">
-                        <a:latin typeface="Verdana Pro Cond SemiBold" panose="020B0706030504040204" pitchFamily="34" charset="0"/>
-                      </a:endParaRPr>
+                      <a:r>
+                        <a:rPr lang="en-US" dirty="0">
+                          <a:latin typeface="Verdana Pro Cond SemiBold" panose="020B0706030504040204" pitchFamily="34" charset="0"/>
+                        </a:rPr>
+                        <a:t>1</a:t>
+                      </a:r>
                     </a:p>
                   </a:txBody>
                   <a:tcPr/>
@@ -6617,7 +7531,7 @@
                 </a:tc>
                 <a:extLst>
                   <a:ext uri="{0D108BD9-81ED-4DB2-BD59-A6C34878D82A}">
-                    <a16:rowId xmlns:a16="http://schemas.microsoft.com/office/drawing/2014/main" val="2961306089"/>
+                    <a16:rowId xmlns:a16="http://schemas.microsoft.com/office/drawing/2014/main" val="250704751"/>
                   </a:ext>
                 </a:extLst>
               </a:tr>
@@ -6625,6 +7539,75 @@
           </a:graphicData>
         </a:graphic>
       </p:graphicFrame>
+      <p:sp>
+        <p:nvSpPr>
+          <p:cNvPr id="12" name="Title 1">
+            <a:extLst>
+              <a:ext uri="{FF2B5EF4-FFF2-40B4-BE49-F238E27FC236}">
+                <a16:creationId xmlns:a16="http://schemas.microsoft.com/office/drawing/2014/main" id="{3B556E3E-C1E6-4A72-906F-7B78AE146DEE}"/>
+              </a:ext>
+            </a:extLst>
+          </p:cNvPr>
+          <p:cNvSpPr txBox="1">
+            <a:spLocks/>
+          </p:cNvSpPr>
+          <p:nvPr/>
+        </p:nvSpPr>
+        <p:spPr>
+          <a:xfrm>
+            <a:off x="7173185" y="4130356"/>
+            <a:ext cx="2460198" cy="480131"/>
+          </a:xfrm>
+          <a:prstGeom prst="rect">
+            <a:avLst/>
+          </a:prstGeom>
+          <a:solidFill>
+            <a:srgbClr val="03849A"/>
+          </a:solidFill>
+        </p:spPr>
+        <p:txBody>
+          <a:bodyPr vert="horz" wrap="square" lIns="91440" tIns="45720" rIns="91440" bIns="45720" rtlCol="0" anchor="t">
+            <a:spAutoFit/>
+          </a:bodyPr>
+          <a:lstStyle>
+            <a:lvl1pPr algn="ctr" defTabSz="914400" rtl="0" eaLnBrk="1" latinLnBrk="0" hangingPunct="1">
+              <a:lnSpc>
+                <a:spcPct val="90000"/>
+              </a:lnSpc>
+              <a:spcBef>
+                <a:spcPct val="0"/>
+              </a:spcBef>
+              <a:buNone/>
+              <a:defRPr sz="6000" kern="1200">
+                <a:solidFill>
+                  <a:schemeClr val="tx1"/>
+                </a:solidFill>
+                <a:latin typeface="+mj-lt"/>
+                <a:ea typeface="+mj-ea"/>
+                <a:cs typeface="+mj-cs"/>
+              </a:defRPr>
+            </a:lvl1pPr>
+          </a:lstStyle>
+          <a:p>
+            <a:pPr algn="l"/>
+            <a:r>
+              <a:rPr lang="en-GB" sz="2800" dirty="0">
+                <a:solidFill>
+                  <a:schemeClr val="bg1"/>
+                </a:solidFill>
+                <a:latin typeface="Verdana Pro Cond SemiBold" panose="020B0604020202020204" pitchFamily="34" charset="0"/>
+              </a:rPr>
+              <a:t>Battery Power</a:t>
+            </a:r>
+            <a:endParaRPr lang="en-US" sz="2800" dirty="0">
+              <a:solidFill>
+                <a:schemeClr val="bg1"/>
+              </a:solidFill>
+              <a:latin typeface="Verdana Pro Cond SemiBold" panose="020B0604020202020204" pitchFamily="34" charset="0"/>
+            </a:endParaRPr>
+          </a:p>
+        </p:txBody>
+      </p:sp>
     </p:spTree>
     <p:extLst>
       <p:ext uri="{BB962C8B-B14F-4D97-AF65-F5344CB8AC3E}">

--- a/docs/Teams Sucks Presentation.pptx
+++ b/docs/Teams Sucks Presentation.pptx
@@ -5,7 +5,7 @@
     <p:sldMasterId id="2147483648" r:id="rId1"/>
   </p:sldMasterIdLst>
   <p:notesMasterIdLst>
-    <p:notesMasterId r:id="rId12"/>
+    <p:notesMasterId r:id="rId13"/>
   </p:notesMasterIdLst>
   <p:sldIdLst>
     <p:sldId id="259" r:id="rId2"/>
@@ -15,9 +15,10 @@
     <p:sldId id="265" r:id="rId6"/>
     <p:sldId id="266" r:id="rId7"/>
     <p:sldId id="267" r:id="rId8"/>
-    <p:sldId id="268" r:id="rId9"/>
-    <p:sldId id="263" r:id="rId10"/>
-    <p:sldId id="262" r:id="rId11"/>
+    <p:sldId id="271" r:id="rId9"/>
+    <p:sldId id="268" r:id="rId10"/>
+    <p:sldId id="263" r:id="rId11"/>
+    <p:sldId id="262" r:id="rId12"/>
   </p:sldIdLst>
   <p:sldSz cx="12192000" cy="6858000"/>
   <p:notesSz cx="6858000" cy="9144000"/>
@@ -3888,7 +3889,7 @@
           <p:cNvPr id="2" name="Title 1">
             <a:extLst>
               <a:ext uri="{FF2B5EF4-FFF2-40B4-BE49-F238E27FC236}">
-                <a16:creationId xmlns:a16="http://schemas.microsoft.com/office/drawing/2014/main" id="{A5B4A7EC-5056-4840-98E5-7E09C3B8A76B}"/>
+                <a16:creationId xmlns:a16="http://schemas.microsoft.com/office/drawing/2014/main" id="{62E3E071-C997-415A-8A95-FB83C7CE9CE6}"/>
               </a:ext>
             </a:extLst>
           </p:cNvPr>
@@ -3906,2650 +3907,7 @@
           <a:p>
             <a:r>
               <a:rPr lang="en-GB" dirty="0"/>
-              <a:t>Try Yourself? </a:t>
-            </a:r>
-            <a:endParaRPr lang="en-US" dirty="0"/>
-          </a:p>
-        </p:txBody>
-      </p:sp>
-      <p:pic>
-        <p:nvPicPr>
-          <p:cNvPr id="4" name="Picture 3" descr="A picture containing graphical user interface&#10;&#10;Description automatically generated">
-            <a:extLst>
-              <a:ext uri="{FF2B5EF4-FFF2-40B4-BE49-F238E27FC236}">
-                <a16:creationId xmlns:a16="http://schemas.microsoft.com/office/drawing/2014/main" id="{50E737C2-077F-4C27-B733-E490A1241E33}"/>
-              </a:ext>
-            </a:extLst>
-          </p:cNvPr>
-          <p:cNvPicPr>
-            <a:picLocks noChangeAspect="1"/>
-          </p:cNvPicPr>
-          <p:nvPr/>
-        </p:nvPicPr>
-        <p:blipFill>
-          <a:blip r:embed="rId2">
-            <a:extLst>
-              <a:ext uri="{28A0092B-C50C-407E-A947-70E740481C1C}">
-                <a14:useLocalDpi xmlns:a14="http://schemas.microsoft.com/office/drawing/2010/main" val="0"/>
-              </a:ext>
-            </a:extLst>
-          </a:blip>
-          <a:stretch>
-            <a:fillRect/>
-          </a:stretch>
-        </p:blipFill>
-        <p:spPr>
-          <a:xfrm>
-            <a:off x="2481858" y="679718"/>
-            <a:ext cx="7216666" cy="5614566"/>
-          </a:xfrm>
-          <a:prstGeom prst="rect">
-            <a:avLst/>
-          </a:prstGeom>
-        </p:spPr>
-      </p:pic>
-      <p:sp>
-        <p:nvSpPr>
-          <p:cNvPr id="5" name="Title 1">
-            <a:extLst>
-              <a:ext uri="{FF2B5EF4-FFF2-40B4-BE49-F238E27FC236}">
-                <a16:creationId xmlns:a16="http://schemas.microsoft.com/office/drawing/2014/main" id="{EC86B9E1-D890-4965-83BE-F27C5222D557}"/>
-              </a:ext>
-            </a:extLst>
-          </p:cNvPr>
-          <p:cNvSpPr txBox="1">
-            <a:spLocks/>
-          </p:cNvSpPr>
-          <p:nvPr/>
-        </p:nvSpPr>
-        <p:spPr>
-          <a:xfrm>
-            <a:off x="8987415" y="1257787"/>
-            <a:ext cx="1422219" cy="480131"/>
-          </a:xfrm>
-          <a:prstGeom prst="rect">
-            <a:avLst/>
-          </a:prstGeom>
-          <a:solidFill>
-            <a:srgbClr val="03849A"/>
-          </a:solidFill>
-        </p:spPr>
-        <p:txBody>
-          <a:bodyPr vert="horz" wrap="square" lIns="91440" tIns="45720" rIns="91440" bIns="45720" rtlCol="0" anchor="t">
-            <a:spAutoFit/>
-          </a:bodyPr>
-          <a:lstStyle>
-            <a:lvl1pPr algn="ctr" defTabSz="914400" rtl="0" eaLnBrk="1" latinLnBrk="0" hangingPunct="1">
-              <a:lnSpc>
-                <a:spcPct val="90000"/>
-              </a:lnSpc>
-              <a:spcBef>
-                <a:spcPct val="0"/>
-              </a:spcBef>
-              <a:buNone/>
-              <a:defRPr sz="6000" kern="1200">
-                <a:solidFill>
-                  <a:schemeClr val="tx1"/>
-                </a:solidFill>
-                <a:latin typeface="+mj-lt"/>
-                <a:ea typeface="+mj-ea"/>
-                <a:cs typeface="+mj-cs"/>
-              </a:defRPr>
-            </a:lvl1pPr>
-          </a:lstStyle>
-          <a:p>
-            <a:pPr algn="l"/>
-            <a:r>
-              <a:rPr lang="en-GB" sz="2800" dirty="0">
-                <a:solidFill>
-                  <a:schemeClr val="bg1"/>
-                </a:solidFill>
-                <a:latin typeface="Verdana Pro Cond SemiBold" panose="020B0604020202020204" pitchFamily="34" charset="0"/>
-              </a:rPr>
-              <a:t>Arduino</a:t>
-            </a:r>
-            <a:endParaRPr lang="en-US" sz="2800" dirty="0">
-              <a:solidFill>
-                <a:schemeClr val="bg1"/>
-              </a:solidFill>
-              <a:latin typeface="Verdana Pro Cond SemiBold" panose="020B0604020202020204" pitchFamily="34" charset="0"/>
-            </a:endParaRPr>
-          </a:p>
-        </p:txBody>
-      </p:sp>
-      <p:sp>
-        <p:nvSpPr>
-          <p:cNvPr id="6" name="Title 1">
-            <a:extLst>
-              <a:ext uri="{FF2B5EF4-FFF2-40B4-BE49-F238E27FC236}">
-                <a16:creationId xmlns:a16="http://schemas.microsoft.com/office/drawing/2014/main" id="{3265EAA9-E88B-4846-BD80-0F823AFF6606}"/>
-              </a:ext>
-            </a:extLst>
-          </p:cNvPr>
-          <p:cNvSpPr txBox="1">
-            <a:spLocks/>
-          </p:cNvSpPr>
-          <p:nvPr/>
-        </p:nvSpPr>
-        <p:spPr>
-          <a:xfrm>
-            <a:off x="8996160" y="1835856"/>
-            <a:ext cx="1324999" cy="480131"/>
-          </a:xfrm>
-          <a:prstGeom prst="rect">
-            <a:avLst/>
-          </a:prstGeom>
-          <a:solidFill>
-            <a:srgbClr val="03849A"/>
-          </a:solidFill>
-        </p:spPr>
-        <p:txBody>
-          <a:bodyPr vert="horz" wrap="square" lIns="91440" tIns="45720" rIns="91440" bIns="45720" rtlCol="0" anchor="t">
-            <a:spAutoFit/>
-          </a:bodyPr>
-          <a:lstStyle>
-            <a:lvl1pPr algn="ctr" defTabSz="914400" rtl="0" eaLnBrk="1" latinLnBrk="0" hangingPunct="1">
-              <a:lnSpc>
-                <a:spcPct val="90000"/>
-              </a:lnSpc>
-              <a:spcBef>
-                <a:spcPct val="0"/>
-              </a:spcBef>
-              <a:buNone/>
-              <a:defRPr sz="6000" kern="1200">
-                <a:solidFill>
-                  <a:schemeClr val="tx1"/>
-                </a:solidFill>
-                <a:latin typeface="+mj-lt"/>
-                <a:ea typeface="+mj-ea"/>
-                <a:cs typeface="+mj-cs"/>
-              </a:defRPr>
-            </a:lvl1pPr>
-          </a:lstStyle>
-          <a:p>
-            <a:pPr algn="l"/>
-            <a:r>
-              <a:rPr lang="en-GB" sz="2800" dirty="0">
-                <a:solidFill>
-                  <a:schemeClr val="bg1"/>
-                </a:solidFill>
-                <a:latin typeface="Verdana Pro Cond SemiBold" panose="020B0604020202020204" pitchFamily="34" charset="0"/>
-              </a:rPr>
-              <a:t>Starter</a:t>
-            </a:r>
-            <a:endParaRPr lang="en-US" sz="2800" dirty="0">
-              <a:solidFill>
-                <a:schemeClr val="bg1"/>
-              </a:solidFill>
-              <a:latin typeface="Verdana Pro Cond SemiBold" panose="020B0604020202020204" pitchFamily="34" charset="0"/>
-            </a:endParaRPr>
-          </a:p>
-        </p:txBody>
-      </p:sp>
-      <p:sp>
-        <p:nvSpPr>
-          <p:cNvPr id="7" name="Title 1">
-            <a:extLst>
-              <a:ext uri="{FF2B5EF4-FFF2-40B4-BE49-F238E27FC236}">
-                <a16:creationId xmlns:a16="http://schemas.microsoft.com/office/drawing/2014/main" id="{973E3B18-A66E-45BC-9ABD-EF22884E2188}"/>
-              </a:ext>
-            </a:extLst>
-          </p:cNvPr>
-          <p:cNvSpPr txBox="1">
-            <a:spLocks/>
-          </p:cNvSpPr>
-          <p:nvPr/>
-        </p:nvSpPr>
-        <p:spPr>
-          <a:xfrm>
-            <a:off x="9006773" y="2413925"/>
-            <a:ext cx="691751" cy="480131"/>
-          </a:xfrm>
-          <a:prstGeom prst="rect">
-            <a:avLst/>
-          </a:prstGeom>
-          <a:solidFill>
-            <a:srgbClr val="03849A"/>
-          </a:solidFill>
-        </p:spPr>
-        <p:txBody>
-          <a:bodyPr vert="horz" wrap="square" lIns="91440" tIns="45720" rIns="91440" bIns="45720" rtlCol="0" anchor="t">
-            <a:spAutoFit/>
-          </a:bodyPr>
-          <a:lstStyle>
-            <a:lvl1pPr algn="ctr" defTabSz="914400" rtl="0" eaLnBrk="1" latinLnBrk="0" hangingPunct="1">
-              <a:lnSpc>
-                <a:spcPct val="90000"/>
-              </a:lnSpc>
-              <a:spcBef>
-                <a:spcPct val="0"/>
-              </a:spcBef>
-              <a:buNone/>
-              <a:defRPr sz="6000" kern="1200">
-                <a:solidFill>
-                  <a:schemeClr val="tx1"/>
-                </a:solidFill>
-                <a:latin typeface="+mj-lt"/>
-                <a:ea typeface="+mj-ea"/>
-                <a:cs typeface="+mj-cs"/>
-              </a:defRPr>
-            </a:lvl1pPr>
-          </a:lstStyle>
-          <a:p>
-            <a:pPr algn="l"/>
-            <a:r>
-              <a:rPr lang="en-GB" sz="2800" dirty="0">
-                <a:solidFill>
-                  <a:schemeClr val="bg1"/>
-                </a:solidFill>
-                <a:latin typeface="Verdana Pro Cond SemiBold" panose="020B0604020202020204" pitchFamily="34" charset="0"/>
-              </a:rPr>
-              <a:t>Kit</a:t>
-            </a:r>
-            <a:endParaRPr lang="en-US" sz="2800" dirty="0">
-              <a:solidFill>
-                <a:schemeClr val="bg1"/>
-              </a:solidFill>
-              <a:latin typeface="Verdana Pro Cond SemiBold" panose="020B0604020202020204" pitchFamily="34" charset="0"/>
-            </a:endParaRPr>
-          </a:p>
-        </p:txBody>
-      </p:sp>
-      <p:sp>
-        <p:nvSpPr>
-          <p:cNvPr id="8" name="Title 1">
-            <a:extLst>
-              <a:ext uri="{FF2B5EF4-FFF2-40B4-BE49-F238E27FC236}">
-                <a16:creationId xmlns:a16="http://schemas.microsoft.com/office/drawing/2014/main" id="{F8C9F513-C3EB-4E16-8C43-94BED0CF3ADB}"/>
-              </a:ext>
-            </a:extLst>
-          </p:cNvPr>
-          <p:cNvSpPr txBox="1">
-            <a:spLocks/>
-          </p:cNvSpPr>
-          <p:nvPr/>
-        </p:nvSpPr>
-        <p:spPr>
-          <a:xfrm>
-            <a:off x="8975141" y="679718"/>
-            <a:ext cx="831012" cy="480131"/>
-          </a:xfrm>
-          <a:prstGeom prst="rect">
-            <a:avLst/>
-          </a:prstGeom>
-          <a:solidFill>
-            <a:srgbClr val="03849A"/>
-          </a:solidFill>
-        </p:spPr>
-        <p:txBody>
-          <a:bodyPr vert="horz" wrap="square" lIns="91440" tIns="45720" rIns="91440" bIns="45720" rtlCol="0" anchor="t">
-            <a:spAutoFit/>
-          </a:bodyPr>
-          <a:lstStyle>
-            <a:lvl1pPr algn="ctr" defTabSz="914400" rtl="0" eaLnBrk="1" latinLnBrk="0" hangingPunct="1">
-              <a:lnSpc>
-                <a:spcPct val="90000"/>
-              </a:lnSpc>
-              <a:spcBef>
-                <a:spcPct val="0"/>
-              </a:spcBef>
-              <a:buNone/>
-              <a:defRPr sz="6000" kern="1200">
-                <a:solidFill>
-                  <a:schemeClr val="tx1"/>
-                </a:solidFill>
-                <a:latin typeface="+mj-lt"/>
-                <a:ea typeface="+mj-ea"/>
-                <a:cs typeface="+mj-cs"/>
-              </a:defRPr>
-            </a:lvl1pPr>
-          </a:lstStyle>
-          <a:p>
-            <a:pPr algn="l"/>
-            <a:r>
-              <a:rPr lang="en-GB" sz="2800" dirty="0">
-                <a:solidFill>
-                  <a:schemeClr val="bg1"/>
-                </a:solidFill>
-                <a:latin typeface="Verdana Pro Cond SemiBold" panose="020B0604020202020204" pitchFamily="34" charset="0"/>
-              </a:rPr>
-              <a:t>The</a:t>
-            </a:r>
-            <a:endParaRPr lang="en-US" sz="2800" dirty="0">
-              <a:solidFill>
-                <a:schemeClr val="bg1"/>
-              </a:solidFill>
-              <a:latin typeface="Verdana Pro Cond SemiBold" panose="020B0604020202020204" pitchFamily="34" charset="0"/>
-            </a:endParaRPr>
-          </a:p>
-        </p:txBody>
-      </p:sp>
-    </p:spTree>
-    <p:extLst>
-      <p:ext uri="{BB962C8B-B14F-4D97-AF65-F5344CB8AC3E}">
-        <p14:creationId xmlns:p14="http://schemas.microsoft.com/office/powerpoint/2010/main" val="3850030483"/>
-      </p:ext>
-    </p:extLst>
-  </p:cSld>
-  <p:clrMapOvr>
-    <a:masterClrMapping/>
-  </p:clrMapOvr>
-</p:sld>
-</file>
-
-<file path=ppt/slides/slide2.xml><?xml version="1.0" encoding="utf-8"?>
-<p:sld xmlns:a="http://schemas.openxmlformats.org/drawingml/2006/main" xmlns:r="http://schemas.openxmlformats.org/officeDocument/2006/relationships" xmlns:p="http://schemas.openxmlformats.org/presentationml/2006/main">
-  <p:cSld>
-    <p:spTree>
-      <p:nvGrpSpPr>
-        <p:cNvPr id="1" name=""/>
-        <p:cNvGrpSpPr/>
-        <p:nvPr/>
-      </p:nvGrpSpPr>
-      <p:grpSpPr>
-        <a:xfrm>
-          <a:off x="0" y="0"/>
-          <a:ext cx="0" cy="0"/>
-          <a:chOff x="0" y="0"/>
-          <a:chExt cx="0" cy="0"/>
-        </a:xfrm>
-      </p:grpSpPr>
-      <p:sp>
-        <p:nvSpPr>
-          <p:cNvPr id="13" name="Rectangle 12">
-            <a:extLst>
-              <a:ext uri="{FF2B5EF4-FFF2-40B4-BE49-F238E27FC236}">
-                <a16:creationId xmlns:a16="http://schemas.microsoft.com/office/drawing/2014/main" id="{AFD5865D-1D2E-45C8-8572-BE38E7E374CB}"/>
-              </a:ext>
-            </a:extLst>
-          </p:cNvPr>
-          <p:cNvSpPr/>
-          <p:nvPr/>
-        </p:nvSpPr>
-        <p:spPr>
-          <a:xfrm>
-            <a:off x="920983" y="1388292"/>
-            <a:ext cx="3898491" cy="3834582"/>
-          </a:xfrm>
-          <a:prstGeom prst="rect">
-            <a:avLst/>
-          </a:prstGeom>
-          <a:solidFill>
-            <a:srgbClr val="FACF31"/>
-          </a:solidFill>
-          <a:ln>
-            <a:noFill/>
-          </a:ln>
-        </p:spPr>
-        <p:style>
-          <a:lnRef idx="2">
-            <a:schemeClr val="accent1">
-              <a:shade val="50000"/>
-            </a:schemeClr>
-          </a:lnRef>
-          <a:fillRef idx="1">
-            <a:schemeClr val="accent1"/>
-          </a:fillRef>
-          <a:effectRef idx="0">
-            <a:schemeClr val="accent1"/>
-          </a:effectRef>
-          <a:fontRef idx="minor">
-            <a:schemeClr val="lt1"/>
-          </a:fontRef>
-        </p:style>
-        <p:txBody>
-          <a:bodyPr rtlCol="0" anchor="ctr"/>
-          <a:lstStyle/>
-          <a:p>
-            <a:pPr algn="ctr"/>
-            <a:endParaRPr lang="en-GB"/>
-          </a:p>
-        </p:txBody>
-      </p:sp>
-      <p:sp>
-        <p:nvSpPr>
-          <p:cNvPr id="2" name="Title 1">
-            <a:extLst>
-              <a:ext uri="{FF2B5EF4-FFF2-40B4-BE49-F238E27FC236}">
-                <a16:creationId xmlns:a16="http://schemas.microsoft.com/office/drawing/2014/main" id="{C82A6B3A-E45E-4491-964F-76182EEFCB4E}"/>
-              </a:ext>
-            </a:extLst>
-          </p:cNvPr>
-          <p:cNvSpPr>
-            <a:spLocks noGrp="1"/>
-          </p:cNvSpPr>
-          <p:nvPr>
-            <p:ph type="title"/>
-          </p:nvPr>
-        </p:nvSpPr>
-        <p:spPr/>
-        <p:txBody>
-          <a:bodyPr/>
-          <a:lstStyle/>
-          <a:p>
-            <a:r>
-              <a:rPr lang="en-GB" dirty="0"/>
-              <a:t>Components of the Solution</a:t>
-            </a:r>
-          </a:p>
-        </p:txBody>
-      </p:sp>
-      <p:grpSp>
-        <p:nvGrpSpPr>
-          <p:cNvPr id="10" name="Group 9">
-            <a:extLst>
-              <a:ext uri="{FF2B5EF4-FFF2-40B4-BE49-F238E27FC236}">
-                <a16:creationId xmlns:a16="http://schemas.microsoft.com/office/drawing/2014/main" id="{D231A690-5A1E-4D34-8D57-09BC08C6278B}"/>
-              </a:ext>
-            </a:extLst>
-          </p:cNvPr>
-          <p:cNvGrpSpPr/>
-          <p:nvPr/>
-        </p:nvGrpSpPr>
-        <p:grpSpPr>
-          <a:xfrm>
-            <a:off x="5973944" y="2415764"/>
-            <a:ext cx="1164331" cy="1623168"/>
-            <a:chOff x="6096000" y="3681382"/>
-            <a:chExt cx="876779" cy="1195717"/>
-          </a:xfrm>
-        </p:grpSpPr>
-        <p:sp>
-          <p:nvSpPr>
-            <p:cNvPr id="9" name="Rectangle 8">
-              <a:extLst>
-                <a:ext uri="{FF2B5EF4-FFF2-40B4-BE49-F238E27FC236}">
-                  <a16:creationId xmlns:a16="http://schemas.microsoft.com/office/drawing/2014/main" id="{B1E0F085-2D4B-4C5E-8D1B-9BDD681092BF}"/>
-                </a:ext>
-              </a:extLst>
-            </p:cNvPr>
-            <p:cNvSpPr/>
-            <p:nvPr/>
-          </p:nvSpPr>
-          <p:spPr>
-            <a:xfrm>
-              <a:off x="6293537" y="3793106"/>
-              <a:ext cx="475973" cy="950959"/>
-            </a:xfrm>
-            <a:prstGeom prst="rect">
-              <a:avLst/>
-            </a:prstGeom>
-            <a:solidFill>
-              <a:schemeClr val="bg1"/>
-            </a:solidFill>
-          </p:spPr>
-          <p:style>
-            <a:lnRef idx="2">
-              <a:schemeClr val="accent1">
-                <a:shade val="50000"/>
-              </a:schemeClr>
-            </a:lnRef>
-            <a:fillRef idx="1">
-              <a:schemeClr val="accent1"/>
-            </a:fillRef>
-            <a:effectRef idx="0">
-              <a:schemeClr val="accent1"/>
-            </a:effectRef>
-            <a:fontRef idx="minor">
-              <a:schemeClr val="lt1"/>
-            </a:fontRef>
-          </p:style>
-          <p:txBody>
-            <a:bodyPr rtlCol="0" anchor="ctr"/>
-            <a:lstStyle/>
-            <a:p>
-              <a:pPr algn="ctr"/>
-              <a:endParaRPr lang="en-GB"/>
-            </a:p>
-          </p:txBody>
-        </p:sp>
-        <p:pic>
-          <p:nvPicPr>
-            <p:cNvPr id="5" name="Picture 4">
-              <a:extLst>
-                <a:ext uri="{FF2B5EF4-FFF2-40B4-BE49-F238E27FC236}">
-                  <a16:creationId xmlns:a16="http://schemas.microsoft.com/office/drawing/2014/main" id="{3017E8E4-E9A9-4061-9A13-3B425CFDE0B9}"/>
-                </a:ext>
-              </a:extLst>
-            </p:cNvPr>
-            <p:cNvPicPr>
-              <a:picLocks noChangeAspect="1"/>
-            </p:cNvPicPr>
-            <p:nvPr/>
-          </p:nvPicPr>
-          <p:blipFill>
-            <a:blip r:embed="rId2"/>
-            <a:stretch>
-              <a:fillRect/>
-            </a:stretch>
-          </p:blipFill>
-          <p:spPr>
-            <a:xfrm>
-              <a:off x="6096000" y="3681382"/>
-              <a:ext cx="876779" cy="1195717"/>
-            </a:xfrm>
-            <a:prstGeom prst="rect">
-              <a:avLst/>
-            </a:prstGeom>
-          </p:spPr>
-        </p:pic>
-      </p:grpSp>
-      <p:sp>
-        <p:nvSpPr>
-          <p:cNvPr id="16" name="TextBox 15">
-            <a:extLst>
-              <a:ext uri="{FF2B5EF4-FFF2-40B4-BE49-F238E27FC236}">
-                <a16:creationId xmlns:a16="http://schemas.microsoft.com/office/drawing/2014/main" id="{687D085A-C8BB-43A9-89B8-D6B11D68FB87}"/>
-              </a:ext>
-            </a:extLst>
-          </p:cNvPr>
-          <p:cNvSpPr txBox="1"/>
-          <p:nvPr/>
-        </p:nvSpPr>
-        <p:spPr>
-          <a:xfrm>
-            <a:off x="1044144" y="4257260"/>
-            <a:ext cx="1261884" cy="707886"/>
-          </a:xfrm>
-          <a:prstGeom prst="rect">
-            <a:avLst/>
-          </a:prstGeom>
-          <a:noFill/>
-        </p:spPr>
-        <p:txBody>
-          <a:bodyPr wrap="none" rtlCol="0">
-            <a:spAutoFit/>
-          </a:bodyPr>
-          <a:lstStyle/>
-          <a:p>
-            <a:r>
-              <a:rPr lang="en-GB" sz="2000" b="1" dirty="0">
-                <a:latin typeface="Courier New" panose="02070309020205020404" pitchFamily="49" charset="0"/>
-                <a:cs typeface="Courier New" panose="02070309020205020404" pitchFamily="49" charset="0"/>
-              </a:rPr>
-              <a:t>Cycle</a:t>
-            </a:r>
-          </a:p>
-          <a:p>
-            <a:r>
-              <a:rPr lang="en-GB" sz="2000" b="1" dirty="0">
-                <a:latin typeface="Courier New" panose="02070309020205020404" pitchFamily="49" charset="0"/>
-                <a:cs typeface="Courier New" panose="02070309020205020404" pitchFamily="49" charset="0"/>
-              </a:rPr>
-              <a:t>Windows</a:t>
-            </a:r>
-          </a:p>
-        </p:txBody>
-      </p:sp>
-      <p:sp>
-        <p:nvSpPr>
-          <p:cNvPr id="17" name="TextBox 16">
-            <a:extLst>
-              <a:ext uri="{FF2B5EF4-FFF2-40B4-BE49-F238E27FC236}">
-                <a16:creationId xmlns:a16="http://schemas.microsoft.com/office/drawing/2014/main" id="{F3FCB2FA-13C3-47A1-A48C-1702FFFE986B}"/>
-              </a:ext>
-            </a:extLst>
-          </p:cNvPr>
-          <p:cNvSpPr txBox="1"/>
-          <p:nvPr/>
-        </p:nvSpPr>
-        <p:spPr>
-          <a:xfrm>
-            <a:off x="2395415" y="4291673"/>
-            <a:ext cx="1107996" cy="707886"/>
-          </a:xfrm>
-          <a:prstGeom prst="rect">
-            <a:avLst/>
-          </a:prstGeom>
-          <a:noFill/>
-        </p:spPr>
-        <p:txBody>
-          <a:bodyPr wrap="none" rtlCol="0">
-            <a:spAutoFit/>
-          </a:bodyPr>
-          <a:lstStyle/>
-          <a:p>
-            <a:r>
-              <a:rPr lang="en-GB" sz="2000" b="1" dirty="0">
-                <a:latin typeface="Courier New" panose="02070309020205020404" pitchFamily="49" charset="0"/>
-                <a:cs typeface="Courier New" panose="02070309020205020404" pitchFamily="49" charset="0"/>
-              </a:rPr>
-              <a:t>Toggle</a:t>
-            </a:r>
-          </a:p>
-          <a:p>
-            <a:r>
-              <a:rPr lang="en-GB" sz="2000" b="1" dirty="0">
-                <a:latin typeface="Courier New" panose="02070309020205020404" pitchFamily="49" charset="0"/>
-                <a:cs typeface="Courier New" panose="02070309020205020404" pitchFamily="49" charset="0"/>
-              </a:rPr>
-              <a:t>Mute</a:t>
-            </a:r>
-          </a:p>
-        </p:txBody>
-      </p:sp>
-      <p:sp>
-        <p:nvSpPr>
-          <p:cNvPr id="18" name="TextBox 17">
-            <a:extLst>
-              <a:ext uri="{FF2B5EF4-FFF2-40B4-BE49-F238E27FC236}">
-                <a16:creationId xmlns:a16="http://schemas.microsoft.com/office/drawing/2014/main" id="{92533CD6-E01B-4F54-AB18-B03D2D4EB3C5}"/>
-              </a:ext>
-            </a:extLst>
-          </p:cNvPr>
-          <p:cNvSpPr txBox="1"/>
-          <p:nvPr/>
-        </p:nvSpPr>
-        <p:spPr>
-          <a:xfrm>
-            <a:off x="3633689" y="4291673"/>
-            <a:ext cx="1107996" cy="707886"/>
-          </a:xfrm>
-          <a:prstGeom prst="rect">
-            <a:avLst/>
-          </a:prstGeom>
-          <a:noFill/>
-        </p:spPr>
-        <p:txBody>
-          <a:bodyPr wrap="none" rtlCol="0">
-            <a:spAutoFit/>
-          </a:bodyPr>
-          <a:lstStyle/>
-          <a:p>
-            <a:r>
-              <a:rPr lang="en-GB" sz="2000" b="1" dirty="0">
-                <a:latin typeface="Courier New" panose="02070309020205020404" pitchFamily="49" charset="0"/>
-                <a:cs typeface="Courier New" panose="02070309020205020404" pitchFamily="49" charset="0"/>
-              </a:rPr>
-              <a:t>Toggle</a:t>
-            </a:r>
-          </a:p>
-          <a:p>
-            <a:r>
-              <a:rPr lang="en-GB" sz="2000" b="1" dirty="0">
-                <a:latin typeface="Courier New" panose="02070309020205020404" pitchFamily="49" charset="0"/>
-                <a:cs typeface="Courier New" panose="02070309020205020404" pitchFamily="49" charset="0"/>
-              </a:rPr>
-              <a:t>Camera</a:t>
-            </a:r>
-          </a:p>
-        </p:txBody>
-      </p:sp>
-      <p:pic>
-        <p:nvPicPr>
-          <p:cNvPr id="15" name="Picture 14">
-            <a:extLst>
-              <a:ext uri="{FF2B5EF4-FFF2-40B4-BE49-F238E27FC236}">
-                <a16:creationId xmlns:a16="http://schemas.microsoft.com/office/drawing/2014/main" id="{4E80F51F-6D5B-41B3-93B6-8A05FD2D1024}"/>
-              </a:ext>
-            </a:extLst>
-          </p:cNvPr>
-          <p:cNvPicPr>
-            <a:picLocks noChangeAspect="1"/>
-          </p:cNvPicPr>
-          <p:nvPr/>
-        </p:nvPicPr>
-        <p:blipFill>
-          <a:blip r:embed="rId3"/>
-          <a:stretch>
-            <a:fillRect/>
-          </a:stretch>
-        </p:blipFill>
-        <p:spPr>
-          <a:xfrm>
-            <a:off x="1432766" y="1692196"/>
-            <a:ext cx="2800250" cy="1250721"/>
-          </a:xfrm>
-          <a:prstGeom prst="rect">
-            <a:avLst/>
-          </a:prstGeom>
-        </p:spPr>
-      </p:pic>
-      <p:pic>
-        <p:nvPicPr>
-          <p:cNvPr id="20" name="Picture 19">
-            <a:extLst>
-              <a:ext uri="{FF2B5EF4-FFF2-40B4-BE49-F238E27FC236}">
-                <a16:creationId xmlns:a16="http://schemas.microsoft.com/office/drawing/2014/main" id="{1B66447F-58B0-4992-945B-23901CEF9EE8}"/>
-              </a:ext>
-            </a:extLst>
-          </p:cNvPr>
-          <p:cNvPicPr>
-            <a:picLocks noChangeAspect="1"/>
-          </p:cNvPicPr>
-          <p:nvPr/>
-        </p:nvPicPr>
-        <p:blipFill>
-          <a:blip r:embed="rId4"/>
-          <a:stretch>
-            <a:fillRect/>
-          </a:stretch>
-        </p:blipFill>
-        <p:spPr>
-          <a:xfrm>
-            <a:off x="1147100" y="3176752"/>
-            <a:ext cx="937368" cy="937368"/>
-          </a:xfrm>
-          <a:prstGeom prst="rect">
-            <a:avLst/>
-          </a:prstGeom>
-        </p:spPr>
-      </p:pic>
-      <p:pic>
-        <p:nvPicPr>
-          <p:cNvPr id="25" name="Picture 24">
-            <a:extLst>
-              <a:ext uri="{FF2B5EF4-FFF2-40B4-BE49-F238E27FC236}">
-                <a16:creationId xmlns:a16="http://schemas.microsoft.com/office/drawing/2014/main" id="{8BF29DD2-331F-438E-A8A6-0D07C1E04C40}"/>
-              </a:ext>
-            </a:extLst>
-          </p:cNvPr>
-          <p:cNvPicPr>
-            <a:picLocks noChangeAspect="1"/>
-          </p:cNvPicPr>
-          <p:nvPr/>
-        </p:nvPicPr>
-        <p:blipFill>
-          <a:blip r:embed="rId4"/>
-          <a:stretch>
-            <a:fillRect/>
-          </a:stretch>
-        </p:blipFill>
-        <p:spPr>
-          <a:xfrm>
-            <a:off x="2388739" y="3176752"/>
-            <a:ext cx="937368" cy="937368"/>
-          </a:xfrm>
-          <a:prstGeom prst="rect">
-            <a:avLst/>
-          </a:prstGeom>
-        </p:spPr>
-      </p:pic>
-      <p:pic>
-        <p:nvPicPr>
-          <p:cNvPr id="26" name="Picture 25">
-            <a:extLst>
-              <a:ext uri="{FF2B5EF4-FFF2-40B4-BE49-F238E27FC236}">
-                <a16:creationId xmlns:a16="http://schemas.microsoft.com/office/drawing/2014/main" id="{689C65A8-C9DD-42EE-BF6F-146B3DF240C7}"/>
-              </a:ext>
-            </a:extLst>
-          </p:cNvPr>
-          <p:cNvPicPr>
-            <a:picLocks noChangeAspect="1"/>
-          </p:cNvPicPr>
-          <p:nvPr/>
-        </p:nvPicPr>
-        <p:blipFill>
-          <a:blip r:embed="rId4"/>
-          <a:stretch>
-            <a:fillRect/>
-          </a:stretch>
-        </p:blipFill>
-        <p:spPr>
-          <a:xfrm>
-            <a:off x="3630379" y="3176752"/>
-            <a:ext cx="937368" cy="937368"/>
-          </a:xfrm>
-          <a:prstGeom prst="rect">
-            <a:avLst/>
-          </a:prstGeom>
-        </p:spPr>
-      </p:pic>
-      <p:pic>
-        <p:nvPicPr>
-          <p:cNvPr id="23" name="Picture 22">
-            <a:extLst>
-              <a:ext uri="{FF2B5EF4-FFF2-40B4-BE49-F238E27FC236}">
-                <a16:creationId xmlns:a16="http://schemas.microsoft.com/office/drawing/2014/main" id="{1DB05DD7-8B69-4B88-B516-F3EE1EEB46F4}"/>
-              </a:ext>
-            </a:extLst>
-          </p:cNvPr>
-          <p:cNvPicPr>
-            <a:picLocks noChangeAspect="1"/>
-          </p:cNvPicPr>
-          <p:nvPr/>
-        </p:nvPicPr>
-        <p:blipFill>
-          <a:blip r:embed="rId5"/>
-          <a:stretch>
-            <a:fillRect/>
-          </a:stretch>
-        </p:blipFill>
-        <p:spPr>
-          <a:xfrm>
-            <a:off x="7639751" y="2113783"/>
-            <a:ext cx="2965359" cy="2225945"/>
-          </a:xfrm>
-          <a:prstGeom prst="rect">
-            <a:avLst/>
-          </a:prstGeom>
-        </p:spPr>
-      </p:pic>
-      <p:sp>
-        <p:nvSpPr>
-          <p:cNvPr id="8" name="TextBox 7">
-            <a:extLst>
-              <a:ext uri="{FF2B5EF4-FFF2-40B4-BE49-F238E27FC236}">
-                <a16:creationId xmlns:a16="http://schemas.microsoft.com/office/drawing/2014/main" id="{4BBBA7F8-9483-4268-BAF8-9CCC680B13B7}"/>
-              </a:ext>
-            </a:extLst>
-          </p:cNvPr>
-          <p:cNvSpPr txBox="1"/>
-          <p:nvPr/>
-        </p:nvSpPr>
-        <p:spPr>
-          <a:xfrm>
-            <a:off x="4336057" y="2808758"/>
-            <a:ext cx="4237253" cy="769441"/>
-          </a:xfrm>
-          <a:prstGeom prst="rect">
-            <a:avLst/>
-          </a:prstGeom>
-          <a:noFill/>
-        </p:spPr>
-        <p:txBody>
-          <a:bodyPr wrap="square" rtlCol="0">
-            <a:spAutoFit/>
-          </a:bodyPr>
-          <a:lstStyle/>
-          <a:p>
-            <a:pPr algn="ctr"/>
-            <a:r>
-              <a:rPr lang="en-GB" sz="4400" b="1" dirty="0">
-                <a:ln>
-                  <a:solidFill>
-                    <a:schemeClr val="bg1"/>
-                  </a:solidFill>
-                </a:ln>
-                <a:latin typeface="Courier New" panose="02070309020205020404" pitchFamily="49" charset="0"/>
-                <a:cs typeface="Courier New" panose="02070309020205020404" pitchFamily="49" charset="0"/>
-              </a:rPr>
-              <a:t>101010010101</a:t>
-            </a:r>
-          </a:p>
-        </p:txBody>
-      </p:sp>
-      <p:pic>
-        <p:nvPicPr>
-          <p:cNvPr id="1026" name="Picture 2" descr="Microsoft Teams (int. sub-page) | Wired Relations ...">
-            <a:extLst>
-              <a:ext uri="{FF2B5EF4-FFF2-40B4-BE49-F238E27FC236}">
-                <a16:creationId xmlns:a16="http://schemas.microsoft.com/office/drawing/2014/main" id="{5F60B85A-AC7E-4194-9AC0-5A1B8E87EC44}"/>
-              </a:ext>
-            </a:extLst>
-          </p:cNvPr>
-          <p:cNvPicPr>
-            <a:picLocks noChangeAspect="1" noChangeArrowheads="1"/>
-          </p:cNvPicPr>
-          <p:nvPr/>
-        </p:nvPicPr>
-        <p:blipFill>
-          <a:blip r:embed="rId6">
-            <a:extLst>
-              <a:ext uri="{28A0092B-C50C-407E-A947-70E740481C1C}">
-                <a14:useLocalDpi xmlns:a14="http://schemas.microsoft.com/office/drawing/2010/main" val="0"/>
-              </a:ext>
-            </a:extLst>
-          </a:blip>
-          <a:srcRect/>
-          <a:stretch>
-            <a:fillRect/>
-          </a:stretch>
-        </p:blipFill>
-        <p:spPr bwMode="auto">
-          <a:xfrm>
-            <a:off x="9327607" y="1868214"/>
-            <a:ext cx="1470663" cy="1470663"/>
-          </a:xfrm>
-          <a:prstGeom prst="rect">
-            <a:avLst/>
-          </a:prstGeom>
-          <a:noFill/>
-          <a:extLst>
-            <a:ext uri="{909E8E84-426E-40DD-AFC4-6F175D3DCCD1}">
-              <a14:hiddenFill xmlns:a14="http://schemas.microsoft.com/office/drawing/2010/main">
-                <a:solidFill>
-                  <a:srgbClr val="FFFFFF"/>
-                </a:solidFill>
-              </a14:hiddenFill>
-            </a:ext>
-          </a:extLst>
-        </p:spPr>
-      </p:pic>
-      <p:sp>
-        <p:nvSpPr>
-          <p:cNvPr id="19" name="Title 1">
-            <a:extLst>
-              <a:ext uri="{FF2B5EF4-FFF2-40B4-BE49-F238E27FC236}">
-                <a16:creationId xmlns:a16="http://schemas.microsoft.com/office/drawing/2014/main" id="{10A23E53-F5EA-42D4-A0A6-0F6B064D2CB6}"/>
-              </a:ext>
-            </a:extLst>
-          </p:cNvPr>
-          <p:cNvSpPr txBox="1">
-            <a:spLocks/>
-          </p:cNvSpPr>
-          <p:nvPr/>
-        </p:nvSpPr>
-        <p:spPr>
-          <a:xfrm>
-            <a:off x="2135532" y="5540751"/>
-            <a:ext cx="1498419" cy="480131"/>
-          </a:xfrm>
-          <a:prstGeom prst="rect">
-            <a:avLst/>
-          </a:prstGeom>
-          <a:solidFill>
-            <a:srgbClr val="03849A"/>
-          </a:solidFill>
-        </p:spPr>
-        <p:txBody>
-          <a:bodyPr vert="horz" wrap="square" lIns="91440" tIns="45720" rIns="91440" bIns="45720" rtlCol="0" anchor="t">
-            <a:spAutoFit/>
-          </a:bodyPr>
-          <a:lstStyle>
-            <a:lvl1pPr algn="ctr" defTabSz="914400" rtl="0" eaLnBrk="1" latinLnBrk="0" hangingPunct="1">
-              <a:lnSpc>
-                <a:spcPct val="90000"/>
-              </a:lnSpc>
-              <a:spcBef>
-                <a:spcPct val="0"/>
-              </a:spcBef>
-              <a:buNone/>
-              <a:defRPr sz="6000" kern="1200">
-                <a:solidFill>
-                  <a:schemeClr val="tx1"/>
-                </a:solidFill>
-                <a:latin typeface="+mj-lt"/>
-                <a:ea typeface="+mj-ea"/>
-                <a:cs typeface="+mj-cs"/>
-              </a:defRPr>
-            </a:lvl1pPr>
-          </a:lstStyle>
-          <a:p>
-            <a:pPr algn="l"/>
-            <a:r>
-              <a:rPr lang="en-GB" sz="2800" dirty="0">
-                <a:solidFill>
-                  <a:schemeClr val="bg1"/>
-                </a:solidFill>
-                <a:latin typeface="Verdana Pro Cond SemiBold" panose="020B0604020202020204" pitchFamily="34" charset="0"/>
-              </a:rPr>
-              <a:t>External</a:t>
-            </a:r>
-            <a:endParaRPr lang="en-US" sz="2800" dirty="0">
-              <a:solidFill>
-                <a:schemeClr val="bg1"/>
-              </a:solidFill>
-              <a:latin typeface="Verdana Pro Cond SemiBold" panose="020B0604020202020204" pitchFamily="34" charset="0"/>
-            </a:endParaRPr>
-          </a:p>
-        </p:txBody>
-      </p:sp>
-      <p:sp>
-        <p:nvSpPr>
-          <p:cNvPr id="21" name="Title 1">
-            <a:extLst>
-              <a:ext uri="{FF2B5EF4-FFF2-40B4-BE49-F238E27FC236}">
-                <a16:creationId xmlns:a16="http://schemas.microsoft.com/office/drawing/2014/main" id="{9153EF0C-997F-4EF6-AD6C-332102421EAB}"/>
-              </a:ext>
-            </a:extLst>
-          </p:cNvPr>
-          <p:cNvSpPr txBox="1">
-            <a:spLocks/>
-          </p:cNvSpPr>
-          <p:nvPr/>
-        </p:nvSpPr>
-        <p:spPr>
-          <a:xfrm>
-            <a:off x="5795761" y="5545905"/>
-            <a:ext cx="1520955" cy="480131"/>
-          </a:xfrm>
-          <a:prstGeom prst="rect">
-            <a:avLst/>
-          </a:prstGeom>
-          <a:solidFill>
-            <a:srgbClr val="03849A"/>
-          </a:solidFill>
-        </p:spPr>
-        <p:txBody>
-          <a:bodyPr vert="horz" wrap="square" lIns="91440" tIns="45720" rIns="91440" bIns="45720" rtlCol="0" anchor="t">
-            <a:spAutoFit/>
-          </a:bodyPr>
-          <a:lstStyle>
-            <a:lvl1pPr algn="ctr" defTabSz="914400" rtl="0" eaLnBrk="1" latinLnBrk="0" hangingPunct="1">
-              <a:lnSpc>
-                <a:spcPct val="90000"/>
-              </a:lnSpc>
-              <a:spcBef>
-                <a:spcPct val="0"/>
-              </a:spcBef>
-              <a:buNone/>
-              <a:defRPr sz="6000" kern="1200">
-                <a:solidFill>
-                  <a:schemeClr val="tx1"/>
-                </a:solidFill>
-                <a:latin typeface="+mj-lt"/>
-                <a:ea typeface="+mj-ea"/>
-                <a:cs typeface="+mj-cs"/>
-              </a:defRPr>
-            </a:lvl1pPr>
-          </a:lstStyle>
-          <a:p>
-            <a:pPr algn="l"/>
-            <a:r>
-              <a:rPr lang="en-GB" sz="2800" dirty="0">
-                <a:solidFill>
-                  <a:schemeClr val="bg1"/>
-                </a:solidFill>
-                <a:latin typeface="Verdana Pro Cond SemiBold" panose="020B0604020202020204" pitchFamily="34" charset="0"/>
-              </a:rPr>
-              <a:t>Wireless</a:t>
-            </a:r>
-            <a:endParaRPr lang="en-US" sz="2800" dirty="0">
-              <a:solidFill>
-                <a:schemeClr val="bg1"/>
-              </a:solidFill>
-              <a:latin typeface="Verdana Pro Cond SemiBold" panose="020B0604020202020204" pitchFamily="34" charset="0"/>
-            </a:endParaRPr>
-          </a:p>
-        </p:txBody>
-      </p:sp>
-      <p:sp>
-        <p:nvSpPr>
-          <p:cNvPr id="22" name="Title 1">
-            <a:extLst>
-              <a:ext uri="{FF2B5EF4-FFF2-40B4-BE49-F238E27FC236}">
-                <a16:creationId xmlns:a16="http://schemas.microsoft.com/office/drawing/2014/main" id="{9FB5F6DD-1AED-474C-A30C-A9E828BD47FD}"/>
-              </a:ext>
-            </a:extLst>
-          </p:cNvPr>
-          <p:cNvSpPr txBox="1">
-            <a:spLocks/>
-          </p:cNvSpPr>
-          <p:nvPr/>
-        </p:nvSpPr>
-        <p:spPr>
-          <a:xfrm>
-            <a:off x="8134790" y="5540751"/>
-            <a:ext cx="2488513" cy="480131"/>
-          </a:xfrm>
-          <a:prstGeom prst="rect">
-            <a:avLst/>
-          </a:prstGeom>
-          <a:solidFill>
-            <a:srgbClr val="03849A"/>
-          </a:solidFill>
-        </p:spPr>
-        <p:txBody>
-          <a:bodyPr vert="horz" wrap="square" lIns="91440" tIns="45720" rIns="91440" bIns="45720" rtlCol="0" anchor="t">
-            <a:spAutoFit/>
-          </a:bodyPr>
-          <a:lstStyle>
-            <a:lvl1pPr algn="ctr" defTabSz="914400" rtl="0" eaLnBrk="1" latinLnBrk="0" hangingPunct="1">
-              <a:lnSpc>
-                <a:spcPct val="90000"/>
-              </a:lnSpc>
-              <a:spcBef>
-                <a:spcPct val="0"/>
-              </a:spcBef>
-              <a:buNone/>
-              <a:defRPr sz="6000" kern="1200">
-                <a:solidFill>
-                  <a:schemeClr val="tx1"/>
-                </a:solidFill>
-                <a:latin typeface="+mj-lt"/>
-                <a:ea typeface="+mj-ea"/>
-                <a:cs typeface="+mj-cs"/>
-              </a:defRPr>
-            </a:lvl1pPr>
-          </a:lstStyle>
-          <a:p>
-            <a:pPr algn="l"/>
-            <a:r>
-              <a:rPr lang="en-GB" sz="2800" dirty="0">
-                <a:solidFill>
-                  <a:schemeClr val="bg1"/>
-                </a:solidFill>
-                <a:latin typeface="Verdana Pro Cond SemiBold" panose="020B0604020202020204" pitchFamily="34" charset="0"/>
-              </a:rPr>
-              <a:t>PC software to</a:t>
-            </a:r>
-            <a:endParaRPr lang="en-US" sz="2800" dirty="0">
-              <a:solidFill>
-                <a:schemeClr val="bg1"/>
-              </a:solidFill>
-              <a:latin typeface="Verdana Pro Cond SemiBold" panose="020B0604020202020204" pitchFamily="34" charset="0"/>
-            </a:endParaRPr>
-          </a:p>
-        </p:txBody>
-      </p:sp>
-      <p:sp>
-        <p:nvSpPr>
-          <p:cNvPr id="24" name="Title 1">
-            <a:extLst>
-              <a:ext uri="{FF2B5EF4-FFF2-40B4-BE49-F238E27FC236}">
-                <a16:creationId xmlns:a16="http://schemas.microsoft.com/office/drawing/2014/main" id="{B508ADEC-1E5C-40E3-B849-5ABDD254DB76}"/>
-              </a:ext>
-            </a:extLst>
-          </p:cNvPr>
-          <p:cNvSpPr txBox="1">
-            <a:spLocks/>
-          </p:cNvSpPr>
-          <p:nvPr/>
-        </p:nvSpPr>
-        <p:spPr>
-          <a:xfrm>
-            <a:off x="8137418" y="6103055"/>
-            <a:ext cx="2380378" cy="480131"/>
-          </a:xfrm>
-          <a:prstGeom prst="rect">
-            <a:avLst/>
-          </a:prstGeom>
-          <a:solidFill>
-            <a:srgbClr val="03849A"/>
-          </a:solidFill>
-        </p:spPr>
-        <p:txBody>
-          <a:bodyPr vert="horz" wrap="square" lIns="91440" tIns="45720" rIns="91440" bIns="45720" rtlCol="0" anchor="t">
-            <a:spAutoFit/>
-          </a:bodyPr>
-          <a:lstStyle>
-            <a:lvl1pPr algn="ctr" defTabSz="914400" rtl="0" eaLnBrk="1" latinLnBrk="0" hangingPunct="1">
-              <a:lnSpc>
-                <a:spcPct val="90000"/>
-              </a:lnSpc>
-              <a:spcBef>
-                <a:spcPct val="0"/>
-              </a:spcBef>
-              <a:buNone/>
-              <a:defRPr sz="6000" kern="1200">
-                <a:solidFill>
-                  <a:schemeClr val="tx1"/>
-                </a:solidFill>
-                <a:latin typeface="+mj-lt"/>
-                <a:ea typeface="+mj-ea"/>
-                <a:cs typeface="+mj-cs"/>
-              </a:defRPr>
-            </a:lvl1pPr>
-          </a:lstStyle>
-          <a:p>
-            <a:pPr algn="l"/>
-            <a:r>
-              <a:rPr lang="en-GB" sz="2800" dirty="0">
-                <a:solidFill>
-                  <a:schemeClr val="bg1"/>
-                </a:solidFill>
-                <a:latin typeface="Verdana Pro Cond SemiBold" panose="020B0604020202020204" pitchFamily="34" charset="0"/>
-              </a:rPr>
-              <a:t>control teams</a:t>
-            </a:r>
-            <a:endParaRPr lang="en-US" sz="2800" dirty="0">
-              <a:solidFill>
-                <a:schemeClr val="bg1"/>
-              </a:solidFill>
-              <a:latin typeface="Verdana Pro Cond SemiBold" panose="020B0604020202020204" pitchFamily="34" charset="0"/>
-            </a:endParaRPr>
-          </a:p>
-        </p:txBody>
-      </p:sp>
-      <p:sp>
-        <p:nvSpPr>
-          <p:cNvPr id="27" name="Title 1">
-            <a:extLst>
-              <a:ext uri="{FF2B5EF4-FFF2-40B4-BE49-F238E27FC236}">
-                <a16:creationId xmlns:a16="http://schemas.microsoft.com/office/drawing/2014/main" id="{D91C0995-66D6-479B-B6FE-410B75A37AAE}"/>
-              </a:ext>
-            </a:extLst>
-          </p:cNvPr>
-          <p:cNvSpPr txBox="1">
-            <a:spLocks/>
-          </p:cNvSpPr>
-          <p:nvPr/>
-        </p:nvSpPr>
-        <p:spPr>
-          <a:xfrm>
-            <a:off x="5797480" y="6095172"/>
-            <a:ext cx="1519236" cy="480131"/>
-          </a:xfrm>
-          <a:prstGeom prst="rect">
-            <a:avLst/>
-          </a:prstGeom>
-          <a:solidFill>
-            <a:srgbClr val="03849A"/>
-          </a:solidFill>
-        </p:spPr>
-        <p:txBody>
-          <a:bodyPr vert="horz" wrap="square" lIns="91440" tIns="45720" rIns="91440" bIns="45720" rtlCol="0" anchor="t">
-            <a:spAutoFit/>
-          </a:bodyPr>
-          <a:lstStyle>
-            <a:lvl1pPr algn="ctr" defTabSz="914400" rtl="0" eaLnBrk="1" latinLnBrk="0" hangingPunct="1">
-              <a:lnSpc>
-                <a:spcPct val="90000"/>
-              </a:lnSpc>
-              <a:spcBef>
-                <a:spcPct val="0"/>
-              </a:spcBef>
-              <a:buNone/>
-              <a:defRPr sz="6000" kern="1200">
-                <a:solidFill>
-                  <a:schemeClr val="tx1"/>
-                </a:solidFill>
-                <a:latin typeface="+mj-lt"/>
-                <a:ea typeface="+mj-ea"/>
-                <a:cs typeface="+mj-cs"/>
-              </a:defRPr>
-            </a:lvl1pPr>
-          </a:lstStyle>
-          <a:p>
-            <a:pPr algn="l"/>
-            <a:r>
-              <a:rPr lang="en-GB" sz="2800" dirty="0">
-                <a:solidFill>
-                  <a:schemeClr val="bg1"/>
-                </a:solidFill>
-                <a:latin typeface="Verdana Pro Cond SemiBold" panose="020B0604020202020204" pitchFamily="34" charset="0"/>
-              </a:rPr>
-              <a:t>protocol</a:t>
-            </a:r>
-            <a:endParaRPr lang="en-US" sz="2800" dirty="0">
-              <a:solidFill>
-                <a:schemeClr val="bg1"/>
-              </a:solidFill>
-              <a:latin typeface="Verdana Pro Cond SemiBold" panose="020B0604020202020204" pitchFamily="34" charset="0"/>
-            </a:endParaRPr>
-          </a:p>
-        </p:txBody>
-      </p:sp>
-      <p:sp>
-        <p:nvSpPr>
-          <p:cNvPr id="28" name="Title 1">
-            <a:extLst>
-              <a:ext uri="{FF2B5EF4-FFF2-40B4-BE49-F238E27FC236}">
-                <a16:creationId xmlns:a16="http://schemas.microsoft.com/office/drawing/2014/main" id="{E0D1F02A-1752-4C94-97CE-A8EA464C5558}"/>
-              </a:ext>
-            </a:extLst>
-          </p:cNvPr>
-          <p:cNvSpPr txBox="1">
-            <a:spLocks/>
-          </p:cNvSpPr>
-          <p:nvPr/>
-        </p:nvSpPr>
-        <p:spPr>
-          <a:xfrm>
-            <a:off x="2138160" y="6095172"/>
-            <a:ext cx="1755922" cy="480131"/>
-          </a:xfrm>
-          <a:prstGeom prst="rect">
-            <a:avLst/>
-          </a:prstGeom>
-          <a:solidFill>
-            <a:srgbClr val="03849A"/>
-          </a:solidFill>
-        </p:spPr>
-        <p:txBody>
-          <a:bodyPr vert="horz" wrap="square" lIns="91440" tIns="45720" rIns="91440" bIns="45720" rtlCol="0" anchor="t">
-            <a:spAutoFit/>
-          </a:bodyPr>
-          <a:lstStyle>
-            <a:lvl1pPr algn="ctr" defTabSz="914400" rtl="0" eaLnBrk="1" latinLnBrk="0" hangingPunct="1">
-              <a:lnSpc>
-                <a:spcPct val="90000"/>
-              </a:lnSpc>
-              <a:spcBef>
-                <a:spcPct val="0"/>
-              </a:spcBef>
-              <a:buNone/>
-              <a:defRPr sz="6000" kern="1200">
-                <a:solidFill>
-                  <a:schemeClr val="tx1"/>
-                </a:solidFill>
-                <a:latin typeface="+mj-lt"/>
-                <a:ea typeface="+mj-ea"/>
-                <a:cs typeface="+mj-cs"/>
-              </a:defRPr>
-            </a:lvl1pPr>
-          </a:lstStyle>
-          <a:p>
-            <a:pPr algn="l"/>
-            <a:r>
-              <a:rPr lang="en-GB" sz="2800" dirty="0">
-                <a:solidFill>
-                  <a:schemeClr val="bg1"/>
-                </a:solidFill>
-                <a:latin typeface="Verdana Pro Cond SemiBold" panose="020B0604020202020204" pitchFamily="34" charset="0"/>
-              </a:rPr>
-              <a:t>hardware</a:t>
-            </a:r>
-            <a:endParaRPr lang="en-US" sz="2800" dirty="0">
-              <a:solidFill>
-                <a:schemeClr val="bg1"/>
-              </a:solidFill>
-              <a:latin typeface="Verdana Pro Cond SemiBold" panose="020B0604020202020204" pitchFamily="34" charset="0"/>
-            </a:endParaRPr>
-          </a:p>
-        </p:txBody>
-      </p:sp>
-    </p:spTree>
-    <p:extLst>
-      <p:ext uri="{BB962C8B-B14F-4D97-AF65-F5344CB8AC3E}">
-        <p14:creationId xmlns:p14="http://schemas.microsoft.com/office/powerpoint/2010/main" val="3171963091"/>
-      </p:ext>
-    </p:extLst>
-  </p:cSld>
-  <p:clrMapOvr>
-    <a:masterClrMapping/>
-  </p:clrMapOvr>
-</p:sld>
-</file>
-
-<file path=ppt/slides/slide3.xml><?xml version="1.0" encoding="utf-8"?>
-<p:sld xmlns:a="http://schemas.openxmlformats.org/drawingml/2006/main" xmlns:r="http://schemas.openxmlformats.org/officeDocument/2006/relationships" xmlns:p="http://schemas.openxmlformats.org/presentationml/2006/main">
-  <p:cSld>
-    <p:spTree>
-      <p:nvGrpSpPr>
-        <p:cNvPr id="1" name=""/>
-        <p:cNvGrpSpPr/>
-        <p:nvPr/>
-      </p:nvGrpSpPr>
-      <p:grpSpPr>
-        <a:xfrm>
-          <a:off x="0" y="0"/>
-          <a:ext cx="0" cy="0"/>
-          <a:chOff x="0" y="0"/>
-          <a:chExt cx="0" cy="0"/>
-        </a:xfrm>
-      </p:grpSpPr>
-      <p:sp>
-        <p:nvSpPr>
-          <p:cNvPr id="2" name="Title 1">
-            <a:extLst>
-              <a:ext uri="{FF2B5EF4-FFF2-40B4-BE49-F238E27FC236}">
-                <a16:creationId xmlns:a16="http://schemas.microsoft.com/office/drawing/2014/main" id="{B320D08F-CEB3-4775-9265-17CE46531699}"/>
-              </a:ext>
-            </a:extLst>
-          </p:cNvPr>
-          <p:cNvSpPr>
-            <a:spLocks noGrp="1"/>
-          </p:cNvSpPr>
-          <p:nvPr>
-            <p:ph type="title"/>
-          </p:nvPr>
-        </p:nvSpPr>
-        <p:spPr/>
-        <p:txBody>
-          <a:bodyPr/>
-          <a:lstStyle/>
-          <a:p>
-            <a:r>
-              <a:rPr lang="en-GB" dirty="0"/>
-              <a:t>Hardware - Microcontroller</a:t>
-            </a:r>
-          </a:p>
-        </p:txBody>
-      </p:sp>
-      <p:pic>
-        <p:nvPicPr>
-          <p:cNvPr id="1026" name="Picture 2" descr="ARDUINO NANO: Arduino Nano V3, ATmega 328, Mini USB at ...">
-            <a:extLst>
-              <a:ext uri="{FF2B5EF4-FFF2-40B4-BE49-F238E27FC236}">
-                <a16:creationId xmlns:a16="http://schemas.microsoft.com/office/drawing/2014/main" id="{13B579BB-4717-4E16-9F64-469A2988AC76}"/>
-              </a:ext>
-            </a:extLst>
-          </p:cNvPr>
-          <p:cNvPicPr>
-            <a:picLocks noChangeAspect="1" noChangeArrowheads="1"/>
-          </p:cNvPicPr>
-          <p:nvPr/>
-        </p:nvPicPr>
-        <p:blipFill>
-          <a:blip r:embed="rId2">
-            <a:extLst>
-              <a:ext uri="{28A0092B-C50C-407E-A947-70E740481C1C}">
-                <a14:useLocalDpi xmlns:a14="http://schemas.microsoft.com/office/drawing/2010/main" val="0"/>
-              </a:ext>
-            </a:extLst>
-          </a:blip>
-          <a:srcRect/>
-          <a:stretch>
-            <a:fillRect/>
-          </a:stretch>
-        </p:blipFill>
-        <p:spPr bwMode="auto">
-          <a:xfrm>
-            <a:off x="8059677" y="1558863"/>
-            <a:ext cx="3140630" cy="2454771"/>
-          </a:xfrm>
-          <a:prstGeom prst="rect">
-            <a:avLst/>
-          </a:prstGeom>
-          <a:noFill/>
-          <a:extLst>
-            <a:ext uri="{909E8E84-426E-40DD-AFC4-6F175D3DCCD1}">
-              <a14:hiddenFill xmlns:a14="http://schemas.microsoft.com/office/drawing/2010/main">
-                <a:solidFill>
-                  <a:srgbClr val="FFFFFF"/>
-                </a:solidFill>
-              </a14:hiddenFill>
-            </a:ext>
-          </a:extLst>
-        </p:spPr>
-      </p:pic>
-      <p:pic>
-        <p:nvPicPr>
-          <p:cNvPr id="5" name="Picture 4">
-            <a:extLst>
-              <a:ext uri="{FF2B5EF4-FFF2-40B4-BE49-F238E27FC236}">
-                <a16:creationId xmlns:a16="http://schemas.microsoft.com/office/drawing/2014/main" id="{A758C1BC-BB2C-45C4-A576-65201AD6B7D7}"/>
-              </a:ext>
-            </a:extLst>
-          </p:cNvPr>
-          <p:cNvPicPr>
-            <a:picLocks noChangeAspect="1"/>
-          </p:cNvPicPr>
-          <p:nvPr/>
-        </p:nvPicPr>
-        <p:blipFill>
-          <a:blip r:embed="rId3"/>
-          <a:stretch>
-            <a:fillRect/>
-          </a:stretch>
-        </p:blipFill>
-        <p:spPr>
-          <a:xfrm>
-            <a:off x="541134" y="1875518"/>
-            <a:ext cx="5641415" cy="4452730"/>
-          </a:xfrm>
-          <a:prstGeom prst="rect">
-            <a:avLst/>
-          </a:prstGeom>
-        </p:spPr>
-      </p:pic>
-      <p:sp>
-        <p:nvSpPr>
-          <p:cNvPr id="7" name="Title 1">
-            <a:extLst>
-              <a:ext uri="{FF2B5EF4-FFF2-40B4-BE49-F238E27FC236}">
-                <a16:creationId xmlns:a16="http://schemas.microsoft.com/office/drawing/2014/main" id="{F5F5DE74-E323-4BCE-B539-18EB17E8B4A5}"/>
-              </a:ext>
-            </a:extLst>
-          </p:cNvPr>
-          <p:cNvSpPr txBox="1">
-            <a:spLocks/>
-          </p:cNvSpPr>
-          <p:nvPr/>
-        </p:nvSpPr>
-        <p:spPr>
-          <a:xfrm>
-            <a:off x="454585" y="1085497"/>
-            <a:ext cx="968633" cy="480131"/>
-          </a:xfrm>
-          <a:prstGeom prst="rect">
-            <a:avLst/>
-          </a:prstGeom>
-          <a:solidFill>
-            <a:srgbClr val="03849A"/>
-          </a:solidFill>
-        </p:spPr>
-        <p:txBody>
-          <a:bodyPr vert="horz" wrap="square" lIns="91440" tIns="45720" rIns="91440" bIns="45720" rtlCol="0" anchor="t">
-            <a:spAutoFit/>
-          </a:bodyPr>
-          <a:lstStyle>
-            <a:lvl1pPr algn="ctr" defTabSz="914400" rtl="0" eaLnBrk="1" latinLnBrk="0" hangingPunct="1">
-              <a:lnSpc>
-                <a:spcPct val="90000"/>
-              </a:lnSpc>
-              <a:spcBef>
-                <a:spcPct val="0"/>
-              </a:spcBef>
-              <a:buNone/>
-              <a:defRPr sz="6000" kern="1200">
-                <a:solidFill>
-                  <a:schemeClr val="tx1"/>
-                </a:solidFill>
-                <a:latin typeface="+mj-lt"/>
-                <a:ea typeface="+mj-ea"/>
-                <a:cs typeface="+mj-cs"/>
-              </a:defRPr>
-            </a:lvl1pPr>
-          </a:lstStyle>
-          <a:p>
-            <a:pPr algn="l"/>
-            <a:r>
-              <a:rPr lang="en-GB" sz="2800" dirty="0">
-                <a:solidFill>
-                  <a:schemeClr val="bg1"/>
-                </a:solidFill>
-                <a:latin typeface="Verdana Pro Cond SemiBold" panose="020B0604020202020204" pitchFamily="34" charset="0"/>
-              </a:rPr>
-              <a:t>C++</a:t>
-            </a:r>
-            <a:endParaRPr lang="en-US" sz="2800" dirty="0">
-              <a:solidFill>
-                <a:schemeClr val="bg1"/>
-              </a:solidFill>
-              <a:latin typeface="Verdana Pro Cond SemiBold" panose="020B0604020202020204" pitchFamily="34" charset="0"/>
-            </a:endParaRPr>
-          </a:p>
-        </p:txBody>
-      </p:sp>
-      <p:sp>
-        <p:nvSpPr>
-          <p:cNvPr id="8" name="Title 1">
-            <a:extLst>
-              <a:ext uri="{FF2B5EF4-FFF2-40B4-BE49-F238E27FC236}">
-                <a16:creationId xmlns:a16="http://schemas.microsoft.com/office/drawing/2014/main" id="{65CDEC6D-5AC7-4944-B449-4AF7CC15DAC3}"/>
-              </a:ext>
-            </a:extLst>
-          </p:cNvPr>
-          <p:cNvSpPr txBox="1">
-            <a:spLocks/>
-          </p:cNvSpPr>
-          <p:nvPr/>
-        </p:nvSpPr>
-        <p:spPr>
-          <a:xfrm>
-            <a:off x="7540434" y="1273220"/>
-            <a:ext cx="2404864" cy="480131"/>
-          </a:xfrm>
-          <a:prstGeom prst="rect">
-            <a:avLst/>
-          </a:prstGeom>
-          <a:solidFill>
-            <a:srgbClr val="03849A"/>
-          </a:solidFill>
-        </p:spPr>
-        <p:txBody>
-          <a:bodyPr vert="horz" wrap="square" lIns="91440" tIns="45720" rIns="91440" bIns="45720" rtlCol="0" anchor="t">
-            <a:spAutoFit/>
-          </a:bodyPr>
-          <a:lstStyle>
-            <a:lvl1pPr algn="ctr" defTabSz="914400" rtl="0" eaLnBrk="1" latinLnBrk="0" hangingPunct="1">
-              <a:lnSpc>
-                <a:spcPct val="90000"/>
-              </a:lnSpc>
-              <a:spcBef>
-                <a:spcPct val="0"/>
-              </a:spcBef>
-              <a:buNone/>
-              <a:defRPr sz="6000" kern="1200">
-                <a:solidFill>
-                  <a:schemeClr val="tx1"/>
-                </a:solidFill>
-                <a:latin typeface="+mj-lt"/>
-                <a:ea typeface="+mj-ea"/>
-                <a:cs typeface="+mj-cs"/>
-              </a:defRPr>
-            </a:lvl1pPr>
-          </a:lstStyle>
-          <a:p>
-            <a:pPr algn="l"/>
-            <a:r>
-              <a:rPr lang="en-GB" sz="2800" dirty="0">
-                <a:solidFill>
-                  <a:schemeClr val="bg1"/>
-                </a:solidFill>
-                <a:latin typeface="Verdana Pro Cond SemiBold" panose="020B0604020202020204" pitchFamily="34" charset="0"/>
-              </a:rPr>
-              <a:t>Arduino Nano</a:t>
-            </a:r>
-            <a:endParaRPr lang="en-US" sz="2800" dirty="0">
-              <a:solidFill>
-                <a:schemeClr val="bg1"/>
-              </a:solidFill>
-              <a:latin typeface="Verdana Pro Cond SemiBold" panose="020B0604020202020204" pitchFamily="34" charset="0"/>
-            </a:endParaRPr>
-          </a:p>
-        </p:txBody>
-      </p:sp>
-      <p:sp>
-        <p:nvSpPr>
-          <p:cNvPr id="9" name="TextBox 8">
-            <a:extLst>
-              <a:ext uri="{FF2B5EF4-FFF2-40B4-BE49-F238E27FC236}">
-                <a16:creationId xmlns:a16="http://schemas.microsoft.com/office/drawing/2014/main" id="{522A9DA6-ADC7-4EF9-AD22-7EE1C5860307}"/>
-              </a:ext>
-            </a:extLst>
-          </p:cNvPr>
-          <p:cNvSpPr txBox="1"/>
-          <p:nvPr/>
-        </p:nvSpPr>
-        <p:spPr>
-          <a:xfrm>
-            <a:off x="4756688" y="1987727"/>
-            <a:ext cx="1688283" cy="523220"/>
-          </a:xfrm>
-          <a:prstGeom prst="rect">
-            <a:avLst/>
-          </a:prstGeom>
-          <a:noFill/>
-        </p:spPr>
-        <p:txBody>
-          <a:bodyPr wrap="none" rtlCol="0">
-            <a:spAutoFit/>
-          </a:bodyPr>
-          <a:lstStyle/>
-          <a:p>
-            <a:r>
-              <a:rPr lang="en-GB" sz="2800" b="1" dirty="0">
-                <a:latin typeface="Courier New" panose="02070309020205020404" pitchFamily="49" charset="0"/>
-                <a:cs typeface="Courier New" panose="02070309020205020404" pitchFamily="49" charset="0"/>
-              </a:rPr>
-              <a:t>Compile</a:t>
-            </a:r>
-          </a:p>
-        </p:txBody>
-      </p:sp>
-      <p:sp>
-        <p:nvSpPr>
-          <p:cNvPr id="11" name="TextBox 10">
-            <a:extLst>
-              <a:ext uri="{FF2B5EF4-FFF2-40B4-BE49-F238E27FC236}">
-                <a16:creationId xmlns:a16="http://schemas.microsoft.com/office/drawing/2014/main" id="{59ED4AE1-3093-4E6F-A7CE-D540830BF144}"/>
-              </a:ext>
-            </a:extLst>
-          </p:cNvPr>
-          <p:cNvSpPr txBox="1"/>
-          <p:nvPr/>
-        </p:nvSpPr>
-        <p:spPr>
-          <a:xfrm>
-            <a:off x="5888196" y="5259203"/>
-            <a:ext cx="1473480" cy="523220"/>
-          </a:xfrm>
-          <a:prstGeom prst="rect">
-            <a:avLst/>
-          </a:prstGeom>
-          <a:noFill/>
-        </p:spPr>
-        <p:txBody>
-          <a:bodyPr wrap="none" rtlCol="0">
-            <a:spAutoFit/>
-          </a:bodyPr>
-          <a:lstStyle/>
-          <a:p>
-            <a:r>
-              <a:rPr lang="en-GB" sz="2800" b="1" dirty="0">
-                <a:latin typeface="Courier New" panose="02070309020205020404" pitchFamily="49" charset="0"/>
-                <a:cs typeface="Courier New" panose="02070309020205020404" pitchFamily="49" charset="0"/>
-              </a:rPr>
-              <a:t>Upload</a:t>
-            </a:r>
-          </a:p>
-        </p:txBody>
-      </p:sp>
-      <p:pic>
-        <p:nvPicPr>
-          <p:cNvPr id="1028" name="Picture 4" descr="30cm Short Genuine BlackBerry Micro USB Data Sync Charger ...">
-            <a:extLst>
-              <a:ext uri="{FF2B5EF4-FFF2-40B4-BE49-F238E27FC236}">
-                <a16:creationId xmlns:a16="http://schemas.microsoft.com/office/drawing/2014/main" id="{A0983744-6A21-44D7-B470-A4852BCEB8A9}"/>
-              </a:ext>
-            </a:extLst>
-          </p:cNvPr>
-          <p:cNvPicPr>
-            <a:picLocks noChangeAspect="1" noChangeArrowheads="1"/>
-          </p:cNvPicPr>
-          <p:nvPr/>
-        </p:nvPicPr>
-        <p:blipFill>
-          <a:blip r:embed="rId4">
-            <a:extLst>
-              <a:ext uri="{28A0092B-C50C-407E-A947-70E740481C1C}">
-                <a14:useLocalDpi xmlns:a14="http://schemas.microsoft.com/office/drawing/2010/main" val="0"/>
-              </a:ext>
-            </a:extLst>
-          </a:blip>
-          <a:srcRect/>
-          <a:stretch>
-            <a:fillRect/>
-          </a:stretch>
-        </p:blipFill>
-        <p:spPr bwMode="auto">
-          <a:xfrm rot="10451204">
-            <a:off x="5051342" y="2536889"/>
-            <a:ext cx="2524837" cy="2524837"/>
-          </a:xfrm>
-          <a:prstGeom prst="rect">
-            <a:avLst/>
-          </a:prstGeom>
-          <a:noFill/>
-          <a:extLst>
-            <a:ext uri="{909E8E84-426E-40DD-AFC4-6F175D3DCCD1}">
-              <a14:hiddenFill xmlns:a14="http://schemas.microsoft.com/office/drawing/2010/main">
-                <a:solidFill>
-                  <a:srgbClr val="FFFFFF"/>
-                </a:solidFill>
-              </a14:hiddenFill>
-            </a:ext>
-          </a:extLst>
-        </p:spPr>
-      </p:pic>
-      <p:sp>
-        <p:nvSpPr>
-          <p:cNvPr id="12" name="Content Placeholder 2">
-            <a:extLst>
-              <a:ext uri="{FF2B5EF4-FFF2-40B4-BE49-F238E27FC236}">
-                <a16:creationId xmlns:a16="http://schemas.microsoft.com/office/drawing/2014/main" id="{F9601A8D-7B4D-4836-BC14-3F212B34B354}"/>
-              </a:ext>
-            </a:extLst>
-          </p:cNvPr>
-          <p:cNvSpPr>
-            <a:spLocks noGrp="1"/>
-          </p:cNvSpPr>
-          <p:nvPr>
-            <p:ph idx="1"/>
-          </p:nvPr>
-        </p:nvSpPr>
-        <p:spPr>
-          <a:xfrm>
-            <a:off x="7816646" y="4183626"/>
-            <a:ext cx="4522838" cy="2674374"/>
-          </a:xfrm>
-          <a:solidFill>
-            <a:schemeClr val="bg1">
-              <a:alpha val="83000"/>
-            </a:schemeClr>
-          </a:solidFill>
-        </p:spPr>
-        <p:txBody>
-          <a:bodyPr>
-            <a:normAutofit/>
-          </a:bodyPr>
-          <a:lstStyle/>
-          <a:p>
-            <a:r>
-              <a:rPr lang="en-GB" sz="2000" b="0" i="0" dirty="0">
-                <a:solidFill>
-                  <a:srgbClr val="4F4E4E"/>
-                </a:solidFill>
-                <a:effectLst/>
-                <a:latin typeface="typoninesans regular 18"/>
-              </a:rPr>
-              <a:t>ATmega328 Microcontroller</a:t>
-            </a:r>
-          </a:p>
-          <a:p>
-            <a:r>
-              <a:rPr lang="en-GB" sz="2000" dirty="0">
-                <a:solidFill>
-                  <a:srgbClr val="4F4E4E"/>
-                </a:solidFill>
-                <a:latin typeface="typoninesans regular 18"/>
-              </a:rPr>
-              <a:t>32K Flash</a:t>
-            </a:r>
-          </a:p>
-          <a:p>
-            <a:r>
-              <a:rPr lang="en-GB" sz="2000" dirty="0">
-                <a:solidFill>
-                  <a:srgbClr val="4F4E4E"/>
-                </a:solidFill>
-                <a:latin typeface="typoninesans regular 18"/>
-              </a:rPr>
-              <a:t>2K DRAM</a:t>
-            </a:r>
-          </a:p>
-          <a:p>
-            <a:r>
-              <a:rPr lang="en-GB" sz="2000" dirty="0">
-                <a:solidFill>
-                  <a:srgbClr val="4F4E4E"/>
-                </a:solidFill>
-                <a:latin typeface="typoninesans regular 18"/>
-              </a:rPr>
-              <a:t>14 digital I/O pins</a:t>
-            </a:r>
-          </a:p>
-          <a:p>
-            <a:r>
-              <a:rPr lang="en-GB" sz="2000" dirty="0">
-                <a:solidFill>
-                  <a:srgbClr val="4F4E4E"/>
-                </a:solidFill>
-                <a:latin typeface="typoninesans regular 18"/>
-              </a:rPr>
-              <a:t>8 Analogue I/O pins</a:t>
-            </a:r>
-          </a:p>
-          <a:p>
-            <a:r>
-              <a:rPr lang="en-GB" sz="2000" dirty="0">
-                <a:solidFill>
-                  <a:srgbClr val="4F4E4E"/>
-                </a:solidFill>
-                <a:latin typeface="typoninesans regular 18"/>
-              </a:rPr>
-              <a:t>40 mA per pin</a:t>
-            </a:r>
-            <a:endParaRPr lang="en-US" sz="3200" dirty="0"/>
-          </a:p>
-        </p:txBody>
-      </p:sp>
-    </p:spTree>
-    <p:extLst>
-      <p:ext uri="{BB962C8B-B14F-4D97-AF65-F5344CB8AC3E}">
-        <p14:creationId xmlns:p14="http://schemas.microsoft.com/office/powerpoint/2010/main" val="2690317456"/>
-      </p:ext>
-    </p:extLst>
-  </p:cSld>
-  <p:clrMapOvr>
-    <a:masterClrMapping/>
-  </p:clrMapOvr>
-</p:sld>
-</file>
-
-<file path=ppt/slides/slide4.xml><?xml version="1.0" encoding="utf-8"?>
-<p:sld xmlns:a="http://schemas.openxmlformats.org/drawingml/2006/main" xmlns:r="http://schemas.openxmlformats.org/officeDocument/2006/relationships" xmlns:p="http://schemas.openxmlformats.org/presentationml/2006/main">
-  <p:cSld>
-    <p:spTree>
-      <p:nvGrpSpPr>
-        <p:cNvPr id="1" name=""/>
-        <p:cNvGrpSpPr/>
-        <p:nvPr/>
-      </p:nvGrpSpPr>
-      <p:grpSpPr>
-        <a:xfrm>
-          <a:off x="0" y="0"/>
-          <a:ext cx="0" cy="0"/>
-          <a:chOff x="0" y="0"/>
-          <a:chExt cx="0" cy="0"/>
-        </a:xfrm>
-      </p:grpSpPr>
-      <p:pic>
-        <p:nvPicPr>
-          <p:cNvPr id="15" name="Picture 14">
-            <a:extLst>
-              <a:ext uri="{FF2B5EF4-FFF2-40B4-BE49-F238E27FC236}">
-                <a16:creationId xmlns:a16="http://schemas.microsoft.com/office/drawing/2014/main" id="{1CC3E0CE-D328-4EC1-A5B8-9584EA4B6D8B}"/>
-              </a:ext>
-            </a:extLst>
-          </p:cNvPr>
-          <p:cNvPicPr>
-            <a:picLocks noChangeAspect="1"/>
-          </p:cNvPicPr>
-          <p:nvPr/>
-        </p:nvPicPr>
-        <p:blipFill>
-          <a:blip r:embed="rId2"/>
-          <a:stretch>
-            <a:fillRect/>
-          </a:stretch>
-        </p:blipFill>
-        <p:spPr>
-          <a:xfrm>
-            <a:off x="2566219" y="985175"/>
-            <a:ext cx="7348721" cy="5828296"/>
-          </a:xfrm>
-          <a:prstGeom prst="rect">
-            <a:avLst/>
-          </a:prstGeom>
-        </p:spPr>
-      </p:pic>
-      <p:sp>
-        <p:nvSpPr>
-          <p:cNvPr id="2" name="Title 1">
-            <a:extLst>
-              <a:ext uri="{FF2B5EF4-FFF2-40B4-BE49-F238E27FC236}">
-                <a16:creationId xmlns:a16="http://schemas.microsoft.com/office/drawing/2014/main" id="{948833DA-25E0-42A7-8BDC-D4D59936CFBF}"/>
-              </a:ext>
-            </a:extLst>
-          </p:cNvPr>
-          <p:cNvSpPr>
-            <a:spLocks noGrp="1"/>
-          </p:cNvSpPr>
-          <p:nvPr>
-            <p:ph type="title"/>
-          </p:nvPr>
-        </p:nvSpPr>
-        <p:spPr/>
-        <p:txBody>
-          <a:bodyPr/>
-          <a:lstStyle/>
-          <a:p>
-            <a:r>
-              <a:rPr lang="en-GB" dirty="0"/>
-              <a:t>Hardware - Schematic</a:t>
-            </a:r>
-            <a:endParaRPr lang="en-US" dirty="0"/>
-          </a:p>
-        </p:txBody>
-      </p:sp>
-      <p:sp>
-        <p:nvSpPr>
-          <p:cNvPr id="8" name="TextBox 7">
-            <a:extLst>
-              <a:ext uri="{FF2B5EF4-FFF2-40B4-BE49-F238E27FC236}">
-                <a16:creationId xmlns:a16="http://schemas.microsoft.com/office/drawing/2014/main" id="{2AF5F55F-3A35-4863-A097-9901D73DB583}"/>
-              </a:ext>
-            </a:extLst>
-          </p:cNvPr>
-          <p:cNvSpPr txBox="1"/>
-          <p:nvPr/>
-        </p:nvSpPr>
-        <p:spPr>
-          <a:xfrm>
-            <a:off x="2222307" y="2934464"/>
-            <a:ext cx="883575" cy="307777"/>
-          </a:xfrm>
-          <a:prstGeom prst="rect">
-            <a:avLst/>
-          </a:prstGeom>
-          <a:noFill/>
-        </p:spPr>
-        <p:txBody>
-          <a:bodyPr wrap="none" rtlCol="0">
-            <a:spAutoFit/>
-          </a:bodyPr>
-          <a:lstStyle/>
-          <a:p>
-            <a:r>
-              <a:rPr lang="en-GB" sz="1400" dirty="0">
-                <a:solidFill>
-                  <a:srgbClr val="03849A"/>
-                </a:solidFill>
-                <a:latin typeface="Verdana Pro" panose="020B0604020202020204" pitchFamily="34" charset="0"/>
-                <a:cs typeface="Courier New" panose="02070309020205020404" pitchFamily="49" charset="0"/>
-              </a:rPr>
-              <a:t>Arduino</a:t>
-            </a:r>
-          </a:p>
-        </p:txBody>
-      </p:sp>
-      <p:sp>
-        <p:nvSpPr>
-          <p:cNvPr id="9" name="TextBox 8">
-            <a:extLst>
-              <a:ext uri="{FF2B5EF4-FFF2-40B4-BE49-F238E27FC236}">
-                <a16:creationId xmlns:a16="http://schemas.microsoft.com/office/drawing/2014/main" id="{A753DF37-8646-4E89-8F7A-0379CF9ECC41}"/>
-              </a:ext>
-            </a:extLst>
-          </p:cNvPr>
-          <p:cNvSpPr txBox="1"/>
-          <p:nvPr/>
-        </p:nvSpPr>
-        <p:spPr>
-          <a:xfrm>
-            <a:off x="9979296" y="4872493"/>
-            <a:ext cx="1710812" cy="738664"/>
-          </a:xfrm>
-          <a:prstGeom prst="rect">
-            <a:avLst/>
-          </a:prstGeom>
-          <a:noFill/>
-        </p:spPr>
-        <p:txBody>
-          <a:bodyPr wrap="square" rtlCol="0">
-            <a:spAutoFit/>
-          </a:bodyPr>
-          <a:lstStyle/>
-          <a:p>
-            <a:r>
-              <a:rPr lang="en-GB" sz="1400" dirty="0">
-                <a:solidFill>
-                  <a:srgbClr val="03849A"/>
-                </a:solidFill>
-                <a:latin typeface="Verdana Pro" panose="020B0604020202020204" pitchFamily="34" charset="0"/>
-                <a:cs typeface="Courier New" panose="02070309020205020404" pitchFamily="49" charset="0"/>
-              </a:rPr>
-              <a:t>R1, R2, R3 - Pulldown resistors</a:t>
-            </a:r>
-          </a:p>
-        </p:txBody>
-      </p:sp>
-      <p:sp>
-        <p:nvSpPr>
-          <p:cNvPr id="10" name="TextBox 9">
-            <a:extLst>
-              <a:ext uri="{FF2B5EF4-FFF2-40B4-BE49-F238E27FC236}">
-                <a16:creationId xmlns:a16="http://schemas.microsoft.com/office/drawing/2014/main" id="{6308D80E-0504-4536-A48C-88F16D1BE45E}"/>
-              </a:ext>
-            </a:extLst>
-          </p:cNvPr>
-          <p:cNvSpPr txBox="1"/>
-          <p:nvPr/>
-        </p:nvSpPr>
-        <p:spPr>
-          <a:xfrm>
-            <a:off x="2428106" y="1329470"/>
-            <a:ext cx="1031088" cy="523220"/>
-          </a:xfrm>
-          <a:prstGeom prst="rect">
-            <a:avLst/>
-          </a:prstGeom>
-          <a:noFill/>
-        </p:spPr>
-        <p:txBody>
-          <a:bodyPr wrap="square" rtlCol="0">
-            <a:spAutoFit/>
-          </a:bodyPr>
-          <a:lstStyle/>
-          <a:p>
-            <a:r>
-              <a:rPr lang="en-GB" sz="1400" dirty="0">
-                <a:solidFill>
-                  <a:srgbClr val="03849A"/>
-                </a:solidFill>
-                <a:latin typeface="Verdana Pro" panose="020B0604020202020204" pitchFamily="34" charset="0"/>
-                <a:cs typeface="Courier New" panose="02070309020205020404" pitchFamily="49" charset="0"/>
-              </a:rPr>
-              <a:t>P1 – LCD contrast</a:t>
-            </a:r>
-          </a:p>
-        </p:txBody>
-      </p:sp>
-      <p:sp>
-        <p:nvSpPr>
-          <p:cNvPr id="11" name="TextBox 10">
-            <a:extLst>
-              <a:ext uri="{FF2B5EF4-FFF2-40B4-BE49-F238E27FC236}">
-                <a16:creationId xmlns:a16="http://schemas.microsoft.com/office/drawing/2014/main" id="{8CE6E4C0-35EB-4D27-9D80-08FC16AC574C}"/>
-              </a:ext>
-            </a:extLst>
-          </p:cNvPr>
-          <p:cNvSpPr txBox="1"/>
-          <p:nvPr/>
-        </p:nvSpPr>
-        <p:spPr>
-          <a:xfrm>
-            <a:off x="2428106" y="5784335"/>
-            <a:ext cx="1129411" cy="738664"/>
-          </a:xfrm>
-          <a:prstGeom prst="rect">
-            <a:avLst/>
-          </a:prstGeom>
-          <a:noFill/>
-        </p:spPr>
-        <p:txBody>
-          <a:bodyPr wrap="square" rtlCol="0">
-            <a:spAutoFit/>
-          </a:bodyPr>
-          <a:lstStyle/>
-          <a:p>
-            <a:r>
-              <a:rPr lang="en-GB" sz="1400" dirty="0">
-                <a:solidFill>
-                  <a:srgbClr val="03849A"/>
-                </a:solidFill>
-                <a:latin typeface="Verdana Pro" panose="020B0604020202020204" pitchFamily="34" charset="0"/>
-                <a:cs typeface="Courier New" panose="02070309020205020404" pitchFamily="49" charset="0"/>
-              </a:rPr>
-              <a:t>R4, R5 - Voltage divider</a:t>
-            </a:r>
-          </a:p>
-        </p:txBody>
-      </p:sp>
-      <p:sp>
-        <p:nvSpPr>
-          <p:cNvPr id="12" name="TextBox 11">
-            <a:extLst>
-              <a:ext uri="{FF2B5EF4-FFF2-40B4-BE49-F238E27FC236}">
-                <a16:creationId xmlns:a16="http://schemas.microsoft.com/office/drawing/2014/main" id="{C8CA6AF7-9C70-48DD-8047-68880473B498}"/>
-              </a:ext>
-            </a:extLst>
-          </p:cNvPr>
-          <p:cNvSpPr txBox="1"/>
-          <p:nvPr/>
-        </p:nvSpPr>
-        <p:spPr>
-          <a:xfrm>
-            <a:off x="9914940" y="2719021"/>
-            <a:ext cx="1710812" cy="523220"/>
-          </a:xfrm>
-          <a:prstGeom prst="rect">
-            <a:avLst/>
-          </a:prstGeom>
-          <a:noFill/>
-        </p:spPr>
-        <p:txBody>
-          <a:bodyPr wrap="square" rtlCol="0">
-            <a:spAutoFit/>
-          </a:bodyPr>
-          <a:lstStyle/>
-          <a:p>
-            <a:r>
-              <a:rPr lang="en-GB" sz="1400" dirty="0">
-                <a:solidFill>
-                  <a:srgbClr val="03849A"/>
-                </a:solidFill>
-                <a:latin typeface="Verdana Pro" panose="020B0604020202020204" pitchFamily="34" charset="0"/>
-                <a:cs typeface="Courier New" panose="02070309020205020404" pitchFamily="49" charset="0"/>
-              </a:rPr>
-              <a:t>R6 Current limiting resistor</a:t>
-            </a:r>
-          </a:p>
-        </p:txBody>
-      </p:sp>
-      <p:sp>
-        <p:nvSpPr>
-          <p:cNvPr id="13" name="TextBox 12">
-            <a:extLst>
-              <a:ext uri="{FF2B5EF4-FFF2-40B4-BE49-F238E27FC236}">
-                <a16:creationId xmlns:a16="http://schemas.microsoft.com/office/drawing/2014/main" id="{3DCD7F3D-6944-4EC8-9AA9-72F068E810E9}"/>
-              </a:ext>
-            </a:extLst>
-          </p:cNvPr>
-          <p:cNvSpPr txBox="1"/>
-          <p:nvPr/>
-        </p:nvSpPr>
-        <p:spPr>
-          <a:xfrm>
-            <a:off x="9914940" y="1591080"/>
-            <a:ext cx="1710812" cy="738664"/>
-          </a:xfrm>
-          <a:prstGeom prst="rect">
-            <a:avLst/>
-          </a:prstGeom>
-          <a:noFill/>
-        </p:spPr>
-        <p:txBody>
-          <a:bodyPr wrap="square" rtlCol="0">
-            <a:spAutoFit/>
-          </a:bodyPr>
-          <a:lstStyle/>
-          <a:p>
-            <a:r>
-              <a:rPr lang="en-GB" sz="1400" dirty="0">
-                <a:solidFill>
-                  <a:srgbClr val="03849A"/>
-                </a:solidFill>
-                <a:latin typeface="Verdana Pro" panose="020B0604020202020204" pitchFamily="34" charset="0"/>
-                <a:cs typeface="Courier New" panose="02070309020205020404" pitchFamily="49" charset="0"/>
-              </a:rPr>
-              <a:t>S1 – Cycle</a:t>
-            </a:r>
-          </a:p>
-          <a:p>
-            <a:r>
-              <a:rPr lang="en-GB" sz="1400" dirty="0">
-                <a:solidFill>
-                  <a:srgbClr val="03849A"/>
-                </a:solidFill>
-                <a:latin typeface="Verdana Pro" panose="020B0604020202020204" pitchFamily="34" charset="0"/>
-                <a:cs typeface="Courier New" panose="02070309020205020404" pitchFamily="49" charset="0"/>
-              </a:rPr>
-              <a:t>S2 – Mute</a:t>
-            </a:r>
-          </a:p>
-          <a:p>
-            <a:r>
-              <a:rPr lang="en-GB" sz="1400" dirty="0">
-                <a:solidFill>
-                  <a:srgbClr val="03849A"/>
-                </a:solidFill>
-                <a:latin typeface="Verdana Pro" panose="020B0604020202020204" pitchFamily="34" charset="0"/>
-                <a:cs typeface="Courier New" panose="02070309020205020404" pitchFamily="49" charset="0"/>
-              </a:rPr>
-              <a:t>S3 - Camera</a:t>
-            </a:r>
-          </a:p>
-        </p:txBody>
-      </p:sp>
-      <p:sp>
-        <p:nvSpPr>
-          <p:cNvPr id="16" name="TextBox 15">
-            <a:extLst>
-              <a:ext uri="{FF2B5EF4-FFF2-40B4-BE49-F238E27FC236}">
-                <a16:creationId xmlns:a16="http://schemas.microsoft.com/office/drawing/2014/main" id="{472A8337-1EBE-4027-9580-D63F090056D6}"/>
-              </a:ext>
-            </a:extLst>
-          </p:cNvPr>
-          <p:cNvSpPr txBox="1"/>
-          <p:nvPr/>
-        </p:nvSpPr>
-        <p:spPr>
-          <a:xfrm>
-            <a:off x="9979296" y="5999779"/>
-            <a:ext cx="1710812" cy="523220"/>
-          </a:xfrm>
-          <a:prstGeom prst="rect">
-            <a:avLst/>
-          </a:prstGeom>
-          <a:noFill/>
-        </p:spPr>
-        <p:txBody>
-          <a:bodyPr wrap="square" rtlCol="0">
-            <a:spAutoFit/>
-          </a:bodyPr>
-          <a:lstStyle/>
-          <a:p>
-            <a:r>
-              <a:rPr lang="en-GB" sz="1400" dirty="0">
-                <a:solidFill>
-                  <a:srgbClr val="03849A"/>
-                </a:solidFill>
-                <a:latin typeface="Verdana Pro" panose="020B0604020202020204" pitchFamily="34" charset="0"/>
-                <a:cs typeface="Courier New" panose="02070309020205020404" pitchFamily="49" charset="0"/>
-              </a:rPr>
-              <a:t>J1 – Piezo buzzer</a:t>
-            </a:r>
-          </a:p>
-        </p:txBody>
-      </p:sp>
-      <p:sp>
-        <p:nvSpPr>
-          <p:cNvPr id="17" name="TextBox 16">
-            <a:extLst>
-              <a:ext uri="{FF2B5EF4-FFF2-40B4-BE49-F238E27FC236}">
-                <a16:creationId xmlns:a16="http://schemas.microsoft.com/office/drawing/2014/main" id="{DAAF099C-8637-4DEB-A952-DA3D673B8A24}"/>
-              </a:ext>
-            </a:extLst>
-          </p:cNvPr>
-          <p:cNvSpPr txBox="1"/>
-          <p:nvPr/>
-        </p:nvSpPr>
-        <p:spPr>
-          <a:xfrm>
-            <a:off x="5783993" y="1283303"/>
-            <a:ext cx="546945" cy="307777"/>
-          </a:xfrm>
-          <a:prstGeom prst="rect">
-            <a:avLst/>
-          </a:prstGeom>
-          <a:noFill/>
-        </p:spPr>
-        <p:txBody>
-          <a:bodyPr wrap="none" rtlCol="0">
-            <a:spAutoFit/>
-          </a:bodyPr>
-          <a:lstStyle/>
-          <a:p>
-            <a:r>
-              <a:rPr lang="en-GB" sz="1400" dirty="0">
-                <a:solidFill>
-                  <a:srgbClr val="03849A"/>
-                </a:solidFill>
-                <a:latin typeface="Verdana Pro" panose="020B0604020202020204" pitchFamily="34" charset="0"/>
-                <a:cs typeface="Courier New" panose="02070309020205020404" pitchFamily="49" charset="0"/>
-              </a:rPr>
-              <a:t>LCD</a:t>
-            </a:r>
-          </a:p>
-        </p:txBody>
-      </p:sp>
-      <p:sp>
-        <p:nvSpPr>
-          <p:cNvPr id="18" name="TextBox 17">
-            <a:extLst>
-              <a:ext uri="{FF2B5EF4-FFF2-40B4-BE49-F238E27FC236}">
-                <a16:creationId xmlns:a16="http://schemas.microsoft.com/office/drawing/2014/main" id="{D3233DA6-4813-423D-94D4-45DD9B1A6570}"/>
-              </a:ext>
-            </a:extLst>
-          </p:cNvPr>
-          <p:cNvSpPr txBox="1"/>
-          <p:nvPr/>
-        </p:nvSpPr>
-        <p:spPr>
-          <a:xfrm>
-            <a:off x="5531519" y="5185638"/>
-            <a:ext cx="1051891" cy="307777"/>
-          </a:xfrm>
-          <a:prstGeom prst="rect">
-            <a:avLst/>
-          </a:prstGeom>
-          <a:noFill/>
-        </p:spPr>
-        <p:txBody>
-          <a:bodyPr wrap="none" rtlCol="0">
-            <a:spAutoFit/>
-          </a:bodyPr>
-          <a:lstStyle/>
-          <a:p>
-            <a:r>
-              <a:rPr lang="en-GB" sz="1400" dirty="0">
-                <a:solidFill>
-                  <a:srgbClr val="03849A"/>
-                </a:solidFill>
-                <a:latin typeface="Verdana Pro" panose="020B0604020202020204" pitchFamily="34" charset="0"/>
-                <a:cs typeface="Courier New" panose="02070309020205020404" pitchFamily="49" charset="0"/>
-              </a:rPr>
-              <a:t>Bluetooth</a:t>
-            </a:r>
-          </a:p>
-        </p:txBody>
-      </p:sp>
-    </p:spTree>
-    <p:extLst>
-      <p:ext uri="{BB962C8B-B14F-4D97-AF65-F5344CB8AC3E}">
-        <p14:creationId xmlns:p14="http://schemas.microsoft.com/office/powerpoint/2010/main" val="2288012161"/>
-      </p:ext>
-    </p:extLst>
-  </p:cSld>
-  <p:clrMapOvr>
-    <a:masterClrMapping/>
-  </p:clrMapOvr>
-</p:sld>
-</file>
-
-<file path=ppt/slides/slide5.xml><?xml version="1.0" encoding="utf-8"?>
-<p:sld xmlns:a="http://schemas.openxmlformats.org/drawingml/2006/main" xmlns:r="http://schemas.openxmlformats.org/officeDocument/2006/relationships" xmlns:p="http://schemas.openxmlformats.org/presentationml/2006/main">
-  <p:cSld>
-    <p:spTree>
-      <p:nvGrpSpPr>
-        <p:cNvPr id="1" name=""/>
-        <p:cNvGrpSpPr/>
-        <p:nvPr/>
-      </p:nvGrpSpPr>
-      <p:grpSpPr>
-        <a:xfrm>
-          <a:off x="0" y="0"/>
-          <a:ext cx="0" cy="0"/>
-          <a:chOff x="0" y="0"/>
-          <a:chExt cx="0" cy="0"/>
-        </a:xfrm>
-      </p:grpSpPr>
-      <p:sp>
-        <p:nvSpPr>
-          <p:cNvPr id="2" name="Title 1">
-            <a:extLst>
-              <a:ext uri="{FF2B5EF4-FFF2-40B4-BE49-F238E27FC236}">
-                <a16:creationId xmlns:a16="http://schemas.microsoft.com/office/drawing/2014/main" id="{A5BD21C8-7758-463C-BC15-B7103A0D1438}"/>
-              </a:ext>
-            </a:extLst>
-          </p:cNvPr>
-          <p:cNvSpPr>
-            <a:spLocks noGrp="1"/>
-          </p:cNvSpPr>
-          <p:nvPr>
-            <p:ph type="title"/>
-          </p:nvPr>
-        </p:nvSpPr>
-        <p:spPr/>
-        <p:txBody>
-          <a:bodyPr/>
-          <a:lstStyle/>
-          <a:p>
-            <a:r>
-              <a:rPr lang="en-GB" dirty="0"/>
-              <a:t>Hardware - Reality</a:t>
-            </a:r>
-            <a:endParaRPr lang="en-US" dirty="0"/>
-          </a:p>
-        </p:txBody>
-      </p:sp>
-    </p:spTree>
-    <p:extLst>
-      <p:ext uri="{BB962C8B-B14F-4D97-AF65-F5344CB8AC3E}">
-        <p14:creationId xmlns:p14="http://schemas.microsoft.com/office/powerpoint/2010/main" val="3127256210"/>
-      </p:ext>
-    </p:extLst>
-  </p:cSld>
-  <p:clrMapOvr>
-    <a:masterClrMapping/>
-  </p:clrMapOvr>
-</p:sld>
-</file>
-
-<file path=ppt/slides/slide6.xml><?xml version="1.0" encoding="utf-8"?>
-<p:sld xmlns:a="http://schemas.openxmlformats.org/drawingml/2006/main" xmlns:r="http://schemas.openxmlformats.org/officeDocument/2006/relationships" xmlns:p="http://schemas.openxmlformats.org/presentationml/2006/main">
-  <p:cSld>
-    <p:spTree>
-      <p:nvGrpSpPr>
-        <p:cNvPr id="1" name=""/>
-        <p:cNvGrpSpPr/>
-        <p:nvPr/>
-      </p:nvGrpSpPr>
-      <p:grpSpPr>
-        <a:xfrm>
-          <a:off x="0" y="0"/>
-          <a:ext cx="0" cy="0"/>
-          <a:chOff x="0" y="0"/>
-          <a:chExt cx="0" cy="0"/>
-        </a:xfrm>
-      </p:grpSpPr>
-      <p:sp>
-        <p:nvSpPr>
-          <p:cNvPr id="2" name="Title 1">
-            <a:extLst>
-              <a:ext uri="{FF2B5EF4-FFF2-40B4-BE49-F238E27FC236}">
-                <a16:creationId xmlns:a16="http://schemas.microsoft.com/office/drawing/2014/main" id="{34C51CAE-A933-406C-8098-A0ABF50C5BF9}"/>
-              </a:ext>
-            </a:extLst>
-          </p:cNvPr>
-          <p:cNvSpPr>
-            <a:spLocks noGrp="1"/>
-          </p:cNvSpPr>
-          <p:nvPr>
-            <p:ph type="title"/>
-          </p:nvPr>
-        </p:nvSpPr>
-        <p:spPr/>
-        <p:txBody>
-          <a:bodyPr/>
-          <a:lstStyle/>
-          <a:p>
-            <a:r>
-              <a:rPr lang="en-GB" dirty="0"/>
-              <a:t>Protocol</a:t>
-            </a:r>
-            <a:endParaRPr lang="en-US" dirty="0"/>
-          </a:p>
-        </p:txBody>
-      </p:sp>
-    </p:spTree>
-    <p:extLst>
-      <p:ext uri="{BB962C8B-B14F-4D97-AF65-F5344CB8AC3E}">
-        <p14:creationId xmlns:p14="http://schemas.microsoft.com/office/powerpoint/2010/main" val="3293633059"/>
-      </p:ext>
-    </p:extLst>
-  </p:cSld>
-  <p:clrMapOvr>
-    <a:masterClrMapping/>
-  </p:clrMapOvr>
-</p:sld>
-</file>
-
-<file path=ppt/slides/slide7.xml><?xml version="1.0" encoding="utf-8"?>
-<p:sld xmlns:a="http://schemas.openxmlformats.org/drawingml/2006/main" xmlns:r="http://schemas.openxmlformats.org/officeDocument/2006/relationships" xmlns:p="http://schemas.openxmlformats.org/presentationml/2006/main">
-  <p:cSld>
-    <p:spTree>
-      <p:nvGrpSpPr>
-        <p:cNvPr id="1" name=""/>
-        <p:cNvGrpSpPr/>
-        <p:nvPr/>
-      </p:nvGrpSpPr>
-      <p:grpSpPr>
-        <a:xfrm>
-          <a:off x="0" y="0"/>
-          <a:ext cx="0" cy="0"/>
-          <a:chOff x="0" y="0"/>
-          <a:chExt cx="0" cy="0"/>
-        </a:xfrm>
-      </p:grpSpPr>
-      <p:sp>
-        <p:nvSpPr>
-          <p:cNvPr id="2" name="Title 1">
-            <a:extLst>
-              <a:ext uri="{FF2B5EF4-FFF2-40B4-BE49-F238E27FC236}">
-                <a16:creationId xmlns:a16="http://schemas.microsoft.com/office/drawing/2014/main" id="{F21E2F00-3B37-49C1-B2F1-7DF640426DBB}"/>
-              </a:ext>
-            </a:extLst>
-          </p:cNvPr>
-          <p:cNvSpPr>
-            <a:spLocks noGrp="1"/>
-          </p:cNvSpPr>
-          <p:nvPr>
-            <p:ph type="title"/>
-          </p:nvPr>
-        </p:nvSpPr>
-        <p:spPr/>
-        <p:txBody>
-          <a:bodyPr/>
-          <a:lstStyle/>
-          <a:p>
-            <a:r>
-              <a:rPr lang="en-GB" dirty="0"/>
-              <a:t>PC Software</a:t>
-            </a:r>
-            <a:endParaRPr lang="en-US" dirty="0"/>
-          </a:p>
-        </p:txBody>
-      </p:sp>
-      <p:sp>
-        <p:nvSpPr>
-          <p:cNvPr id="3" name="Content Placeholder 2">
-            <a:extLst>
-              <a:ext uri="{FF2B5EF4-FFF2-40B4-BE49-F238E27FC236}">
-                <a16:creationId xmlns:a16="http://schemas.microsoft.com/office/drawing/2014/main" id="{1CDEB903-E0E7-4099-9864-37F6F54FCF9C}"/>
-              </a:ext>
-            </a:extLst>
-          </p:cNvPr>
-          <p:cNvSpPr>
-            <a:spLocks noGrp="1"/>
-          </p:cNvSpPr>
-          <p:nvPr>
-            <p:ph idx="1"/>
-          </p:nvPr>
-        </p:nvSpPr>
-        <p:spPr/>
-        <p:txBody>
-          <a:bodyPr/>
-          <a:lstStyle/>
-          <a:p>
-            <a:endParaRPr lang="en-US"/>
-          </a:p>
-        </p:txBody>
-      </p:sp>
-    </p:spTree>
-    <p:extLst>
-      <p:ext uri="{BB962C8B-B14F-4D97-AF65-F5344CB8AC3E}">
-        <p14:creationId xmlns:p14="http://schemas.microsoft.com/office/powerpoint/2010/main" val="2406784128"/>
-      </p:ext>
-    </p:extLst>
-  </p:cSld>
-  <p:clrMapOvr>
-    <a:masterClrMapping/>
-  </p:clrMapOvr>
-</p:sld>
-</file>
-
-<file path=ppt/slides/slide8.xml><?xml version="1.0" encoding="utf-8"?>
-<p:sld xmlns:a="http://schemas.openxmlformats.org/drawingml/2006/main" xmlns:r="http://schemas.openxmlformats.org/officeDocument/2006/relationships" xmlns:p="http://schemas.openxmlformats.org/presentationml/2006/main">
-  <p:cSld>
-    <p:spTree>
-      <p:nvGrpSpPr>
-        <p:cNvPr id="1" name=""/>
-        <p:cNvGrpSpPr/>
-        <p:nvPr/>
-      </p:nvGrpSpPr>
-      <p:grpSpPr>
-        <a:xfrm>
-          <a:off x="0" y="0"/>
-          <a:ext cx="0" cy="0"/>
-          <a:chOff x="0" y="0"/>
-          <a:chExt cx="0" cy="0"/>
-        </a:xfrm>
-      </p:grpSpPr>
-      <p:sp>
-        <p:nvSpPr>
-          <p:cNvPr id="2" name="Title 1">
-            <a:extLst>
-              <a:ext uri="{FF2B5EF4-FFF2-40B4-BE49-F238E27FC236}">
-                <a16:creationId xmlns:a16="http://schemas.microsoft.com/office/drawing/2014/main" id="{2AE063DF-9C6C-43EE-9A23-46D9128CAE75}"/>
-              </a:ext>
-            </a:extLst>
-          </p:cNvPr>
-          <p:cNvSpPr>
-            <a:spLocks noGrp="1"/>
-          </p:cNvSpPr>
-          <p:nvPr>
-            <p:ph type="title"/>
-          </p:nvPr>
-        </p:nvSpPr>
-        <p:spPr/>
-        <p:txBody>
-          <a:bodyPr/>
-          <a:lstStyle/>
-          <a:p>
-            <a:r>
-              <a:rPr lang="en-GB" dirty="0"/>
-              <a:t>Demo</a:t>
-            </a:r>
-            <a:endParaRPr lang="en-US" dirty="0"/>
-          </a:p>
-        </p:txBody>
-      </p:sp>
-      <p:sp>
-        <p:nvSpPr>
-          <p:cNvPr id="3" name="Content Placeholder 2">
-            <a:extLst>
-              <a:ext uri="{FF2B5EF4-FFF2-40B4-BE49-F238E27FC236}">
-                <a16:creationId xmlns:a16="http://schemas.microsoft.com/office/drawing/2014/main" id="{394B5A33-F0CC-4FAF-945A-3F2B3A73EEB8}"/>
-              </a:ext>
-            </a:extLst>
-          </p:cNvPr>
-          <p:cNvSpPr>
-            <a:spLocks noGrp="1"/>
-          </p:cNvSpPr>
-          <p:nvPr>
-            <p:ph idx="1"/>
-          </p:nvPr>
-        </p:nvSpPr>
-        <p:spPr/>
-        <p:txBody>
-          <a:bodyPr/>
-          <a:lstStyle/>
-          <a:p>
-            <a:endParaRPr lang="en-US"/>
-          </a:p>
-        </p:txBody>
-      </p:sp>
-    </p:spTree>
-    <p:extLst>
-      <p:ext uri="{BB962C8B-B14F-4D97-AF65-F5344CB8AC3E}">
-        <p14:creationId xmlns:p14="http://schemas.microsoft.com/office/powerpoint/2010/main" val="3274606815"/>
-      </p:ext>
-    </p:extLst>
-  </p:cSld>
-  <p:clrMapOvr>
-    <a:masterClrMapping/>
-  </p:clrMapOvr>
-</p:sld>
-</file>
-
-<file path=ppt/slides/slide9.xml><?xml version="1.0" encoding="utf-8"?>
-<p:sld xmlns:a="http://schemas.openxmlformats.org/drawingml/2006/main" xmlns:r="http://schemas.openxmlformats.org/officeDocument/2006/relationships" xmlns:p="http://schemas.openxmlformats.org/presentationml/2006/main">
-  <p:cSld>
-    <p:spTree>
-      <p:nvGrpSpPr>
-        <p:cNvPr id="1" name=""/>
-        <p:cNvGrpSpPr/>
-        <p:nvPr/>
-      </p:nvGrpSpPr>
-      <p:grpSpPr>
-        <a:xfrm>
-          <a:off x="0" y="0"/>
-          <a:ext cx="0" cy="0"/>
-          <a:chOff x="0" y="0"/>
-          <a:chExt cx="0" cy="0"/>
-        </a:xfrm>
-      </p:grpSpPr>
-      <p:sp>
-        <p:nvSpPr>
-          <p:cNvPr id="2" name="Title 1">
-            <a:extLst>
-              <a:ext uri="{FF2B5EF4-FFF2-40B4-BE49-F238E27FC236}">
-                <a16:creationId xmlns:a16="http://schemas.microsoft.com/office/drawing/2014/main" id="{62E3E071-C997-415A-8A95-FB83C7CE9CE6}"/>
-              </a:ext>
-            </a:extLst>
-          </p:cNvPr>
-          <p:cNvSpPr>
-            <a:spLocks noGrp="1"/>
-          </p:cNvSpPr>
-          <p:nvPr>
-            <p:ph type="title"/>
-          </p:nvPr>
-        </p:nvSpPr>
-        <p:spPr/>
-        <p:txBody>
-          <a:bodyPr/>
-          <a:lstStyle/>
-          <a:p>
-            <a:r>
-              <a:rPr lang="en-GB" dirty="0"/>
-              <a:t>Bill of Sale</a:t>
+              <a:t>Bill of Materials</a:t>
             </a:r>
             <a:endParaRPr lang="en-US" dirty="0"/>
           </a:p>
@@ -7154,14 +4512,14 @@
           <p:nvPr>
             <p:extLst>
               <p:ext uri="{D42A27DB-BD31-4B8C-83A1-F6EECF244321}">
-                <p14:modId xmlns:p14="http://schemas.microsoft.com/office/powerpoint/2010/main" val="3812287379"/>
+                <p14:modId xmlns:p14="http://schemas.microsoft.com/office/powerpoint/2010/main" val="3225420877"/>
               </p:ext>
             </p:extLst>
           </p:nvPr>
         </p:nvGraphicFramePr>
         <p:xfrm>
-          <a:off x="7173185" y="2574966"/>
-          <a:ext cx="3862550" cy="903706"/>
+          <a:off x="7173185" y="2610465"/>
+          <a:ext cx="3862550" cy="868207"/>
         </p:xfrm>
         <a:graphic>
           <a:graphicData uri="http://schemas.openxmlformats.org/drawingml/2006/table">
@@ -7192,7 +4550,7 @@
                   </a:extLst>
                 </a:gridCol>
               </a:tblGrid>
-              <a:tr h="462291">
+              <a:tr h="426792">
                 <a:tc>
                   <a:txBody>
                     <a:bodyPr/>
@@ -7264,7 +4622,7 @@
                           </a:solidFill>
                           <a:latin typeface="Verdana Pro Cond SemiBold" panose="020B0706030504040204" pitchFamily="34" charset="0"/>
                         </a:rPr>
-                        <a:t>Total</a:t>
+                        <a:t>Total Cost</a:t>
                       </a:r>
                       <a:endParaRPr lang="en-US" sz="1600" dirty="0">
                         <a:solidFill>
@@ -7354,7 +4712,7 @@
           <p:nvPr>
             <p:extLst>
               <p:ext uri="{D42A27DB-BD31-4B8C-83A1-F6EECF244321}">
-                <p14:modId xmlns:p14="http://schemas.microsoft.com/office/powerpoint/2010/main" val="2846162228"/>
+                <p14:modId xmlns:p14="http://schemas.microsoft.com/office/powerpoint/2010/main" val="2292592357"/>
               </p:ext>
             </p:extLst>
           </p:nvPr>
@@ -7464,7 +4822,7 @@
                           </a:solidFill>
                           <a:latin typeface="Verdana Pro Cond SemiBold" panose="020B0706030504040204" pitchFamily="34" charset="0"/>
                         </a:rPr>
-                        <a:t>Total</a:t>
+                        <a:t>Total Cost</a:t>
                       </a:r>
                       <a:endParaRPr lang="en-US" sz="1600" dirty="0">
                         <a:solidFill>
@@ -7612,6 +4970,2732 @@
     <p:extLst>
       <p:ext uri="{BB962C8B-B14F-4D97-AF65-F5344CB8AC3E}">
         <p14:creationId xmlns:p14="http://schemas.microsoft.com/office/powerpoint/2010/main" val="1580021585"/>
+      </p:ext>
+    </p:extLst>
+  </p:cSld>
+  <p:clrMapOvr>
+    <a:masterClrMapping/>
+  </p:clrMapOvr>
+</p:sld>
+</file>
+
+<file path=ppt/slides/slide11.xml><?xml version="1.0" encoding="utf-8"?>
+<p:sld xmlns:a="http://schemas.openxmlformats.org/drawingml/2006/main" xmlns:r="http://schemas.openxmlformats.org/officeDocument/2006/relationships" xmlns:p="http://schemas.openxmlformats.org/presentationml/2006/main">
+  <p:cSld>
+    <p:spTree>
+      <p:nvGrpSpPr>
+        <p:cNvPr id="1" name=""/>
+        <p:cNvGrpSpPr/>
+        <p:nvPr/>
+      </p:nvGrpSpPr>
+      <p:grpSpPr>
+        <a:xfrm>
+          <a:off x="0" y="0"/>
+          <a:ext cx="0" cy="0"/>
+          <a:chOff x="0" y="0"/>
+          <a:chExt cx="0" cy="0"/>
+        </a:xfrm>
+      </p:grpSpPr>
+      <p:sp>
+        <p:nvSpPr>
+          <p:cNvPr id="2" name="Title 1">
+            <a:extLst>
+              <a:ext uri="{FF2B5EF4-FFF2-40B4-BE49-F238E27FC236}">
+                <a16:creationId xmlns:a16="http://schemas.microsoft.com/office/drawing/2014/main" id="{A5B4A7EC-5056-4840-98E5-7E09C3B8A76B}"/>
+              </a:ext>
+            </a:extLst>
+          </p:cNvPr>
+          <p:cNvSpPr>
+            <a:spLocks noGrp="1"/>
+          </p:cNvSpPr>
+          <p:nvPr>
+            <p:ph type="title"/>
+          </p:nvPr>
+        </p:nvSpPr>
+        <p:spPr/>
+        <p:txBody>
+          <a:bodyPr/>
+          <a:lstStyle/>
+          <a:p>
+            <a:r>
+              <a:rPr lang="en-GB" dirty="0"/>
+              <a:t>Try Yourself? </a:t>
+            </a:r>
+            <a:endParaRPr lang="en-US" dirty="0"/>
+          </a:p>
+        </p:txBody>
+      </p:sp>
+      <p:pic>
+        <p:nvPicPr>
+          <p:cNvPr id="4" name="Picture 3" descr="A picture containing graphical user interface&#10;&#10;Description automatically generated">
+            <a:extLst>
+              <a:ext uri="{FF2B5EF4-FFF2-40B4-BE49-F238E27FC236}">
+                <a16:creationId xmlns:a16="http://schemas.microsoft.com/office/drawing/2014/main" id="{50E737C2-077F-4C27-B733-E490A1241E33}"/>
+              </a:ext>
+            </a:extLst>
+          </p:cNvPr>
+          <p:cNvPicPr>
+            <a:picLocks noChangeAspect="1"/>
+          </p:cNvPicPr>
+          <p:nvPr/>
+        </p:nvPicPr>
+        <p:blipFill>
+          <a:blip r:embed="rId2">
+            <a:extLst>
+              <a:ext uri="{28A0092B-C50C-407E-A947-70E740481C1C}">
+                <a14:useLocalDpi xmlns:a14="http://schemas.microsoft.com/office/drawing/2010/main" val="0"/>
+              </a:ext>
+            </a:extLst>
+          </a:blip>
+          <a:stretch>
+            <a:fillRect/>
+          </a:stretch>
+        </p:blipFill>
+        <p:spPr>
+          <a:xfrm>
+            <a:off x="2481858" y="679718"/>
+            <a:ext cx="7216666" cy="5614566"/>
+          </a:xfrm>
+          <a:prstGeom prst="rect">
+            <a:avLst/>
+          </a:prstGeom>
+        </p:spPr>
+      </p:pic>
+      <p:sp>
+        <p:nvSpPr>
+          <p:cNvPr id="5" name="Title 1">
+            <a:extLst>
+              <a:ext uri="{FF2B5EF4-FFF2-40B4-BE49-F238E27FC236}">
+                <a16:creationId xmlns:a16="http://schemas.microsoft.com/office/drawing/2014/main" id="{EC86B9E1-D890-4965-83BE-F27C5222D557}"/>
+              </a:ext>
+            </a:extLst>
+          </p:cNvPr>
+          <p:cNvSpPr txBox="1">
+            <a:spLocks/>
+          </p:cNvSpPr>
+          <p:nvPr/>
+        </p:nvSpPr>
+        <p:spPr>
+          <a:xfrm>
+            <a:off x="8987415" y="1257787"/>
+            <a:ext cx="1422219" cy="480131"/>
+          </a:xfrm>
+          <a:prstGeom prst="rect">
+            <a:avLst/>
+          </a:prstGeom>
+          <a:solidFill>
+            <a:srgbClr val="03849A"/>
+          </a:solidFill>
+        </p:spPr>
+        <p:txBody>
+          <a:bodyPr vert="horz" wrap="square" lIns="91440" tIns="45720" rIns="91440" bIns="45720" rtlCol="0" anchor="t">
+            <a:spAutoFit/>
+          </a:bodyPr>
+          <a:lstStyle>
+            <a:lvl1pPr algn="ctr" defTabSz="914400" rtl="0" eaLnBrk="1" latinLnBrk="0" hangingPunct="1">
+              <a:lnSpc>
+                <a:spcPct val="90000"/>
+              </a:lnSpc>
+              <a:spcBef>
+                <a:spcPct val="0"/>
+              </a:spcBef>
+              <a:buNone/>
+              <a:defRPr sz="6000" kern="1200">
+                <a:solidFill>
+                  <a:schemeClr val="tx1"/>
+                </a:solidFill>
+                <a:latin typeface="+mj-lt"/>
+                <a:ea typeface="+mj-ea"/>
+                <a:cs typeface="+mj-cs"/>
+              </a:defRPr>
+            </a:lvl1pPr>
+          </a:lstStyle>
+          <a:p>
+            <a:pPr algn="l"/>
+            <a:r>
+              <a:rPr lang="en-GB" sz="2800" dirty="0">
+                <a:solidFill>
+                  <a:schemeClr val="bg1"/>
+                </a:solidFill>
+                <a:latin typeface="Verdana Pro Cond SemiBold" panose="020B0604020202020204" pitchFamily="34" charset="0"/>
+              </a:rPr>
+              <a:t>Arduino</a:t>
+            </a:r>
+            <a:endParaRPr lang="en-US" sz="2800" dirty="0">
+              <a:solidFill>
+                <a:schemeClr val="bg1"/>
+              </a:solidFill>
+              <a:latin typeface="Verdana Pro Cond SemiBold" panose="020B0604020202020204" pitchFamily="34" charset="0"/>
+            </a:endParaRPr>
+          </a:p>
+        </p:txBody>
+      </p:sp>
+      <p:sp>
+        <p:nvSpPr>
+          <p:cNvPr id="6" name="Title 1">
+            <a:extLst>
+              <a:ext uri="{FF2B5EF4-FFF2-40B4-BE49-F238E27FC236}">
+                <a16:creationId xmlns:a16="http://schemas.microsoft.com/office/drawing/2014/main" id="{3265EAA9-E88B-4846-BD80-0F823AFF6606}"/>
+              </a:ext>
+            </a:extLst>
+          </p:cNvPr>
+          <p:cNvSpPr txBox="1">
+            <a:spLocks/>
+          </p:cNvSpPr>
+          <p:nvPr/>
+        </p:nvSpPr>
+        <p:spPr>
+          <a:xfrm>
+            <a:off x="8996160" y="1835856"/>
+            <a:ext cx="1324999" cy="480131"/>
+          </a:xfrm>
+          <a:prstGeom prst="rect">
+            <a:avLst/>
+          </a:prstGeom>
+          <a:solidFill>
+            <a:srgbClr val="03849A"/>
+          </a:solidFill>
+        </p:spPr>
+        <p:txBody>
+          <a:bodyPr vert="horz" wrap="square" lIns="91440" tIns="45720" rIns="91440" bIns="45720" rtlCol="0" anchor="t">
+            <a:spAutoFit/>
+          </a:bodyPr>
+          <a:lstStyle>
+            <a:lvl1pPr algn="ctr" defTabSz="914400" rtl="0" eaLnBrk="1" latinLnBrk="0" hangingPunct="1">
+              <a:lnSpc>
+                <a:spcPct val="90000"/>
+              </a:lnSpc>
+              <a:spcBef>
+                <a:spcPct val="0"/>
+              </a:spcBef>
+              <a:buNone/>
+              <a:defRPr sz="6000" kern="1200">
+                <a:solidFill>
+                  <a:schemeClr val="tx1"/>
+                </a:solidFill>
+                <a:latin typeface="+mj-lt"/>
+                <a:ea typeface="+mj-ea"/>
+                <a:cs typeface="+mj-cs"/>
+              </a:defRPr>
+            </a:lvl1pPr>
+          </a:lstStyle>
+          <a:p>
+            <a:pPr algn="l"/>
+            <a:r>
+              <a:rPr lang="en-GB" sz="2800" dirty="0">
+                <a:solidFill>
+                  <a:schemeClr val="bg1"/>
+                </a:solidFill>
+                <a:latin typeface="Verdana Pro Cond SemiBold" panose="020B0604020202020204" pitchFamily="34" charset="0"/>
+              </a:rPr>
+              <a:t>Starter</a:t>
+            </a:r>
+            <a:endParaRPr lang="en-US" sz="2800" dirty="0">
+              <a:solidFill>
+                <a:schemeClr val="bg1"/>
+              </a:solidFill>
+              <a:latin typeface="Verdana Pro Cond SemiBold" panose="020B0604020202020204" pitchFamily="34" charset="0"/>
+            </a:endParaRPr>
+          </a:p>
+        </p:txBody>
+      </p:sp>
+      <p:sp>
+        <p:nvSpPr>
+          <p:cNvPr id="7" name="Title 1">
+            <a:extLst>
+              <a:ext uri="{FF2B5EF4-FFF2-40B4-BE49-F238E27FC236}">
+                <a16:creationId xmlns:a16="http://schemas.microsoft.com/office/drawing/2014/main" id="{973E3B18-A66E-45BC-9ABD-EF22884E2188}"/>
+              </a:ext>
+            </a:extLst>
+          </p:cNvPr>
+          <p:cNvSpPr txBox="1">
+            <a:spLocks/>
+          </p:cNvSpPr>
+          <p:nvPr/>
+        </p:nvSpPr>
+        <p:spPr>
+          <a:xfrm>
+            <a:off x="9006773" y="2413925"/>
+            <a:ext cx="691751" cy="480131"/>
+          </a:xfrm>
+          <a:prstGeom prst="rect">
+            <a:avLst/>
+          </a:prstGeom>
+          <a:solidFill>
+            <a:srgbClr val="03849A"/>
+          </a:solidFill>
+        </p:spPr>
+        <p:txBody>
+          <a:bodyPr vert="horz" wrap="square" lIns="91440" tIns="45720" rIns="91440" bIns="45720" rtlCol="0" anchor="t">
+            <a:spAutoFit/>
+          </a:bodyPr>
+          <a:lstStyle>
+            <a:lvl1pPr algn="ctr" defTabSz="914400" rtl="0" eaLnBrk="1" latinLnBrk="0" hangingPunct="1">
+              <a:lnSpc>
+                <a:spcPct val="90000"/>
+              </a:lnSpc>
+              <a:spcBef>
+                <a:spcPct val="0"/>
+              </a:spcBef>
+              <a:buNone/>
+              <a:defRPr sz="6000" kern="1200">
+                <a:solidFill>
+                  <a:schemeClr val="tx1"/>
+                </a:solidFill>
+                <a:latin typeface="+mj-lt"/>
+                <a:ea typeface="+mj-ea"/>
+                <a:cs typeface="+mj-cs"/>
+              </a:defRPr>
+            </a:lvl1pPr>
+          </a:lstStyle>
+          <a:p>
+            <a:pPr algn="l"/>
+            <a:r>
+              <a:rPr lang="en-GB" sz="2800" dirty="0">
+                <a:solidFill>
+                  <a:schemeClr val="bg1"/>
+                </a:solidFill>
+                <a:latin typeface="Verdana Pro Cond SemiBold" panose="020B0604020202020204" pitchFamily="34" charset="0"/>
+              </a:rPr>
+              <a:t>Kit</a:t>
+            </a:r>
+            <a:endParaRPr lang="en-US" sz="2800" dirty="0">
+              <a:solidFill>
+                <a:schemeClr val="bg1"/>
+              </a:solidFill>
+              <a:latin typeface="Verdana Pro Cond SemiBold" panose="020B0604020202020204" pitchFamily="34" charset="0"/>
+            </a:endParaRPr>
+          </a:p>
+        </p:txBody>
+      </p:sp>
+      <p:sp>
+        <p:nvSpPr>
+          <p:cNvPr id="8" name="Title 1">
+            <a:extLst>
+              <a:ext uri="{FF2B5EF4-FFF2-40B4-BE49-F238E27FC236}">
+                <a16:creationId xmlns:a16="http://schemas.microsoft.com/office/drawing/2014/main" id="{F8C9F513-C3EB-4E16-8C43-94BED0CF3ADB}"/>
+              </a:ext>
+            </a:extLst>
+          </p:cNvPr>
+          <p:cNvSpPr txBox="1">
+            <a:spLocks/>
+          </p:cNvSpPr>
+          <p:nvPr/>
+        </p:nvSpPr>
+        <p:spPr>
+          <a:xfrm>
+            <a:off x="8975141" y="679718"/>
+            <a:ext cx="831012" cy="480131"/>
+          </a:xfrm>
+          <a:prstGeom prst="rect">
+            <a:avLst/>
+          </a:prstGeom>
+          <a:solidFill>
+            <a:srgbClr val="03849A"/>
+          </a:solidFill>
+        </p:spPr>
+        <p:txBody>
+          <a:bodyPr vert="horz" wrap="square" lIns="91440" tIns="45720" rIns="91440" bIns="45720" rtlCol="0" anchor="t">
+            <a:spAutoFit/>
+          </a:bodyPr>
+          <a:lstStyle>
+            <a:lvl1pPr algn="ctr" defTabSz="914400" rtl="0" eaLnBrk="1" latinLnBrk="0" hangingPunct="1">
+              <a:lnSpc>
+                <a:spcPct val="90000"/>
+              </a:lnSpc>
+              <a:spcBef>
+                <a:spcPct val="0"/>
+              </a:spcBef>
+              <a:buNone/>
+              <a:defRPr sz="6000" kern="1200">
+                <a:solidFill>
+                  <a:schemeClr val="tx1"/>
+                </a:solidFill>
+                <a:latin typeface="+mj-lt"/>
+                <a:ea typeface="+mj-ea"/>
+                <a:cs typeface="+mj-cs"/>
+              </a:defRPr>
+            </a:lvl1pPr>
+          </a:lstStyle>
+          <a:p>
+            <a:pPr algn="l"/>
+            <a:r>
+              <a:rPr lang="en-GB" sz="2800" dirty="0">
+                <a:solidFill>
+                  <a:schemeClr val="bg1"/>
+                </a:solidFill>
+                <a:latin typeface="Verdana Pro Cond SemiBold" panose="020B0604020202020204" pitchFamily="34" charset="0"/>
+              </a:rPr>
+              <a:t>The</a:t>
+            </a:r>
+            <a:endParaRPr lang="en-US" sz="2800" dirty="0">
+              <a:solidFill>
+                <a:schemeClr val="bg1"/>
+              </a:solidFill>
+              <a:latin typeface="Verdana Pro Cond SemiBold" panose="020B0604020202020204" pitchFamily="34" charset="0"/>
+            </a:endParaRPr>
+          </a:p>
+        </p:txBody>
+      </p:sp>
+    </p:spTree>
+    <p:extLst>
+      <p:ext uri="{BB962C8B-B14F-4D97-AF65-F5344CB8AC3E}">
+        <p14:creationId xmlns:p14="http://schemas.microsoft.com/office/powerpoint/2010/main" val="3850030483"/>
+      </p:ext>
+    </p:extLst>
+  </p:cSld>
+  <p:clrMapOvr>
+    <a:masterClrMapping/>
+  </p:clrMapOvr>
+</p:sld>
+</file>
+
+<file path=ppt/slides/slide2.xml><?xml version="1.0" encoding="utf-8"?>
+<p:sld xmlns:a="http://schemas.openxmlformats.org/drawingml/2006/main" xmlns:r="http://schemas.openxmlformats.org/officeDocument/2006/relationships" xmlns:p="http://schemas.openxmlformats.org/presentationml/2006/main">
+  <p:cSld>
+    <p:spTree>
+      <p:nvGrpSpPr>
+        <p:cNvPr id="1" name=""/>
+        <p:cNvGrpSpPr/>
+        <p:nvPr/>
+      </p:nvGrpSpPr>
+      <p:grpSpPr>
+        <a:xfrm>
+          <a:off x="0" y="0"/>
+          <a:ext cx="0" cy="0"/>
+          <a:chOff x="0" y="0"/>
+          <a:chExt cx="0" cy="0"/>
+        </a:xfrm>
+      </p:grpSpPr>
+      <p:sp>
+        <p:nvSpPr>
+          <p:cNvPr id="13" name="Rectangle 12">
+            <a:extLst>
+              <a:ext uri="{FF2B5EF4-FFF2-40B4-BE49-F238E27FC236}">
+                <a16:creationId xmlns:a16="http://schemas.microsoft.com/office/drawing/2014/main" id="{AFD5865D-1D2E-45C8-8572-BE38E7E374CB}"/>
+              </a:ext>
+            </a:extLst>
+          </p:cNvPr>
+          <p:cNvSpPr/>
+          <p:nvPr/>
+        </p:nvSpPr>
+        <p:spPr>
+          <a:xfrm>
+            <a:off x="920983" y="1388292"/>
+            <a:ext cx="3898491" cy="3834582"/>
+          </a:xfrm>
+          <a:prstGeom prst="rect">
+            <a:avLst/>
+          </a:prstGeom>
+          <a:solidFill>
+            <a:srgbClr val="FACF31"/>
+          </a:solidFill>
+          <a:ln>
+            <a:noFill/>
+          </a:ln>
+        </p:spPr>
+        <p:style>
+          <a:lnRef idx="2">
+            <a:schemeClr val="accent1">
+              <a:shade val="50000"/>
+            </a:schemeClr>
+          </a:lnRef>
+          <a:fillRef idx="1">
+            <a:schemeClr val="accent1"/>
+          </a:fillRef>
+          <a:effectRef idx="0">
+            <a:schemeClr val="accent1"/>
+          </a:effectRef>
+          <a:fontRef idx="minor">
+            <a:schemeClr val="lt1"/>
+          </a:fontRef>
+        </p:style>
+        <p:txBody>
+          <a:bodyPr rtlCol="0" anchor="ctr"/>
+          <a:lstStyle/>
+          <a:p>
+            <a:pPr algn="ctr"/>
+            <a:endParaRPr lang="en-GB"/>
+          </a:p>
+        </p:txBody>
+      </p:sp>
+      <p:sp>
+        <p:nvSpPr>
+          <p:cNvPr id="2" name="Title 1">
+            <a:extLst>
+              <a:ext uri="{FF2B5EF4-FFF2-40B4-BE49-F238E27FC236}">
+                <a16:creationId xmlns:a16="http://schemas.microsoft.com/office/drawing/2014/main" id="{C82A6B3A-E45E-4491-964F-76182EEFCB4E}"/>
+              </a:ext>
+            </a:extLst>
+          </p:cNvPr>
+          <p:cNvSpPr>
+            <a:spLocks noGrp="1"/>
+          </p:cNvSpPr>
+          <p:nvPr>
+            <p:ph type="title"/>
+          </p:nvPr>
+        </p:nvSpPr>
+        <p:spPr/>
+        <p:txBody>
+          <a:bodyPr/>
+          <a:lstStyle/>
+          <a:p>
+            <a:r>
+              <a:rPr lang="en-GB" dirty="0"/>
+              <a:t>Components of the Solution</a:t>
+            </a:r>
+          </a:p>
+        </p:txBody>
+      </p:sp>
+      <p:grpSp>
+        <p:nvGrpSpPr>
+          <p:cNvPr id="10" name="Group 9">
+            <a:extLst>
+              <a:ext uri="{FF2B5EF4-FFF2-40B4-BE49-F238E27FC236}">
+                <a16:creationId xmlns:a16="http://schemas.microsoft.com/office/drawing/2014/main" id="{D231A690-5A1E-4D34-8D57-09BC08C6278B}"/>
+              </a:ext>
+            </a:extLst>
+          </p:cNvPr>
+          <p:cNvGrpSpPr/>
+          <p:nvPr/>
+        </p:nvGrpSpPr>
+        <p:grpSpPr>
+          <a:xfrm>
+            <a:off x="5973944" y="2415764"/>
+            <a:ext cx="1164331" cy="1623168"/>
+            <a:chOff x="6096000" y="3681382"/>
+            <a:chExt cx="876779" cy="1195717"/>
+          </a:xfrm>
+        </p:grpSpPr>
+        <p:sp>
+          <p:nvSpPr>
+            <p:cNvPr id="9" name="Rectangle 8">
+              <a:extLst>
+                <a:ext uri="{FF2B5EF4-FFF2-40B4-BE49-F238E27FC236}">
+                  <a16:creationId xmlns:a16="http://schemas.microsoft.com/office/drawing/2014/main" id="{B1E0F085-2D4B-4C5E-8D1B-9BDD681092BF}"/>
+                </a:ext>
+              </a:extLst>
+            </p:cNvPr>
+            <p:cNvSpPr/>
+            <p:nvPr/>
+          </p:nvSpPr>
+          <p:spPr>
+            <a:xfrm>
+              <a:off x="6293537" y="3793106"/>
+              <a:ext cx="475973" cy="950959"/>
+            </a:xfrm>
+            <a:prstGeom prst="rect">
+              <a:avLst/>
+            </a:prstGeom>
+            <a:solidFill>
+              <a:schemeClr val="bg1"/>
+            </a:solidFill>
+          </p:spPr>
+          <p:style>
+            <a:lnRef idx="2">
+              <a:schemeClr val="accent1">
+                <a:shade val="50000"/>
+              </a:schemeClr>
+            </a:lnRef>
+            <a:fillRef idx="1">
+              <a:schemeClr val="accent1"/>
+            </a:fillRef>
+            <a:effectRef idx="0">
+              <a:schemeClr val="accent1"/>
+            </a:effectRef>
+            <a:fontRef idx="minor">
+              <a:schemeClr val="lt1"/>
+            </a:fontRef>
+          </p:style>
+          <p:txBody>
+            <a:bodyPr rtlCol="0" anchor="ctr"/>
+            <a:lstStyle/>
+            <a:p>
+              <a:pPr algn="ctr"/>
+              <a:endParaRPr lang="en-GB"/>
+            </a:p>
+          </p:txBody>
+        </p:sp>
+        <p:pic>
+          <p:nvPicPr>
+            <p:cNvPr id="5" name="Picture 4">
+              <a:extLst>
+                <a:ext uri="{FF2B5EF4-FFF2-40B4-BE49-F238E27FC236}">
+                  <a16:creationId xmlns:a16="http://schemas.microsoft.com/office/drawing/2014/main" id="{3017E8E4-E9A9-4061-9A13-3B425CFDE0B9}"/>
+                </a:ext>
+              </a:extLst>
+            </p:cNvPr>
+            <p:cNvPicPr>
+              <a:picLocks noChangeAspect="1"/>
+            </p:cNvPicPr>
+            <p:nvPr/>
+          </p:nvPicPr>
+          <p:blipFill>
+            <a:blip r:embed="rId2"/>
+            <a:stretch>
+              <a:fillRect/>
+            </a:stretch>
+          </p:blipFill>
+          <p:spPr>
+            <a:xfrm>
+              <a:off x="6096000" y="3681382"/>
+              <a:ext cx="876779" cy="1195717"/>
+            </a:xfrm>
+            <a:prstGeom prst="rect">
+              <a:avLst/>
+            </a:prstGeom>
+          </p:spPr>
+        </p:pic>
+      </p:grpSp>
+      <p:sp>
+        <p:nvSpPr>
+          <p:cNvPr id="16" name="TextBox 15">
+            <a:extLst>
+              <a:ext uri="{FF2B5EF4-FFF2-40B4-BE49-F238E27FC236}">
+                <a16:creationId xmlns:a16="http://schemas.microsoft.com/office/drawing/2014/main" id="{687D085A-C8BB-43A9-89B8-D6B11D68FB87}"/>
+              </a:ext>
+            </a:extLst>
+          </p:cNvPr>
+          <p:cNvSpPr txBox="1"/>
+          <p:nvPr/>
+        </p:nvSpPr>
+        <p:spPr>
+          <a:xfrm>
+            <a:off x="1044144" y="4257260"/>
+            <a:ext cx="1261884" cy="707886"/>
+          </a:xfrm>
+          <a:prstGeom prst="rect">
+            <a:avLst/>
+          </a:prstGeom>
+          <a:noFill/>
+        </p:spPr>
+        <p:txBody>
+          <a:bodyPr wrap="none" rtlCol="0">
+            <a:spAutoFit/>
+          </a:bodyPr>
+          <a:lstStyle/>
+          <a:p>
+            <a:r>
+              <a:rPr lang="en-GB" sz="2000" b="1" dirty="0">
+                <a:latin typeface="Courier New" panose="02070309020205020404" pitchFamily="49" charset="0"/>
+                <a:cs typeface="Courier New" panose="02070309020205020404" pitchFamily="49" charset="0"/>
+              </a:rPr>
+              <a:t>Cycle</a:t>
+            </a:r>
+          </a:p>
+          <a:p>
+            <a:r>
+              <a:rPr lang="en-GB" sz="2000" b="1" dirty="0">
+                <a:latin typeface="Courier New" panose="02070309020205020404" pitchFamily="49" charset="0"/>
+                <a:cs typeface="Courier New" panose="02070309020205020404" pitchFamily="49" charset="0"/>
+              </a:rPr>
+              <a:t>Windows</a:t>
+            </a:r>
+          </a:p>
+        </p:txBody>
+      </p:sp>
+      <p:sp>
+        <p:nvSpPr>
+          <p:cNvPr id="17" name="TextBox 16">
+            <a:extLst>
+              <a:ext uri="{FF2B5EF4-FFF2-40B4-BE49-F238E27FC236}">
+                <a16:creationId xmlns:a16="http://schemas.microsoft.com/office/drawing/2014/main" id="{F3FCB2FA-13C3-47A1-A48C-1702FFFE986B}"/>
+              </a:ext>
+            </a:extLst>
+          </p:cNvPr>
+          <p:cNvSpPr txBox="1"/>
+          <p:nvPr/>
+        </p:nvSpPr>
+        <p:spPr>
+          <a:xfrm>
+            <a:off x="2395415" y="4291673"/>
+            <a:ext cx="1107996" cy="707886"/>
+          </a:xfrm>
+          <a:prstGeom prst="rect">
+            <a:avLst/>
+          </a:prstGeom>
+          <a:noFill/>
+        </p:spPr>
+        <p:txBody>
+          <a:bodyPr wrap="none" rtlCol="0">
+            <a:spAutoFit/>
+          </a:bodyPr>
+          <a:lstStyle/>
+          <a:p>
+            <a:r>
+              <a:rPr lang="en-GB" sz="2000" b="1" dirty="0">
+                <a:latin typeface="Courier New" panose="02070309020205020404" pitchFamily="49" charset="0"/>
+                <a:cs typeface="Courier New" panose="02070309020205020404" pitchFamily="49" charset="0"/>
+              </a:rPr>
+              <a:t>Toggle</a:t>
+            </a:r>
+          </a:p>
+          <a:p>
+            <a:r>
+              <a:rPr lang="en-GB" sz="2000" b="1" dirty="0">
+                <a:latin typeface="Courier New" panose="02070309020205020404" pitchFamily="49" charset="0"/>
+                <a:cs typeface="Courier New" panose="02070309020205020404" pitchFamily="49" charset="0"/>
+              </a:rPr>
+              <a:t>Mute</a:t>
+            </a:r>
+          </a:p>
+        </p:txBody>
+      </p:sp>
+      <p:sp>
+        <p:nvSpPr>
+          <p:cNvPr id="18" name="TextBox 17">
+            <a:extLst>
+              <a:ext uri="{FF2B5EF4-FFF2-40B4-BE49-F238E27FC236}">
+                <a16:creationId xmlns:a16="http://schemas.microsoft.com/office/drawing/2014/main" id="{92533CD6-E01B-4F54-AB18-B03D2D4EB3C5}"/>
+              </a:ext>
+            </a:extLst>
+          </p:cNvPr>
+          <p:cNvSpPr txBox="1"/>
+          <p:nvPr/>
+        </p:nvSpPr>
+        <p:spPr>
+          <a:xfrm>
+            <a:off x="3633689" y="4291673"/>
+            <a:ext cx="1107996" cy="707886"/>
+          </a:xfrm>
+          <a:prstGeom prst="rect">
+            <a:avLst/>
+          </a:prstGeom>
+          <a:noFill/>
+        </p:spPr>
+        <p:txBody>
+          <a:bodyPr wrap="none" rtlCol="0">
+            <a:spAutoFit/>
+          </a:bodyPr>
+          <a:lstStyle/>
+          <a:p>
+            <a:r>
+              <a:rPr lang="en-GB" sz="2000" b="1" dirty="0">
+                <a:latin typeface="Courier New" panose="02070309020205020404" pitchFamily="49" charset="0"/>
+                <a:cs typeface="Courier New" panose="02070309020205020404" pitchFamily="49" charset="0"/>
+              </a:rPr>
+              <a:t>Toggle</a:t>
+            </a:r>
+          </a:p>
+          <a:p>
+            <a:r>
+              <a:rPr lang="en-GB" sz="2000" b="1" dirty="0">
+                <a:latin typeface="Courier New" panose="02070309020205020404" pitchFamily="49" charset="0"/>
+                <a:cs typeface="Courier New" panose="02070309020205020404" pitchFamily="49" charset="0"/>
+              </a:rPr>
+              <a:t>Camera</a:t>
+            </a:r>
+          </a:p>
+        </p:txBody>
+      </p:sp>
+      <p:pic>
+        <p:nvPicPr>
+          <p:cNvPr id="15" name="Picture 14">
+            <a:extLst>
+              <a:ext uri="{FF2B5EF4-FFF2-40B4-BE49-F238E27FC236}">
+                <a16:creationId xmlns:a16="http://schemas.microsoft.com/office/drawing/2014/main" id="{4E80F51F-6D5B-41B3-93B6-8A05FD2D1024}"/>
+              </a:ext>
+            </a:extLst>
+          </p:cNvPr>
+          <p:cNvPicPr>
+            <a:picLocks noChangeAspect="1"/>
+          </p:cNvPicPr>
+          <p:nvPr/>
+        </p:nvPicPr>
+        <p:blipFill>
+          <a:blip r:embed="rId3"/>
+          <a:stretch>
+            <a:fillRect/>
+          </a:stretch>
+        </p:blipFill>
+        <p:spPr>
+          <a:xfrm>
+            <a:off x="1432766" y="1692196"/>
+            <a:ext cx="2800250" cy="1250721"/>
+          </a:xfrm>
+          <a:prstGeom prst="rect">
+            <a:avLst/>
+          </a:prstGeom>
+        </p:spPr>
+      </p:pic>
+      <p:pic>
+        <p:nvPicPr>
+          <p:cNvPr id="20" name="Picture 19">
+            <a:extLst>
+              <a:ext uri="{FF2B5EF4-FFF2-40B4-BE49-F238E27FC236}">
+                <a16:creationId xmlns:a16="http://schemas.microsoft.com/office/drawing/2014/main" id="{1B66447F-58B0-4992-945B-23901CEF9EE8}"/>
+              </a:ext>
+            </a:extLst>
+          </p:cNvPr>
+          <p:cNvPicPr>
+            <a:picLocks noChangeAspect="1"/>
+          </p:cNvPicPr>
+          <p:nvPr/>
+        </p:nvPicPr>
+        <p:blipFill>
+          <a:blip r:embed="rId4"/>
+          <a:stretch>
+            <a:fillRect/>
+          </a:stretch>
+        </p:blipFill>
+        <p:spPr>
+          <a:xfrm>
+            <a:off x="1147100" y="3176752"/>
+            <a:ext cx="937368" cy="937368"/>
+          </a:xfrm>
+          <a:prstGeom prst="rect">
+            <a:avLst/>
+          </a:prstGeom>
+        </p:spPr>
+      </p:pic>
+      <p:pic>
+        <p:nvPicPr>
+          <p:cNvPr id="25" name="Picture 24">
+            <a:extLst>
+              <a:ext uri="{FF2B5EF4-FFF2-40B4-BE49-F238E27FC236}">
+                <a16:creationId xmlns:a16="http://schemas.microsoft.com/office/drawing/2014/main" id="{8BF29DD2-331F-438E-A8A6-0D07C1E04C40}"/>
+              </a:ext>
+            </a:extLst>
+          </p:cNvPr>
+          <p:cNvPicPr>
+            <a:picLocks noChangeAspect="1"/>
+          </p:cNvPicPr>
+          <p:nvPr/>
+        </p:nvPicPr>
+        <p:blipFill>
+          <a:blip r:embed="rId4"/>
+          <a:stretch>
+            <a:fillRect/>
+          </a:stretch>
+        </p:blipFill>
+        <p:spPr>
+          <a:xfrm>
+            <a:off x="2388739" y="3176752"/>
+            <a:ext cx="937368" cy="937368"/>
+          </a:xfrm>
+          <a:prstGeom prst="rect">
+            <a:avLst/>
+          </a:prstGeom>
+        </p:spPr>
+      </p:pic>
+      <p:pic>
+        <p:nvPicPr>
+          <p:cNvPr id="26" name="Picture 25">
+            <a:extLst>
+              <a:ext uri="{FF2B5EF4-FFF2-40B4-BE49-F238E27FC236}">
+                <a16:creationId xmlns:a16="http://schemas.microsoft.com/office/drawing/2014/main" id="{689C65A8-C9DD-42EE-BF6F-146B3DF240C7}"/>
+              </a:ext>
+            </a:extLst>
+          </p:cNvPr>
+          <p:cNvPicPr>
+            <a:picLocks noChangeAspect="1"/>
+          </p:cNvPicPr>
+          <p:nvPr/>
+        </p:nvPicPr>
+        <p:blipFill>
+          <a:blip r:embed="rId4"/>
+          <a:stretch>
+            <a:fillRect/>
+          </a:stretch>
+        </p:blipFill>
+        <p:spPr>
+          <a:xfrm>
+            <a:off x="3630379" y="3176752"/>
+            <a:ext cx="937368" cy="937368"/>
+          </a:xfrm>
+          <a:prstGeom prst="rect">
+            <a:avLst/>
+          </a:prstGeom>
+        </p:spPr>
+      </p:pic>
+      <p:pic>
+        <p:nvPicPr>
+          <p:cNvPr id="23" name="Picture 22">
+            <a:extLst>
+              <a:ext uri="{FF2B5EF4-FFF2-40B4-BE49-F238E27FC236}">
+                <a16:creationId xmlns:a16="http://schemas.microsoft.com/office/drawing/2014/main" id="{1DB05DD7-8B69-4B88-B516-F3EE1EEB46F4}"/>
+              </a:ext>
+            </a:extLst>
+          </p:cNvPr>
+          <p:cNvPicPr>
+            <a:picLocks noChangeAspect="1"/>
+          </p:cNvPicPr>
+          <p:nvPr/>
+        </p:nvPicPr>
+        <p:blipFill>
+          <a:blip r:embed="rId5"/>
+          <a:stretch>
+            <a:fillRect/>
+          </a:stretch>
+        </p:blipFill>
+        <p:spPr>
+          <a:xfrm>
+            <a:off x="7639751" y="2113783"/>
+            <a:ext cx="2965359" cy="2225945"/>
+          </a:xfrm>
+          <a:prstGeom prst="rect">
+            <a:avLst/>
+          </a:prstGeom>
+        </p:spPr>
+      </p:pic>
+      <p:sp>
+        <p:nvSpPr>
+          <p:cNvPr id="8" name="TextBox 7">
+            <a:extLst>
+              <a:ext uri="{FF2B5EF4-FFF2-40B4-BE49-F238E27FC236}">
+                <a16:creationId xmlns:a16="http://schemas.microsoft.com/office/drawing/2014/main" id="{4BBBA7F8-9483-4268-BAF8-9CCC680B13B7}"/>
+              </a:ext>
+            </a:extLst>
+          </p:cNvPr>
+          <p:cNvSpPr txBox="1"/>
+          <p:nvPr/>
+        </p:nvSpPr>
+        <p:spPr>
+          <a:xfrm>
+            <a:off x="4336057" y="2808758"/>
+            <a:ext cx="4237253" cy="769441"/>
+          </a:xfrm>
+          <a:prstGeom prst="rect">
+            <a:avLst/>
+          </a:prstGeom>
+          <a:noFill/>
+        </p:spPr>
+        <p:txBody>
+          <a:bodyPr wrap="square" rtlCol="0">
+            <a:spAutoFit/>
+          </a:bodyPr>
+          <a:lstStyle/>
+          <a:p>
+            <a:pPr algn="ctr"/>
+            <a:r>
+              <a:rPr lang="en-GB" sz="4400" b="1" dirty="0">
+                <a:ln>
+                  <a:solidFill>
+                    <a:schemeClr val="bg1"/>
+                  </a:solidFill>
+                </a:ln>
+                <a:latin typeface="Courier New" panose="02070309020205020404" pitchFamily="49" charset="0"/>
+                <a:cs typeface="Courier New" panose="02070309020205020404" pitchFamily="49" charset="0"/>
+              </a:rPr>
+              <a:t>101010010101</a:t>
+            </a:r>
+          </a:p>
+        </p:txBody>
+      </p:sp>
+      <p:pic>
+        <p:nvPicPr>
+          <p:cNvPr id="1026" name="Picture 2" descr="Microsoft Teams (int. sub-page) | Wired Relations ...">
+            <a:extLst>
+              <a:ext uri="{FF2B5EF4-FFF2-40B4-BE49-F238E27FC236}">
+                <a16:creationId xmlns:a16="http://schemas.microsoft.com/office/drawing/2014/main" id="{5F60B85A-AC7E-4194-9AC0-5A1B8E87EC44}"/>
+              </a:ext>
+            </a:extLst>
+          </p:cNvPr>
+          <p:cNvPicPr>
+            <a:picLocks noChangeAspect="1" noChangeArrowheads="1"/>
+          </p:cNvPicPr>
+          <p:nvPr/>
+        </p:nvPicPr>
+        <p:blipFill>
+          <a:blip r:embed="rId6">
+            <a:extLst>
+              <a:ext uri="{28A0092B-C50C-407E-A947-70E740481C1C}">
+                <a14:useLocalDpi xmlns:a14="http://schemas.microsoft.com/office/drawing/2010/main" val="0"/>
+              </a:ext>
+            </a:extLst>
+          </a:blip>
+          <a:srcRect/>
+          <a:stretch>
+            <a:fillRect/>
+          </a:stretch>
+        </p:blipFill>
+        <p:spPr bwMode="auto">
+          <a:xfrm>
+            <a:off x="9327607" y="1868214"/>
+            <a:ext cx="1470663" cy="1470663"/>
+          </a:xfrm>
+          <a:prstGeom prst="rect">
+            <a:avLst/>
+          </a:prstGeom>
+          <a:noFill/>
+          <a:extLst>
+            <a:ext uri="{909E8E84-426E-40DD-AFC4-6F175D3DCCD1}">
+              <a14:hiddenFill xmlns:a14="http://schemas.microsoft.com/office/drawing/2010/main">
+                <a:solidFill>
+                  <a:srgbClr val="FFFFFF"/>
+                </a:solidFill>
+              </a14:hiddenFill>
+            </a:ext>
+          </a:extLst>
+        </p:spPr>
+      </p:pic>
+      <p:sp>
+        <p:nvSpPr>
+          <p:cNvPr id="19" name="Title 1">
+            <a:extLst>
+              <a:ext uri="{FF2B5EF4-FFF2-40B4-BE49-F238E27FC236}">
+                <a16:creationId xmlns:a16="http://schemas.microsoft.com/office/drawing/2014/main" id="{10A23E53-F5EA-42D4-A0A6-0F6B064D2CB6}"/>
+              </a:ext>
+            </a:extLst>
+          </p:cNvPr>
+          <p:cNvSpPr txBox="1">
+            <a:spLocks/>
+          </p:cNvSpPr>
+          <p:nvPr/>
+        </p:nvSpPr>
+        <p:spPr>
+          <a:xfrm>
+            <a:off x="2135532" y="5540751"/>
+            <a:ext cx="1498419" cy="480131"/>
+          </a:xfrm>
+          <a:prstGeom prst="rect">
+            <a:avLst/>
+          </a:prstGeom>
+          <a:solidFill>
+            <a:srgbClr val="03849A"/>
+          </a:solidFill>
+        </p:spPr>
+        <p:txBody>
+          <a:bodyPr vert="horz" wrap="square" lIns="91440" tIns="45720" rIns="91440" bIns="45720" rtlCol="0" anchor="t">
+            <a:spAutoFit/>
+          </a:bodyPr>
+          <a:lstStyle>
+            <a:lvl1pPr algn="ctr" defTabSz="914400" rtl="0" eaLnBrk="1" latinLnBrk="0" hangingPunct="1">
+              <a:lnSpc>
+                <a:spcPct val="90000"/>
+              </a:lnSpc>
+              <a:spcBef>
+                <a:spcPct val="0"/>
+              </a:spcBef>
+              <a:buNone/>
+              <a:defRPr sz="6000" kern="1200">
+                <a:solidFill>
+                  <a:schemeClr val="tx1"/>
+                </a:solidFill>
+                <a:latin typeface="+mj-lt"/>
+                <a:ea typeface="+mj-ea"/>
+                <a:cs typeface="+mj-cs"/>
+              </a:defRPr>
+            </a:lvl1pPr>
+          </a:lstStyle>
+          <a:p>
+            <a:pPr algn="l"/>
+            <a:r>
+              <a:rPr lang="en-GB" sz="2800" dirty="0">
+                <a:solidFill>
+                  <a:schemeClr val="bg1"/>
+                </a:solidFill>
+                <a:latin typeface="Verdana Pro Cond SemiBold" panose="020B0604020202020204" pitchFamily="34" charset="0"/>
+              </a:rPr>
+              <a:t>External</a:t>
+            </a:r>
+            <a:endParaRPr lang="en-US" sz="2800" dirty="0">
+              <a:solidFill>
+                <a:schemeClr val="bg1"/>
+              </a:solidFill>
+              <a:latin typeface="Verdana Pro Cond SemiBold" panose="020B0604020202020204" pitchFamily="34" charset="0"/>
+            </a:endParaRPr>
+          </a:p>
+        </p:txBody>
+      </p:sp>
+      <p:sp>
+        <p:nvSpPr>
+          <p:cNvPr id="21" name="Title 1">
+            <a:extLst>
+              <a:ext uri="{FF2B5EF4-FFF2-40B4-BE49-F238E27FC236}">
+                <a16:creationId xmlns:a16="http://schemas.microsoft.com/office/drawing/2014/main" id="{9153EF0C-997F-4EF6-AD6C-332102421EAB}"/>
+              </a:ext>
+            </a:extLst>
+          </p:cNvPr>
+          <p:cNvSpPr txBox="1">
+            <a:spLocks/>
+          </p:cNvSpPr>
+          <p:nvPr/>
+        </p:nvSpPr>
+        <p:spPr>
+          <a:xfrm>
+            <a:off x="5795761" y="5545905"/>
+            <a:ext cx="1520955" cy="480131"/>
+          </a:xfrm>
+          <a:prstGeom prst="rect">
+            <a:avLst/>
+          </a:prstGeom>
+          <a:solidFill>
+            <a:srgbClr val="03849A"/>
+          </a:solidFill>
+        </p:spPr>
+        <p:txBody>
+          <a:bodyPr vert="horz" wrap="square" lIns="91440" tIns="45720" rIns="91440" bIns="45720" rtlCol="0" anchor="t">
+            <a:spAutoFit/>
+          </a:bodyPr>
+          <a:lstStyle>
+            <a:lvl1pPr algn="ctr" defTabSz="914400" rtl="0" eaLnBrk="1" latinLnBrk="0" hangingPunct="1">
+              <a:lnSpc>
+                <a:spcPct val="90000"/>
+              </a:lnSpc>
+              <a:spcBef>
+                <a:spcPct val="0"/>
+              </a:spcBef>
+              <a:buNone/>
+              <a:defRPr sz="6000" kern="1200">
+                <a:solidFill>
+                  <a:schemeClr val="tx1"/>
+                </a:solidFill>
+                <a:latin typeface="+mj-lt"/>
+                <a:ea typeface="+mj-ea"/>
+                <a:cs typeface="+mj-cs"/>
+              </a:defRPr>
+            </a:lvl1pPr>
+          </a:lstStyle>
+          <a:p>
+            <a:pPr algn="l"/>
+            <a:r>
+              <a:rPr lang="en-GB" sz="2800" dirty="0">
+                <a:solidFill>
+                  <a:schemeClr val="bg1"/>
+                </a:solidFill>
+                <a:latin typeface="Verdana Pro Cond SemiBold" panose="020B0604020202020204" pitchFamily="34" charset="0"/>
+              </a:rPr>
+              <a:t>Wireless</a:t>
+            </a:r>
+            <a:endParaRPr lang="en-US" sz="2800" dirty="0">
+              <a:solidFill>
+                <a:schemeClr val="bg1"/>
+              </a:solidFill>
+              <a:latin typeface="Verdana Pro Cond SemiBold" panose="020B0604020202020204" pitchFamily="34" charset="0"/>
+            </a:endParaRPr>
+          </a:p>
+        </p:txBody>
+      </p:sp>
+      <p:sp>
+        <p:nvSpPr>
+          <p:cNvPr id="22" name="Title 1">
+            <a:extLst>
+              <a:ext uri="{FF2B5EF4-FFF2-40B4-BE49-F238E27FC236}">
+                <a16:creationId xmlns:a16="http://schemas.microsoft.com/office/drawing/2014/main" id="{9FB5F6DD-1AED-474C-A30C-A9E828BD47FD}"/>
+              </a:ext>
+            </a:extLst>
+          </p:cNvPr>
+          <p:cNvSpPr txBox="1">
+            <a:spLocks/>
+          </p:cNvSpPr>
+          <p:nvPr/>
+        </p:nvSpPr>
+        <p:spPr>
+          <a:xfrm>
+            <a:off x="8134790" y="5540751"/>
+            <a:ext cx="2488513" cy="480131"/>
+          </a:xfrm>
+          <a:prstGeom prst="rect">
+            <a:avLst/>
+          </a:prstGeom>
+          <a:solidFill>
+            <a:srgbClr val="03849A"/>
+          </a:solidFill>
+        </p:spPr>
+        <p:txBody>
+          <a:bodyPr vert="horz" wrap="square" lIns="91440" tIns="45720" rIns="91440" bIns="45720" rtlCol="0" anchor="t">
+            <a:spAutoFit/>
+          </a:bodyPr>
+          <a:lstStyle>
+            <a:lvl1pPr algn="ctr" defTabSz="914400" rtl="0" eaLnBrk="1" latinLnBrk="0" hangingPunct="1">
+              <a:lnSpc>
+                <a:spcPct val="90000"/>
+              </a:lnSpc>
+              <a:spcBef>
+                <a:spcPct val="0"/>
+              </a:spcBef>
+              <a:buNone/>
+              <a:defRPr sz="6000" kern="1200">
+                <a:solidFill>
+                  <a:schemeClr val="tx1"/>
+                </a:solidFill>
+                <a:latin typeface="+mj-lt"/>
+                <a:ea typeface="+mj-ea"/>
+                <a:cs typeface="+mj-cs"/>
+              </a:defRPr>
+            </a:lvl1pPr>
+          </a:lstStyle>
+          <a:p>
+            <a:pPr algn="l"/>
+            <a:r>
+              <a:rPr lang="en-GB" sz="2800" dirty="0">
+                <a:solidFill>
+                  <a:schemeClr val="bg1"/>
+                </a:solidFill>
+                <a:latin typeface="Verdana Pro Cond SemiBold" panose="020B0604020202020204" pitchFamily="34" charset="0"/>
+              </a:rPr>
+              <a:t>PC software to</a:t>
+            </a:r>
+            <a:endParaRPr lang="en-US" sz="2800" dirty="0">
+              <a:solidFill>
+                <a:schemeClr val="bg1"/>
+              </a:solidFill>
+              <a:latin typeface="Verdana Pro Cond SemiBold" panose="020B0604020202020204" pitchFamily="34" charset="0"/>
+            </a:endParaRPr>
+          </a:p>
+        </p:txBody>
+      </p:sp>
+      <p:sp>
+        <p:nvSpPr>
+          <p:cNvPr id="24" name="Title 1">
+            <a:extLst>
+              <a:ext uri="{FF2B5EF4-FFF2-40B4-BE49-F238E27FC236}">
+                <a16:creationId xmlns:a16="http://schemas.microsoft.com/office/drawing/2014/main" id="{B508ADEC-1E5C-40E3-B849-5ABDD254DB76}"/>
+              </a:ext>
+            </a:extLst>
+          </p:cNvPr>
+          <p:cNvSpPr txBox="1">
+            <a:spLocks/>
+          </p:cNvSpPr>
+          <p:nvPr/>
+        </p:nvSpPr>
+        <p:spPr>
+          <a:xfrm>
+            <a:off x="8137418" y="6103055"/>
+            <a:ext cx="2380378" cy="480131"/>
+          </a:xfrm>
+          <a:prstGeom prst="rect">
+            <a:avLst/>
+          </a:prstGeom>
+          <a:solidFill>
+            <a:srgbClr val="03849A"/>
+          </a:solidFill>
+        </p:spPr>
+        <p:txBody>
+          <a:bodyPr vert="horz" wrap="square" lIns="91440" tIns="45720" rIns="91440" bIns="45720" rtlCol="0" anchor="t">
+            <a:spAutoFit/>
+          </a:bodyPr>
+          <a:lstStyle>
+            <a:lvl1pPr algn="ctr" defTabSz="914400" rtl="0" eaLnBrk="1" latinLnBrk="0" hangingPunct="1">
+              <a:lnSpc>
+                <a:spcPct val="90000"/>
+              </a:lnSpc>
+              <a:spcBef>
+                <a:spcPct val="0"/>
+              </a:spcBef>
+              <a:buNone/>
+              <a:defRPr sz="6000" kern="1200">
+                <a:solidFill>
+                  <a:schemeClr val="tx1"/>
+                </a:solidFill>
+                <a:latin typeface="+mj-lt"/>
+                <a:ea typeface="+mj-ea"/>
+                <a:cs typeface="+mj-cs"/>
+              </a:defRPr>
+            </a:lvl1pPr>
+          </a:lstStyle>
+          <a:p>
+            <a:pPr algn="l"/>
+            <a:r>
+              <a:rPr lang="en-GB" sz="2800" dirty="0">
+                <a:solidFill>
+                  <a:schemeClr val="bg1"/>
+                </a:solidFill>
+                <a:latin typeface="Verdana Pro Cond SemiBold" panose="020B0604020202020204" pitchFamily="34" charset="0"/>
+              </a:rPr>
+              <a:t>control teams</a:t>
+            </a:r>
+            <a:endParaRPr lang="en-US" sz="2800" dirty="0">
+              <a:solidFill>
+                <a:schemeClr val="bg1"/>
+              </a:solidFill>
+              <a:latin typeface="Verdana Pro Cond SemiBold" panose="020B0604020202020204" pitchFamily="34" charset="0"/>
+            </a:endParaRPr>
+          </a:p>
+        </p:txBody>
+      </p:sp>
+      <p:sp>
+        <p:nvSpPr>
+          <p:cNvPr id="27" name="Title 1">
+            <a:extLst>
+              <a:ext uri="{FF2B5EF4-FFF2-40B4-BE49-F238E27FC236}">
+                <a16:creationId xmlns:a16="http://schemas.microsoft.com/office/drawing/2014/main" id="{D91C0995-66D6-479B-B6FE-410B75A37AAE}"/>
+              </a:ext>
+            </a:extLst>
+          </p:cNvPr>
+          <p:cNvSpPr txBox="1">
+            <a:spLocks/>
+          </p:cNvSpPr>
+          <p:nvPr/>
+        </p:nvSpPr>
+        <p:spPr>
+          <a:xfrm>
+            <a:off x="5797480" y="6095172"/>
+            <a:ext cx="1519236" cy="480131"/>
+          </a:xfrm>
+          <a:prstGeom prst="rect">
+            <a:avLst/>
+          </a:prstGeom>
+          <a:solidFill>
+            <a:srgbClr val="03849A"/>
+          </a:solidFill>
+        </p:spPr>
+        <p:txBody>
+          <a:bodyPr vert="horz" wrap="square" lIns="91440" tIns="45720" rIns="91440" bIns="45720" rtlCol="0" anchor="t">
+            <a:spAutoFit/>
+          </a:bodyPr>
+          <a:lstStyle>
+            <a:lvl1pPr algn="ctr" defTabSz="914400" rtl="0" eaLnBrk="1" latinLnBrk="0" hangingPunct="1">
+              <a:lnSpc>
+                <a:spcPct val="90000"/>
+              </a:lnSpc>
+              <a:spcBef>
+                <a:spcPct val="0"/>
+              </a:spcBef>
+              <a:buNone/>
+              <a:defRPr sz="6000" kern="1200">
+                <a:solidFill>
+                  <a:schemeClr val="tx1"/>
+                </a:solidFill>
+                <a:latin typeface="+mj-lt"/>
+                <a:ea typeface="+mj-ea"/>
+                <a:cs typeface="+mj-cs"/>
+              </a:defRPr>
+            </a:lvl1pPr>
+          </a:lstStyle>
+          <a:p>
+            <a:pPr algn="l"/>
+            <a:r>
+              <a:rPr lang="en-GB" sz="2800" dirty="0">
+                <a:solidFill>
+                  <a:schemeClr val="bg1"/>
+                </a:solidFill>
+                <a:latin typeface="Verdana Pro Cond SemiBold" panose="020B0604020202020204" pitchFamily="34" charset="0"/>
+              </a:rPr>
+              <a:t>protocol</a:t>
+            </a:r>
+            <a:endParaRPr lang="en-US" sz="2800" dirty="0">
+              <a:solidFill>
+                <a:schemeClr val="bg1"/>
+              </a:solidFill>
+              <a:latin typeface="Verdana Pro Cond SemiBold" panose="020B0604020202020204" pitchFamily="34" charset="0"/>
+            </a:endParaRPr>
+          </a:p>
+        </p:txBody>
+      </p:sp>
+      <p:sp>
+        <p:nvSpPr>
+          <p:cNvPr id="28" name="Title 1">
+            <a:extLst>
+              <a:ext uri="{FF2B5EF4-FFF2-40B4-BE49-F238E27FC236}">
+                <a16:creationId xmlns:a16="http://schemas.microsoft.com/office/drawing/2014/main" id="{E0D1F02A-1752-4C94-97CE-A8EA464C5558}"/>
+              </a:ext>
+            </a:extLst>
+          </p:cNvPr>
+          <p:cNvSpPr txBox="1">
+            <a:spLocks/>
+          </p:cNvSpPr>
+          <p:nvPr/>
+        </p:nvSpPr>
+        <p:spPr>
+          <a:xfrm>
+            <a:off x="2138160" y="6095172"/>
+            <a:ext cx="1755922" cy="480131"/>
+          </a:xfrm>
+          <a:prstGeom prst="rect">
+            <a:avLst/>
+          </a:prstGeom>
+          <a:solidFill>
+            <a:srgbClr val="03849A"/>
+          </a:solidFill>
+        </p:spPr>
+        <p:txBody>
+          <a:bodyPr vert="horz" wrap="square" lIns="91440" tIns="45720" rIns="91440" bIns="45720" rtlCol="0" anchor="t">
+            <a:spAutoFit/>
+          </a:bodyPr>
+          <a:lstStyle>
+            <a:lvl1pPr algn="ctr" defTabSz="914400" rtl="0" eaLnBrk="1" latinLnBrk="0" hangingPunct="1">
+              <a:lnSpc>
+                <a:spcPct val="90000"/>
+              </a:lnSpc>
+              <a:spcBef>
+                <a:spcPct val="0"/>
+              </a:spcBef>
+              <a:buNone/>
+              <a:defRPr sz="6000" kern="1200">
+                <a:solidFill>
+                  <a:schemeClr val="tx1"/>
+                </a:solidFill>
+                <a:latin typeface="+mj-lt"/>
+                <a:ea typeface="+mj-ea"/>
+                <a:cs typeface="+mj-cs"/>
+              </a:defRPr>
+            </a:lvl1pPr>
+          </a:lstStyle>
+          <a:p>
+            <a:pPr algn="l"/>
+            <a:r>
+              <a:rPr lang="en-GB" sz="2800" dirty="0">
+                <a:solidFill>
+                  <a:schemeClr val="bg1"/>
+                </a:solidFill>
+                <a:latin typeface="Verdana Pro Cond SemiBold" panose="020B0604020202020204" pitchFamily="34" charset="0"/>
+              </a:rPr>
+              <a:t>hardware</a:t>
+            </a:r>
+            <a:endParaRPr lang="en-US" sz="2800" dirty="0">
+              <a:solidFill>
+                <a:schemeClr val="bg1"/>
+              </a:solidFill>
+              <a:latin typeface="Verdana Pro Cond SemiBold" panose="020B0604020202020204" pitchFamily="34" charset="0"/>
+            </a:endParaRPr>
+          </a:p>
+        </p:txBody>
+      </p:sp>
+    </p:spTree>
+    <p:extLst>
+      <p:ext uri="{BB962C8B-B14F-4D97-AF65-F5344CB8AC3E}">
+        <p14:creationId xmlns:p14="http://schemas.microsoft.com/office/powerpoint/2010/main" val="3171963091"/>
+      </p:ext>
+    </p:extLst>
+  </p:cSld>
+  <p:clrMapOvr>
+    <a:masterClrMapping/>
+  </p:clrMapOvr>
+</p:sld>
+</file>
+
+<file path=ppt/slides/slide3.xml><?xml version="1.0" encoding="utf-8"?>
+<p:sld xmlns:a="http://schemas.openxmlformats.org/drawingml/2006/main" xmlns:r="http://schemas.openxmlformats.org/officeDocument/2006/relationships" xmlns:p="http://schemas.openxmlformats.org/presentationml/2006/main">
+  <p:cSld>
+    <p:spTree>
+      <p:nvGrpSpPr>
+        <p:cNvPr id="1" name=""/>
+        <p:cNvGrpSpPr/>
+        <p:nvPr/>
+      </p:nvGrpSpPr>
+      <p:grpSpPr>
+        <a:xfrm>
+          <a:off x="0" y="0"/>
+          <a:ext cx="0" cy="0"/>
+          <a:chOff x="0" y="0"/>
+          <a:chExt cx="0" cy="0"/>
+        </a:xfrm>
+      </p:grpSpPr>
+      <p:sp>
+        <p:nvSpPr>
+          <p:cNvPr id="2" name="Title 1">
+            <a:extLst>
+              <a:ext uri="{FF2B5EF4-FFF2-40B4-BE49-F238E27FC236}">
+                <a16:creationId xmlns:a16="http://schemas.microsoft.com/office/drawing/2014/main" id="{B320D08F-CEB3-4775-9265-17CE46531699}"/>
+              </a:ext>
+            </a:extLst>
+          </p:cNvPr>
+          <p:cNvSpPr>
+            <a:spLocks noGrp="1"/>
+          </p:cNvSpPr>
+          <p:nvPr>
+            <p:ph type="title"/>
+          </p:nvPr>
+        </p:nvSpPr>
+        <p:spPr/>
+        <p:txBody>
+          <a:bodyPr/>
+          <a:lstStyle/>
+          <a:p>
+            <a:r>
+              <a:rPr lang="en-GB" dirty="0"/>
+              <a:t>Hardware - Microcontroller</a:t>
+            </a:r>
+          </a:p>
+        </p:txBody>
+      </p:sp>
+      <p:pic>
+        <p:nvPicPr>
+          <p:cNvPr id="1026" name="Picture 2" descr="ARDUINO NANO: Arduino Nano V3, ATmega 328, Mini USB at ...">
+            <a:extLst>
+              <a:ext uri="{FF2B5EF4-FFF2-40B4-BE49-F238E27FC236}">
+                <a16:creationId xmlns:a16="http://schemas.microsoft.com/office/drawing/2014/main" id="{13B579BB-4717-4E16-9F64-469A2988AC76}"/>
+              </a:ext>
+            </a:extLst>
+          </p:cNvPr>
+          <p:cNvPicPr>
+            <a:picLocks noChangeAspect="1" noChangeArrowheads="1"/>
+          </p:cNvPicPr>
+          <p:nvPr/>
+        </p:nvPicPr>
+        <p:blipFill>
+          <a:blip r:embed="rId2">
+            <a:extLst>
+              <a:ext uri="{28A0092B-C50C-407E-A947-70E740481C1C}">
+                <a14:useLocalDpi xmlns:a14="http://schemas.microsoft.com/office/drawing/2010/main" val="0"/>
+              </a:ext>
+            </a:extLst>
+          </a:blip>
+          <a:srcRect/>
+          <a:stretch>
+            <a:fillRect/>
+          </a:stretch>
+        </p:blipFill>
+        <p:spPr bwMode="auto">
+          <a:xfrm>
+            <a:off x="8059677" y="1558863"/>
+            <a:ext cx="3140630" cy="2454771"/>
+          </a:xfrm>
+          <a:prstGeom prst="rect">
+            <a:avLst/>
+          </a:prstGeom>
+          <a:noFill/>
+          <a:extLst>
+            <a:ext uri="{909E8E84-426E-40DD-AFC4-6F175D3DCCD1}">
+              <a14:hiddenFill xmlns:a14="http://schemas.microsoft.com/office/drawing/2010/main">
+                <a:solidFill>
+                  <a:srgbClr val="FFFFFF"/>
+                </a:solidFill>
+              </a14:hiddenFill>
+            </a:ext>
+          </a:extLst>
+        </p:spPr>
+      </p:pic>
+      <p:pic>
+        <p:nvPicPr>
+          <p:cNvPr id="5" name="Picture 4">
+            <a:extLst>
+              <a:ext uri="{FF2B5EF4-FFF2-40B4-BE49-F238E27FC236}">
+                <a16:creationId xmlns:a16="http://schemas.microsoft.com/office/drawing/2014/main" id="{A758C1BC-BB2C-45C4-A576-65201AD6B7D7}"/>
+              </a:ext>
+            </a:extLst>
+          </p:cNvPr>
+          <p:cNvPicPr>
+            <a:picLocks noChangeAspect="1"/>
+          </p:cNvPicPr>
+          <p:nvPr/>
+        </p:nvPicPr>
+        <p:blipFill>
+          <a:blip r:embed="rId3"/>
+          <a:stretch>
+            <a:fillRect/>
+          </a:stretch>
+        </p:blipFill>
+        <p:spPr>
+          <a:xfrm>
+            <a:off x="541134" y="1875518"/>
+            <a:ext cx="5641415" cy="4452730"/>
+          </a:xfrm>
+          <a:prstGeom prst="rect">
+            <a:avLst/>
+          </a:prstGeom>
+        </p:spPr>
+      </p:pic>
+      <p:sp>
+        <p:nvSpPr>
+          <p:cNvPr id="7" name="Title 1">
+            <a:extLst>
+              <a:ext uri="{FF2B5EF4-FFF2-40B4-BE49-F238E27FC236}">
+                <a16:creationId xmlns:a16="http://schemas.microsoft.com/office/drawing/2014/main" id="{F5F5DE74-E323-4BCE-B539-18EB17E8B4A5}"/>
+              </a:ext>
+            </a:extLst>
+          </p:cNvPr>
+          <p:cNvSpPr txBox="1">
+            <a:spLocks/>
+          </p:cNvSpPr>
+          <p:nvPr/>
+        </p:nvSpPr>
+        <p:spPr>
+          <a:xfrm>
+            <a:off x="454585" y="1085497"/>
+            <a:ext cx="968633" cy="480131"/>
+          </a:xfrm>
+          <a:prstGeom prst="rect">
+            <a:avLst/>
+          </a:prstGeom>
+          <a:solidFill>
+            <a:srgbClr val="03849A"/>
+          </a:solidFill>
+        </p:spPr>
+        <p:txBody>
+          <a:bodyPr vert="horz" wrap="square" lIns="91440" tIns="45720" rIns="91440" bIns="45720" rtlCol="0" anchor="t">
+            <a:spAutoFit/>
+          </a:bodyPr>
+          <a:lstStyle>
+            <a:lvl1pPr algn="ctr" defTabSz="914400" rtl="0" eaLnBrk="1" latinLnBrk="0" hangingPunct="1">
+              <a:lnSpc>
+                <a:spcPct val="90000"/>
+              </a:lnSpc>
+              <a:spcBef>
+                <a:spcPct val="0"/>
+              </a:spcBef>
+              <a:buNone/>
+              <a:defRPr sz="6000" kern="1200">
+                <a:solidFill>
+                  <a:schemeClr val="tx1"/>
+                </a:solidFill>
+                <a:latin typeface="+mj-lt"/>
+                <a:ea typeface="+mj-ea"/>
+                <a:cs typeface="+mj-cs"/>
+              </a:defRPr>
+            </a:lvl1pPr>
+          </a:lstStyle>
+          <a:p>
+            <a:pPr algn="l"/>
+            <a:r>
+              <a:rPr lang="en-GB" sz="2800" dirty="0">
+                <a:solidFill>
+                  <a:schemeClr val="bg1"/>
+                </a:solidFill>
+                <a:latin typeface="Verdana Pro Cond SemiBold" panose="020B0604020202020204" pitchFamily="34" charset="0"/>
+              </a:rPr>
+              <a:t>C++</a:t>
+            </a:r>
+            <a:endParaRPr lang="en-US" sz="2800" dirty="0">
+              <a:solidFill>
+                <a:schemeClr val="bg1"/>
+              </a:solidFill>
+              <a:latin typeface="Verdana Pro Cond SemiBold" panose="020B0604020202020204" pitchFamily="34" charset="0"/>
+            </a:endParaRPr>
+          </a:p>
+        </p:txBody>
+      </p:sp>
+      <p:sp>
+        <p:nvSpPr>
+          <p:cNvPr id="8" name="Title 1">
+            <a:extLst>
+              <a:ext uri="{FF2B5EF4-FFF2-40B4-BE49-F238E27FC236}">
+                <a16:creationId xmlns:a16="http://schemas.microsoft.com/office/drawing/2014/main" id="{65CDEC6D-5AC7-4944-B449-4AF7CC15DAC3}"/>
+              </a:ext>
+            </a:extLst>
+          </p:cNvPr>
+          <p:cNvSpPr txBox="1">
+            <a:spLocks/>
+          </p:cNvSpPr>
+          <p:nvPr/>
+        </p:nvSpPr>
+        <p:spPr>
+          <a:xfrm>
+            <a:off x="7540434" y="1273220"/>
+            <a:ext cx="2404864" cy="480131"/>
+          </a:xfrm>
+          <a:prstGeom prst="rect">
+            <a:avLst/>
+          </a:prstGeom>
+          <a:solidFill>
+            <a:srgbClr val="03849A"/>
+          </a:solidFill>
+        </p:spPr>
+        <p:txBody>
+          <a:bodyPr vert="horz" wrap="square" lIns="91440" tIns="45720" rIns="91440" bIns="45720" rtlCol="0" anchor="t">
+            <a:spAutoFit/>
+          </a:bodyPr>
+          <a:lstStyle>
+            <a:lvl1pPr algn="ctr" defTabSz="914400" rtl="0" eaLnBrk="1" latinLnBrk="0" hangingPunct="1">
+              <a:lnSpc>
+                <a:spcPct val="90000"/>
+              </a:lnSpc>
+              <a:spcBef>
+                <a:spcPct val="0"/>
+              </a:spcBef>
+              <a:buNone/>
+              <a:defRPr sz="6000" kern="1200">
+                <a:solidFill>
+                  <a:schemeClr val="tx1"/>
+                </a:solidFill>
+                <a:latin typeface="+mj-lt"/>
+                <a:ea typeface="+mj-ea"/>
+                <a:cs typeface="+mj-cs"/>
+              </a:defRPr>
+            </a:lvl1pPr>
+          </a:lstStyle>
+          <a:p>
+            <a:pPr algn="l"/>
+            <a:r>
+              <a:rPr lang="en-GB" sz="2800" dirty="0">
+                <a:solidFill>
+                  <a:schemeClr val="bg1"/>
+                </a:solidFill>
+                <a:latin typeface="Verdana Pro Cond SemiBold" panose="020B0604020202020204" pitchFamily="34" charset="0"/>
+              </a:rPr>
+              <a:t>Arduino Nano</a:t>
+            </a:r>
+            <a:endParaRPr lang="en-US" sz="2800" dirty="0">
+              <a:solidFill>
+                <a:schemeClr val="bg1"/>
+              </a:solidFill>
+              <a:latin typeface="Verdana Pro Cond SemiBold" panose="020B0604020202020204" pitchFamily="34" charset="0"/>
+            </a:endParaRPr>
+          </a:p>
+        </p:txBody>
+      </p:sp>
+      <p:sp>
+        <p:nvSpPr>
+          <p:cNvPr id="9" name="TextBox 8">
+            <a:extLst>
+              <a:ext uri="{FF2B5EF4-FFF2-40B4-BE49-F238E27FC236}">
+                <a16:creationId xmlns:a16="http://schemas.microsoft.com/office/drawing/2014/main" id="{522A9DA6-ADC7-4EF9-AD22-7EE1C5860307}"/>
+              </a:ext>
+            </a:extLst>
+          </p:cNvPr>
+          <p:cNvSpPr txBox="1"/>
+          <p:nvPr/>
+        </p:nvSpPr>
+        <p:spPr>
+          <a:xfrm>
+            <a:off x="4756688" y="1987727"/>
+            <a:ext cx="1688283" cy="523220"/>
+          </a:xfrm>
+          <a:prstGeom prst="rect">
+            <a:avLst/>
+          </a:prstGeom>
+          <a:noFill/>
+        </p:spPr>
+        <p:txBody>
+          <a:bodyPr wrap="none" rtlCol="0">
+            <a:spAutoFit/>
+          </a:bodyPr>
+          <a:lstStyle/>
+          <a:p>
+            <a:r>
+              <a:rPr lang="en-GB" sz="2800" b="1" dirty="0">
+                <a:latin typeface="Courier New" panose="02070309020205020404" pitchFamily="49" charset="0"/>
+                <a:cs typeface="Courier New" panose="02070309020205020404" pitchFamily="49" charset="0"/>
+              </a:rPr>
+              <a:t>Compile</a:t>
+            </a:r>
+          </a:p>
+        </p:txBody>
+      </p:sp>
+      <p:sp>
+        <p:nvSpPr>
+          <p:cNvPr id="11" name="TextBox 10">
+            <a:extLst>
+              <a:ext uri="{FF2B5EF4-FFF2-40B4-BE49-F238E27FC236}">
+                <a16:creationId xmlns:a16="http://schemas.microsoft.com/office/drawing/2014/main" id="{59ED4AE1-3093-4E6F-A7CE-D540830BF144}"/>
+              </a:ext>
+            </a:extLst>
+          </p:cNvPr>
+          <p:cNvSpPr txBox="1"/>
+          <p:nvPr/>
+        </p:nvSpPr>
+        <p:spPr>
+          <a:xfrm>
+            <a:off x="5888196" y="5259203"/>
+            <a:ext cx="1473480" cy="523220"/>
+          </a:xfrm>
+          <a:prstGeom prst="rect">
+            <a:avLst/>
+          </a:prstGeom>
+          <a:noFill/>
+        </p:spPr>
+        <p:txBody>
+          <a:bodyPr wrap="none" rtlCol="0">
+            <a:spAutoFit/>
+          </a:bodyPr>
+          <a:lstStyle/>
+          <a:p>
+            <a:r>
+              <a:rPr lang="en-GB" sz="2800" b="1" dirty="0">
+                <a:latin typeface="Courier New" panose="02070309020205020404" pitchFamily="49" charset="0"/>
+                <a:cs typeface="Courier New" panose="02070309020205020404" pitchFamily="49" charset="0"/>
+              </a:rPr>
+              <a:t>Upload</a:t>
+            </a:r>
+          </a:p>
+        </p:txBody>
+      </p:sp>
+      <p:pic>
+        <p:nvPicPr>
+          <p:cNvPr id="1028" name="Picture 4" descr="30cm Short Genuine BlackBerry Micro USB Data Sync Charger ...">
+            <a:extLst>
+              <a:ext uri="{FF2B5EF4-FFF2-40B4-BE49-F238E27FC236}">
+                <a16:creationId xmlns:a16="http://schemas.microsoft.com/office/drawing/2014/main" id="{A0983744-6A21-44D7-B470-A4852BCEB8A9}"/>
+              </a:ext>
+            </a:extLst>
+          </p:cNvPr>
+          <p:cNvPicPr>
+            <a:picLocks noChangeAspect="1" noChangeArrowheads="1"/>
+          </p:cNvPicPr>
+          <p:nvPr/>
+        </p:nvPicPr>
+        <p:blipFill>
+          <a:blip r:embed="rId4">
+            <a:extLst>
+              <a:ext uri="{28A0092B-C50C-407E-A947-70E740481C1C}">
+                <a14:useLocalDpi xmlns:a14="http://schemas.microsoft.com/office/drawing/2010/main" val="0"/>
+              </a:ext>
+            </a:extLst>
+          </a:blip>
+          <a:srcRect/>
+          <a:stretch>
+            <a:fillRect/>
+          </a:stretch>
+        </p:blipFill>
+        <p:spPr bwMode="auto">
+          <a:xfrm rot="10451204">
+            <a:off x="5051342" y="2536889"/>
+            <a:ext cx="2524837" cy="2524837"/>
+          </a:xfrm>
+          <a:prstGeom prst="rect">
+            <a:avLst/>
+          </a:prstGeom>
+          <a:noFill/>
+          <a:extLst>
+            <a:ext uri="{909E8E84-426E-40DD-AFC4-6F175D3DCCD1}">
+              <a14:hiddenFill xmlns:a14="http://schemas.microsoft.com/office/drawing/2010/main">
+                <a:solidFill>
+                  <a:srgbClr val="FFFFFF"/>
+                </a:solidFill>
+              </a14:hiddenFill>
+            </a:ext>
+          </a:extLst>
+        </p:spPr>
+      </p:pic>
+      <p:sp>
+        <p:nvSpPr>
+          <p:cNvPr id="12" name="Content Placeholder 2">
+            <a:extLst>
+              <a:ext uri="{FF2B5EF4-FFF2-40B4-BE49-F238E27FC236}">
+                <a16:creationId xmlns:a16="http://schemas.microsoft.com/office/drawing/2014/main" id="{F9601A8D-7B4D-4836-BC14-3F212B34B354}"/>
+              </a:ext>
+            </a:extLst>
+          </p:cNvPr>
+          <p:cNvSpPr>
+            <a:spLocks noGrp="1"/>
+          </p:cNvSpPr>
+          <p:nvPr>
+            <p:ph idx="1"/>
+          </p:nvPr>
+        </p:nvSpPr>
+        <p:spPr>
+          <a:xfrm>
+            <a:off x="7816646" y="4183626"/>
+            <a:ext cx="4522838" cy="2674374"/>
+          </a:xfrm>
+          <a:solidFill>
+            <a:schemeClr val="bg1">
+              <a:alpha val="83000"/>
+            </a:schemeClr>
+          </a:solidFill>
+        </p:spPr>
+        <p:txBody>
+          <a:bodyPr>
+            <a:normAutofit/>
+          </a:bodyPr>
+          <a:lstStyle/>
+          <a:p>
+            <a:r>
+              <a:rPr lang="en-GB" sz="2000" b="0" i="0" dirty="0">
+                <a:solidFill>
+                  <a:srgbClr val="4F4E4E"/>
+                </a:solidFill>
+                <a:effectLst/>
+                <a:latin typeface="typoninesans regular 18"/>
+              </a:rPr>
+              <a:t>ATmega328 Microcontroller</a:t>
+            </a:r>
+          </a:p>
+          <a:p>
+            <a:r>
+              <a:rPr lang="en-GB" sz="2000" dirty="0">
+                <a:solidFill>
+                  <a:srgbClr val="4F4E4E"/>
+                </a:solidFill>
+                <a:latin typeface="typoninesans regular 18"/>
+              </a:rPr>
+              <a:t>32K Flash</a:t>
+            </a:r>
+          </a:p>
+          <a:p>
+            <a:r>
+              <a:rPr lang="en-GB" sz="2000" dirty="0">
+                <a:solidFill>
+                  <a:srgbClr val="4F4E4E"/>
+                </a:solidFill>
+                <a:latin typeface="typoninesans regular 18"/>
+              </a:rPr>
+              <a:t>2K DRAM</a:t>
+            </a:r>
+          </a:p>
+          <a:p>
+            <a:r>
+              <a:rPr lang="en-GB" sz="2000" dirty="0">
+                <a:solidFill>
+                  <a:srgbClr val="4F4E4E"/>
+                </a:solidFill>
+                <a:latin typeface="typoninesans regular 18"/>
+              </a:rPr>
+              <a:t>14 digital I/O pins</a:t>
+            </a:r>
+          </a:p>
+          <a:p>
+            <a:r>
+              <a:rPr lang="en-GB" sz="2000" dirty="0">
+                <a:solidFill>
+                  <a:srgbClr val="4F4E4E"/>
+                </a:solidFill>
+                <a:latin typeface="typoninesans regular 18"/>
+              </a:rPr>
+              <a:t>8 Analogue I/O pins</a:t>
+            </a:r>
+          </a:p>
+          <a:p>
+            <a:r>
+              <a:rPr lang="en-GB" sz="2000" dirty="0">
+                <a:solidFill>
+                  <a:srgbClr val="4F4E4E"/>
+                </a:solidFill>
+                <a:latin typeface="typoninesans regular 18"/>
+              </a:rPr>
+              <a:t>40 mA per pin</a:t>
+            </a:r>
+            <a:endParaRPr lang="en-US" sz="3200" dirty="0"/>
+          </a:p>
+        </p:txBody>
+      </p:sp>
+    </p:spTree>
+    <p:extLst>
+      <p:ext uri="{BB962C8B-B14F-4D97-AF65-F5344CB8AC3E}">
+        <p14:creationId xmlns:p14="http://schemas.microsoft.com/office/powerpoint/2010/main" val="2690317456"/>
+      </p:ext>
+    </p:extLst>
+  </p:cSld>
+  <p:clrMapOvr>
+    <a:masterClrMapping/>
+  </p:clrMapOvr>
+</p:sld>
+</file>
+
+<file path=ppt/slides/slide4.xml><?xml version="1.0" encoding="utf-8"?>
+<p:sld xmlns:a="http://schemas.openxmlformats.org/drawingml/2006/main" xmlns:r="http://schemas.openxmlformats.org/officeDocument/2006/relationships" xmlns:p="http://schemas.openxmlformats.org/presentationml/2006/main">
+  <p:cSld>
+    <p:spTree>
+      <p:nvGrpSpPr>
+        <p:cNvPr id="1" name=""/>
+        <p:cNvGrpSpPr/>
+        <p:nvPr/>
+      </p:nvGrpSpPr>
+      <p:grpSpPr>
+        <a:xfrm>
+          <a:off x="0" y="0"/>
+          <a:ext cx="0" cy="0"/>
+          <a:chOff x="0" y="0"/>
+          <a:chExt cx="0" cy="0"/>
+        </a:xfrm>
+      </p:grpSpPr>
+      <p:pic>
+        <p:nvPicPr>
+          <p:cNvPr id="15" name="Picture 14">
+            <a:extLst>
+              <a:ext uri="{FF2B5EF4-FFF2-40B4-BE49-F238E27FC236}">
+                <a16:creationId xmlns:a16="http://schemas.microsoft.com/office/drawing/2014/main" id="{1CC3E0CE-D328-4EC1-A5B8-9584EA4B6D8B}"/>
+              </a:ext>
+            </a:extLst>
+          </p:cNvPr>
+          <p:cNvPicPr>
+            <a:picLocks noChangeAspect="1"/>
+          </p:cNvPicPr>
+          <p:nvPr/>
+        </p:nvPicPr>
+        <p:blipFill>
+          <a:blip r:embed="rId2"/>
+          <a:stretch>
+            <a:fillRect/>
+          </a:stretch>
+        </p:blipFill>
+        <p:spPr>
+          <a:xfrm>
+            <a:off x="2566219" y="985175"/>
+            <a:ext cx="7348721" cy="5828296"/>
+          </a:xfrm>
+          <a:prstGeom prst="rect">
+            <a:avLst/>
+          </a:prstGeom>
+        </p:spPr>
+      </p:pic>
+      <p:sp>
+        <p:nvSpPr>
+          <p:cNvPr id="2" name="Title 1">
+            <a:extLst>
+              <a:ext uri="{FF2B5EF4-FFF2-40B4-BE49-F238E27FC236}">
+                <a16:creationId xmlns:a16="http://schemas.microsoft.com/office/drawing/2014/main" id="{948833DA-25E0-42A7-8BDC-D4D59936CFBF}"/>
+              </a:ext>
+            </a:extLst>
+          </p:cNvPr>
+          <p:cNvSpPr>
+            <a:spLocks noGrp="1"/>
+          </p:cNvSpPr>
+          <p:nvPr>
+            <p:ph type="title"/>
+          </p:nvPr>
+        </p:nvSpPr>
+        <p:spPr/>
+        <p:txBody>
+          <a:bodyPr/>
+          <a:lstStyle/>
+          <a:p>
+            <a:r>
+              <a:rPr lang="en-GB" dirty="0"/>
+              <a:t>Hardware - Schematic</a:t>
+            </a:r>
+            <a:endParaRPr lang="en-US" dirty="0"/>
+          </a:p>
+        </p:txBody>
+      </p:sp>
+      <p:sp>
+        <p:nvSpPr>
+          <p:cNvPr id="8" name="TextBox 7">
+            <a:extLst>
+              <a:ext uri="{FF2B5EF4-FFF2-40B4-BE49-F238E27FC236}">
+                <a16:creationId xmlns:a16="http://schemas.microsoft.com/office/drawing/2014/main" id="{2AF5F55F-3A35-4863-A097-9901D73DB583}"/>
+              </a:ext>
+            </a:extLst>
+          </p:cNvPr>
+          <p:cNvSpPr txBox="1"/>
+          <p:nvPr/>
+        </p:nvSpPr>
+        <p:spPr>
+          <a:xfrm>
+            <a:off x="2222307" y="2934464"/>
+            <a:ext cx="889603" cy="523220"/>
+          </a:xfrm>
+          <a:prstGeom prst="rect">
+            <a:avLst/>
+          </a:prstGeom>
+          <a:noFill/>
+        </p:spPr>
+        <p:txBody>
+          <a:bodyPr wrap="square" rtlCol="0">
+            <a:spAutoFit/>
+          </a:bodyPr>
+          <a:lstStyle/>
+          <a:p>
+            <a:r>
+              <a:rPr lang="en-GB" sz="1400" dirty="0">
+                <a:solidFill>
+                  <a:srgbClr val="03849A"/>
+                </a:solidFill>
+                <a:latin typeface="Verdana Pro" panose="020B0604020202020204" pitchFamily="34" charset="0"/>
+                <a:cs typeface="Courier New" panose="02070309020205020404" pitchFamily="49" charset="0"/>
+              </a:rPr>
+              <a:t>Arduino Nano</a:t>
+            </a:r>
+          </a:p>
+        </p:txBody>
+      </p:sp>
+      <p:sp>
+        <p:nvSpPr>
+          <p:cNvPr id="9" name="TextBox 8">
+            <a:extLst>
+              <a:ext uri="{FF2B5EF4-FFF2-40B4-BE49-F238E27FC236}">
+                <a16:creationId xmlns:a16="http://schemas.microsoft.com/office/drawing/2014/main" id="{A753DF37-8646-4E89-8F7A-0379CF9ECC41}"/>
+              </a:ext>
+            </a:extLst>
+          </p:cNvPr>
+          <p:cNvSpPr txBox="1"/>
+          <p:nvPr/>
+        </p:nvSpPr>
+        <p:spPr>
+          <a:xfrm>
+            <a:off x="9753154" y="4768528"/>
+            <a:ext cx="1710812" cy="738664"/>
+          </a:xfrm>
+          <a:prstGeom prst="rect">
+            <a:avLst/>
+          </a:prstGeom>
+          <a:noFill/>
+        </p:spPr>
+        <p:txBody>
+          <a:bodyPr wrap="square" rtlCol="0">
+            <a:spAutoFit/>
+          </a:bodyPr>
+          <a:lstStyle/>
+          <a:p>
+            <a:r>
+              <a:rPr lang="en-GB" sz="1400" dirty="0">
+                <a:solidFill>
+                  <a:srgbClr val="03849A"/>
+                </a:solidFill>
+                <a:latin typeface="Verdana Pro" panose="020B0604020202020204" pitchFamily="34" charset="0"/>
+                <a:cs typeface="Courier New" panose="02070309020205020404" pitchFamily="49" charset="0"/>
+              </a:rPr>
+              <a:t>R1, R2, R3 - Pulldown resistors</a:t>
+            </a:r>
+          </a:p>
+        </p:txBody>
+      </p:sp>
+      <p:sp>
+        <p:nvSpPr>
+          <p:cNvPr id="10" name="TextBox 9">
+            <a:extLst>
+              <a:ext uri="{FF2B5EF4-FFF2-40B4-BE49-F238E27FC236}">
+                <a16:creationId xmlns:a16="http://schemas.microsoft.com/office/drawing/2014/main" id="{6308D80E-0504-4536-A48C-88F16D1BE45E}"/>
+              </a:ext>
+            </a:extLst>
+          </p:cNvPr>
+          <p:cNvSpPr txBox="1"/>
+          <p:nvPr/>
+        </p:nvSpPr>
+        <p:spPr>
+          <a:xfrm>
+            <a:off x="2628474" y="1196712"/>
+            <a:ext cx="1031088" cy="523220"/>
+          </a:xfrm>
+          <a:prstGeom prst="rect">
+            <a:avLst/>
+          </a:prstGeom>
+          <a:noFill/>
+        </p:spPr>
+        <p:txBody>
+          <a:bodyPr wrap="square" rtlCol="0">
+            <a:spAutoFit/>
+          </a:bodyPr>
+          <a:lstStyle/>
+          <a:p>
+            <a:r>
+              <a:rPr lang="en-GB" sz="1400" dirty="0">
+                <a:solidFill>
+                  <a:srgbClr val="03849A"/>
+                </a:solidFill>
+                <a:latin typeface="Verdana Pro" panose="020B0604020202020204" pitchFamily="34" charset="0"/>
+                <a:cs typeface="Courier New" panose="02070309020205020404" pitchFamily="49" charset="0"/>
+              </a:rPr>
+              <a:t>P1 – LCD contrast</a:t>
+            </a:r>
+          </a:p>
+        </p:txBody>
+      </p:sp>
+      <p:sp>
+        <p:nvSpPr>
+          <p:cNvPr id="11" name="TextBox 10">
+            <a:extLst>
+              <a:ext uri="{FF2B5EF4-FFF2-40B4-BE49-F238E27FC236}">
+                <a16:creationId xmlns:a16="http://schemas.microsoft.com/office/drawing/2014/main" id="{8CE6E4C0-35EB-4D27-9D80-08FC16AC574C}"/>
+              </a:ext>
+            </a:extLst>
+          </p:cNvPr>
+          <p:cNvSpPr txBox="1"/>
+          <p:nvPr/>
+        </p:nvSpPr>
+        <p:spPr>
+          <a:xfrm>
+            <a:off x="2566219" y="5872825"/>
+            <a:ext cx="1129411" cy="738664"/>
+          </a:xfrm>
+          <a:prstGeom prst="rect">
+            <a:avLst/>
+          </a:prstGeom>
+          <a:noFill/>
+        </p:spPr>
+        <p:txBody>
+          <a:bodyPr wrap="square" rtlCol="0">
+            <a:spAutoFit/>
+          </a:bodyPr>
+          <a:lstStyle/>
+          <a:p>
+            <a:r>
+              <a:rPr lang="en-GB" sz="1400" dirty="0">
+                <a:solidFill>
+                  <a:srgbClr val="03849A"/>
+                </a:solidFill>
+                <a:latin typeface="Verdana Pro" panose="020B0604020202020204" pitchFamily="34" charset="0"/>
+                <a:cs typeface="Courier New" panose="02070309020205020404" pitchFamily="49" charset="0"/>
+              </a:rPr>
+              <a:t>R4, R5 - Voltage divider</a:t>
+            </a:r>
+          </a:p>
+        </p:txBody>
+      </p:sp>
+      <p:sp>
+        <p:nvSpPr>
+          <p:cNvPr id="12" name="TextBox 11">
+            <a:extLst>
+              <a:ext uri="{FF2B5EF4-FFF2-40B4-BE49-F238E27FC236}">
+                <a16:creationId xmlns:a16="http://schemas.microsoft.com/office/drawing/2014/main" id="{C8CA6AF7-9C70-48DD-8047-68880473B498}"/>
+              </a:ext>
+            </a:extLst>
+          </p:cNvPr>
+          <p:cNvSpPr txBox="1"/>
+          <p:nvPr/>
+        </p:nvSpPr>
+        <p:spPr>
+          <a:xfrm>
+            <a:off x="9914940" y="2719021"/>
+            <a:ext cx="1710812" cy="738664"/>
+          </a:xfrm>
+          <a:prstGeom prst="rect">
+            <a:avLst/>
+          </a:prstGeom>
+          <a:noFill/>
+        </p:spPr>
+        <p:txBody>
+          <a:bodyPr wrap="square" rtlCol="0">
+            <a:spAutoFit/>
+          </a:bodyPr>
+          <a:lstStyle/>
+          <a:p>
+            <a:r>
+              <a:rPr lang="en-GB" sz="1400" dirty="0">
+                <a:solidFill>
+                  <a:srgbClr val="03849A"/>
+                </a:solidFill>
+                <a:latin typeface="Verdana Pro" panose="020B0604020202020204" pitchFamily="34" charset="0"/>
+                <a:cs typeface="Courier New" panose="02070309020205020404" pitchFamily="49" charset="0"/>
+              </a:rPr>
+              <a:t>R6 - Current limiting resistor for LED backlight</a:t>
+            </a:r>
+          </a:p>
+        </p:txBody>
+      </p:sp>
+      <p:sp>
+        <p:nvSpPr>
+          <p:cNvPr id="13" name="TextBox 12">
+            <a:extLst>
+              <a:ext uri="{FF2B5EF4-FFF2-40B4-BE49-F238E27FC236}">
+                <a16:creationId xmlns:a16="http://schemas.microsoft.com/office/drawing/2014/main" id="{3DCD7F3D-6944-4EC8-9AA9-72F068E810E9}"/>
+              </a:ext>
+            </a:extLst>
+          </p:cNvPr>
+          <p:cNvSpPr txBox="1"/>
+          <p:nvPr/>
+        </p:nvSpPr>
+        <p:spPr>
+          <a:xfrm>
+            <a:off x="9914940" y="1591080"/>
+            <a:ext cx="1710812" cy="738664"/>
+          </a:xfrm>
+          <a:prstGeom prst="rect">
+            <a:avLst/>
+          </a:prstGeom>
+          <a:noFill/>
+        </p:spPr>
+        <p:txBody>
+          <a:bodyPr wrap="square" rtlCol="0">
+            <a:spAutoFit/>
+          </a:bodyPr>
+          <a:lstStyle/>
+          <a:p>
+            <a:r>
+              <a:rPr lang="en-GB" sz="1400" dirty="0">
+                <a:solidFill>
+                  <a:srgbClr val="03849A"/>
+                </a:solidFill>
+                <a:latin typeface="Verdana Pro" panose="020B0604020202020204" pitchFamily="34" charset="0"/>
+                <a:cs typeface="Courier New" panose="02070309020205020404" pitchFamily="49" charset="0"/>
+              </a:rPr>
+              <a:t>S1 – Cycle</a:t>
+            </a:r>
+          </a:p>
+          <a:p>
+            <a:r>
+              <a:rPr lang="en-GB" sz="1400" dirty="0">
+                <a:solidFill>
+                  <a:srgbClr val="03849A"/>
+                </a:solidFill>
+                <a:latin typeface="Verdana Pro" panose="020B0604020202020204" pitchFamily="34" charset="0"/>
+                <a:cs typeface="Courier New" panose="02070309020205020404" pitchFamily="49" charset="0"/>
+              </a:rPr>
+              <a:t>S2 – Mute</a:t>
+            </a:r>
+          </a:p>
+          <a:p>
+            <a:r>
+              <a:rPr lang="en-GB" sz="1400" dirty="0">
+                <a:solidFill>
+                  <a:srgbClr val="03849A"/>
+                </a:solidFill>
+                <a:latin typeface="Verdana Pro" panose="020B0604020202020204" pitchFamily="34" charset="0"/>
+                <a:cs typeface="Courier New" panose="02070309020205020404" pitchFamily="49" charset="0"/>
+              </a:rPr>
+              <a:t>S3 - Camera</a:t>
+            </a:r>
+          </a:p>
+        </p:txBody>
+      </p:sp>
+      <p:sp>
+        <p:nvSpPr>
+          <p:cNvPr id="16" name="TextBox 15">
+            <a:extLst>
+              <a:ext uri="{FF2B5EF4-FFF2-40B4-BE49-F238E27FC236}">
+                <a16:creationId xmlns:a16="http://schemas.microsoft.com/office/drawing/2014/main" id="{472A8337-1EBE-4027-9580-D63F090056D6}"/>
+              </a:ext>
+            </a:extLst>
+          </p:cNvPr>
+          <p:cNvSpPr txBox="1"/>
+          <p:nvPr/>
+        </p:nvSpPr>
+        <p:spPr>
+          <a:xfrm>
+            <a:off x="9979296" y="5999779"/>
+            <a:ext cx="1710812" cy="523220"/>
+          </a:xfrm>
+          <a:prstGeom prst="rect">
+            <a:avLst/>
+          </a:prstGeom>
+          <a:noFill/>
+        </p:spPr>
+        <p:txBody>
+          <a:bodyPr wrap="square" rtlCol="0">
+            <a:spAutoFit/>
+          </a:bodyPr>
+          <a:lstStyle/>
+          <a:p>
+            <a:r>
+              <a:rPr lang="en-GB" sz="1400" dirty="0">
+                <a:solidFill>
+                  <a:srgbClr val="03849A"/>
+                </a:solidFill>
+                <a:latin typeface="Verdana Pro" panose="020B0604020202020204" pitchFamily="34" charset="0"/>
+                <a:cs typeface="Courier New" panose="02070309020205020404" pitchFamily="49" charset="0"/>
+              </a:rPr>
+              <a:t>J1 – Piezo buzzer</a:t>
+            </a:r>
+          </a:p>
+        </p:txBody>
+      </p:sp>
+      <p:sp>
+        <p:nvSpPr>
+          <p:cNvPr id="17" name="TextBox 16">
+            <a:extLst>
+              <a:ext uri="{FF2B5EF4-FFF2-40B4-BE49-F238E27FC236}">
+                <a16:creationId xmlns:a16="http://schemas.microsoft.com/office/drawing/2014/main" id="{DAAF099C-8637-4DEB-A952-DA3D673B8A24}"/>
+              </a:ext>
+            </a:extLst>
+          </p:cNvPr>
+          <p:cNvSpPr txBox="1"/>
+          <p:nvPr/>
+        </p:nvSpPr>
+        <p:spPr>
+          <a:xfrm>
+            <a:off x="5783993" y="1283303"/>
+            <a:ext cx="546945" cy="307777"/>
+          </a:xfrm>
+          <a:prstGeom prst="rect">
+            <a:avLst/>
+          </a:prstGeom>
+          <a:noFill/>
+        </p:spPr>
+        <p:txBody>
+          <a:bodyPr wrap="none" rtlCol="0">
+            <a:spAutoFit/>
+          </a:bodyPr>
+          <a:lstStyle/>
+          <a:p>
+            <a:r>
+              <a:rPr lang="en-GB" sz="1400" dirty="0">
+                <a:solidFill>
+                  <a:srgbClr val="03849A"/>
+                </a:solidFill>
+                <a:latin typeface="Verdana Pro" panose="020B0604020202020204" pitchFamily="34" charset="0"/>
+                <a:cs typeface="Courier New" panose="02070309020205020404" pitchFamily="49" charset="0"/>
+              </a:rPr>
+              <a:t>LCD</a:t>
+            </a:r>
+          </a:p>
+        </p:txBody>
+      </p:sp>
+      <p:sp>
+        <p:nvSpPr>
+          <p:cNvPr id="18" name="TextBox 17">
+            <a:extLst>
+              <a:ext uri="{FF2B5EF4-FFF2-40B4-BE49-F238E27FC236}">
+                <a16:creationId xmlns:a16="http://schemas.microsoft.com/office/drawing/2014/main" id="{D3233DA6-4813-423D-94D4-45DD9B1A6570}"/>
+              </a:ext>
+            </a:extLst>
+          </p:cNvPr>
+          <p:cNvSpPr txBox="1"/>
+          <p:nvPr/>
+        </p:nvSpPr>
+        <p:spPr>
+          <a:xfrm>
+            <a:off x="5380651" y="5051477"/>
+            <a:ext cx="1164249" cy="523220"/>
+          </a:xfrm>
+          <a:prstGeom prst="rect">
+            <a:avLst/>
+          </a:prstGeom>
+          <a:noFill/>
+        </p:spPr>
+        <p:txBody>
+          <a:bodyPr wrap="square" rtlCol="0">
+            <a:spAutoFit/>
+          </a:bodyPr>
+          <a:lstStyle/>
+          <a:p>
+            <a:r>
+              <a:rPr lang="en-GB" sz="1400" dirty="0">
+                <a:solidFill>
+                  <a:srgbClr val="03849A"/>
+                </a:solidFill>
+                <a:latin typeface="Verdana Pro" panose="020B0604020202020204" pitchFamily="34" charset="0"/>
+                <a:cs typeface="Courier New" panose="02070309020205020404" pitchFamily="49" charset="0"/>
+              </a:rPr>
+              <a:t>Bluetooth/ HC-05</a:t>
+            </a:r>
+          </a:p>
+        </p:txBody>
+      </p:sp>
+    </p:spTree>
+    <p:extLst>
+      <p:ext uri="{BB962C8B-B14F-4D97-AF65-F5344CB8AC3E}">
+        <p14:creationId xmlns:p14="http://schemas.microsoft.com/office/powerpoint/2010/main" val="2288012161"/>
+      </p:ext>
+    </p:extLst>
+  </p:cSld>
+  <p:clrMapOvr>
+    <a:masterClrMapping/>
+  </p:clrMapOvr>
+</p:sld>
+</file>
+
+<file path=ppt/slides/slide5.xml><?xml version="1.0" encoding="utf-8"?>
+<p:sld xmlns:a="http://schemas.openxmlformats.org/drawingml/2006/main" xmlns:r="http://schemas.openxmlformats.org/officeDocument/2006/relationships" xmlns:p="http://schemas.openxmlformats.org/presentationml/2006/main">
+  <p:cSld>
+    <p:spTree>
+      <p:nvGrpSpPr>
+        <p:cNvPr id="1" name=""/>
+        <p:cNvGrpSpPr/>
+        <p:nvPr/>
+      </p:nvGrpSpPr>
+      <p:grpSpPr>
+        <a:xfrm>
+          <a:off x="0" y="0"/>
+          <a:ext cx="0" cy="0"/>
+          <a:chOff x="0" y="0"/>
+          <a:chExt cx="0" cy="0"/>
+        </a:xfrm>
+      </p:grpSpPr>
+      <p:sp>
+        <p:nvSpPr>
+          <p:cNvPr id="2" name="Title 1">
+            <a:extLst>
+              <a:ext uri="{FF2B5EF4-FFF2-40B4-BE49-F238E27FC236}">
+                <a16:creationId xmlns:a16="http://schemas.microsoft.com/office/drawing/2014/main" id="{A5BD21C8-7758-463C-BC15-B7103A0D1438}"/>
+              </a:ext>
+            </a:extLst>
+          </p:cNvPr>
+          <p:cNvSpPr>
+            <a:spLocks noGrp="1"/>
+          </p:cNvSpPr>
+          <p:nvPr>
+            <p:ph type="title"/>
+          </p:nvPr>
+        </p:nvSpPr>
+        <p:spPr/>
+        <p:txBody>
+          <a:bodyPr/>
+          <a:lstStyle/>
+          <a:p>
+            <a:r>
+              <a:rPr lang="en-GB" dirty="0"/>
+              <a:t>Hardware - Reality</a:t>
+            </a:r>
+            <a:endParaRPr lang="en-US" dirty="0"/>
+          </a:p>
+        </p:txBody>
+      </p:sp>
+    </p:spTree>
+    <p:extLst>
+      <p:ext uri="{BB962C8B-B14F-4D97-AF65-F5344CB8AC3E}">
+        <p14:creationId xmlns:p14="http://schemas.microsoft.com/office/powerpoint/2010/main" val="3127256210"/>
+      </p:ext>
+    </p:extLst>
+  </p:cSld>
+  <p:clrMapOvr>
+    <a:masterClrMapping/>
+  </p:clrMapOvr>
+</p:sld>
+</file>
+
+<file path=ppt/slides/slide6.xml><?xml version="1.0" encoding="utf-8"?>
+<p:sld xmlns:a="http://schemas.openxmlformats.org/drawingml/2006/main" xmlns:r="http://schemas.openxmlformats.org/officeDocument/2006/relationships" xmlns:p="http://schemas.openxmlformats.org/presentationml/2006/main">
+  <p:cSld>
+    <p:spTree>
+      <p:nvGrpSpPr>
+        <p:cNvPr id="1" name=""/>
+        <p:cNvGrpSpPr/>
+        <p:nvPr/>
+      </p:nvGrpSpPr>
+      <p:grpSpPr>
+        <a:xfrm>
+          <a:off x="0" y="0"/>
+          <a:ext cx="0" cy="0"/>
+          <a:chOff x="0" y="0"/>
+          <a:chExt cx="0" cy="0"/>
+        </a:xfrm>
+      </p:grpSpPr>
+      <p:sp>
+        <p:nvSpPr>
+          <p:cNvPr id="2" name="Title 1">
+            <a:extLst>
+              <a:ext uri="{FF2B5EF4-FFF2-40B4-BE49-F238E27FC236}">
+                <a16:creationId xmlns:a16="http://schemas.microsoft.com/office/drawing/2014/main" id="{34C51CAE-A933-406C-8098-A0ABF50C5BF9}"/>
+              </a:ext>
+            </a:extLst>
+          </p:cNvPr>
+          <p:cNvSpPr>
+            <a:spLocks noGrp="1"/>
+          </p:cNvSpPr>
+          <p:nvPr>
+            <p:ph type="title"/>
+          </p:nvPr>
+        </p:nvSpPr>
+        <p:spPr/>
+        <p:txBody>
+          <a:bodyPr/>
+          <a:lstStyle/>
+          <a:p>
+            <a:r>
+              <a:rPr lang="en-GB" dirty="0"/>
+              <a:t>Protocol</a:t>
+            </a:r>
+            <a:endParaRPr lang="en-US" dirty="0"/>
+          </a:p>
+        </p:txBody>
+      </p:sp>
+    </p:spTree>
+    <p:extLst>
+      <p:ext uri="{BB962C8B-B14F-4D97-AF65-F5344CB8AC3E}">
+        <p14:creationId xmlns:p14="http://schemas.microsoft.com/office/powerpoint/2010/main" val="3293633059"/>
+      </p:ext>
+    </p:extLst>
+  </p:cSld>
+  <p:clrMapOvr>
+    <a:masterClrMapping/>
+  </p:clrMapOvr>
+</p:sld>
+</file>
+
+<file path=ppt/slides/slide7.xml><?xml version="1.0" encoding="utf-8"?>
+<p:sld xmlns:a="http://schemas.openxmlformats.org/drawingml/2006/main" xmlns:r="http://schemas.openxmlformats.org/officeDocument/2006/relationships" xmlns:p="http://schemas.openxmlformats.org/presentationml/2006/main">
+  <p:cSld>
+    <p:spTree>
+      <p:nvGrpSpPr>
+        <p:cNvPr id="1" name=""/>
+        <p:cNvGrpSpPr/>
+        <p:nvPr/>
+      </p:nvGrpSpPr>
+      <p:grpSpPr>
+        <a:xfrm>
+          <a:off x="0" y="0"/>
+          <a:ext cx="0" cy="0"/>
+          <a:chOff x="0" y="0"/>
+          <a:chExt cx="0" cy="0"/>
+        </a:xfrm>
+      </p:grpSpPr>
+      <p:sp>
+        <p:nvSpPr>
+          <p:cNvPr id="2" name="Title 1">
+            <a:extLst>
+              <a:ext uri="{FF2B5EF4-FFF2-40B4-BE49-F238E27FC236}">
+                <a16:creationId xmlns:a16="http://schemas.microsoft.com/office/drawing/2014/main" id="{F21E2F00-3B37-49C1-B2F1-7DF640426DBB}"/>
+              </a:ext>
+            </a:extLst>
+          </p:cNvPr>
+          <p:cNvSpPr>
+            <a:spLocks noGrp="1"/>
+          </p:cNvSpPr>
+          <p:nvPr>
+            <p:ph type="title"/>
+          </p:nvPr>
+        </p:nvSpPr>
+        <p:spPr/>
+        <p:txBody>
+          <a:bodyPr/>
+          <a:lstStyle/>
+          <a:p>
+            <a:r>
+              <a:rPr lang="en-GB" dirty="0"/>
+              <a:t>PC Software</a:t>
+            </a:r>
+            <a:endParaRPr lang="en-US" dirty="0"/>
+          </a:p>
+        </p:txBody>
+      </p:sp>
+      <p:sp>
+        <p:nvSpPr>
+          <p:cNvPr id="3" name="Content Placeholder 2">
+            <a:extLst>
+              <a:ext uri="{FF2B5EF4-FFF2-40B4-BE49-F238E27FC236}">
+                <a16:creationId xmlns:a16="http://schemas.microsoft.com/office/drawing/2014/main" id="{1CDEB903-E0E7-4099-9864-37F6F54FCF9C}"/>
+              </a:ext>
+            </a:extLst>
+          </p:cNvPr>
+          <p:cNvSpPr>
+            <a:spLocks noGrp="1"/>
+          </p:cNvSpPr>
+          <p:nvPr>
+            <p:ph idx="1"/>
+          </p:nvPr>
+        </p:nvSpPr>
+        <p:spPr/>
+        <p:txBody>
+          <a:bodyPr/>
+          <a:lstStyle/>
+          <a:p>
+            <a:endParaRPr lang="en-US"/>
+          </a:p>
+        </p:txBody>
+      </p:sp>
+    </p:spTree>
+    <p:extLst>
+      <p:ext uri="{BB962C8B-B14F-4D97-AF65-F5344CB8AC3E}">
+        <p14:creationId xmlns:p14="http://schemas.microsoft.com/office/powerpoint/2010/main" val="2406784128"/>
+      </p:ext>
+    </p:extLst>
+  </p:cSld>
+  <p:clrMapOvr>
+    <a:masterClrMapping/>
+  </p:clrMapOvr>
+</p:sld>
+</file>
+
+<file path=ppt/slides/slide8.xml><?xml version="1.0" encoding="utf-8"?>
+<p:sld xmlns:a="http://schemas.openxmlformats.org/drawingml/2006/main" xmlns:r="http://schemas.openxmlformats.org/officeDocument/2006/relationships" xmlns:p="http://schemas.openxmlformats.org/presentationml/2006/main">
+  <p:cSld>
+    <p:spTree>
+      <p:nvGrpSpPr>
+        <p:cNvPr id="1" name=""/>
+        <p:cNvGrpSpPr/>
+        <p:nvPr/>
+      </p:nvGrpSpPr>
+      <p:grpSpPr>
+        <a:xfrm>
+          <a:off x="0" y="0"/>
+          <a:ext cx="0" cy="0"/>
+          <a:chOff x="0" y="0"/>
+          <a:chExt cx="0" cy="0"/>
+        </a:xfrm>
+      </p:grpSpPr>
+      <p:sp>
+        <p:nvSpPr>
+          <p:cNvPr id="2" name="Title 1">
+            <a:extLst>
+              <a:ext uri="{FF2B5EF4-FFF2-40B4-BE49-F238E27FC236}">
+                <a16:creationId xmlns:a16="http://schemas.microsoft.com/office/drawing/2014/main" id="{7D6FE008-ABCC-4D97-A21A-9A48AA406ED1}"/>
+              </a:ext>
+            </a:extLst>
+          </p:cNvPr>
+          <p:cNvSpPr>
+            <a:spLocks noGrp="1"/>
+          </p:cNvSpPr>
+          <p:nvPr>
+            <p:ph type="title"/>
+          </p:nvPr>
+        </p:nvSpPr>
+        <p:spPr/>
+        <p:txBody>
+          <a:bodyPr/>
+          <a:lstStyle/>
+          <a:p>
+            <a:r>
+              <a:rPr lang="en-GB" dirty="0"/>
+              <a:t>Tracing an Example</a:t>
+            </a:r>
+          </a:p>
+        </p:txBody>
+      </p:sp>
+      <p:sp>
+        <p:nvSpPr>
+          <p:cNvPr id="3" name="Content Placeholder 2">
+            <a:extLst>
+              <a:ext uri="{FF2B5EF4-FFF2-40B4-BE49-F238E27FC236}">
+                <a16:creationId xmlns:a16="http://schemas.microsoft.com/office/drawing/2014/main" id="{8D62BAAF-1F0B-4168-8817-14CB8BF747A4}"/>
+              </a:ext>
+            </a:extLst>
+          </p:cNvPr>
+          <p:cNvSpPr>
+            <a:spLocks noGrp="1"/>
+          </p:cNvSpPr>
+          <p:nvPr>
+            <p:ph idx="1"/>
+          </p:nvPr>
+        </p:nvSpPr>
+        <p:spPr/>
+        <p:txBody>
+          <a:bodyPr/>
+          <a:lstStyle/>
+          <a:p>
+            <a:endParaRPr lang="en-GB"/>
+          </a:p>
+        </p:txBody>
+      </p:sp>
+    </p:spTree>
+    <p:extLst>
+      <p:ext uri="{BB962C8B-B14F-4D97-AF65-F5344CB8AC3E}">
+        <p14:creationId xmlns:p14="http://schemas.microsoft.com/office/powerpoint/2010/main" val="1887661938"/>
+      </p:ext>
+    </p:extLst>
+  </p:cSld>
+  <p:clrMapOvr>
+    <a:masterClrMapping/>
+  </p:clrMapOvr>
+</p:sld>
+</file>
+
+<file path=ppt/slides/slide9.xml><?xml version="1.0" encoding="utf-8"?>
+<p:sld xmlns:a="http://schemas.openxmlformats.org/drawingml/2006/main" xmlns:r="http://schemas.openxmlformats.org/officeDocument/2006/relationships" xmlns:p="http://schemas.openxmlformats.org/presentationml/2006/main">
+  <p:cSld>
+    <p:spTree>
+      <p:nvGrpSpPr>
+        <p:cNvPr id="1" name=""/>
+        <p:cNvGrpSpPr/>
+        <p:nvPr/>
+      </p:nvGrpSpPr>
+      <p:grpSpPr>
+        <a:xfrm>
+          <a:off x="0" y="0"/>
+          <a:ext cx="0" cy="0"/>
+          <a:chOff x="0" y="0"/>
+          <a:chExt cx="0" cy="0"/>
+        </a:xfrm>
+      </p:grpSpPr>
+      <p:sp>
+        <p:nvSpPr>
+          <p:cNvPr id="2" name="Title 1">
+            <a:extLst>
+              <a:ext uri="{FF2B5EF4-FFF2-40B4-BE49-F238E27FC236}">
+                <a16:creationId xmlns:a16="http://schemas.microsoft.com/office/drawing/2014/main" id="{2AE063DF-9C6C-43EE-9A23-46D9128CAE75}"/>
+              </a:ext>
+            </a:extLst>
+          </p:cNvPr>
+          <p:cNvSpPr>
+            <a:spLocks noGrp="1"/>
+          </p:cNvSpPr>
+          <p:nvPr>
+            <p:ph type="title"/>
+          </p:nvPr>
+        </p:nvSpPr>
+        <p:spPr/>
+        <p:txBody>
+          <a:bodyPr/>
+          <a:lstStyle/>
+          <a:p>
+            <a:r>
+              <a:rPr lang="en-GB" dirty="0"/>
+              <a:t>Demo</a:t>
+            </a:r>
+            <a:endParaRPr lang="en-US" dirty="0"/>
+          </a:p>
+        </p:txBody>
+      </p:sp>
+      <p:sp>
+        <p:nvSpPr>
+          <p:cNvPr id="3" name="Content Placeholder 2">
+            <a:extLst>
+              <a:ext uri="{FF2B5EF4-FFF2-40B4-BE49-F238E27FC236}">
+                <a16:creationId xmlns:a16="http://schemas.microsoft.com/office/drawing/2014/main" id="{394B5A33-F0CC-4FAF-945A-3F2B3A73EEB8}"/>
+              </a:ext>
+            </a:extLst>
+          </p:cNvPr>
+          <p:cNvSpPr>
+            <a:spLocks noGrp="1"/>
+          </p:cNvSpPr>
+          <p:nvPr>
+            <p:ph idx="1"/>
+          </p:nvPr>
+        </p:nvSpPr>
+        <p:spPr/>
+        <p:txBody>
+          <a:bodyPr/>
+          <a:lstStyle/>
+          <a:p>
+            <a:endParaRPr lang="en-US"/>
+          </a:p>
+        </p:txBody>
+      </p:sp>
+    </p:spTree>
+    <p:extLst>
+      <p:ext uri="{BB962C8B-B14F-4D97-AF65-F5344CB8AC3E}">
+        <p14:creationId xmlns:p14="http://schemas.microsoft.com/office/powerpoint/2010/main" val="3274606815"/>
       </p:ext>
     </p:extLst>
   </p:cSld>
